--- a/persistingData/persistingData.pptx
+++ b/persistingData/persistingData.pptx
@@ -5,18 +5,20 @@
     <p:sldMasterId id="2147483648" r:id="rId1"/>
   </p:sldMasterIdLst>
   <p:notesMasterIdLst>
-    <p:notesMasterId r:id="rId8"/>
+    <p:notesMasterId r:id="rId10"/>
   </p:notesMasterIdLst>
   <p:handoutMasterIdLst>
-    <p:handoutMasterId r:id="rId9"/>
+    <p:handoutMasterId r:id="rId11"/>
   </p:handoutMasterIdLst>
   <p:sldIdLst>
     <p:sldId id="256" r:id="rId2"/>
     <p:sldId id="266" r:id="rId3"/>
     <p:sldId id="267" r:id="rId4"/>
-    <p:sldId id="268" r:id="rId5"/>
-    <p:sldId id="269" r:id="rId6"/>
-    <p:sldId id="271" r:id="rId7"/>
+    <p:sldId id="273" r:id="rId5"/>
+    <p:sldId id="274" r:id="rId6"/>
+    <p:sldId id="268" r:id="rId7"/>
+    <p:sldId id="269" r:id="rId8"/>
+    <p:sldId id="271" r:id="rId9"/>
   </p:sldIdLst>
   <p:sldSz cx="9144000" cy="6858000" type="screen4x3"/>
   <p:notesSz cx="6858000" cy="9144000"/>
@@ -143,7 +145,7 @@
     </p:spTree>
     <p:extLst>
       <p:ext uri="{BB962C8B-B14F-4D97-AF65-F5344CB8AC3E}">
-        <p14:creationId xmlns="" xmlns:p14="http://schemas.microsoft.com/office/powerpoint/2010/main" val="2280443481"/>
+        <p14:creationId xmlns:p14="http://schemas.microsoft.com/office/powerpoint/2010/main" xmlns="" val="2280443481"/>
       </p:ext>
     </p:extLst>
   </p:cSld>
@@ -313,7 +315,7 @@
     </p:spTree>
     <p:extLst>
       <p:ext uri="{BB962C8B-B14F-4D97-AF65-F5344CB8AC3E}">
-        <p14:creationId xmlns="" xmlns:p14="http://schemas.microsoft.com/office/powerpoint/2010/main" val="1996866432"/>
+        <p14:creationId xmlns:p14="http://schemas.microsoft.com/office/powerpoint/2010/main" xmlns="" val="1996866432"/>
       </p:ext>
     </p:extLst>
   </p:cSld>
@@ -467,6 +469,154 @@
           <a:p>
             <a:r>
               <a:rPr lang="nb-NO" dirty="0" smtClean="0"/>
+              <a:t>Ulike typer</a:t>
+            </a:r>
+            <a:r>
+              <a:rPr lang="nb-NO" baseline="0" dirty="0" smtClean="0"/>
+              <a:t> providers implementerer samme interface slik at man bare gjøre en open på connection. SQL, OleDB, Oracle++</a:t>
+            </a:r>
+          </a:p>
+          <a:p>
+            <a:r>
+              <a:rPr lang="nb-NO" baseline="0" dirty="0" smtClean="0"/>
+              <a:t>Dataadapteren er en bridge mellom databasen og frakoblede objekter i ado objektmodellen, Fill metoden gir mulighet for å plassere data fra en query inn i et dataset så de lett kan aksesseres.</a:t>
+            </a:r>
+            <a:endParaRPr lang="en-US" dirty="0"/>
+          </a:p>
+        </p:txBody>
+      </p:sp>
+    </p:spTree>
+  </p:cSld>
+  <p:clrMapOvr>
+    <a:masterClrMapping/>
+  </p:clrMapOvr>
+</p:notes>
+</file>
+
+<file path=ppt/notesSlides/notesSlide2.xml><?xml version="1.0" encoding="utf-8"?>
+<p:notes xmlns:a="http://schemas.openxmlformats.org/drawingml/2006/main" xmlns:r="http://schemas.openxmlformats.org/officeDocument/2006/relationships" xmlns:p="http://schemas.openxmlformats.org/presentationml/2006/main">
+  <p:cSld>
+    <p:spTree>
+      <p:nvGrpSpPr>
+        <p:cNvPr id="1" name=""/>
+        <p:cNvGrpSpPr/>
+        <p:nvPr/>
+      </p:nvGrpSpPr>
+      <p:grpSpPr>
+        <a:xfrm>
+          <a:off x="0" y="0"/>
+          <a:ext cx="0" cy="0"/>
+          <a:chOff x="0" y="0"/>
+          <a:chExt cx="0" cy="0"/>
+        </a:xfrm>
+      </p:grpSpPr>
+      <p:sp>
+        <p:nvSpPr>
+          <p:cNvPr id="2" name="Slide Image Placeholder 1"/>
+          <p:cNvSpPr>
+            <a:spLocks noGrp="1" noRot="1" noChangeAspect="1"/>
+          </p:cNvSpPr>
+          <p:nvPr>
+            <p:ph type="sldImg"/>
+          </p:nvPr>
+        </p:nvSpPr>
+        <p:spPr>
+          <a:xfrm>
+            <a:off x="827088" y="592138"/>
+            <a:ext cx="5226050" cy="3919537"/>
+          </a:xfrm>
+        </p:spPr>
+      </p:sp>
+      <p:sp>
+        <p:nvSpPr>
+          <p:cNvPr id="3" name="Notes Placeholder 2"/>
+          <p:cNvSpPr>
+            <a:spLocks noGrp="1"/>
+          </p:cNvSpPr>
+          <p:nvPr>
+            <p:ph type="body" idx="1"/>
+          </p:nvPr>
+        </p:nvSpPr>
+        <p:spPr/>
+        <p:txBody>
+          <a:bodyPr>
+            <a:normAutofit/>
+          </a:bodyPr>
+          <a:lstStyle/>
+          <a:p>
+            <a:r>
+              <a:rPr lang="nb-NO" dirty="0" smtClean="0"/>
+              <a:t>Datasettet</a:t>
+            </a:r>
+            <a:r>
+              <a:rPr lang="nb-NO" baseline="0" dirty="0" smtClean="0"/>
+              <a:t> inneholder en in-memory representasjon av relasjonsdatabasen inkludert alle tabeller og relasjoner</a:t>
+            </a:r>
+            <a:endParaRPr lang="en-US" dirty="0"/>
+          </a:p>
+        </p:txBody>
+      </p:sp>
+    </p:spTree>
+  </p:cSld>
+  <p:clrMapOvr>
+    <a:masterClrMapping/>
+  </p:clrMapOvr>
+</p:notes>
+</file>
+
+<file path=ppt/notesSlides/notesSlide3.xml><?xml version="1.0" encoding="utf-8"?>
+<p:notes xmlns:a="http://schemas.openxmlformats.org/drawingml/2006/main" xmlns:r="http://schemas.openxmlformats.org/officeDocument/2006/relationships" xmlns:p="http://schemas.openxmlformats.org/presentationml/2006/main">
+  <p:cSld>
+    <p:spTree>
+      <p:nvGrpSpPr>
+        <p:cNvPr id="1" name=""/>
+        <p:cNvGrpSpPr/>
+        <p:nvPr/>
+      </p:nvGrpSpPr>
+      <p:grpSpPr>
+        <a:xfrm>
+          <a:off x="0" y="0"/>
+          <a:ext cx="0" cy="0"/>
+          <a:chOff x="0" y="0"/>
+          <a:chExt cx="0" cy="0"/>
+        </a:xfrm>
+      </p:grpSpPr>
+      <p:sp>
+        <p:nvSpPr>
+          <p:cNvPr id="2" name="Slide Image Placeholder 1"/>
+          <p:cNvSpPr>
+            <a:spLocks noGrp="1" noRot="1" noChangeAspect="1"/>
+          </p:cNvSpPr>
+          <p:nvPr>
+            <p:ph type="sldImg"/>
+          </p:nvPr>
+        </p:nvSpPr>
+        <p:spPr>
+          <a:xfrm>
+            <a:off x="827088" y="592138"/>
+            <a:ext cx="5226050" cy="3919537"/>
+          </a:xfrm>
+        </p:spPr>
+      </p:sp>
+      <p:sp>
+        <p:nvSpPr>
+          <p:cNvPr id="3" name="Notes Placeholder 2"/>
+          <p:cNvSpPr>
+            <a:spLocks noGrp="1"/>
+          </p:cNvSpPr>
+          <p:nvPr>
+            <p:ph type="body" idx="1"/>
+          </p:nvPr>
+        </p:nvSpPr>
+        <p:spPr/>
+        <p:txBody>
+          <a:bodyPr>
+            <a:normAutofit/>
+          </a:bodyPr>
+          <a:lstStyle/>
+          <a:p>
+            <a:r>
+              <a:rPr lang="nb-NO" dirty="0" smtClean="0"/>
               <a:t>Demo av hvordan man legger opp en</a:t>
             </a:r>
             <a:r>
@@ -911,7 +1061,7 @@
     </p:spTree>
     <p:extLst>
       <p:ext uri="{BB962C8B-B14F-4D97-AF65-F5344CB8AC3E}">
-        <p14:creationId xmlns="" xmlns:p14="http://schemas.microsoft.com/office/powerpoint/2010/main" val="1631701370"/>
+        <p14:creationId xmlns:p14="http://schemas.microsoft.com/office/powerpoint/2010/main" xmlns="" val="1631701370"/>
       </p:ext>
     </p:extLst>
   </p:cSld>
@@ -1232,7 +1382,7 @@
     </p:spTree>
     <p:extLst>
       <p:ext uri="{BB962C8B-B14F-4D97-AF65-F5344CB8AC3E}">
-        <p14:creationId xmlns="" xmlns:p14="http://schemas.microsoft.com/office/powerpoint/2010/main" val="2627694574"/>
+        <p14:creationId xmlns:p14="http://schemas.microsoft.com/office/powerpoint/2010/main" xmlns="" val="2627694574"/>
       </p:ext>
     </p:extLst>
   </p:cSld>
@@ -1551,7 +1701,7 @@
     </p:spTree>
     <p:extLst>
       <p:ext uri="{BB962C8B-B14F-4D97-AF65-F5344CB8AC3E}">
-        <p14:creationId xmlns="" xmlns:p14="http://schemas.microsoft.com/office/powerpoint/2010/main" val="2472564093"/>
+        <p14:creationId xmlns:p14="http://schemas.microsoft.com/office/powerpoint/2010/main" xmlns="" val="2472564093"/>
       </p:ext>
     </p:extLst>
   </p:cSld>
@@ -2036,7 +2186,7 @@
     </p:spTree>
     <p:extLst>
       <p:ext uri="{BB962C8B-B14F-4D97-AF65-F5344CB8AC3E}">
-        <p14:creationId xmlns="" xmlns:p14="http://schemas.microsoft.com/office/powerpoint/2010/main" val="844442129"/>
+        <p14:creationId xmlns:p14="http://schemas.microsoft.com/office/powerpoint/2010/main" xmlns="" val="844442129"/>
       </p:ext>
     </p:extLst>
   </p:cSld>
@@ -2366,7 +2516,7 @@
     </p:spTree>
     <p:extLst>
       <p:ext uri="{BB962C8B-B14F-4D97-AF65-F5344CB8AC3E}">
-        <p14:creationId xmlns="" xmlns:p14="http://schemas.microsoft.com/office/powerpoint/2010/main" val="1607786633"/>
+        <p14:creationId xmlns:p14="http://schemas.microsoft.com/office/powerpoint/2010/main" xmlns="" val="1607786633"/>
       </p:ext>
     </p:extLst>
   </p:cSld>
@@ -2696,7 +2846,7 @@
     </p:spTree>
     <p:extLst>
       <p:ext uri="{BB962C8B-B14F-4D97-AF65-F5344CB8AC3E}">
-        <p14:creationId xmlns="" xmlns:p14="http://schemas.microsoft.com/office/powerpoint/2010/main" val="3400319444"/>
+        <p14:creationId xmlns:p14="http://schemas.microsoft.com/office/powerpoint/2010/main" xmlns="" val="3400319444"/>
       </p:ext>
     </p:extLst>
   </p:cSld>
@@ -4566,7 +4716,7 @@
     </p:spTree>
     <p:extLst>
       <p:ext uri="{BB962C8B-B14F-4D97-AF65-F5344CB8AC3E}">
-        <p14:creationId xmlns="" xmlns:p14="http://schemas.microsoft.com/office/powerpoint/2010/main" val="1273682958"/>
+        <p14:creationId xmlns:p14="http://schemas.microsoft.com/office/powerpoint/2010/main" xmlns="" val="1273682958"/>
       </p:ext>
     </p:extLst>
   </p:cSld>
@@ -4671,7 +4821,7 @@
     </p:spTree>
     <p:extLst>
       <p:ext uri="{BB962C8B-B14F-4D97-AF65-F5344CB8AC3E}">
-        <p14:creationId xmlns="" xmlns:p14="http://schemas.microsoft.com/office/powerpoint/2010/main" val="3654216826"/>
+        <p14:creationId xmlns:p14="http://schemas.microsoft.com/office/powerpoint/2010/main" xmlns="" val="3654216826"/>
       </p:ext>
     </p:extLst>
   </p:cSld>
@@ -4927,7 +5077,7 @@
     </p:spTree>
     <p:extLst>
       <p:ext uri="{BB962C8B-B14F-4D97-AF65-F5344CB8AC3E}">
-        <p14:creationId xmlns="" xmlns:p14="http://schemas.microsoft.com/office/powerpoint/2010/main" val="2837040887"/>
+        <p14:creationId xmlns:p14="http://schemas.microsoft.com/office/powerpoint/2010/main" xmlns="" val="2837040887"/>
       </p:ext>
     </p:extLst>
   </p:cSld>
@@ -4960,7 +5110,7 @@
     </p:spTree>
     <p:extLst>
       <p:ext uri="{BB962C8B-B14F-4D97-AF65-F5344CB8AC3E}">
-        <p14:creationId xmlns="" xmlns:p14="http://schemas.microsoft.com/office/powerpoint/2010/main" val="3283581558"/>
+        <p14:creationId xmlns:p14="http://schemas.microsoft.com/office/powerpoint/2010/main" xmlns="" val="3283581558"/>
       </p:ext>
     </p:extLst>
   </p:cSld>
@@ -5274,7 +5424,7 @@
     </p:spTree>
     <p:extLst>
       <p:ext uri="{BB962C8B-B14F-4D97-AF65-F5344CB8AC3E}">
-        <p14:creationId xmlns="" xmlns:p14="http://schemas.microsoft.com/office/powerpoint/2010/main" val="3151533342"/>
+        <p14:creationId xmlns:p14="http://schemas.microsoft.com/office/powerpoint/2010/main" xmlns="" val="3151533342"/>
       </p:ext>
     </p:extLst>
   </p:cSld>
@@ -5417,7 +5567,7 @@
     </p:spTree>
     <p:extLst>
       <p:ext uri="{BB962C8B-B14F-4D97-AF65-F5344CB8AC3E}">
-        <p14:creationId xmlns="" xmlns:p14="http://schemas.microsoft.com/office/powerpoint/2010/main" val="894352273"/>
+        <p14:creationId xmlns:p14="http://schemas.microsoft.com/office/powerpoint/2010/main" xmlns="" val="894352273"/>
       </p:ext>
     </p:extLst>
   </p:cSld>
@@ -5583,7 +5733,7 @@
     </p:spTree>
     <p:extLst>
       <p:ext uri="{BB962C8B-B14F-4D97-AF65-F5344CB8AC3E}">
-        <p14:creationId xmlns="" xmlns:p14="http://schemas.microsoft.com/office/powerpoint/2010/main" val="351067674"/>
+        <p14:creationId xmlns:p14="http://schemas.microsoft.com/office/powerpoint/2010/main" xmlns="" val="351067674"/>
       </p:ext>
     </p:extLst>
   </p:cSld>
@@ -5903,7 +6053,7 @@
     </p:spTree>
     <p:extLst>
       <p:ext uri="{BB962C8B-B14F-4D97-AF65-F5344CB8AC3E}">
-        <p14:creationId xmlns="" xmlns:p14="http://schemas.microsoft.com/office/powerpoint/2010/main" val="3938044995"/>
+        <p14:creationId xmlns:p14="http://schemas.microsoft.com/office/powerpoint/2010/main" xmlns="" val="3938044995"/>
       </p:ext>
     </p:extLst>
   </p:cSld>
@@ -6489,7 +6639,7 @@
     </p:spTree>
     <p:extLst>
       <p:ext uri="{BB962C8B-B14F-4D97-AF65-F5344CB8AC3E}">
-        <p14:creationId xmlns="" xmlns:p14="http://schemas.microsoft.com/office/powerpoint/2010/main" val="3192118728"/>
+        <p14:creationId xmlns:p14="http://schemas.microsoft.com/office/powerpoint/2010/main" xmlns="" val="3192118728"/>
       </p:ext>
     </p:extLst>
   </p:cSld>
@@ -6887,7 +7037,7 @@
     </p:spTree>
     <p:extLst>
       <p:ext uri="{BB962C8B-B14F-4D97-AF65-F5344CB8AC3E}">
-        <p14:creationId xmlns="" xmlns:p14="http://schemas.microsoft.com/office/powerpoint/2010/main" val="2190527855"/>
+        <p14:creationId xmlns:p14="http://schemas.microsoft.com/office/powerpoint/2010/main" xmlns="" val="2190527855"/>
       </p:ext>
     </p:extLst>
   </p:cSld>
@@ -7684,7 +7834,7 @@
     </p:spTree>
     <p:extLst>
       <p:ext uri="{BB962C8B-B14F-4D97-AF65-F5344CB8AC3E}">
-        <p14:creationId xmlns="" xmlns:p14="http://schemas.microsoft.com/office/powerpoint/2010/main" val="69886873"/>
+        <p14:creationId xmlns:p14="http://schemas.microsoft.com/office/powerpoint/2010/main" xmlns="" val="69886873"/>
       </p:ext>
     </p:extLst>
   </p:cSld>
@@ -8775,7 +8925,7 @@
     </p:spTree>
     <p:extLst>
       <p:ext uri="{BB962C8B-B14F-4D97-AF65-F5344CB8AC3E}">
-        <p14:creationId xmlns="" xmlns:p14="http://schemas.microsoft.com/office/powerpoint/2010/main" val="593901232"/>
+        <p14:creationId xmlns:p14="http://schemas.microsoft.com/office/powerpoint/2010/main" xmlns="" val="593901232"/>
       </p:ext>
     </p:extLst>
   </p:cSld>
@@ -9031,7 +9181,7 @@
     </p:spTree>
     <p:extLst>
       <p:ext uri="{BB962C8B-B14F-4D97-AF65-F5344CB8AC3E}">
-        <p14:creationId xmlns="" xmlns:p14="http://schemas.microsoft.com/office/powerpoint/2010/main" val="925662914"/>
+        <p14:creationId xmlns:p14="http://schemas.microsoft.com/office/powerpoint/2010/main" xmlns="" val="925662914"/>
       </p:ext>
     </p:extLst>
   </p:cSld>
@@ -9273,7 +9423,7 @@
     </p:spTree>
     <p:extLst>
       <p:ext uri="{BB962C8B-B14F-4D97-AF65-F5344CB8AC3E}">
-        <p14:creationId xmlns="" xmlns:p14="http://schemas.microsoft.com/office/powerpoint/2010/main" val="2463004899"/>
+        <p14:creationId xmlns:p14="http://schemas.microsoft.com/office/powerpoint/2010/main" xmlns="" val="2463004899"/>
       </p:ext>
     </p:extLst>
   </p:cSld>
@@ -9703,7 +9853,7 @@
     </p:spTree>
     <p:extLst>
       <p:ext uri="{BB962C8B-B14F-4D97-AF65-F5344CB8AC3E}">
-        <p14:creationId xmlns="" xmlns:p14="http://schemas.microsoft.com/office/powerpoint/2010/main" val="1193520387"/>
+        <p14:creationId xmlns:p14="http://schemas.microsoft.com/office/powerpoint/2010/main" xmlns="" val="1193520387"/>
       </p:ext>
     </p:extLst>
   </p:cSld>
@@ -10064,11 +10214,7 @@
             </a:pPr>
             <a:r>
               <a:rPr lang="nb-NO" sz="1400" dirty="0" smtClean="0"/>
-              <a:t> Aksessere forskjellig type data med de samme metodene (SQL, Oracle, MS Access</a:t>
-            </a:r>
-            <a:r>
-              <a:rPr lang="nb-NO" sz="1400" dirty="0" smtClean="0"/>
-              <a:t>)</a:t>
+              <a:t> Aksessere forskjellig type data med de samme metodene (SQL, Oracle, MS Access)</a:t>
             </a:r>
           </a:p>
           <a:p>
@@ -10084,13 +10230,8 @@
             </a:pPr>
             <a:r>
               <a:rPr lang="nb-NO" sz="1400" dirty="0" smtClean="0"/>
-              <a:t> </a:t>
-            </a:r>
-            <a:r>
-              <a:rPr lang="nb-NO" sz="1400" dirty="0" smtClean="0"/>
-              <a:t>Viktig å kjenne til selv om mange i dag benytter seg av ORM </a:t>
-            </a:r>
-            <a:endParaRPr lang="nb-NO" sz="1400" dirty="0" smtClean="0"/>
+              <a:t> Viktig å kjenne til selv om mange i dag benytter seg av ORM </a:t>
+            </a:r>
           </a:p>
           <a:p>
             <a:pPr>
@@ -10723,7 +10864,7 @@
         <p:spPr>
           <a:xfrm>
             <a:off x="321623" y="418905"/>
-            <a:ext cx="1541448" cy="307777"/>
+            <a:ext cx="2305759" cy="307777"/>
           </a:xfrm>
         </p:spPr>
         <p:txBody>
@@ -10732,7 +10873,7 @@
           <a:p>
             <a:r>
               <a:rPr lang="nb-NO" dirty="0" smtClean="0"/>
-              <a:t>Koble til</a:t>
+              <a:t>Objektmodell</a:t>
             </a:r>
             <a:endParaRPr lang="en-US" dirty="0"/>
           </a:p>
@@ -10764,1476 +10905,46 @@
       </p:sp>
       <p:sp>
         <p:nvSpPr>
-          <p:cNvPr id="1025" name="Rectangle 1"/>
-          <p:cNvSpPr>
-            <a:spLocks noChangeArrowheads="1"/>
-          </p:cNvSpPr>
+          <p:cNvPr id="5" name="Rounded Rectangle 4"/>
+          <p:cNvSpPr/>
           <p:nvPr/>
         </p:nvSpPr>
-        <p:spPr bwMode="auto">
-          <a:xfrm>
-            <a:off x="207263" y="3908619"/>
-            <a:ext cx="8790433" cy="1754326"/>
-          </a:xfrm>
-          <a:prstGeom prst="rect">
+        <p:spPr>
+          <a:xfrm>
+            <a:off x="321623" y="1322362"/>
+            <a:ext cx="1961798" cy="412549"/>
+          </a:xfrm>
+          <a:prstGeom prst="roundRect">
             <a:avLst/>
           </a:prstGeom>
-          <a:solidFill>
-            <a:srgbClr val="FFFFFF"/>
-          </a:solidFill>
-          <a:ln w="9525">
-            <a:solidFill>
-              <a:schemeClr val="accent1"/>
-            </a:solidFill>
-            <a:miter lim="800000"/>
-            <a:headEnd/>
-            <a:tailEnd/>
-          </a:ln>
-          <a:effectLst/>
-        </p:spPr>
+          <a:ln/>
+        </p:spPr>
+        <p:style>
+          <a:lnRef idx="2">
+            <a:schemeClr val="accent2">
+              <a:shade val="50000"/>
+            </a:schemeClr>
+          </a:lnRef>
+          <a:fillRef idx="1">
+            <a:schemeClr val="accent2"/>
+          </a:fillRef>
+          <a:effectRef idx="0">
+            <a:schemeClr val="accent2"/>
+          </a:effectRef>
+          <a:fontRef idx="minor">
+            <a:schemeClr val="lt1"/>
+          </a:fontRef>
+        </p:style>
         <p:txBody>
-          <a:bodyPr vert="horz" wrap="square" lIns="91440" tIns="45720" rIns="91440" bIns="45720" numCol="1" anchor="ctr" anchorCtr="0" compatLnSpc="1">
+          <a:bodyPr rot="0" spcFirstLastPara="0" vertOverflow="overflow" horzOverflow="overflow" vert="horz" wrap="square" lIns="91440" tIns="45720" rIns="91440" bIns="45720" numCol="1" spcCol="0" rtlCol="0" fromWordArt="0" anchor="ctr" anchorCtr="0" forceAA="0" compatLnSpc="1">
             <a:prstTxWarp prst="textNoShape">
               <a:avLst/>
             </a:prstTxWarp>
-            <a:spAutoFit/>
+            <a:noAutofit/>
           </a:bodyPr>
           <a:lstStyle/>
           <a:p>
-            <a:pPr marL="0" marR="0" lvl="0" indent="0" algn="l" defTabSz="914400" rtl="0" eaLnBrk="1" fontAlgn="base" latinLnBrk="0" hangingPunct="1">
-              <a:lnSpc>
-                <a:spcPct val="100000"/>
-              </a:lnSpc>
-              <a:spcBef>
-                <a:spcPct val="0"/>
-              </a:spcBef>
-              <a:spcAft>
-                <a:spcPct val="0"/>
-              </a:spcAft>
-              <a:buClrTx/>
-              <a:buSzTx/>
-              <a:buFontTx/>
-              <a:buNone/>
-              <a:tabLst/>
-            </a:pPr>
-            <a:r>
-              <a:rPr kumimoji="0" lang="en-US" sz="1200" b="0" i="0" u="none" strike="noStrike" cap="none" normalizeH="0" baseline="0" dirty="0" err="1" smtClean="0">
-                <a:ln>
-                  <a:noFill/>
-                </a:ln>
-                <a:solidFill>
-                  <a:srgbClr val="0000FF"/>
-                </a:solidFill>
-                <a:effectLst/>
-                <a:latin typeface="Consolas" pitchFamily="49" charset="0"/>
-                <a:cs typeface="Consolas" pitchFamily="49" charset="0"/>
-              </a:rPr>
-              <a:t>var</a:t>
-            </a:r>
-            <a:r>
-              <a:rPr kumimoji="0" lang="en-US" sz="1200" b="0" i="0" u="none" strike="noStrike" cap="none" normalizeH="0" baseline="0" dirty="0" smtClean="0">
-                <a:ln>
-                  <a:noFill/>
-                </a:ln>
-                <a:solidFill>
-                  <a:srgbClr val="000000"/>
-                </a:solidFill>
-                <a:effectLst/>
-                <a:latin typeface="Consolas" pitchFamily="49" charset="0"/>
-                <a:cs typeface="Consolas" pitchFamily="49" charset="0"/>
-              </a:rPr>
-              <a:t> </a:t>
-            </a:r>
-            <a:r>
-              <a:rPr kumimoji="0" lang="en-US" sz="1200" b="0" i="0" u="none" strike="noStrike" cap="none" normalizeH="0" baseline="0" dirty="0" err="1" smtClean="0">
-                <a:ln>
-                  <a:noFill/>
-                </a:ln>
-                <a:solidFill>
-                  <a:srgbClr val="000000"/>
-                </a:solidFill>
-                <a:effectLst/>
-                <a:latin typeface="Consolas" pitchFamily="49" charset="0"/>
-                <a:cs typeface="Consolas" pitchFamily="49" charset="0"/>
-              </a:rPr>
-              <a:t>connectionString</a:t>
-            </a:r>
-            <a:r>
-              <a:rPr kumimoji="0" lang="en-US" sz="1200" b="0" i="0" u="none" strike="noStrike" cap="none" normalizeH="0" baseline="0" dirty="0" smtClean="0">
-                <a:ln>
-                  <a:noFill/>
-                </a:ln>
-                <a:solidFill>
-                  <a:srgbClr val="000000"/>
-                </a:solidFill>
-                <a:effectLst/>
-                <a:latin typeface="Consolas" pitchFamily="49" charset="0"/>
-                <a:cs typeface="Consolas" pitchFamily="49" charset="0"/>
-              </a:rPr>
-              <a:t> = </a:t>
-            </a:r>
-            <a:r>
-              <a:rPr kumimoji="0" lang="en-US" sz="1200" b="0" i="0" u="none" strike="noStrike" cap="none" normalizeH="0" baseline="0" dirty="0" err="1" smtClean="0">
-                <a:ln>
-                  <a:noFill/>
-                </a:ln>
-                <a:solidFill>
-                  <a:srgbClr val="2B91AF"/>
-                </a:solidFill>
-                <a:effectLst/>
-                <a:latin typeface="Consolas" pitchFamily="49" charset="0"/>
-                <a:cs typeface="Consolas" pitchFamily="49" charset="0"/>
-              </a:rPr>
-              <a:t>ConfigurationManager</a:t>
-            </a:r>
-            <a:r>
-              <a:rPr kumimoji="0" lang="en-US" sz="1200" b="0" i="0" u="none" strike="noStrike" cap="none" normalizeH="0" baseline="0" dirty="0" err="1" smtClean="0">
-                <a:ln>
-                  <a:noFill/>
-                </a:ln>
-                <a:solidFill>
-                  <a:srgbClr val="000000"/>
-                </a:solidFill>
-                <a:effectLst/>
-                <a:latin typeface="Consolas" pitchFamily="49" charset="0"/>
-                <a:cs typeface="Consolas" pitchFamily="49" charset="0"/>
-              </a:rPr>
-              <a:t>.ConnectionStrings</a:t>
-            </a:r>
-            <a:r>
-              <a:rPr kumimoji="0" lang="en-US" sz="1200" b="0" i="0" u="none" strike="noStrike" cap="none" normalizeH="0" baseline="0" dirty="0" smtClean="0">
-                <a:ln>
-                  <a:noFill/>
-                </a:ln>
-                <a:solidFill>
-                  <a:srgbClr val="000000"/>
-                </a:solidFill>
-                <a:effectLst/>
-                <a:latin typeface="Consolas" pitchFamily="49" charset="0"/>
-                <a:cs typeface="Consolas" pitchFamily="49" charset="0"/>
-              </a:rPr>
-              <a:t>[</a:t>
-            </a:r>
-            <a:r>
-              <a:rPr kumimoji="0" lang="en-US" sz="1200" b="0" i="0" u="none" strike="noStrike" cap="none" normalizeH="0" baseline="0" dirty="0" smtClean="0">
-                <a:ln>
-                  <a:noFill/>
-                </a:ln>
-                <a:solidFill>
-                  <a:srgbClr val="A31515"/>
-                </a:solidFill>
-                <a:effectLst/>
-                <a:latin typeface="Consolas" pitchFamily="49" charset="0"/>
-                <a:cs typeface="Consolas" pitchFamily="49" charset="0"/>
-              </a:rPr>
-              <a:t>"</a:t>
-            </a:r>
-            <a:r>
-              <a:rPr kumimoji="0" lang="en-US" sz="1200" b="0" i="0" u="none" strike="noStrike" cap="none" normalizeH="0" baseline="0" dirty="0" err="1" smtClean="0">
-                <a:ln>
-                  <a:noFill/>
-                </a:ln>
-                <a:solidFill>
-                  <a:srgbClr val="A31515"/>
-                </a:solidFill>
-                <a:effectLst/>
-                <a:latin typeface="Consolas" pitchFamily="49" charset="0"/>
-                <a:cs typeface="Consolas" pitchFamily="49" charset="0"/>
-              </a:rPr>
-              <a:t>MyConnectionString</a:t>
-            </a:r>
-            <a:r>
-              <a:rPr kumimoji="0" lang="en-US" sz="1200" b="0" i="0" u="none" strike="noStrike" cap="none" normalizeH="0" baseline="0" dirty="0" smtClean="0">
-                <a:ln>
-                  <a:noFill/>
-                </a:ln>
-                <a:solidFill>
-                  <a:srgbClr val="A31515"/>
-                </a:solidFill>
-                <a:effectLst/>
-                <a:latin typeface="Consolas" pitchFamily="49" charset="0"/>
-                <a:cs typeface="Consolas" pitchFamily="49" charset="0"/>
-              </a:rPr>
-              <a:t>"</a:t>
-            </a:r>
-            <a:r>
-              <a:rPr kumimoji="0" lang="en-US" sz="1200" b="0" i="0" u="none" strike="noStrike" cap="none" normalizeH="0" baseline="0" dirty="0" smtClean="0">
-                <a:ln>
-                  <a:noFill/>
-                </a:ln>
-                <a:solidFill>
-                  <a:srgbClr val="000000"/>
-                </a:solidFill>
-                <a:effectLst/>
-                <a:latin typeface="Consolas" pitchFamily="49" charset="0"/>
-                <a:cs typeface="Consolas" pitchFamily="49" charset="0"/>
-              </a:rPr>
-              <a:t>].</a:t>
-            </a:r>
-            <a:r>
-              <a:rPr kumimoji="0" lang="en-US" sz="1200" b="0" i="0" u="none" strike="noStrike" cap="none" normalizeH="0" baseline="0" dirty="0" err="1" smtClean="0">
-                <a:ln>
-                  <a:noFill/>
-                </a:ln>
-                <a:solidFill>
-                  <a:srgbClr val="000000"/>
-                </a:solidFill>
-                <a:effectLst/>
-                <a:latin typeface="Consolas" pitchFamily="49" charset="0"/>
-                <a:cs typeface="Consolas" pitchFamily="49" charset="0"/>
-              </a:rPr>
-              <a:t>ConnectionString</a:t>
-            </a:r>
-            <a:r>
-              <a:rPr kumimoji="0" lang="en-US" sz="1200" b="0" i="0" u="none" strike="noStrike" cap="none" normalizeH="0" baseline="0" dirty="0" smtClean="0">
-                <a:ln>
-                  <a:noFill/>
-                </a:ln>
-                <a:solidFill>
-                  <a:srgbClr val="000000"/>
-                </a:solidFill>
-                <a:effectLst/>
-                <a:latin typeface="Consolas" pitchFamily="49" charset="0"/>
-                <a:cs typeface="Consolas" pitchFamily="49" charset="0"/>
-              </a:rPr>
-              <a:t>;             </a:t>
-            </a:r>
-          </a:p>
-          <a:p>
-            <a:pPr marL="0" marR="0" lvl="0" indent="0" algn="l" defTabSz="914400" rtl="0" eaLnBrk="1" fontAlgn="base" latinLnBrk="0" hangingPunct="1">
-              <a:lnSpc>
-                <a:spcPct val="100000"/>
-              </a:lnSpc>
-              <a:spcBef>
-                <a:spcPct val="0"/>
-              </a:spcBef>
-              <a:spcAft>
-                <a:spcPct val="0"/>
-              </a:spcAft>
-              <a:buClrTx/>
-              <a:buSzTx/>
-              <a:buFontTx/>
-              <a:buNone/>
-              <a:tabLst/>
-            </a:pPr>
-            <a:endParaRPr lang="en-US" sz="1200" dirty="0" smtClean="0">
-              <a:solidFill>
-                <a:srgbClr val="000000"/>
-              </a:solidFill>
-              <a:latin typeface="Consolas" pitchFamily="49" charset="0"/>
-              <a:cs typeface="Consolas" pitchFamily="49" charset="0"/>
-            </a:endParaRPr>
-          </a:p>
-          <a:p>
-            <a:pPr marL="0" marR="0" lvl="0" indent="0" algn="l" defTabSz="914400" rtl="0" eaLnBrk="1" fontAlgn="base" latinLnBrk="0" hangingPunct="1">
-              <a:lnSpc>
-                <a:spcPct val="100000"/>
-              </a:lnSpc>
-              <a:spcBef>
-                <a:spcPct val="0"/>
-              </a:spcBef>
-              <a:spcAft>
-                <a:spcPct val="0"/>
-              </a:spcAft>
-              <a:buClrTx/>
-              <a:buSzTx/>
-              <a:buFontTx/>
-              <a:buNone/>
-              <a:tabLst/>
-            </a:pPr>
-            <a:r>
-              <a:rPr kumimoji="0" lang="en-US" sz="1200" b="0" i="0" u="none" strike="noStrike" cap="none" normalizeH="0" baseline="0" dirty="0" smtClean="0">
-                <a:ln>
-                  <a:noFill/>
-                </a:ln>
-                <a:solidFill>
-                  <a:srgbClr val="0000FF"/>
-                </a:solidFill>
-                <a:effectLst/>
-                <a:latin typeface="Consolas" pitchFamily="49" charset="0"/>
-                <a:cs typeface="Consolas" pitchFamily="49" charset="0"/>
-              </a:rPr>
-              <a:t>using</a:t>
-            </a:r>
-            <a:r>
-              <a:rPr kumimoji="0" lang="en-US" sz="1200" b="0" i="0" u="none" strike="noStrike" cap="none" normalizeH="0" baseline="0" dirty="0" smtClean="0">
-                <a:ln>
-                  <a:noFill/>
-                </a:ln>
-                <a:solidFill>
-                  <a:srgbClr val="000000"/>
-                </a:solidFill>
-                <a:effectLst/>
-                <a:latin typeface="Consolas" pitchFamily="49" charset="0"/>
-                <a:cs typeface="Consolas" pitchFamily="49" charset="0"/>
-              </a:rPr>
-              <a:t> (</a:t>
-            </a:r>
-            <a:r>
-              <a:rPr kumimoji="0" lang="en-US" sz="1200" b="0" i="0" u="none" strike="noStrike" cap="none" normalizeH="0" baseline="0" dirty="0" err="1" smtClean="0">
-                <a:ln>
-                  <a:noFill/>
-                </a:ln>
-                <a:solidFill>
-                  <a:srgbClr val="0000FF"/>
-                </a:solidFill>
-                <a:effectLst/>
-                <a:latin typeface="Consolas" pitchFamily="49" charset="0"/>
-                <a:cs typeface="Consolas" pitchFamily="49" charset="0"/>
-              </a:rPr>
-              <a:t>var</a:t>
-            </a:r>
-            <a:r>
-              <a:rPr kumimoji="0" lang="en-US" sz="1200" b="0" i="0" u="none" strike="noStrike" cap="none" normalizeH="0" baseline="0" dirty="0" smtClean="0">
-                <a:ln>
-                  <a:noFill/>
-                </a:ln>
-                <a:solidFill>
-                  <a:srgbClr val="000000"/>
-                </a:solidFill>
-                <a:effectLst/>
-                <a:latin typeface="Consolas" pitchFamily="49" charset="0"/>
-                <a:cs typeface="Consolas" pitchFamily="49" charset="0"/>
-              </a:rPr>
-              <a:t> connection = </a:t>
-            </a:r>
-            <a:r>
-              <a:rPr kumimoji="0" lang="en-US" sz="1200" b="0" i="0" u="none" strike="noStrike" cap="none" normalizeH="0" baseline="0" dirty="0" smtClean="0">
-                <a:ln>
-                  <a:noFill/>
-                </a:ln>
-                <a:solidFill>
-                  <a:srgbClr val="0000FF"/>
-                </a:solidFill>
-                <a:effectLst/>
-                <a:latin typeface="Consolas" pitchFamily="49" charset="0"/>
-                <a:cs typeface="Consolas" pitchFamily="49" charset="0"/>
-              </a:rPr>
-              <a:t>new</a:t>
-            </a:r>
-            <a:r>
-              <a:rPr kumimoji="0" lang="en-US" sz="1200" b="0" i="0" u="none" strike="noStrike" cap="none" normalizeH="0" baseline="0" dirty="0" smtClean="0">
-                <a:ln>
-                  <a:noFill/>
-                </a:ln>
-                <a:solidFill>
-                  <a:srgbClr val="000000"/>
-                </a:solidFill>
-                <a:effectLst/>
-                <a:latin typeface="Consolas" pitchFamily="49" charset="0"/>
-                <a:cs typeface="Consolas" pitchFamily="49" charset="0"/>
-              </a:rPr>
-              <a:t> </a:t>
-            </a:r>
-            <a:r>
-              <a:rPr kumimoji="0" lang="en-US" sz="1200" b="0" i="0" u="none" strike="noStrike" cap="none" normalizeH="0" baseline="0" dirty="0" err="1" smtClean="0">
-                <a:ln>
-                  <a:noFill/>
-                </a:ln>
-                <a:solidFill>
-                  <a:srgbClr val="2B91AF"/>
-                </a:solidFill>
-                <a:effectLst/>
-                <a:latin typeface="Consolas" pitchFamily="49" charset="0"/>
-                <a:cs typeface="Consolas" pitchFamily="49" charset="0"/>
-              </a:rPr>
-              <a:t>SqlConnection</a:t>
-            </a:r>
-            <a:r>
-              <a:rPr kumimoji="0" lang="en-US" sz="1200" b="0" i="0" u="none" strike="noStrike" cap="none" normalizeH="0" baseline="0" dirty="0" smtClean="0">
-                <a:ln>
-                  <a:noFill/>
-                </a:ln>
-                <a:solidFill>
-                  <a:srgbClr val="000000"/>
-                </a:solidFill>
-                <a:effectLst/>
-                <a:latin typeface="Consolas" pitchFamily="49" charset="0"/>
-                <a:cs typeface="Consolas" pitchFamily="49" charset="0"/>
-              </a:rPr>
-              <a:t>(</a:t>
-            </a:r>
-            <a:r>
-              <a:rPr kumimoji="0" lang="en-US" sz="1200" b="0" i="0" u="none" strike="noStrike" cap="none" normalizeH="0" baseline="0" dirty="0" err="1" smtClean="0">
-                <a:ln>
-                  <a:noFill/>
-                </a:ln>
-                <a:solidFill>
-                  <a:srgbClr val="000000"/>
-                </a:solidFill>
-                <a:effectLst/>
-                <a:latin typeface="Consolas" pitchFamily="49" charset="0"/>
-                <a:cs typeface="Consolas" pitchFamily="49" charset="0"/>
-              </a:rPr>
-              <a:t>connectionString</a:t>
-            </a:r>
-            <a:r>
-              <a:rPr kumimoji="0" lang="en-US" sz="1200" b="0" i="0" u="none" strike="noStrike" cap="none" normalizeH="0" baseline="0" dirty="0" smtClean="0">
-                <a:ln>
-                  <a:noFill/>
-                </a:ln>
-                <a:solidFill>
-                  <a:srgbClr val="000000"/>
-                </a:solidFill>
-                <a:effectLst/>
-                <a:latin typeface="Consolas" pitchFamily="49" charset="0"/>
-                <a:cs typeface="Consolas" pitchFamily="49" charset="0"/>
-              </a:rPr>
-              <a:t>))             </a:t>
-            </a:r>
-          </a:p>
-          <a:p>
-            <a:pPr marL="0" marR="0" lvl="0" indent="0" algn="l" defTabSz="914400" rtl="0" eaLnBrk="1" fontAlgn="base" latinLnBrk="0" hangingPunct="1">
-              <a:lnSpc>
-                <a:spcPct val="100000"/>
-              </a:lnSpc>
-              <a:spcBef>
-                <a:spcPct val="0"/>
-              </a:spcBef>
-              <a:spcAft>
-                <a:spcPct val="0"/>
-              </a:spcAft>
-              <a:buClrTx/>
-              <a:buSzTx/>
-              <a:buFontTx/>
-              <a:buNone/>
-              <a:tabLst/>
-            </a:pPr>
-            <a:r>
-              <a:rPr kumimoji="0" lang="en-US" sz="1200" b="0" i="0" u="none" strike="noStrike" cap="none" normalizeH="0" baseline="0" dirty="0" smtClean="0">
-                <a:ln>
-                  <a:noFill/>
-                </a:ln>
-                <a:solidFill>
-                  <a:srgbClr val="000000"/>
-                </a:solidFill>
-                <a:effectLst/>
-                <a:latin typeface="Consolas" pitchFamily="49" charset="0"/>
-                <a:cs typeface="Consolas" pitchFamily="49" charset="0"/>
-              </a:rPr>
-              <a:t>{                              </a:t>
-            </a:r>
-          </a:p>
-          <a:p>
-            <a:pPr marL="0" marR="0" lvl="0" indent="0" algn="l" defTabSz="914400" rtl="0" eaLnBrk="1" fontAlgn="base" latinLnBrk="0" hangingPunct="1">
-              <a:lnSpc>
-                <a:spcPct val="100000"/>
-              </a:lnSpc>
-              <a:spcBef>
-                <a:spcPct val="0"/>
-              </a:spcBef>
-              <a:spcAft>
-                <a:spcPct val="0"/>
-              </a:spcAft>
-              <a:buClrTx/>
-              <a:buSzTx/>
-              <a:buFontTx/>
-              <a:buNone/>
-              <a:tabLst/>
-            </a:pPr>
-            <a:r>
-              <a:rPr lang="nb-NO" sz="1200" dirty="0" smtClean="0">
-                <a:solidFill>
-                  <a:srgbClr val="000000"/>
-                </a:solidFill>
-                <a:latin typeface="Consolas" pitchFamily="49" charset="0"/>
-                <a:cs typeface="Consolas" pitchFamily="49" charset="0"/>
-              </a:rPr>
-              <a:t>	:</a:t>
-            </a:r>
-          </a:p>
-          <a:p>
-            <a:pPr marL="0" marR="0" lvl="0" indent="0" algn="l" defTabSz="914400" rtl="0" eaLnBrk="1" fontAlgn="base" latinLnBrk="0" hangingPunct="1">
-              <a:lnSpc>
-                <a:spcPct val="100000"/>
-              </a:lnSpc>
-              <a:spcBef>
-                <a:spcPct val="0"/>
-              </a:spcBef>
-              <a:spcAft>
-                <a:spcPct val="0"/>
-              </a:spcAft>
-              <a:buClrTx/>
-              <a:buSzTx/>
-              <a:buFontTx/>
-              <a:buNone/>
-              <a:tabLst/>
-            </a:pPr>
-            <a:r>
-              <a:rPr lang="nb-NO" sz="1200" dirty="0" smtClean="0">
-                <a:solidFill>
-                  <a:srgbClr val="000000"/>
-                </a:solidFill>
-                <a:latin typeface="Consolas" pitchFamily="49" charset="0"/>
-                <a:cs typeface="Consolas" pitchFamily="49" charset="0"/>
-              </a:rPr>
-              <a:t>	</a:t>
-            </a:r>
-            <a:r>
-              <a:rPr lang="nb-NO" sz="1200" dirty="0" smtClean="0">
-                <a:solidFill>
-                  <a:srgbClr val="000000"/>
-                </a:solidFill>
-                <a:latin typeface="Consolas" pitchFamily="49" charset="0"/>
-                <a:cs typeface="Consolas" pitchFamily="49" charset="0"/>
-              </a:rPr>
-              <a:t>:</a:t>
-            </a:r>
-          </a:p>
-          <a:p>
-            <a:pPr marL="0" marR="0" lvl="0" indent="0" algn="l" defTabSz="914400" rtl="0" eaLnBrk="1" fontAlgn="base" latinLnBrk="0" hangingPunct="1">
-              <a:lnSpc>
-                <a:spcPct val="100000"/>
-              </a:lnSpc>
-              <a:spcBef>
-                <a:spcPct val="0"/>
-              </a:spcBef>
-              <a:spcAft>
-                <a:spcPct val="0"/>
-              </a:spcAft>
-              <a:buClrTx/>
-              <a:buSzTx/>
-              <a:buFontTx/>
-              <a:buNone/>
-              <a:tabLst/>
-            </a:pPr>
-            <a:r>
-              <a:rPr lang="nb-NO" sz="1200" dirty="0" smtClean="0">
-                <a:solidFill>
-                  <a:srgbClr val="000000"/>
-                </a:solidFill>
-                <a:latin typeface="Consolas" pitchFamily="49" charset="0"/>
-                <a:cs typeface="Consolas" pitchFamily="49" charset="0"/>
-              </a:rPr>
-              <a:t>	</a:t>
-            </a:r>
-            <a:r>
-              <a:rPr lang="nb-NO" sz="1200" dirty="0" smtClean="0">
-                <a:solidFill>
-                  <a:srgbClr val="000000"/>
-                </a:solidFill>
-                <a:latin typeface="Consolas" pitchFamily="49" charset="0"/>
-                <a:cs typeface="Consolas" pitchFamily="49" charset="0"/>
-              </a:rPr>
-              <a:t>:</a:t>
-            </a:r>
-            <a:endParaRPr lang="en-US" sz="1200" dirty="0" smtClean="0">
-              <a:solidFill>
-                <a:srgbClr val="000000"/>
-              </a:solidFill>
-              <a:latin typeface="Consolas" pitchFamily="49" charset="0"/>
-              <a:cs typeface="Consolas" pitchFamily="49" charset="0"/>
-            </a:endParaRPr>
-          </a:p>
-          <a:p>
-            <a:pPr marL="0" marR="0" lvl="0" indent="0" algn="l" defTabSz="914400" rtl="0" eaLnBrk="1" fontAlgn="base" latinLnBrk="0" hangingPunct="1">
-              <a:lnSpc>
-                <a:spcPct val="100000"/>
-              </a:lnSpc>
-              <a:spcBef>
-                <a:spcPct val="0"/>
-              </a:spcBef>
-              <a:spcAft>
-                <a:spcPct val="0"/>
-              </a:spcAft>
-              <a:buClrTx/>
-              <a:buSzTx/>
-              <a:buFontTx/>
-              <a:buNone/>
-              <a:tabLst/>
-            </a:pPr>
-            <a:r>
-              <a:rPr kumimoji="0" lang="en-US" sz="1200" b="0" i="0" u="none" strike="noStrike" cap="none" normalizeH="0" baseline="0" dirty="0" smtClean="0">
-                <a:ln>
-                  <a:noFill/>
-                </a:ln>
-                <a:solidFill>
-                  <a:srgbClr val="000000"/>
-                </a:solidFill>
-                <a:effectLst/>
-                <a:latin typeface="Consolas" pitchFamily="49" charset="0"/>
-                <a:cs typeface="Consolas" pitchFamily="49" charset="0"/>
-              </a:rPr>
-              <a:t>}</a:t>
-            </a:r>
-            <a:endParaRPr kumimoji="0" lang="en-US" sz="1200" b="0" i="0" u="none" strike="noStrike" cap="none" normalizeH="0" baseline="0" dirty="0" smtClean="0">
-              <a:ln>
-                <a:noFill/>
-              </a:ln>
-              <a:solidFill>
-                <a:schemeClr val="tx1"/>
-              </a:solidFill>
-              <a:effectLst/>
-              <a:latin typeface="Arial" pitchFamily="34" charset="0"/>
-              <a:cs typeface="Arial" pitchFamily="34" charset="0"/>
-            </a:endParaRPr>
-          </a:p>
-        </p:txBody>
-      </p:sp>
-      <p:sp>
-        <p:nvSpPr>
-          <p:cNvPr id="1026" name="Rectangle 2"/>
-          <p:cNvSpPr>
-            <a:spLocks noChangeArrowheads="1"/>
-          </p:cNvSpPr>
-          <p:nvPr/>
-        </p:nvSpPr>
-        <p:spPr bwMode="auto">
-          <a:xfrm>
-            <a:off x="248471" y="1553277"/>
-            <a:ext cx="8737033" cy="1384995"/>
-          </a:xfrm>
-          <a:prstGeom prst="rect">
-            <a:avLst/>
-          </a:prstGeom>
-          <a:solidFill>
-            <a:srgbClr val="FFFFFF"/>
-          </a:solidFill>
-          <a:ln w="9525">
-            <a:solidFill>
-              <a:schemeClr val="accent1"/>
-            </a:solidFill>
-            <a:miter lim="800000"/>
-            <a:headEnd/>
-            <a:tailEnd/>
-          </a:ln>
-          <a:effectLst/>
-        </p:spPr>
-        <p:txBody>
-          <a:bodyPr vert="horz" wrap="square" lIns="91440" tIns="45720" rIns="91440" bIns="45720" numCol="1" anchor="ctr" anchorCtr="0" compatLnSpc="1">
-            <a:prstTxWarp prst="textNoShape">
-              <a:avLst/>
-            </a:prstTxWarp>
-            <a:spAutoFit/>
-          </a:bodyPr>
-          <a:lstStyle/>
-          <a:p>
-            <a:pPr marL="0" marR="0" lvl="0" indent="0" algn="l" defTabSz="914400" rtl="0" eaLnBrk="1" fontAlgn="base" latinLnBrk="0" hangingPunct="1">
-              <a:lnSpc>
-                <a:spcPct val="100000"/>
-              </a:lnSpc>
-              <a:spcBef>
-                <a:spcPct val="0"/>
-              </a:spcBef>
-              <a:spcAft>
-                <a:spcPct val="0"/>
-              </a:spcAft>
-              <a:buClrTx/>
-              <a:buSzTx/>
-              <a:buFontTx/>
-              <a:buNone/>
-              <a:tabLst/>
-            </a:pPr>
-            <a:r>
-              <a:rPr kumimoji="0" lang="en-US" sz="1200" b="0" i="0" u="none" strike="noStrike" cap="none" normalizeH="0" baseline="0" dirty="0" smtClean="0">
-                <a:ln>
-                  <a:noFill/>
-                </a:ln>
-                <a:solidFill>
-                  <a:srgbClr val="0000FF"/>
-                </a:solidFill>
-                <a:effectLst/>
-                <a:latin typeface="Consolas" pitchFamily="49" charset="0"/>
-                <a:cs typeface="Consolas" pitchFamily="49" charset="0"/>
-              </a:rPr>
-              <a:t>&lt;</a:t>
-            </a:r>
-            <a:r>
-              <a:rPr kumimoji="0" lang="en-US" sz="1200" b="0" i="0" u="none" strike="noStrike" cap="none" normalizeH="0" baseline="0" dirty="0" err="1" smtClean="0">
-                <a:ln>
-                  <a:noFill/>
-                </a:ln>
-                <a:solidFill>
-                  <a:srgbClr val="A31515"/>
-                </a:solidFill>
-                <a:effectLst/>
-                <a:latin typeface="Consolas" pitchFamily="49" charset="0"/>
-                <a:cs typeface="Consolas" pitchFamily="49" charset="0"/>
-              </a:rPr>
-              <a:t>connectionStrings</a:t>
-            </a:r>
-            <a:r>
-              <a:rPr kumimoji="0" lang="en-US" sz="1200" b="0" i="0" u="none" strike="noStrike" cap="none" normalizeH="0" baseline="0" dirty="0" smtClean="0">
-                <a:ln>
-                  <a:noFill/>
-                </a:ln>
-                <a:solidFill>
-                  <a:srgbClr val="0000FF"/>
-                </a:solidFill>
-                <a:effectLst/>
-                <a:latin typeface="Consolas" pitchFamily="49" charset="0"/>
-                <a:cs typeface="Consolas" pitchFamily="49" charset="0"/>
-              </a:rPr>
-              <a:t>&gt;</a:t>
-            </a:r>
-            <a:endParaRPr lang="en-US" sz="1200" dirty="0" smtClean="0">
-              <a:solidFill>
-                <a:srgbClr val="000000"/>
-              </a:solidFill>
-              <a:latin typeface="Consolas" pitchFamily="49" charset="0"/>
-              <a:cs typeface="Consolas" pitchFamily="49" charset="0"/>
-            </a:endParaRPr>
-          </a:p>
-          <a:p>
-            <a:pPr marL="0" marR="0" lvl="0" indent="0" algn="l" defTabSz="914400" rtl="0" eaLnBrk="1" fontAlgn="base" latinLnBrk="0" hangingPunct="1">
-              <a:lnSpc>
-                <a:spcPct val="100000"/>
-              </a:lnSpc>
-              <a:spcBef>
-                <a:spcPct val="0"/>
-              </a:spcBef>
-              <a:spcAft>
-                <a:spcPct val="0"/>
-              </a:spcAft>
-              <a:buClrTx/>
-              <a:buSzTx/>
-              <a:buFontTx/>
-              <a:buNone/>
-              <a:tabLst/>
-            </a:pPr>
-            <a:r>
-              <a:rPr kumimoji="0" lang="en-US" sz="1200" b="0" i="0" u="none" strike="noStrike" cap="none" normalizeH="0" baseline="0" dirty="0" smtClean="0">
-                <a:ln>
-                  <a:noFill/>
-                </a:ln>
-                <a:solidFill>
-                  <a:srgbClr val="000000"/>
-                </a:solidFill>
-                <a:effectLst/>
-                <a:latin typeface="Consolas" pitchFamily="49" charset="0"/>
-                <a:cs typeface="Consolas" pitchFamily="49" charset="0"/>
-              </a:rPr>
-              <a:t>	</a:t>
-            </a:r>
-            <a:r>
-              <a:rPr kumimoji="0" lang="en-US" sz="1200" b="0" i="0" u="none" strike="noStrike" cap="none" normalizeH="0" baseline="0" dirty="0" smtClean="0">
-                <a:ln>
-                  <a:noFill/>
-                </a:ln>
-                <a:solidFill>
-                  <a:srgbClr val="0000FF"/>
-                </a:solidFill>
-                <a:effectLst/>
-                <a:latin typeface="Consolas" pitchFamily="49" charset="0"/>
-                <a:cs typeface="Consolas" pitchFamily="49" charset="0"/>
-              </a:rPr>
-              <a:t>&lt;</a:t>
-            </a:r>
-            <a:r>
-              <a:rPr kumimoji="0" lang="en-US" sz="1200" b="0" i="0" u="none" strike="noStrike" cap="none" normalizeH="0" baseline="0" dirty="0" smtClean="0">
-                <a:ln>
-                  <a:noFill/>
-                </a:ln>
-                <a:solidFill>
-                  <a:srgbClr val="A31515"/>
-                </a:solidFill>
-                <a:effectLst/>
-                <a:latin typeface="Consolas" pitchFamily="49" charset="0"/>
-                <a:cs typeface="Consolas" pitchFamily="49" charset="0"/>
-              </a:rPr>
-              <a:t>add</a:t>
-            </a:r>
-            <a:r>
-              <a:rPr kumimoji="0" lang="en-US" sz="1200" b="0" i="0" u="none" strike="noStrike" cap="none" normalizeH="0" baseline="0" dirty="0" smtClean="0">
-                <a:ln>
-                  <a:noFill/>
-                </a:ln>
-                <a:solidFill>
-                  <a:srgbClr val="0000FF"/>
-                </a:solidFill>
-                <a:effectLst/>
-                <a:latin typeface="Consolas" pitchFamily="49" charset="0"/>
-                <a:cs typeface="Consolas" pitchFamily="49" charset="0"/>
-              </a:rPr>
-              <a:t> </a:t>
-            </a:r>
-            <a:r>
-              <a:rPr kumimoji="0" lang="en-US" sz="1200" b="0" i="0" u="none" strike="noStrike" cap="none" normalizeH="0" baseline="0" dirty="0" smtClean="0">
-                <a:ln>
-                  <a:noFill/>
-                </a:ln>
-                <a:solidFill>
-                  <a:srgbClr val="FF0000"/>
-                </a:solidFill>
-                <a:effectLst/>
-                <a:latin typeface="Consolas" pitchFamily="49" charset="0"/>
-                <a:cs typeface="Consolas" pitchFamily="49" charset="0"/>
-              </a:rPr>
-              <a:t>name</a:t>
-            </a:r>
-            <a:r>
-              <a:rPr kumimoji="0" lang="en-US" sz="1200" b="0" i="0" u="none" strike="noStrike" cap="none" normalizeH="0" baseline="0" dirty="0" smtClean="0">
-                <a:ln>
-                  <a:noFill/>
-                </a:ln>
-                <a:solidFill>
-                  <a:srgbClr val="0000FF"/>
-                </a:solidFill>
-                <a:effectLst/>
-                <a:latin typeface="Consolas" pitchFamily="49" charset="0"/>
-                <a:cs typeface="Consolas" pitchFamily="49" charset="0"/>
-              </a:rPr>
-              <a:t>=</a:t>
-            </a:r>
-            <a:r>
-              <a:rPr kumimoji="0" lang="en-US" sz="1200" b="0" i="0" u="none" strike="noStrike" cap="none" normalizeH="0" baseline="0" dirty="0" smtClean="0">
-                <a:ln>
-                  <a:noFill/>
-                </a:ln>
-                <a:solidFill>
-                  <a:srgbClr val="000000"/>
-                </a:solidFill>
-                <a:effectLst/>
-                <a:latin typeface="Consolas" pitchFamily="49" charset="0"/>
-                <a:cs typeface="Consolas" pitchFamily="49" charset="0"/>
-              </a:rPr>
-              <a:t>"</a:t>
-            </a:r>
-            <a:r>
-              <a:rPr kumimoji="0" lang="en-US" sz="1200" b="0" i="0" u="none" strike="noStrike" cap="none" normalizeH="0" baseline="0" dirty="0" err="1" smtClean="0">
-                <a:ln>
-                  <a:noFill/>
-                </a:ln>
-                <a:solidFill>
-                  <a:srgbClr val="0000FF"/>
-                </a:solidFill>
-                <a:effectLst/>
-                <a:latin typeface="Consolas" pitchFamily="49" charset="0"/>
-                <a:cs typeface="Consolas" pitchFamily="49" charset="0"/>
-              </a:rPr>
-              <a:t>DataAksess.Properties.Settings.SampleConnectionString</a:t>
-            </a:r>
-            <a:r>
-              <a:rPr kumimoji="0" lang="en-US" sz="1200" b="0" i="0" u="none" strike="noStrike" cap="none" normalizeH="0" baseline="0" dirty="0" smtClean="0">
-                <a:ln>
-                  <a:noFill/>
-                </a:ln>
-                <a:solidFill>
-                  <a:srgbClr val="000000"/>
-                </a:solidFill>
-                <a:effectLst/>
-                <a:latin typeface="Consolas" pitchFamily="49" charset="0"/>
-                <a:cs typeface="Consolas" pitchFamily="49" charset="0"/>
-              </a:rPr>
-              <a:t>" </a:t>
-            </a:r>
-            <a:r>
-              <a:rPr kumimoji="0" lang="en-US" sz="1200" b="0" i="0" u="none" strike="noStrike" cap="none" normalizeH="0" baseline="0" dirty="0" smtClean="0">
-                <a:ln>
-                  <a:noFill/>
-                </a:ln>
-                <a:solidFill>
-                  <a:srgbClr val="0000FF"/>
-                </a:solidFill>
-                <a:effectLst/>
-                <a:latin typeface="Consolas" pitchFamily="49" charset="0"/>
-                <a:cs typeface="Consolas" pitchFamily="49" charset="0"/>
-              </a:rPr>
-              <a:t>            </a:t>
-            </a:r>
-          </a:p>
-          <a:p>
-            <a:pPr marL="0" marR="0" lvl="0" indent="0" algn="l" defTabSz="914400" rtl="0" eaLnBrk="1" fontAlgn="base" latinLnBrk="0" hangingPunct="1">
-              <a:lnSpc>
-                <a:spcPct val="100000"/>
-              </a:lnSpc>
-              <a:spcBef>
-                <a:spcPct val="0"/>
-              </a:spcBef>
-              <a:spcAft>
-                <a:spcPct val="0"/>
-              </a:spcAft>
-              <a:buClrTx/>
-              <a:buSzTx/>
-              <a:buFontTx/>
-              <a:buNone/>
-              <a:tabLst/>
-            </a:pPr>
-            <a:r>
-              <a:rPr lang="en-US" sz="1200" dirty="0" smtClean="0">
-                <a:solidFill>
-                  <a:srgbClr val="0000FF"/>
-                </a:solidFill>
-                <a:latin typeface="Consolas" pitchFamily="49" charset="0"/>
-                <a:cs typeface="Consolas" pitchFamily="49" charset="0"/>
-              </a:rPr>
-              <a:t>	</a:t>
-            </a:r>
-            <a:r>
-              <a:rPr lang="en-US" sz="1200" dirty="0" smtClean="0">
-                <a:solidFill>
-                  <a:srgbClr val="0000FF"/>
-                </a:solidFill>
-                <a:latin typeface="Consolas" pitchFamily="49" charset="0"/>
-                <a:cs typeface="Consolas" pitchFamily="49" charset="0"/>
-              </a:rPr>
-              <a:t>     </a:t>
-            </a:r>
-            <a:r>
-              <a:rPr kumimoji="0" lang="en-US" sz="1200" b="0" i="0" u="none" strike="noStrike" cap="none" normalizeH="0" baseline="0" dirty="0" err="1" smtClean="0">
-                <a:ln>
-                  <a:noFill/>
-                </a:ln>
-                <a:solidFill>
-                  <a:srgbClr val="FF0000"/>
-                </a:solidFill>
-                <a:effectLst/>
-                <a:latin typeface="Consolas" pitchFamily="49" charset="0"/>
-                <a:cs typeface="Consolas" pitchFamily="49" charset="0"/>
-              </a:rPr>
-              <a:t>connectionString</a:t>
-            </a:r>
-            <a:r>
-              <a:rPr kumimoji="0" lang="en-US" sz="1200" b="0" i="0" u="none" strike="noStrike" cap="none" normalizeH="0" baseline="0" dirty="0" smtClean="0">
-                <a:ln>
-                  <a:noFill/>
-                </a:ln>
-                <a:solidFill>
-                  <a:srgbClr val="0000FF"/>
-                </a:solidFill>
-                <a:effectLst/>
-                <a:latin typeface="Consolas" pitchFamily="49" charset="0"/>
-                <a:cs typeface="Consolas" pitchFamily="49" charset="0"/>
-              </a:rPr>
-              <a:t>=</a:t>
-            </a:r>
-            <a:r>
-              <a:rPr kumimoji="0" lang="en-US" sz="1200" b="0" i="0" u="none" strike="noStrike" cap="none" normalizeH="0" baseline="0" dirty="0" smtClean="0">
-                <a:ln>
-                  <a:noFill/>
-                </a:ln>
-                <a:solidFill>
-                  <a:srgbClr val="000000"/>
-                </a:solidFill>
-                <a:effectLst/>
-                <a:latin typeface="Consolas" pitchFamily="49" charset="0"/>
-                <a:cs typeface="Consolas" pitchFamily="49" charset="0"/>
-              </a:rPr>
-              <a:t>"</a:t>
-            </a:r>
-            <a:r>
-              <a:rPr kumimoji="0" lang="en-US" sz="1200" b="0" i="0" u="none" strike="noStrike" cap="none" normalizeH="0" baseline="0" dirty="0" smtClean="0">
-                <a:ln>
-                  <a:noFill/>
-                </a:ln>
-                <a:solidFill>
-                  <a:srgbClr val="0000FF"/>
-                </a:solidFill>
-                <a:effectLst/>
-                <a:latin typeface="Consolas" pitchFamily="49" charset="0"/>
-                <a:cs typeface="Consolas" pitchFamily="49" charset="0"/>
-              </a:rPr>
-              <a:t>Data Source=.\</a:t>
-            </a:r>
-            <a:r>
-              <a:rPr kumimoji="0" lang="en-US" sz="1200" b="0" i="0" u="none" strike="noStrike" cap="none" normalizeH="0" baseline="0" dirty="0" err="1" smtClean="0">
-                <a:ln>
-                  <a:noFill/>
-                </a:ln>
-                <a:solidFill>
-                  <a:srgbClr val="0000FF"/>
-                </a:solidFill>
-                <a:effectLst/>
-                <a:latin typeface="Consolas" pitchFamily="49" charset="0"/>
-                <a:cs typeface="Consolas" pitchFamily="49" charset="0"/>
-              </a:rPr>
-              <a:t>SQLEXPRESS;AttachDbFilename</a:t>
-            </a:r>
-            <a:r>
-              <a:rPr kumimoji="0" lang="en-US" sz="1200" b="0" i="0" u="none" strike="noStrike" cap="none" normalizeH="0" baseline="0" dirty="0" smtClean="0">
-                <a:ln>
-                  <a:noFill/>
-                </a:ln>
-                <a:solidFill>
-                  <a:srgbClr val="0000FF"/>
-                </a:solidFill>
-                <a:effectLst/>
-                <a:latin typeface="Consolas" pitchFamily="49" charset="0"/>
-                <a:cs typeface="Consolas" pitchFamily="49" charset="0"/>
-              </a:rPr>
-              <a:t>=|</a:t>
-            </a:r>
-            <a:r>
-              <a:rPr kumimoji="0" lang="en-US" sz="1200" b="0" i="0" u="none" strike="noStrike" cap="none" normalizeH="0" baseline="0" dirty="0" err="1" smtClean="0">
-                <a:ln>
-                  <a:noFill/>
-                </a:ln>
-                <a:solidFill>
-                  <a:srgbClr val="0000FF"/>
-                </a:solidFill>
-                <a:effectLst/>
-                <a:latin typeface="Consolas" pitchFamily="49" charset="0"/>
-                <a:cs typeface="Consolas" pitchFamily="49" charset="0"/>
-              </a:rPr>
-              <a:t>DataDirectory</a:t>
-            </a:r>
-            <a:r>
-              <a:rPr kumimoji="0" lang="en-US" sz="1200" b="0" i="0" u="none" strike="noStrike" cap="none" normalizeH="0" baseline="0" dirty="0" smtClean="0">
-                <a:ln>
-                  <a:noFill/>
-                </a:ln>
-                <a:solidFill>
-                  <a:srgbClr val="0000FF"/>
-                </a:solidFill>
-                <a:effectLst/>
-                <a:latin typeface="Consolas" pitchFamily="49" charset="0"/>
-                <a:cs typeface="Consolas" pitchFamily="49" charset="0"/>
-              </a:rPr>
-              <a:t>|</a:t>
-            </a:r>
-          </a:p>
-          <a:p>
-            <a:pPr marL="0" marR="0" lvl="0" indent="0" algn="l" defTabSz="914400" rtl="0" eaLnBrk="1" fontAlgn="base" latinLnBrk="0" hangingPunct="1">
-              <a:lnSpc>
-                <a:spcPct val="100000"/>
-              </a:lnSpc>
-              <a:spcBef>
-                <a:spcPct val="0"/>
-              </a:spcBef>
-              <a:spcAft>
-                <a:spcPct val="0"/>
-              </a:spcAft>
-              <a:buClrTx/>
-              <a:buSzTx/>
-              <a:buFontTx/>
-              <a:buNone/>
-              <a:tabLst/>
-            </a:pPr>
-            <a:r>
-              <a:rPr lang="en-US" sz="1200" dirty="0" smtClean="0">
-                <a:solidFill>
-                  <a:srgbClr val="0000FF"/>
-                </a:solidFill>
-                <a:latin typeface="Consolas" pitchFamily="49" charset="0"/>
-                <a:cs typeface="Consolas" pitchFamily="49" charset="0"/>
-              </a:rPr>
-              <a:t>	</a:t>
-            </a:r>
-            <a:r>
-              <a:rPr lang="en-US" sz="1200" dirty="0" smtClean="0">
-                <a:solidFill>
-                  <a:srgbClr val="0000FF"/>
-                </a:solidFill>
-                <a:latin typeface="Consolas" pitchFamily="49" charset="0"/>
-                <a:cs typeface="Consolas" pitchFamily="49" charset="0"/>
-              </a:rPr>
-              <a:t>			   </a:t>
-            </a:r>
-            <a:r>
-              <a:rPr kumimoji="0" lang="en-US" sz="1200" b="0" i="0" u="none" strike="noStrike" cap="none" normalizeH="0" baseline="0" dirty="0" smtClean="0">
-                <a:ln>
-                  <a:noFill/>
-                </a:ln>
-                <a:solidFill>
-                  <a:srgbClr val="0000FF"/>
-                </a:solidFill>
-                <a:effectLst/>
-                <a:latin typeface="Consolas" pitchFamily="49" charset="0"/>
-                <a:cs typeface="Consolas" pitchFamily="49" charset="0"/>
-              </a:rPr>
-              <a:t>\</a:t>
-            </a:r>
-            <a:r>
-              <a:rPr lang="en-US" sz="1200" dirty="0" err="1" smtClean="0">
-                <a:solidFill>
-                  <a:srgbClr val="0000FF"/>
-                </a:solidFill>
-                <a:latin typeface="Consolas" pitchFamily="49" charset="0"/>
-                <a:cs typeface="Consolas" pitchFamily="49" charset="0"/>
-              </a:rPr>
-              <a:t>MyDatabase</a:t>
-            </a:r>
-            <a:r>
-              <a:rPr kumimoji="0" lang="en-US" sz="1200" b="0" i="0" u="none" strike="noStrike" cap="none" normalizeH="0" baseline="0" dirty="0" err="1" smtClean="0">
-                <a:ln>
-                  <a:noFill/>
-                </a:ln>
-                <a:solidFill>
-                  <a:srgbClr val="0000FF"/>
-                </a:solidFill>
-                <a:effectLst/>
-                <a:latin typeface="Consolas" pitchFamily="49" charset="0"/>
-                <a:cs typeface="Consolas" pitchFamily="49" charset="0"/>
-              </a:rPr>
-              <a:t>.mdf;Integrated</a:t>
-            </a:r>
-            <a:r>
-              <a:rPr kumimoji="0" lang="en-US" sz="1200" b="0" i="0" u="none" strike="noStrike" cap="none" normalizeH="0" baseline="0" dirty="0" smtClean="0">
-                <a:ln>
-                  <a:noFill/>
-                </a:ln>
-                <a:solidFill>
-                  <a:srgbClr val="0000FF"/>
-                </a:solidFill>
-                <a:effectLst/>
-                <a:latin typeface="Consolas" pitchFamily="49" charset="0"/>
-                <a:cs typeface="Consolas" pitchFamily="49" charset="0"/>
-              </a:rPr>
-              <a:t> Security=</a:t>
-            </a:r>
-            <a:r>
-              <a:rPr kumimoji="0" lang="en-US" sz="1200" b="0" i="0" u="none" strike="noStrike" cap="none" normalizeH="0" baseline="0" dirty="0" err="1" smtClean="0">
-                <a:ln>
-                  <a:noFill/>
-                </a:ln>
-                <a:solidFill>
-                  <a:srgbClr val="0000FF"/>
-                </a:solidFill>
-                <a:effectLst/>
-                <a:latin typeface="Consolas" pitchFamily="49" charset="0"/>
-                <a:cs typeface="Consolas" pitchFamily="49" charset="0"/>
-              </a:rPr>
-              <a:t>True;Connect</a:t>
-            </a:r>
-            <a:r>
-              <a:rPr kumimoji="0" lang="en-US" sz="1200" b="0" i="0" u="none" strike="noStrike" cap="none" normalizeH="0" baseline="0" dirty="0" smtClean="0">
-                <a:ln>
-                  <a:noFill/>
-                </a:ln>
-                <a:solidFill>
-                  <a:srgbClr val="0000FF"/>
-                </a:solidFill>
-                <a:effectLst/>
-                <a:latin typeface="Consolas" pitchFamily="49" charset="0"/>
-                <a:cs typeface="Consolas" pitchFamily="49" charset="0"/>
-              </a:rPr>
-              <a:t> </a:t>
-            </a:r>
-          </a:p>
-          <a:p>
-            <a:pPr marL="0" marR="0" lvl="0" indent="0" algn="l" defTabSz="914400" rtl="0" eaLnBrk="1" fontAlgn="base" latinLnBrk="0" hangingPunct="1">
-              <a:lnSpc>
-                <a:spcPct val="100000"/>
-              </a:lnSpc>
-              <a:spcBef>
-                <a:spcPct val="0"/>
-              </a:spcBef>
-              <a:spcAft>
-                <a:spcPct val="0"/>
-              </a:spcAft>
-              <a:buClrTx/>
-              <a:buSzTx/>
-              <a:buFontTx/>
-              <a:buNone/>
-              <a:tabLst/>
-            </a:pPr>
-            <a:r>
-              <a:rPr lang="en-US" sz="1200" dirty="0" smtClean="0">
-                <a:solidFill>
-                  <a:srgbClr val="0000FF"/>
-                </a:solidFill>
-                <a:latin typeface="Consolas" pitchFamily="49" charset="0"/>
-                <a:cs typeface="Consolas" pitchFamily="49" charset="0"/>
-              </a:rPr>
-              <a:t>	</a:t>
-            </a:r>
-            <a:r>
-              <a:rPr lang="en-US" sz="1200" dirty="0" smtClean="0">
-                <a:solidFill>
-                  <a:srgbClr val="0000FF"/>
-                </a:solidFill>
-                <a:latin typeface="Consolas" pitchFamily="49" charset="0"/>
-                <a:cs typeface="Consolas" pitchFamily="49" charset="0"/>
-              </a:rPr>
-              <a:t>			   </a:t>
-            </a:r>
-            <a:r>
-              <a:rPr kumimoji="0" lang="en-US" sz="1200" b="0" i="0" u="none" strike="noStrike" cap="none" normalizeH="0" baseline="0" dirty="0" smtClean="0">
-                <a:ln>
-                  <a:noFill/>
-                </a:ln>
-                <a:solidFill>
-                  <a:srgbClr val="0000FF"/>
-                </a:solidFill>
-                <a:effectLst/>
-                <a:latin typeface="Consolas" pitchFamily="49" charset="0"/>
-                <a:cs typeface="Consolas" pitchFamily="49" charset="0"/>
-              </a:rPr>
-              <a:t>Timeout=30;User Instance=True</a:t>
-            </a:r>
-            <a:r>
-              <a:rPr kumimoji="0" lang="en-US" sz="1200" b="0" i="0" u="none" strike="noStrike" cap="none" normalizeH="0" baseline="0" dirty="0" smtClean="0">
-                <a:ln>
-                  <a:noFill/>
-                </a:ln>
-                <a:solidFill>
-                  <a:srgbClr val="000000"/>
-                </a:solidFill>
-                <a:effectLst/>
-                <a:latin typeface="Consolas" pitchFamily="49" charset="0"/>
-                <a:cs typeface="Consolas" pitchFamily="49" charset="0"/>
-              </a:rPr>
-              <a:t>" </a:t>
-            </a:r>
-            <a:r>
-              <a:rPr kumimoji="0" lang="en-US" sz="1200" b="0" i="0" u="none" strike="noStrike" cap="none" normalizeH="0" baseline="0" dirty="0" smtClean="0">
-                <a:ln>
-                  <a:noFill/>
-                </a:ln>
-                <a:solidFill>
-                  <a:srgbClr val="0000FF"/>
-                </a:solidFill>
-                <a:effectLst/>
-                <a:latin typeface="Consolas" pitchFamily="49" charset="0"/>
-                <a:cs typeface="Consolas" pitchFamily="49" charset="0"/>
-              </a:rPr>
-              <a:t>            </a:t>
-            </a:r>
-          </a:p>
-          <a:p>
-            <a:pPr marL="0" marR="0" lvl="0" indent="0" algn="l" defTabSz="914400" rtl="0" eaLnBrk="1" fontAlgn="base" latinLnBrk="0" hangingPunct="1">
-              <a:lnSpc>
-                <a:spcPct val="100000"/>
-              </a:lnSpc>
-              <a:spcBef>
-                <a:spcPct val="0"/>
-              </a:spcBef>
-              <a:spcAft>
-                <a:spcPct val="0"/>
-              </a:spcAft>
-              <a:buClrTx/>
-              <a:buSzTx/>
-              <a:buFontTx/>
-              <a:buNone/>
-              <a:tabLst/>
-            </a:pPr>
-            <a:r>
-              <a:rPr kumimoji="0" lang="en-US" sz="1200" b="0" i="0" u="none" strike="noStrike" cap="none" normalizeH="0" baseline="0" dirty="0" smtClean="0">
-                <a:ln>
-                  <a:noFill/>
-                </a:ln>
-                <a:solidFill>
-                  <a:srgbClr val="FF0000"/>
-                </a:solidFill>
-                <a:effectLst/>
-                <a:latin typeface="Consolas" pitchFamily="49" charset="0"/>
-                <a:cs typeface="Consolas" pitchFamily="49" charset="0"/>
-              </a:rPr>
-              <a:t>	</a:t>
-            </a:r>
-            <a:r>
-              <a:rPr kumimoji="0" lang="en-US" sz="1200" b="0" i="0" u="none" strike="noStrike" cap="none" normalizeH="0" dirty="0" smtClean="0">
-                <a:ln>
-                  <a:noFill/>
-                </a:ln>
-                <a:solidFill>
-                  <a:srgbClr val="FF0000"/>
-                </a:solidFill>
-                <a:effectLst/>
-                <a:latin typeface="Consolas" pitchFamily="49" charset="0"/>
-                <a:cs typeface="Consolas" pitchFamily="49" charset="0"/>
-              </a:rPr>
-              <a:t>     </a:t>
-            </a:r>
-            <a:r>
-              <a:rPr kumimoji="0" lang="en-US" sz="1200" b="0" i="0" u="none" strike="noStrike" cap="none" normalizeH="0" baseline="0" dirty="0" err="1" smtClean="0">
-                <a:ln>
-                  <a:noFill/>
-                </a:ln>
-                <a:solidFill>
-                  <a:srgbClr val="FF0000"/>
-                </a:solidFill>
-                <a:effectLst/>
-                <a:latin typeface="Consolas" pitchFamily="49" charset="0"/>
-                <a:cs typeface="Consolas" pitchFamily="49" charset="0"/>
-              </a:rPr>
-              <a:t>providerName</a:t>
-            </a:r>
-            <a:r>
-              <a:rPr kumimoji="0" lang="en-US" sz="1200" b="0" i="0" u="none" strike="noStrike" cap="none" normalizeH="0" baseline="0" dirty="0" smtClean="0">
-                <a:ln>
-                  <a:noFill/>
-                </a:ln>
-                <a:solidFill>
-                  <a:srgbClr val="0000FF"/>
-                </a:solidFill>
-                <a:effectLst/>
-                <a:latin typeface="Consolas" pitchFamily="49" charset="0"/>
-                <a:cs typeface="Consolas" pitchFamily="49" charset="0"/>
-              </a:rPr>
-              <a:t>=</a:t>
-            </a:r>
-            <a:r>
-              <a:rPr kumimoji="0" lang="en-US" sz="1200" b="0" i="0" u="none" strike="noStrike" cap="none" normalizeH="0" baseline="0" dirty="0" smtClean="0">
-                <a:ln>
-                  <a:noFill/>
-                </a:ln>
-                <a:solidFill>
-                  <a:srgbClr val="000000"/>
-                </a:solidFill>
-                <a:effectLst/>
-                <a:latin typeface="Consolas" pitchFamily="49" charset="0"/>
-                <a:cs typeface="Consolas" pitchFamily="49" charset="0"/>
-              </a:rPr>
-              <a:t>"</a:t>
-            </a:r>
-            <a:r>
-              <a:rPr kumimoji="0" lang="en-US" sz="1200" b="0" i="0" u="none" strike="noStrike" cap="none" normalizeH="0" baseline="0" dirty="0" err="1" smtClean="0">
-                <a:ln>
-                  <a:noFill/>
-                </a:ln>
-                <a:solidFill>
-                  <a:srgbClr val="0000FF"/>
-                </a:solidFill>
-                <a:effectLst/>
-                <a:latin typeface="Consolas" pitchFamily="49" charset="0"/>
-                <a:cs typeface="Consolas" pitchFamily="49" charset="0"/>
-              </a:rPr>
-              <a:t>System.Data.SqlClient</a:t>
-            </a:r>
-            <a:r>
-              <a:rPr kumimoji="0" lang="en-US" sz="1200" b="0" i="0" u="none" strike="noStrike" cap="none" normalizeH="0" baseline="0" dirty="0" smtClean="0">
-                <a:ln>
-                  <a:noFill/>
-                </a:ln>
-                <a:solidFill>
-                  <a:srgbClr val="000000"/>
-                </a:solidFill>
-                <a:effectLst/>
-                <a:latin typeface="Consolas" pitchFamily="49" charset="0"/>
-                <a:cs typeface="Consolas" pitchFamily="49" charset="0"/>
-              </a:rPr>
-              <a:t>"</a:t>
-            </a:r>
-            <a:r>
-              <a:rPr kumimoji="0" lang="en-US" sz="1200" b="0" i="0" u="none" strike="noStrike" cap="none" normalizeH="0" baseline="0" dirty="0" smtClean="0">
-                <a:ln>
-                  <a:noFill/>
-                </a:ln>
-                <a:solidFill>
-                  <a:srgbClr val="0000FF"/>
-                </a:solidFill>
-                <a:effectLst/>
-                <a:latin typeface="Consolas" pitchFamily="49" charset="0"/>
-                <a:cs typeface="Consolas" pitchFamily="49" charset="0"/>
-              </a:rPr>
-              <a:t> /&gt;</a:t>
-            </a:r>
-            <a:r>
-              <a:rPr kumimoji="0" lang="en-US" sz="1200" b="0" i="0" u="none" strike="noStrike" cap="none" normalizeH="0" baseline="0" dirty="0" smtClean="0">
-                <a:ln>
-                  <a:noFill/>
-                </a:ln>
-                <a:solidFill>
-                  <a:srgbClr val="000000"/>
-                </a:solidFill>
-                <a:effectLst/>
-                <a:latin typeface="Consolas" pitchFamily="49" charset="0"/>
-                <a:cs typeface="Consolas" pitchFamily="49" charset="0"/>
-              </a:rPr>
-              <a:t> </a:t>
-            </a:r>
-            <a:r>
-              <a:rPr kumimoji="0" lang="en-US" sz="1200" b="0" i="0" u="none" strike="noStrike" cap="none" normalizeH="0" baseline="0" dirty="0" smtClean="0">
-                <a:ln>
-                  <a:noFill/>
-                </a:ln>
-                <a:solidFill>
-                  <a:srgbClr val="0000FF"/>
-                </a:solidFill>
-                <a:effectLst/>
-                <a:latin typeface="Consolas" pitchFamily="49" charset="0"/>
-                <a:cs typeface="Consolas" pitchFamily="49" charset="0"/>
-              </a:rPr>
-              <a:t>    </a:t>
-            </a:r>
-          </a:p>
-          <a:p>
-            <a:pPr marL="0" marR="0" lvl="0" indent="0" algn="l" defTabSz="914400" rtl="0" eaLnBrk="1" fontAlgn="base" latinLnBrk="0" hangingPunct="1">
-              <a:lnSpc>
-                <a:spcPct val="100000"/>
-              </a:lnSpc>
-              <a:spcBef>
-                <a:spcPct val="0"/>
-              </a:spcBef>
-              <a:spcAft>
-                <a:spcPct val="0"/>
-              </a:spcAft>
-              <a:buClrTx/>
-              <a:buSzTx/>
-              <a:buFontTx/>
-              <a:buNone/>
-              <a:tabLst/>
-            </a:pPr>
-            <a:r>
-              <a:rPr kumimoji="0" lang="en-US" sz="1200" b="0" i="0" u="none" strike="noStrike" cap="none" normalizeH="0" baseline="0" dirty="0" smtClean="0">
-                <a:ln>
-                  <a:noFill/>
-                </a:ln>
-                <a:solidFill>
-                  <a:srgbClr val="0000FF"/>
-                </a:solidFill>
-                <a:effectLst/>
-                <a:latin typeface="Consolas" pitchFamily="49" charset="0"/>
-                <a:cs typeface="Consolas" pitchFamily="49" charset="0"/>
-              </a:rPr>
-              <a:t>&lt;/</a:t>
-            </a:r>
-            <a:r>
-              <a:rPr kumimoji="0" lang="en-US" sz="1200" b="0" i="0" u="none" strike="noStrike" cap="none" normalizeH="0" baseline="0" dirty="0" err="1" smtClean="0">
-                <a:ln>
-                  <a:noFill/>
-                </a:ln>
-                <a:solidFill>
-                  <a:srgbClr val="A31515"/>
-                </a:solidFill>
-                <a:effectLst/>
-                <a:latin typeface="Consolas" pitchFamily="49" charset="0"/>
-                <a:cs typeface="Consolas" pitchFamily="49" charset="0"/>
-              </a:rPr>
-              <a:t>connectionStrings</a:t>
-            </a:r>
-            <a:r>
-              <a:rPr kumimoji="0" lang="en-US" sz="1200" b="0" i="0" u="none" strike="noStrike" cap="none" normalizeH="0" baseline="0" dirty="0" smtClean="0">
-                <a:ln>
-                  <a:noFill/>
-                </a:ln>
-                <a:solidFill>
-                  <a:srgbClr val="0000FF"/>
-                </a:solidFill>
-                <a:effectLst/>
-                <a:latin typeface="Consolas" pitchFamily="49" charset="0"/>
-                <a:cs typeface="Consolas" pitchFamily="49" charset="0"/>
-              </a:rPr>
-              <a:t>&gt;</a:t>
-            </a:r>
-            <a:endParaRPr kumimoji="0" lang="en-US" sz="1200" b="0" i="0" u="none" strike="noStrike" cap="none" normalizeH="0" baseline="0" dirty="0" smtClean="0">
-              <a:ln>
-                <a:noFill/>
-              </a:ln>
-              <a:solidFill>
-                <a:schemeClr val="tx1"/>
-              </a:solidFill>
-              <a:effectLst/>
-              <a:latin typeface="Arial" pitchFamily="34" charset="0"/>
-              <a:cs typeface="Arial" pitchFamily="34" charset="0"/>
-            </a:endParaRPr>
-          </a:p>
-        </p:txBody>
-      </p:sp>
-      <p:sp>
-        <p:nvSpPr>
-          <p:cNvPr id="7" name="TextBox 6"/>
-          <p:cNvSpPr txBox="1"/>
-          <p:nvPr/>
-        </p:nvSpPr>
-        <p:spPr>
-          <a:xfrm>
-            <a:off x="175319" y="1189736"/>
-            <a:ext cx="8102827" cy="307777"/>
-          </a:xfrm>
-          <a:prstGeom prst="rect">
-            <a:avLst/>
-          </a:prstGeom>
-          <a:noFill/>
-        </p:spPr>
-        <p:txBody>
-          <a:bodyPr wrap="square" rtlCol="0">
-            <a:spAutoFit/>
-          </a:bodyPr>
-          <a:lstStyle/>
-          <a:p>
-            <a:pPr>
+            <a:pPr algn="ctr">
               <a:spcBef>
                 <a:spcPts val="600"/>
               </a:spcBef>
@@ -12242,13 +10953,535 @@
               </a:spcAft>
             </a:pPr>
             <a:r>
-              <a:rPr lang="nb-NO" sz="1400" dirty="0" smtClean="0"/>
-              <a:t>Fra web.config/app.config</a:t>
-            </a:r>
-            <a:endParaRPr lang="nb-NO" sz="1400" dirty="0" smtClean="0"/>
+              <a:rPr lang="nb-NO" sz="1400" dirty="0" smtClean="0">
+                <a:solidFill>
+                  <a:schemeClr val="bg1"/>
+                </a:solidFill>
+              </a:rPr>
+              <a:t>Database</a:t>
+            </a:r>
+            <a:endParaRPr lang="en-US" sz="1400" dirty="0" err="1" smtClean="0">
+              <a:solidFill>
+                <a:schemeClr val="bg1"/>
+              </a:solidFill>
+            </a:endParaRPr>
           </a:p>
         </p:txBody>
       </p:sp>
+      <p:sp>
+        <p:nvSpPr>
+          <p:cNvPr id="6" name="Rounded Rectangle 5"/>
+          <p:cNvSpPr/>
+          <p:nvPr/>
+        </p:nvSpPr>
+        <p:spPr>
+          <a:xfrm>
+            <a:off x="1987067" y="2212378"/>
+            <a:ext cx="1961798" cy="412549"/>
+          </a:xfrm>
+          <a:prstGeom prst="roundRect">
+            <a:avLst/>
+          </a:prstGeom>
+          <a:ln/>
+        </p:spPr>
+        <p:style>
+          <a:lnRef idx="2">
+            <a:schemeClr val="accent2">
+              <a:shade val="50000"/>
+            </a:schemeClr>
+          </a:lnRef>
+          <a:fillRef idx="1">
+            <a:schemeClr val="accent2"/>
+          </a:fillRef>
+          <a:effectRef idx="0">
+            <a:schemeClr val="accent2"/>
+          </a:effectRef>
+          <a:fontRef idx="minor">
+            <a:schemeClr val="lt1"/>
+          </a:fontRef>
+        </p:style>
+        <p:txBody>
+          <a:bodyPr rot="0" spcFirstLastPara="0" vertOverflow="overflow" horzOverflow="overflow" vert="horz" wrap="square" lIns="91440" tIns="45720" rIns="91440" bIns="45720" numCol="1" spcCol="0" rtlCol="0" fromWordArt="0" anchor="ctr" anchorCtr="0" forceAA="0" compatLnSpc="1">
+            <a:prstTxWarp prst="textNoShape">
+              <a:avLst/>
+            </a:prstTxWarp>
+            <a:noAutofit/>
+          </a:bodyPr>
+          <a:lstStyle/>
+          <a:p>
+            <a:pPr algn="ctr">
+              <a:spcBef>
+                <a:spcPts val="600"/>
+              </a:spcBef>
+              <a:spcAft>
+                <a:spcPts val="400"/>
+              </a:spcAft>
+            </a:pPr>
+            <a:r>
+              <a:rPr lang="nb-NO" sz="1400" dirty="0" smtClean="0">
+                <a:solidFill>
+                  <a:schemeClr val="bg1"/>
+                </a:solidFill>
+              </a:rPr>
+              <a:t>Connection</a:t>
+            </a:r>
+          </a:p>
+        </p:txBody>
+      </p:sp>
+      <p:sp>
+        <p:nvSpPr>
+          <p:cNvPr id="7" name="Rounded Rectangle 6"/>
+          <p:cNvSpPr/>
+          <p:nvPr/>
+        </p:nvSpPr>
+        <p:spPr>
+          <a:xfrm>
+            <a:off x="1987067" y="3203212"/>
+            <a:ext cx="1961798" cy="412549"/>
+          </a:xfrm>
+          <a:prstGeom prst="roundRect">
+            <a:avLst/>
+          </a:prstGeom>
+          <a:ln/>
+        </p:spPr>
+        <p:style>
+          <a:lnRef idx="2">
+            <a:schemeClr val="accent2">
+              <a:shade val="50000"/>
+            </a:schemeClr>
+          </a:lnRef>
+          <a:fillRef idx="1">
+            <a:schemeClr val="accent2"/>
+          </a:fillRef>
+          <a:effectRef idx="0">
+            <a:schemeClr val="accent2"/>
+          </a:effectRef>
+          <a:fontRef idx="minor">
+            <a:schemeClr val="lt1"/>
+          </a:fontRef>
+        </p:style>
+        <p:txBody>
+          <a:bodyPr rot="0" spcFirstLastPara="0" vertOverflow="overflow" horzOverflow="overflow" vert="horz" wrap="square" lIns="91440" tIns="45720" rIns="91440" bIns="45720" numCol="1" spcCol="0" rtlCol="0" fromWordArt="0" anchor="ctr" anchorCtr="0" forceAA="0" compatLnSpc="1">
+            <a:prstTxWarp prst="textNoShape">
+              <a:avLst/>
+            </a:prstTxWarp>
+            <a:noAutofit/>
+          </a:bodyPr>
+          <a:lstStyle/>
+          <a:p>
+            <a:pPr algn="ctr">
+              <a:spcBef>
+                <a:spcPts val="600"/>
+              </a:spcBef>
+              <a:spcAft>
+                <a:spcPts val="400"/>
+              </a:spcAft>
+            </a:pPr>
+            <a:r>
+              <a:rPr lang="nb-NO" sz="1400" dirty="0" smtClean="0">
+                <a:solidFill>
+                  <a:schemeClr val="bg1"/>
+                </a:solidFill>
+              </a:rPr>
+              <a:t>Command</a:t>
+            </a:r>
+            <a:endParaRPr lang="en-US" sz="1400" dirty="0" err="1" smtClean="0">
+              <a:solidFill>
+                <a:schemeClr val="bg1"/>
+              </a:solidFill>
+            </a:endParaRPr>
+          </a:p>
+        </p:txBody>
+      </p:sp>
+      <p:sp>
+        <p:nvSpPr>
+          <p:cNvPr id="8" name="Rounded Rectangle 7"/>
+          <p:cNvSpPr/>
+          <p:nvPr/>
+        </p:nvSpPr>
+        <p:spPr>
+          <a:xfrm>
+            <a:off x="4498379" y="4108234"/>
+            <a:ext cx="1961798" cy="412549"/>
+          </a:xfrm>
+          <a:prstGeom prst="roundRect">
+            <a:avLst/>
+          </a:prstGeom>
+          <a:ln/>
+        </p:spPr>
+        <p:style>
+          <a:lnRef idx="2">
+            <a:schemeClr val="accent2">
+              <a:shade val="50000"/>
+            </a:schemeClr>
+          </a:lnRef>
+          <a:fillRef idx="1">
+            <a:schemeClr val="accent2"/>
+          </a:fillRef>
+          <a:effectRef idx="0">
+            <a:schemeClr val="accent2"/>
+          </a:effectRef>
+          <a:fontRef idx="minor">
+            <a:schemeClr val="lt1"/>
+          </a:fontRef>
+        </p:style>
+        <p:txBody>
+          <a:bodyPr rot="0" spcFirstLastPara="0" vertOverflow="overflow" horzOverflow="overflow" vert="horz" wrap="square" lIns="91440" tIns="45720" rIns="91440" bIns="45720" numCol="1" spcCol="0" rtlCol="0" fromWordArt="0" anchor="ctr" anchorCtr="0" forceAA="0" compatLnSpc="1">
+            <a:prstTxWarp prst="textNoShape">
+              <a:avLst/>
+            </a:prstTxWarp>
+            <a:noAutofit/>
+          </a:bodyPr>
+          <a:lstStyle/>
+          <a:p>
+            <a:pPr algn="ctr">
+              <a:spcBef>
+                <a:spcPts val="600"/>
+              </a:spcBef>
+              <a:spcAft>
+                <a:spcPts val="400"/>
+              </a:spcAft>
+            </a:pPr>
+            <a:r>
+              <a:rPr lang="nb-NO" sz="1400" dirty="0" smtClean="0">
+                <a:solidFill>
+                  <a:schemeClr val="bg1"/>
+                </a:solidFill>
+              </a:rPr>
+              <a:t>DataAdapter</a:t>
+            </a:r>
+            <a:endParaRPr lang="en-US" sz="1400" dirty="0" err="1" smtClean="0">
+              <a:solidFill>
+                <a:schemeClr val="bg1"/>
+              </a:solidFill>
+            </a:endParaRPr>
+          </a:p>
+        </p:txBody>
+      </p:sp>
+      <p:sp>
+        <p:nvSpPr>
+          <p:cNvPr id="9" name="Rounded Rectangle 8"/>
+          <p:cNvSpPr/>
+          <p:nvPr/>
+        </p:nvSpPr>
+        <p:spPr>
+          <a:xfrm>
+            <a:off x="6229643" y="4891805"/>
+            <a:ext cx="1961798" cy="412549"/>
+          </a:xfrm>
+          <a:prstGeom prst="roundRect">
+            <a:avLst/>
+          </a:prstGeom>
+          <a:ln/>
+        </p:spPr>
+        <p:style>
+          <a:lnRef idx="2">
+            <a:schemeClr val="accent2">
+              <a:shade val="50000"/>
+            </a:schemeClr>
+          </a:lnRef>
+          <a:fillRef idx="1">
+            <a:schemeClr val="accent2"/>
+          </a:fillRef>
+          <a:effectRef idx="0">
+            <a:schemeClr val="accent2"/>
+          </a:effectRef>
+          <a:fontRef idx="minor">
+            <a:schemeClr val="lt1"/>
+          </a:fontRef>
+        </p:style>
+        <p:txBody>
+          <a:bodyPr rot="0" spcFirstLastPara="0" vertOverflow="overflow" horzOverflow="overflow" vert="horz" wrap="square" lIns="91440" tIns="45720" rIns="91440" bIns="45720" numCol="1" spcCol="0" rtlCol="0" fromWordArt="0" anchor="ctr" anchorCtr="0" forceAA="0" compatLnSpc="1">
+            <a:prstTxWarp prst="textNoShape">
+              <a:avLst/>
+            </a:prstTxWarp>
+            <a:noAutofit/>
+          </a:bodyPr>
+          <a:lstStyle/>
+          <a:p>
+            <a:pPr algn="ctr">
+              <a:spcBef>
+                <a:spcPts val="600"/>
+              </a:spcBef>
+              <a:spcAft>
+                <a:spcPts val="400"/>
+              </a:spcAft>
+            </a:pPr>
+            <a:r>
+              <a:rPr lang="nb-NO" sz="1400" dirty="0" smtClean="0">
+                <a:solidFill>
+                  <a:schemeClr val="bg1"/>
+                </a:solidFill>
+              </a:rPr>
+              <a:t>DataSet</a:t>
+            </a:r>
+            <a:endParaRPr lang="en-US" sz="1400" dirty="0" err="1" smtClean="0">
+              <a:solidFill>
+                <a:schemeClr val="bg1"/>
+              </a:solidFill>
+            </a:endParaRPr>
+          </a:p>
+        </p:txBody>
+      </p:sp>
+      <p:sp>
+        <p:nvSpPr>
+          <p:cNvPr id="10" name="Rounded Rectangle 9"/>
+          <p:cNvSpPr/>
+          <p:nvPr/>
+        </p:nvSpPr>
+        <p:spPr>
+          <a:xfrm>
+            <a:off x="4498379" y="5833872"/>
+            <a:ext cx="1961798" cy="412549"/>
+          </a:xfrm>
+          <a:prstGeom prst="roundRect">
+            <a:avLst/>
+          </a:prstGeom>
+          <a:ln/>
+        </p:spPr>
+        <p:style>
+          <a:lnRef idx="2">
+            <a:schemeClr val="accent2">
+              <a:shade val="50000"/>
+            </a:schemeClr>
+          </a:lnRef>
+          <a:fillRef idx="1">
+            <a:schemeClr val="accent2"/>
+          </a:fillRef>
+          <a:effectRef idx="0">
+            <a:schemeClr val="accent2"/>
+          </a:effectRef>
+          <a:fontRef idx="minor">
+            <a:schemeClr val="lt1"/>
+          </a:fontRef>
+        </p:style>
+        <p:txBody>
+          <a:bodyPr rot="0" spcFirstLastPara="0" vertOverflow="overflow" horzOverflow="overflow" vert="horz" wrap="square" lIns="91440" tIns="45720" rIns="91440" bIns="45720" numCol="1" spcCol="0" rtlCol="0" fromWordArt="0" anchor="ctr" anchorCtr="0" forceAA="0" compatLnSpc="1">
+            <a:prstTxWarp prst="textNoShape">
+              <a:avLst/>
+            </a:prstTxWarp>
+            <a:noAutofit/>
+          </a:bodyPr>
+          <a:lstStyle/>
+          <a:p>
+            <a:pPr algn="ctr">
+              <a:spcBef>
+                <a:spcPts val="600"/>
+              </a:spcBef>
+              <a:spcAft>
+                <a:spcPts val="400"/>
+              </a:spcAft>
+            </a:pPr>
+            <a:r>
+              <a:rPr lang="nb-NO" sz="1400" dirty="0" smtClean="0">
+                <a:solidFill>
+                  <a:schemeClr val="bg1"/>
+                </a:solidFill>
+              </a:rPr>
+              <a:t>DataReader</a:t>
+            </a:r>
+            <a:endParaRPr lang="en-US" sz="1400" dirty="0" err="1" smtClean="0">
+              <a:solidFill>
+                <a:schemeClr val="bg1"/>
+              </a:solidFill>
+            </a:endParaRPr>
+          </a:p>
+        </p:txBody>
+      </p:sp>
+      <p:cxnSp>
+        <p:nvCxnSpPr>
+          <p:cNvPr id="16" name="Shape 15"/>
+          <p:cNvCxnSpPr>
+            <a:stCxn id="5" idx="2"/>
+            <a:endCxn id="6" idx="1"/>
+          </p:cNvCxnSpPr>
+          <p:nvPr/>
+        </p:nvCxnSpPr>
+        <p:spPr>
+          <a:xfrm rot="16200000" flipH="1">
+            <a:off x="1302923" y="1734509"/>
+            <a:ext cx="683742" cy="684545"/>
+          </a:xfrm>
+          <a:prstGeom prst="bentConnector2">
+            <a:avLst/>
+          </a:prstGeom>
+          <a:ln w="6350" cmpd="sng">
+            <a:solidFill>
+              <a:schemeClr val="accent2"/>
+            </a:solidFill>
+          </a:ln>
+          <a:effectLst/>
+        </p:spPr>
+        <p:style>
+          <a:lnRef idx="2">
+            <a:schemeClr val="accent1"/>
+          </a:lnRef>
+          <a:fillRef idx="0">
+            <a:schemeClr val="accent1"/>
+          </a:fillRef>
+          <a:effectRef idx="1">
+            <a:schemeClr val="accent1"/>
+          </a:effectRef>
+          <a:fontRef idx="minor">
+            <a:schemeClr val="tx1"/>
+          </a:fontRef>
+        </p:style>
+      </p:cxnSp>
+      <p:cxnSp>
+        <p:nvCxnSpPr>
+          <p:cNvPr id="18" name="Straight Connector 17"/>
+          <p:cNvCxnSpPr>
+            <a:stCxn id="6" idx="2"/>
+            <a:endCxn id="7" idx="0"/>
+          </p:cNvCxnSpPr>
+          <p:nvPr/>
+        </p:nvCxnSpPr>
+        <p:spPr>
+          <a:xfrm>
+            <a:off x="2967966" y="2624927"/>
+            <a:ext cx="0" cy="578285"/>
+          </a:xfrm>
+          <a:prstGeom prst="line">
+            <a:avLst/>
+          </a:prstGeom>
+          <a:ln w="6350" cmpd="sng">
+            <a:solidFill>
+              <a:schemeClr val="accent2"/>
+            </a:solidFill>
+          </a:ln>
+          <a:effectLst/>
+        </p:spPr>
+        <p:style>
+          <a:lnRef idx="2">
+            <a:schemeClr val="accent1"/>
+          </a:lnRef>
+          <a:fillRef idx="0">
+            <a:schemeClr val="accent1"/>
+          </a:fillRef>
+          <a:effectRef idx="1">
+            <a:schemeClr val="accent1"/>
+          </a:effectRef>
+          <a:fontRef idx="minor">
+            <a:schemeClr val="tx1"/>
+          </a:fontRef>
+        </p:style>
+      </p:cxnSp>
+      <p:cxnSp>
+        <p:nvCxnSpPr>
+          <p:cNvPr id="22" name="Shape 21"/>
+          <p:cNvCxnSpPr>
+            <a:stCxn id="7" idx="2"/>
+            <a:endCxn id="10" idx="1"/>
+          </p:cNvCxnSpPr>
+          <p:nvPr/>
+        </p:nvCxnSpPr>
+        <p:spPr>
+          <a:xfrm rot="16200000" flipH="1">
+            <a:off x="2520979" y="4062747"/>
+            <a:ext cx="2424386" cy="1530413"/>
+          </a:xfrm>
+          <a:prstGeom prst="bentConnector2">
+            <a:avLst/>
+          </a:prstGeom>
+          <a:ln w="6350" cmpd="sng">
+            <a:solidFill>
+              <a:schemeClr val="accent2"/>
+            </a:solidFill>
+          </a:ln>
+          <a:effectLst/>
+        </p:spPr>
+        <p:style>
+          <a:lnRef idx="2">
+            <a:schemeClr val="accent1"/>
+          </a:lnRef>
+          <a:fillRef idx="0">
+            <a:schemeClr val="accent1"/>
+          </a:fillRef>
+          <a:effectRef idx="1">
+            <a:schemeClr val="accent1"/>
+          </a:effectRef>
+          <a:fontRef idx="minor">
+            <a:schemeClr val="tx1"/>
+          </a:fontRef>
+        </p:style>
+      </p:cxnSp>
+      <p:cxnSp>
+        <p:nvCxnSpPr>
+          <p:cNvPr id="24" name="Shape 23"/>
+          <p:cNvCxnSpPr>
+            <a:stCxn id="8" idx="2"/>
+            <a:endCxn id="9" idx="1"/>
+          </p:cNvCxnSpPr>
+          <p:nvPr/>
+        </p:nvCxnSpPr>
+        <p:spPr>
+          <a:xfrm rot="16200000" flipH="1">
+            <a:off x="5565812" y="4434248"/>
+            <a:ext cx="577297" cy="750365"/>
+          </a:xfrm>
+          <a:prstGeom prst="bentConnector2">
+            <a:avLst/>
+          </a:prstGeom>
+          <a:ln w="6350" cmpd="sng">
+            <a:solidFill>
+              <a:schemeClr val="accent2"/>
+            </a:solidFill>
+          </a:ln>
+          <a:effectLst/>
+        </p:spPr>
+        <p:style>
+          <a:lnRef idx="2">
+            <a:schemeClr val="accent1"/>
+          </a:lnRef>
+          <a:fillRef idx="0">
+            <a:schemeClr val="accent1"/>
+          </a:fillRef>
+          <a:effectRef idx="1">
+            <a:schemeClr val="accent1"/>
+          </a:effectRef>
+          <a:fontRef idx="minor">
+            <a:schemeClr val="tx1"/>
+          </a:fontRef>
+        </p:style>
+      </p:cxnSp>
+      <p:cxnSp>
+        <p:nvCxnSpPr>
+          <p:cNvPr id="26" name="Straight Connector 25"/>
+          <p:cNvCxnSpPr>
+            <a:stCxn id="8" idx="1"/>
+          </p:cNvCxnSpPr>
+          <p:nvPr/>
+        </p:nvCxnSpPr>
+        <p:spPr>
+          <a:xfrm flipH="1">
+            <a:off x="2967966" y="4314509"/>
+            <a:ext cx="1530413" cy="0"/>
+          </a:xfrm>
+          <a:prstGeom prst="line">
+            <a:avLst/>
+          </a:prstGeom>
+          <a:ln w="6350" cmpd="sng">
+            <a:solidFill>
+              <a:schemeClr val="accent2"/>
+            </a:solidFill>
+          </a:ln>
+          <a:effectLst/>
+        </p:spPr>
+        <p:style>
+          <a:lnRef idx="2">
+            <a:schemeClr val="accent1"/>
+          </a:lnRef>
+          <a:fillRef idx="0">
+            <a:schemeClr val="accent1"/>
+          </a:fillRef>
+          <a:effectRef idx="1">
+            <a:schemeClr val="accent1"/>
+          </a:effectRef>
+          <a:fontRef idx="minor">
+            <a:schemeClr val="tx1"/>
+          </a:fontRef>
+        </p:style>
+      </p:cxnSp>
     </p:spTree>
   </p:cSld>
   <p:clrMapOvr>
@@ -12290,7 +11523,7 @@
         <p:spPr>
           <a:xfrm>
             <a:off x="321623" y="418905"/>
-            <a:ext cx="1891865" cy="307777"/>
+            <a:ext cx="1368003" cy="307777"/>
           </a:xfrm>
         </p:spPr>
         <p:txBody>
@@ -12299,7 +11532,7 @@
           <a:p>
             <a:r>
               <a:rPr lang="nb-NO" dirty="0" smtClean="0"/>
-              <a:t>Spørringer</a:t>
+              <a:t>DataSet</a:t>
             </a:r>
             <a:endParaRPr lang="en-US" dirty="0"/>
           </a:p>
@@ -12329,6 +11562,1768 @@
           </a:p>
         </p:txBody>
       </p:sp>
+      <p:sp>
+        <p:nvSpPr>
+          <p:cNvPr id="6" name="Rounded Rectangle 5"/>
+          <p:cNvSpPr/>
+          <p:nvPr/>
+        </p:nvSpPr>
+        <p:spPr>
+          <a:xfrm>
+            <a:off x="1374254" y="1494402"/>
+            <a:ext cx="2136575" cy="250247"/>
+          </a:xfrm>
+          <a:prstGeom prst="roundRect">
+            <a:avLst/>
+          </a:prstGeom>
+          <a:ln/>
+        </p:spPr>
+        <p:style>
+          <a:lnRef idx="2">
+            <a:schemeClr val="accent2">
+              <a:shade val="50000"/>
+            </a:schemeClr>
+          </a:lnRef>
+          <a:fillRef idx="1">
+            <a:schemeClr val="accent2"/>
+          </a:fillRef>
+          <a:effectRef idx="0">
+            <a:schemeClr val="accent2"/>
+          </a:effectRef>
+          <a:fontRef idx="minor">
+            <a:schemeClr val="lt1"/>
+          </a:fontRef>
+        </p:style>
+        <p:txBody>
+          <a:bodyPr rot="0" spcFirstLastPara="0" vertOverflow="overflow" horzOverflow="overflow" vert="horz" wrap="square" lIns="91440" tIns="45720" rIns="91440" bIns="45720" numCol="1" spcCol="0" rtlCol="0" fromWordArt="0" anchor="ctr" anchorCtr="0" forceAA="0" compatLnSpc="1">
+            <a:prstTxWarp prst="textNoShape">
+              <a:avLst/>
+            </a:prstTxWarp>
+            <a:noAutofit/>
+          </a:bodyPr>
+          <a:lstStyle/>
+          <a:p>
+            <a:pPr algn="ctr">
+              <a:spcBef>
+                <a:spcPts val="600"/>
+              </a:spcBef>
+              <a:spcAft>
+                <a:spcPts val="400"/>
+              </a:spcAft>
+            </a:pPr>
+            <a:r>
+              <a:rPr lang="nb-NO" sz="1400" dirty="0" smtClean="0">
+                <a:solidFill>
+                  <a:schemeClr val="bg1"/>
+                </a:solidFill>
+              </a:rPr>
+              <a:t>DataSet</a:t>
+            </a:r>
+            <a:endParaRPr lang="en-US" sz="1400" dirty="0" err="1" smtClean="0">
+              <a:solidFill>
+                <a:schemeClr val="bg1"/>
+              </a:solidFill>
+            </a:endParaRPr>
+          </a:p>
+        </p:txBody>
+      </p:sp>
+      <p:sp>
+        <p:nvSpPr>
+          <p:cNvPr id="9" name="Rounded Rectangle 8"/>
+          <p:cNvSpPr/>
+          <p:nvPr/>
+        </p:nvSpPr>
+        <p:spPr>
+          <a:xfrm>
+            <a:off x="1526654" y="1820849"/>
+            <a:ext cx="2136575" cy="250247"/>
+          </a:xfrm>
+          <a:prstGeom prst="roundRect">
+            <a:avLst/>
+          </a:prstGeom>
+          <a:ln/>
+        </p:spPr>
+        <p:style>
+          <a:lnRef idx="2">
+            <a:schemeClr val="accent3">
+              <a:shade val="50000"/>
+            </a:schemeClr>
+          </a:lnRef>
+          <a:fillRef idx="1">
+            <a:schemeClr val="accent3"/>
+          </a:fillRef>
+          <a:effectRef idx="0">
+            <a:schemeClr val="accent3"/>
+          </a:effectRef>
+          <a:fontRef idx="minor">
+            <a:schemeClr val="lt1"/>
+          </a:fontRef>
+        </p:style>
+        <p:txBody>
+          <a:bodyPr rot="0" spcFirstLastPara="0" vertOverflow="overflow" horzOverflow="overflow" vert="horz" wrap="square" lIns="91440" tIns="45720" rIns="91440" bIns="45720" numCol="1" spcCol="0" rtlCol="0" fromWordArt="0" anchor="ctr" anchorCtr="0" forceAA="0" compatLnSpc="1">
+            <a:prstTxWarp prst="textNoShape">
+              <a:avLst/>
+            </a:prstTxWarp>
+            <a:noAutofit/>
+          </a:bodyPr>
+          <a:lstStyle/>
+          <a:p>
+            <a:pPr algn="ctr">
+              <a:spcBef>
+                <a:spcPts val="600"/>
+              </a:spcBef>
+              <a:spcAft>
+                <a:spcPts val="400"/>
+              </a:spcAft>
+            </a:pPr>
+            <a:r>
+              <a:rPr lang="nb-NO" sz="1400" dirty="0" smtClean="0">
+                <a:solidFill>
+                  <a:schemeClr val="bg1"/>
+                </a:solidFill>
+              </a:rPr>
+              <a:t>DataRelationCollection</a:t>
+            </a:r>
+            <a:endParaRPr lang="en-US" sz="1400" dirty="0" err="1" smtClean="0">
+              <a:solidFill>
+                <a:schemeClr val="bg1"/>
+              </a:solidFill>
+            </a:endParaRPr>
+          </a:p>
+        </p:txBody>
+      </p:sp>
+      <p:sp>
+        <p:nvSpPr>
+          <p:cNvPr id="10" name="Rounded Rectangle 9"/>
+          <p:cNvSpPr/>
+          <p:nvPr/>
+        </p:nvSpPr>
+        <p:spPr>
+          <a:xfrm>
+            <a:off x="1526654" y="2142346"/>
+            <a:ext cx="2136575" cy="250247"/>
+          </a:xfrm>
+          <a:prstGeom prst="roundRect">
+            <a:avLst/>
+          </a:prstGeom>
+          <a:ln/>
+        </p:spPr>
+        <p:style>
+          <a:lnRef idx="2">
+            <a:schemeClr val="accent3">
+              <a:shade val="50000"/>
+            </a:schemeClr>
+          </a:lnRef>
+          <a:fillRef idx="1">
+            <a:schemeClr val="accent3"/>
+          </a:fillRef>
+          <a:effectRef idx="0">
+            <a:schemeClr val="accent3"/>
+          </a:effectRef>
+          <a:fontRef idx="minor">
+            <a:schemeClr val="lt1"/>
+          </a:fontRef>
+        </p:style>
+        <p:txBody>
+          <a:bodyPr rot="0" spcFirstLastPara="0" vertOverflow="overflow" horzOverflow="overflow" vert="horz" wrap="square" lIns="91440" tIns="45720" rIns="91440" bIns="45720" numCol="1" spcCol="0" rtlCol="0" fromWordArt="0" anchor="ctr" anchorCtr="0" forceAA="0" compatLnSpc="1">
+            <a:prstTxWarp prst="textNoShape">
+              <a:avLst/>
+            </a:prstTxWarp>
+            <a:noAutofit/>
+          </a:bodyPr>
+          <a:lstStyle/>
+          <a:p>
+            <a:pPr algn="ctr">
+              <a:spcBef>
+                <a:spcPts val="600"/>
+              </a:spcBef>
+              <a:spcAft>
+                <a:spcPts val="400"/>
+              </a:spcAft>
+            </a:pPr>
+            <a:r>
+              <a:rPr lang="nb-NO" sz="1400" dirty="0" smtClean="0">
+                <a:solidFill>
+                  <a:schemeClr val="bg1"/>
+                </a:solidFill>
+              </a:rPr>
+              <a:t>ExtendedProperties</a:t>
+            </a:r>
+            <a:endParaRPr lang="en-US" sz="1400" dirty="0" err="1" smtClean="0">
+              <a:solidFill>
+                <a:schemeClr val="bg1"/>
+              </a:solidFill>
+            </a:endParaRPr>
+          </a:p>
+        </p:txBody>
+      </p:sp>
+      <p:sp>
+        <p:nvSpPr>
+          <p:cNvPr id="11" name="Rounded Rectangle 10"/>
+          <p:cNvSpPr/>
+          <p:nvPr/>
+        </p:nvSpPr>
+        <p:spPr>
+          <a:xfrm>
+            <a:off x="1531470" y="2461868"/>
+            <a:ext cx="2136575" cy="250247"/>
+          </a:xfrm>
+          <a:prstGeom prst="roundRect">
+            <a:avLst/>
+          </a:prstGeom>
+          <a:ln/>
+        </p:spPr>
+        <p:style>
+          <a:lnRef idx="2">
+            <a:schemeClr val="accent3">
+              <a:shade val="50000"/>
+            </a:schemeClr>
+          </a:lnRef>
+          <a:fillRef idx="1">
+            <a:schemeClr val="accent3"/>
+          </a:fillRef>
+          <a:effectRef idx="0">
+            <a:schemeClr val="accent3"/>
+          </a:effectRef>
+          <a:fontRef idx="minor">
+            <a:schemeClr val="lt1"/>
+          </a:fontRef>
+        </p:style>
+        <p:txBody>
+          <a:bodyPr rot="0" spcFirstLastPara="0" vertOverflow="overflow" horzOverflow="overflow" vert="horz" wrap="square" lIns="91440" tIns="45720" rIns="91440" bIns="45720" numCol="1" spcCol="0" rtlCol="0" fromWordArt="0" anchor="ctr" anchorCtr="0" forceAA="0" compatLnSpc="1">
+            <a:prstTxWarp prst="textNoShape">
+              <a:avLst/>
+            </a:prstTxWarp>
+            <a:noAutofit/>
+          </a:bodyPr>
+          <a:lstStyle/>
+          <a:p>
+            <a:pPr algn="ctr">
+              <a:spcBef>
+                <a:spcPts val="600"/>
+              </a:spcBef>
+              <a:spcAft>
+                <a:spcPts val="400"/>
+              </a:spcAft>
+            </a:pPr>
+            <a:r>
+              <a:rPr lang="nb-NO" sz="1400" dirty="0" smtClean="0">
+                <a:solidFill>
+                  <a:schemeClr val="bg1"/>
+                </a:solidFill>
+              </a:rPr>
+              <a:t>DataTableCollection</a:t>
+            </a:r>
+            <a:endParaRPr lang="en-US" sz="1400" dirty="0" err="1" smtClean="0">
+              <a:solidFill>
+                <a:schemeClr val="bg1"/>
+              </a:solidFill>
+            </a:endParaRPr>
+          </a:p>
+        </p:txBody>
+      </p:sp>
+      <p:sp>
+        <p:nvSpPr>
+          <p:cNvPr id="12" name="Rounded Rectangle 11"/>
+          <p:cNvSpPr/>
+          <p:nvPr/>
+        </p:nvSpPr>
+        <p:spPr>
+          <a:xfrm>
+            <a:off x="1707620" y="2786891"/>
+            <a:ext cx="2136575" cy="250247"/>
+          </a:xfrm>
+          <a:prstGeom prst="roundRect">
+            <a:avLst/>
+          </a:prstGeom>
+          <a:ln/>
+        </p:spPr>
+        <p:style>
+          <a:lnRef idx="2">
+            <a:schemeClr val="accent2">
+              <a:shade val="50000"/>
+            </a:schemeClr>
+          </a:lnRef>
+          <a:fillRef idx="1">
+            <a:schemeClr val="accent2"/>
+          </a:fillRef>
+          <a:effectRef idx="0">
+            <a:schemeClr val="accent2"/>
+          </a:effectRef>
+          <a:fontRef idx="minor">
+            <a:schemeClr val="lt1"/>
+          </a:fontRef>
+        </p:style>
+        <p:txBody>
+          <a:bodyPr rot="0" spcFirstLastPara="0" vertOverflow="overflow" horzOverflow="overflow" vert="horz" wrap="square" lIns="91440" tIns="45720" rIns="91440" bIns="45720" numCol="1" spcCol="0" rtlCol="0" fromWordArt="0" anchor="ctr" anchorCtr="0" forceAA="0" compatLnSpc="1">
+            <a:prstTxWarp prst="textNoShape">
+              <a:avLst/>
+            </a:prstTxWarp>
+            <a:noAutofit/>
+          </a:bodyPr>
+          <a:lstStyle/>
+          <a:p>
+            <a:pPr algn="ctr">
+              <a:spcBef>
+                <a:spcPts val="600"/>
+              </a:spcBef>
+              <a:spcAft>
+                <a:spcPts val="400"/>
+              </a:spcAft>
+            </a:pPr>
+            <a:r>
+              <a:rPr lang="nb-NO" sz="1400" dirty="0" smtClean="0">
+                <a:solidFill>
+                  <a:schemeClr val="bg1"/>
+                </a:solidFill>
+              </a:rPr>
+              <a:t>DataTable</a:t>
+            </a:r>
+            <a:endParaRPr lang="en-US" sz="1400" dirty="0" err="1" smtClean="0">
+              <a:solidFill>
+                <a:schemeClr val="bg1"/>
+              </a:solidFill>
+            </a:endParaRPr>
+          </a:p>
+        </p:txBody>
+      </p:sp>
+      <p:sp>
+        <p:nvSpPr>
+          <p:cNvPr id="13" name="Rounded Rectangle 12"/>
+          <p:cNvSpPr/>
+          <p:nvPr/>
+        </p:nvSpPr>
+        <p:spPr>
+          <a:xfrm>
+            <a:off x="4149224" y="3102514"/>
+            <a:ext cx="2136575" cy="250247"/>
+          </a:xfrm>
+          <a:prstGeom prst="roundRect">
+            <a:avLst/>
+          </a:prstGeom>
+          <a:ln/>
+        </p:spPr>
+        <p:style>
+          <a:lnRef idx="2">
+            <a:schemeClr val="accent3">
+              <a:shade val="50000"/>
+            </a:schemeClr>
+          </a:lnRef>
+          <a:fillRef idx="1">
+            <a:schemeClr val="accent3"/>
+          </a:fillRef>
+          <a:effectRef idx="0">
+            <a:schemeClr val="accent3"/>
+          </a:effectRef>
+          <a:fontRef idx="minor">
+            <a:schemeClr val="lt1"/>
+          </a:fontRef>
+        </p:style>
+        <p:txBody>
+          <a:bodyPr rot="0" spcFirstLastPara="0" vertOverflow="overflow" horzOverflow="overflow" vert="horz" wrap="square" lIns="91440" tIns="45720" rIns="91440" bIns="45720" numCol="1" spcCol="0" rtlCol="0" fromWordArt="0" anchor="ctr" anchorCtr="0" forceAA="0" compatLnSpc="1">
+            <a:prstTxWarp prst="textNoShape">
+              <a:avLst/>
+            </a:prstTxWarp>
+            <a:noAutofit/>
+          </a:bodyPr>
+          <a:lstStyle/>
+          <a:p>
+            <a:pPr algn="ctr">
+              <a:spcBef>
+                <a:spcPts val="600"/>
+              </a:spcBef>
+              <a:spcAft>
+                <a:spcPts val="400"/>
+              </a:spcAft>
+            </a:pPr>
+            <a:r>
+              <a:rPr lang="nb-NO" sz="1400" dirty="0" smtClean="0">
+                <a:solidFill>
+                  <a:schemeClr val="bg1"/>
+                </a:solidFill>
+              </a:rPr>
+              <a:t>DataRowCollection</a:t>
+            </a:r>
+            <a:endParaRPr lang="en-US" sz="1400" dirty="0" err="1" smtClean="0">
+              <a:solidFill>
+                <a:schemeClr val="bg1"/>
+              </a:solidFill>
+            </a:endParaRPr>
+          </a:p>
+        </p:txBody>
+      </p:sp>
+      <p:sp>
+        <p:nvSpPr>
+          <p:cNvPr id="14" name="Rounded Rectangle 13"/>
+          <p:cNvSpPr/>
+          <p:nvPr/>
+        </p:nvSpPr>
+        <p:spPr>
+          <a:xfrm>
+            <a:off x="4315899" y="3418137"/>
+            <a:ext cx="2136575" cy="250247"/>
+          </a:xfrm>
+          <a:prstGeom prst="roundRect">
+            <a:avLst/>
+          </a:prstGeom>
+          <a:ln/>
+        </p:spPr>
+        <p:style>
+          <a:lnRef idx="2">
+            <a:schemeClr val="accent2">
+              <a:shade val="50000"/>
+            </a:schemeClr>
+          </a:lnRef>
+          <a:fillRef idx="1">
+            <a:schemeClr val="accent2"/>
+          </a:fillRef>
+          <a:effectRef idx="0">
+            <a:schemeClr val="accent2"/>
+          </a:effectRef>
+          <a:fontRef idx="minor">
+            <a:schemeClr val="lt1"/>
+          </a:fontRef>
+        </p:style>
+        <p:txBody>
+          <a:bodyPr rot="0" spcFirstLastPara="0" vertOverflow="overflow" horzOverflow="overflow" vert="horz" wrap="square" lIns="91440" tIns="45720" rIns="91440" bIns="45720" numCol="1" spcCol="0" rtlCol="0" fromWordArt="0" anchor="ctr" anchorCtr="0" forceAA="0" compatLnSpc="1">
+            <a:prstTxWarp prst="textNoShape">
+              <a:avLst/>
+            </a:prstTxWarp>
+            <a:noAutofit/>
+          </a:bodyPr>
+          <a:lstStyle/>
+          <a:p>
+            <a:pPr algn="ctr">
+              <a:spcBef>
+                <a:spcPts val="600"/>
+              </a:spcBef>
+              <a:spcAft>
+                <a:spcPts val="400"/>
+              </a:spcAft>
+            </a:pPr>
+            <a:r>
+              <a:rPr lang="nb-NO" sz="1400" dirty="0" smtClean="0">
+                <a:solidFill>
+                  <a:schemeClr val="bg1"/>
+                </a:solidFill>
+              </a:rPr>
+              <a:t>DataRow</a:t>
+            </a:r>
+            <a:endParaRPr lang="en-US" sz="1400" dirty="0" err="1" smtClean="0">
+              <a:solidFill>
+                <a:schemeClr val="bg1"/>
+              </a:solidFill>
+            </a:endParaRPr>
+          </a:p>
+        </p:txBody>
+      </p:sp>
+      <p:sp>
+        <p:nvSpPr>
+          <p:cNvPr id="15" name="Rounded Rectangle 14"/>
+          <p:cNvSpPr/>
+          <p:nvPr/>
+        </p:nvSpPr>
+        <p:spPr>
+          <a:xfrm>
+            <a:off x="1869002" y="3427662"/>
+            <a:ext cx="2136575" cy="250247"/>
+          </a:xfrm>
+          <a:prstGeom prst="roundRect">
+            <a:avLst/>
+          </a:prstGeom>
+          <a:ln/>
+        </p:spPr>
+        <p:style>
+          <a:lnRef idx="2">
+            <a:schemeClr val="accent2">
+              <a:shade val="50000"/>
+            </a:schemeClr>
+          </a:lnRef>
+          <a:fillRef idx="1">
+            <a:schemeClr val="accent2"/>
+          </a:fillRef>
+          <a:effectRef idx="0">
+            <a:schemeClr val="accent2"/>
+          </a:effectRef>
+          <a:fontRef idx="minor">
+            <a:schemeClr val="lt1"/>
+          </a:fontRef>
+        </p:style>
+        <p:txBody>
+          <a:bodyPr rot="0" spcFirstLastPara="0" vertOverflow="overflow" horzOverflow="overflow" vert="horz" wrap="square" lIns="91440" tIns="45720" rIns="91440" bIns="45720" numCol="1" spcCol="0" rtlCol="0" fromWordArt="0" anchor="ctr" anchorCtr="0" forceAA="0" compatLnSpc="1">
+            <a:prstTxWarp prst="textNoShape">
+              <a:avLst/>
+            </a:prstTxWarp>
+            <a:noAutofit/>
+          </a:bodyPr>
+          <a:lstStyle/>
+          <a:p>
+            <a:pPr algn="ctr">
+              <a:spcBef>
+                <a:spcPts val="600"/>
+              </a:spcBef>
+              <a:spcAft>
+                <a:spcPts val="400"/>
+              </a:spcAft>
+            </a:pPr>
+            <a:r>
+              <a:rPr lang="nb-NO" sz="1400" dirty="0" smtClean="0">
+                <a:solidFill>
+                  <a:schemeClr val="bg1"/>
+                </a:solidFill>
+              </a:rPr>
+              <a:t>DataView</a:t>
+            </a:r>
+            <a:endParaRPr lang="en-US" sz="1400" dirty="0" err="1" smtClean="0">
+              <a:solidFill>
+                <a:schemeClr val="bg1"/>
+              </a:solidFill>
+            </a:endParaRPr>
+          </a:p>
+        </p:txBody>
+      </p:sp>
+      <p:sp>
+        <p:nvSpPr>
+          <p:cNvPr id="16" name="Rounded Rectangle 15"/>
+          <p:cNvSpPr/>
+          <p:nvPr/>
+        </p:nvSpPr>
+        <p:spPr>
+          <a:xfrm>
+            <a:off x="1869002" y="3743285"/>
+            <a:ext cx="2136575" cy="250247"/>
+          </a:xfrm>
+          <a:prstGeom prst="roundRect">
+            <a:avLst/>
+          </a:prstGeom>
+          <a:ln/>
+        </p:spPr>
+        <p:style>
+          <a:lnRef idx="2">
+            <a:schemeClr val="accent3">
+              <a:shade val="50000"/>
+            </a:schemeClr>
+          </a:lnRef>
+          <a:fillRef idx="1">
+            <a:schemeClr val="accent3"/>
+          </a:fillRef>
+          <a:effectRef idx="0">
+            <a:schemeClr val="accent3"/>
+          </a:effectRef>
+          <a:fontRef idx="minor">
+            <a:schemeClr val="lt1"/>
+          </a:fontRef>
+        </p:style>
+        <p:txBody>
+          <a:bodyPr rot="0" spcFirstLastPara="0" vertOverflow="overflow" horzOverflow="overflow" vert="horz" wrap="square" lIns="91440" tIns="45720" rIns="91440" bIns="45720" numCol="1" spcCol="0" rtlCol="0" fromWordArt="0" anchor="ctr" anchorCtr="0" forceAA="0" compatLnSpc="1">
+            <a:prstTxWarp prst="textNoShape">
+              <a:avLst/>
+            </a:prstTxWarp>
+            <a:noAutofit/>
+          </a:bodyPr>
+          <a:lstStyle/>
+          <a:p>
+            <a:pPr algn="ctr">
+              <a:spcBef>
+                <a:spcPts val="600"/>
+              </a:spcBef>
+              <a:spcAft>
+                <a:spcPts val="400"/>
+              </a:spcAft>
+            </a:pPr>
+            <a:r>
+              <a:rPr lang="nb-NO" sz="1400" dirty="0" smtClean="0">
+                <a:solidFill>
+                  <a:schemeClr val="bg1"/>
+                </a:solidFill>
+              </a:rPr>
+              <a:t>ChildRelations</a:t>
+            </a:r>
+            <a:endParaRPr lang="en-US" sz="1400" dirty="0" err="1" smtClean="0">
+              <a:solidFill>
+                <a:schemeClr val="bg1"/>
+              </a:solidFill>
+            </a:endParaRPr>
+          </a:p>
+        </p:txBody>
+      </p:sp>
+      <p:sp>
+        <p:nvSpPr>
+          <p:cNvPr id="17" name="Rounded Rectangle 16"/>
+          <p:cNvSpPr/>
+          <p:nvPr/>
+        </p:nvSpPr>
+        <p:spPr>
+          <a:xfrm>
+            <a:off x="1869002" y="4058908"/>
+            <a:ext cx="2136575" cy="250247"/>
+          </a:xfrm>
+          <a:prstGeom prst="roundRect">
+            <a:avLst/>
+          </a:prstGeom>
+          <a:ln/>
+        </p:spPr>
+        <p:style>
+          <a:lnRef idx="2">
+            <a:schemeClr val="accent3">
+              <a:shade val="50000"/>
+            </a:schemeClr>
+          </a:lnRef>
+          <a:fillRef idx="1">
+            <a:schemeClr val="accent3"/>
+          </a:fillRef>
+          <a:effectRef idx="0">
+            <a:schemeClr val="accent3"/>
+          </a:effectRef>
+          <a:fontRef idx="minor">
+            <a:schemeClr val="lt1"/>
+          </a:fontRef>
+        </p:style>
+        <p:txBody>
+          <a:bodyPr rot="0" spcFirstLastPara="0" vertOverflow="overflow" horzOverflow="overflow" vert="horz" wrap="square" lIns="91440" tIns="45720" rIns="91440" bIns="45720" numCol="1" spcCol="0" rtlCol="0" fromWordArt="0" anchor="ctr" anchorCtr="0" forceAA="0" compatLnSpc="1">
+            <a:prstTxWarp prst="textNoShape">
+              <a:avLst/>
+            </a:prstTxWarp>
+            <a:noAutofit/>
+          </a:bodyPr>
+          <a:lstStyle/>
+          <a:p>
+            <a:pPr algn="ctr">
+              <a:spcBef>
+                <a:spcPts val="600"/>
+              </a:spcBef>
+              <a:spcAft>
+                <a:spcPts val="400"/>
+              </a:spcAft>
+            </a:pPr>
+            <a:r>
+              <a:rPr lang="nb-NO" sz="1400" dirty="0" smtClean="0">
+                <a:solidFill>
+                  <a:schemeClr val="bg1"/>
+                </a:solidFill>
+              </a:rPr>
+              <a:t>ParentRelations</a:t>
+            </a:r>
+            <a:endParaRPr lang="en-US" sz="1400" dirty="0" err="1" smtClean="0">
+              <a:solidFill>
+                <a:schemeClr val="bg1"/>
+              </a:solidFill>
+            </a:endParaRPr>
+          </a:p>
+        </p:txBody>
+      </p:sp>
+      <p:sp>
+        <p:nvSpPr>
+          <p:cNvPr id="18" name="Rounded Rectangle 17"/>
+          <p:cNvSpPr/>
+          <p:nvPr/>
+        </p:nvSpPr>
+        <p:spPr>
+          <a:xfrm>
+            <a:off x="1869002" y="4373233"/>
+            <a:ext cx="2136575" cy="250247"/>
+          </a:xfrm>
+          <a:prstGeom prst="roundRect">
+            <a:avLst/>
+          </a:prstGeom>
+          <a:ln/>
+        </p:spPr>
+        <p:style>
+          <a:lnRef idx="2">
+            <a:schemeClr val="accent3">
+              <a:shade val="50000"/>
+            </a:schemeClr>
+          </a:lnRef>
+          <a:fillRef idx="1">
+            <a:schemeClr val="accent3"/>
+          </a:fillRef>
+          <a:effectRef idx="0">
+            <a:schemeClr val="accent3"/>
+          </a:effectRef>
+          <a:fontRef idx="minor">
+            <a:schemeClr val="lt1"/>
+          </a:fontRef>
+        </p:style>
+        <p:txBody>
+          <a:bodyPr rot="0" spcFirstLastPara="0" vertOverflow="overflow" horzOverflow="overflow" vert="horz" wrap="square" lIns="91440" tIns="45720" rIns="91440" bIns="45720" numCol="1" spcCol="0" rtlCol="0" fromWordArt="0" anchor="ctr" anchorCtr="0" forceAA="0" compatLnSpc="1">
+            <a:prstTxWarp prst="textNoShape">
+              <a:avLst/>
+            </a:prstTxWarp>
+            <a:noAutofit/>
+          </a:bodyPr>
+          <a:lstStyle/>
+          <a:p>
+            <a:pPr algn="ctr">
+              <a:spcBef>
+                <a:spcPts val="600"/>
+              </a:spcBef>
+              <a:spcAft>
+                <a:spcPts val="400"/>
+              </a:spcAft>
+            </a:pPr>
+            <a:r>
+              <a:rPr lang="nb-NO" sz="1400" dirty="0" smtClean="0">
+                <a:solidFill>
+                  <a:schemeClr val="bg1"/>
+                </a:solidFill>
+              </a:rPr>
+              <a:t>Constraints</a:t>
+            </a:r>
+            <a:endParaRPr lang="en-US" sz="1400" dirty="0" err="1" smtClean="0">
+              <a:solidFill>
+                <a:schemeClr val="bg1"/>
+              </a:solidFill>
+            </a:endParaRPr>
+          </a:p>
+        </p:txBody>
+      </p:sp>
+      <p:sp>
+        <p:nvSpPr>
+          <p:cNvPr id="19" name="Rounded Rectangle 18"/>
+          <p:cNvSpPr/>
+          <p:nvPr/>
+        </p:nvSpPr>
+        <p:spPr>
+          <a:xfrm>
+            <a:off x="4149224" y="4667211"/>
+            <a:ext cx="2136575" cy="250247"/>
+          </a:xfrm>
+          <a:prstGeom prst="roundRect">
+            <a:avLst/>
+          </a:prstGeom>
+          <a:ln/>
+        </p:spPr>
+        <p:style>
+          <a:lnRef idx="2">
+            <a:schemeClr val="accent3">
+              <a:shade val="50000"/>
+            </a:schemeClr>
+          </a:lnRef>
+          <a:fillRef idx="1">
+            <a:schemeClr val="accent3"/>
+          </a:fillRef>
+          <a:effectRef idx="0">
+            <a:schemeClr val="accent3"/>
+          </a:effectRef>
+          <a:fontRef idx="minor">
+            <a:schemeClr val="lt1"/>
+          </a:fontRef>
+        </p:style>
+        <p:txBody>
+          <a:bodyPr rot="0" spcFirstLastPara="0" vertOverflow="overflow" horzOverflow="overflow" vert="horz" wrap="square" lIns="91440" tIns="45720" rIns="91440" bIns="45720" numCol="1" spcCol="0" rtlCol="0" fromWordArt="0" anchor="ctr" anchorCtr="0" forceAA="0" compatLnSpc="1">
+            <a:prstTxWarp prst="textNoShape">
+              <a:avLst/>
+            </a:prstTxWarp>
+            <a:noAutofit/>
+          </a:bodyPr>
+          <a:lstStyle/>
+          <a:p>
+            <a:pPr algn="ctr">
+              <a:spcBef>
+                <a:spcPts val="600"/>
+              </a:spcBef>
+              <a:spcAft>
+                <a:spcPts val="400"/>
+              </a:spcAft>
+            </a:pPr>
+            <a:r>
+              <a:rPr lang="nb-NO" sz="1400" dirty="0" smtClean="0">
+                <a:solidFill>
+                  <a:schemeClr val="bg1"/>
+                </a:solidFill>
+              </a:rPr>
+              <a:t>DataColumnCollection</a:t>
+            </a:r>
+            <a:endParaRPr lang="en-US" sz="1400" dirty="0" err="1" smtClean="0">
+              <a:solidFill>
+                <a:schemeClr val="bg1"/>
+              </a:solidFill>
+            </a:endParaRPr>
+          </a:p>
+        </p:txBody>
+      </p:sp>
+      <p:sp>
+        <p:nvSpPr>
+          <p:cNvPr id="20" name="Rounded Rectangle 19"/>
+          <p:cNvSpPr/>
+          <p:nvPr/>
+        </p:nvSpPr>
+        <p:spPr>
+          <a:xfrm>
+            <a:off x="4320662" y="5024401"/>
+            <a:ext cx="2136575" cy="250247"/>
+          </a:xfrm>
+          <a:prstGeom prst="roundRect">
+            <a:avLst/>
+          </a:prstGeom>
+          <a:ln/>
+        </p:spPr>
+        <p:style>
+          <a:lnRef idx="2">
+            <a:schemeClr val="accent2">
+              <a:shade val="50000"/>
+            </a:schemeClr>
+          </a:lnRef>
+          <a:fillRef idx="1">
+            <a:schemeClr val="accent2"/>
+          </a:fillRef>
+          <a:effectRef idx="0">
+            <a:schemeClr val="accent2"/>
+          </a:effectRef>
+          <a:fontRef idx="minor">
+            <a:schemeClr val="lt1"/>
+          </a:fontRef>
+        </p:style>
+        <p:txBody>
+          <a:bodyPr rot="0" spcFirstLastPara="0" vertOverflow="overflow" horzOverflow="overflow" vert="horz" wrap="square" lIns="91440" tIns="45720" rIns="91440" bIns="45720" numCol="1" spcCol="0" rtlCol="0" fromWordArt="0" anchor="ctr" anchorCtr="0" forceAA="0" compatLnSpc="1">
+            <a:prstTxWarp prst="textNoShape">
+              <a:avLst/>
+            </a:prstTxWarp>
+            <a:noAutofit/>
+          </a:bodyPr>
+          <a:lstStyle/>
+          <a:p>
+            <a:pPr algn="ctr">
+              <a:spcBef>
+                <a:spcPts val="600"/>
+              </a:spcBef>
+              <a:spcAft>
+                <a:spcPts val="400"/>
+              </a:spcAft>
+            </a:pPr>
+            <a:r>
+              <a:rPr lang="nb-NO" sz="1400" dirty="0" smtClean="0">
+                <a:solidFill>
+                  <a:schemeClr val="bg1"/>
+                </a:solidFill>
+              </a:rPr>
+              <a:t>DataColumn</a:t>
+            </a:r>
+            <a:endParaRPr lang="en-US" sz="1400" dirty="0" err="1" smtClean="0">
+              <a:solidFill>
+                <a:schemeClr val="bg1"/>
+              </a:solidFill>
+            </a:endParaRPr>
+          </a:p>
+        </p:txBody>
+      </p:sp>
+      <p:sp>
+        <p:nvSpPr>
+          <p:cNvPr id="21" name="Rounded Rectangle 20"/>
+          <p:cNvSpPr/>
+          <p:nvPr/>
+        </p:nvSpPr>
+        <p:spPr>
+          <a:xfrm>
+            <a:off x="1873764" y="5011408"/>
+            <a:ext cx="2136575" cy="250247"/>
+          </a:xfrm>
+          <a:prstGeom prst="roundRect">
+            <a:avLst/>
+          </a:prstGeom>
+          <a:ln/>
+        </p:spPr>
+        <p:style>
+          <a:lnRef idx="2">
+            <a:schemeClr val="accent3">
+              <a:shade val="50000"/>
+            </a:schemeClr>
+          </a:lnRef>
+          <a:fillRef idx="1">
+            <a:schemeClr val="accent3"/>
+          </a:fillRef>
+          <a:effectRef idx="0">
+            <a:schemeClr val="accent3"/>
+          </a:effectRef>
+          <a:fontRef idx="minor">
+            <a:schemeClr val="lt1"/>
+          </a:fontRef>
+        </p:style>
+        <p:txBody>
+          <a:bodyPr rot="0" spcFirstLastPara="0" vertOverflow="overflow" horzOverflow="overflow" vert="horz" wrap="square" lIns="91440" tIns="45720" rIns="91440" bIns="45720" numCol="1" spcCol="0" rtlCol="0" fromWordArt="0" anchor="ctr" anchorCtr="0" forceAA="0" compatLnSpc="1">
+            <a:prstTxWarp prst="textNoShape">
+              <a:avLst/>
+            </a:prstTxWarp>
+            <a:noAutofit/>
+          </a:bodyPr>
+          <a:lstStyle/>
+          <a:p>
+            <a:pPr algn="ctr">
+              <a:spcBef>
+                <a:spcPts val="600"/>
+              </a:spcBef>
+              <a:spcAft>
+                <a:spcPts val="400"/>
+              </a:spcAft>
+            </a:pPr>
+            <a:r>
+              <a:rPr lang="nb-NO" sz="1400" dirty="0" smtClean="0">
+                <a:solidFill>
+                  <a:schemeClr val="bg1"/>
+                </a:solidFill>
+              </a:rPr>
+              <a:t>ExtendedProperties</a:t>
+            </a:r>
+            <a:endParaRPr lang="en-US" sz="1400" dirty="0" err="1" smtClean="0">
+              <a:solidFill>
+                <a:schemeClr val="bg1"/>
+              </a:solidFill>
+            </a:endParaRPr>
+          </a:p>
+        </p:txBody>
+      </p:sp>
+      <p:sp>
+        <p:nvSpPr>
+          <p:cNvPr id="22" name="Rounded Rectangle 21"/>
+          <p:cNvSpPr/>
+          <p:nvPr/>
+        </p:nvSpPr>
+        <p:spPr>
+          <a:xfrm>
+            <a:off x="1869002" y="5333410"/>
+            <a:ext cx="2136575" cy="250247"/>
+          </a:xfrm>
+          <a:prstGeom prst="roundRect">
+            <a:avLst/>
+          </a:prstGeom>
+          <a:ln/>
+        </p:spPr>
+        <p:style>
+          <a:lnRef idx="2">
+            <a:schemeClr val="accent2">
+              <a:shade val="50000"/>
+            </a:schemeClr>
+          </a:lnRef>
+          <a:fillRef idx="1">
+            <a:schemeClr val="accent2"/>
+          </a:fillRef>
+          <a:effectRef idx="0">
+            <a:schemeClr val="accent2"/>
+          </a:effectRef>
+          <a:fontRef idx="minor">
+            <a:schemeClr val="lt1"/>
+          </a:fontRef>
+        </p:style>
+        <p:txBody>
+          <a:bodyPr rot="0" spcFirstLastPara="0" vertOverflow="overflow" horzOverflow="overflow" vert="horz" wrap="square" lIns="91440" tIns="45720" rIns="91440" bIns="45720" numCol="1" spcCol="0" rtlCol="0" fromWordArt="0" anchor="ctr" anchorCtr="0" forceAA="0" compatLnSpc="1">
+            <a:prstTxWarp prst="textNoShape">
+              <a:avLst/>
+            </a:prstTxWarp>
+            <a:noAutofit/>
+          </a:bodyPr>
+          <a:lstStyle/>
+          <a:p>
+            <a:pPr algn="ctr">
+              <a:spcBef>
+                <a:spcPts val="600"/>
+              </a:spcBef>
+              <a:spcAft>
+                <a:spcPts val="400"/>
+              </a:spcAft>
+            </a:pPr>
+            <a:r>
+              <a:rPr lang="nb-NO" sz="1400" dirty="0" smtClean="0">
+                <a:solidFill>
+                  <a:schemeClr val="bg1"/>
+                </a:solidFill>
+              </a:rPr>
+              <a:t>PrimaryKey</a:t>
+            </a:r>
+            <a:endParaRPr lang="en-US" sz="1400" dirty="0" err="1" smtClean="0">
+              <a:solidFill>
+                <a:schemeClr val="bg1"/>
+              </a:solidFill>
+            </a:endParaRPr>
+          </a:p>
+        </p:txBody>
+      </p:sp>
+      <p:sp>
+        <p:nvSpPr>
+          <p:cNvPr id="23" name="Rounded Rectangle 22"/>
+          <p:cNvSpPr/>
+          <p:nvPr/>
+        </p:nvSpPr>
+        <p:spPr>
+          <a:xfrm>
+            <a:off x="4479974" y="5365138"/>
+            <a:ext cx="2136575" cy="250247"/>
+          </a:xfrm>
+          <a:prstGeom prst="roundRect">
+            <a:avLst/>
+          </a:prstGeom>
+          <a:ln/>
+        </p:spPr>
+        <p:style>
+          <a:lnRef idx="2">
+            <a:schemeClr val="accent3">
+              <a:shade val="50000"/>
+            </a:schemeClr>
+          </a:lnRef>
+          <a:fillRef idx="1">
+            <a:schemeClr val="accent3"/>
+          </a:fillRef>
+          <a:effectRef idx="0">
+            <a:schemeClr val="accent3"/>
+          </a:effectRef>
+          <a:fontRef idx="minor">
+            <a:schemeClr val="lt1"/>
+          </a:fontRef>
+        </p:style>
+        <p:txBody>
+          <a:bodyPr rot="0" spcFirstLastPara="0" vertOverflow="overflow" horzOverflow="overflow" vert="horz" wrap="square" lIns="91440" tIns="45720" rIns="91440" bIns="45720" numCol="1" spcCol="0" rtlCol="0" fromWordArt="0" anchor="ctr" anchorCtr="0" forceAA="0" compatLnSpc="1">
+            <a:prstTxWarp prst="textNoShape">
+              <a:avLst/>
+            </a:prstTxWarp>
+            <a:noAutofit/>
+          </a:bodyPr>
+          <a:lstStyle/>
+          <a:p>
+            <a:pPr algn="ctr">
+              <a:spcBef>
+                <a:spcPts val="600"/>
+              </a:spcBef>
+              <a:spcAft>
+                <a:spcPts val="400"/>
+              </a:spcAft>
+            </a:pPr>
+            <a:r>
+              <a:rPr lang="nb-NO" sz="1400" dirty="0" smtClean="0">
+                <a:solidFill>
+                  <a:schemeClr val="bg1"/>
+                </a:solidFill>
+              </a:rPr>
+              <a:t>ExtendedProperties</a:t>
+            </a:r>
+            <a:endParaRPr lang="en-US" sz="1400" dirty="0" err="1" smtClean="0">
+              <a:solidFill>
+                <a:schemeClr val="bg1"/>
+              </a:solidFill>
+            </a:endParaRPr>
+          </a:p>
+        </p:txBody>
+      </p:sp>
+      <p:cxnSp>
+        <p:nvCxnSpPr>
+          <p:cNvPr id="25" name="Straight Connector 24"/>
+          <p:cNvCxnSpPr/>
+          <p:nvPr/>
+        </p:nvCxnSpPr>
+        <p:spPr>
+          <a:xfrm>
+            <a:off x="1374254" y="1744649"/>
+            <a:ext cx="0" cy="1158092"/>
+          </a:xfrm>
+          <a:prstGeom prst="line">
+            <a:avLst/>
+          </a:prstGeom>
+          <a:ln w="6350" cmpd="sng">
+            <a:solidFill>
+              <a:schemeClr val="accent2"/>
+            </a:solidFill>
+          </a:ln>
+          <a:effectLst/>
+        </p:spPr>
+        <p:style>
+          <a:lnRef idx="2">
+            <a:schemeClr val="accent1"/>
+          </a:lnRef>
+          <a:fillRef idx="0">
+            <a:schemeClr val="accent1"/>
+          </a:fillRef>
+          <a:effectRef idx="1">
+            <a:schemeClr val="accent1"/>
+          </a:effectRef>
+          <a:fontRef idx="minor">
+            <a:schemeClr val="tx1"/>
+          </a:fontRef>
+        </p:style>
+      </p:cxnSp>
+      <p:cxnSp>
+        <p:nvCxnSpPr>
+          <p:cNvPr id="26" name="Straight Connector 25"/>
+          <p:cNvCxnSpPr>
+            <a:stCxn id="12" idx="1"/>
+          </p:cNvCxnSpPr>
+          <p:nvPr/>
+        </p:nvCxnSpPr>
+        <p:spPr>
+          <a:xfrm flipH="1">
+            <a:off x="1374254" y="2912015"/>
+            <a:ext cx="333366" cy="0"/>
+          </a:xfrm>
+          <a:prstGeom prst="line">
+            <a:avLst/>
+          </a:prstGeom>
+          <a:ln w="6350" cmpd="sng">
+            <a:solidFill>
+              <a:schemeClr val="accent2"/>
+            </a:solidFill>
+          </a:ln>
+          <a:effectLst/>
+        </p:spPr>
+        <p:style>
+          <a:lnRef idx="2">
+            <a:schemeClr val="accent1"/>
+          </a:lnRef>
+          <a:fillRef idx="0">
+            <a:schemeClr val="accent1"/>
+          </a:fillRef>
+          <a:effectRef idx="1">
+            <a:schemeClr val="accent1"/>
+          </a:effectRef>
+          <a:fontRef idx="minor">
+            <a:schemeClr val="tx1"/>
+          </a:fontRef>
+        </p:style>
+      </p:cxnSp>
+      <p:cxnSp>
+        <p:nvCxnSpPr>
+          <p:cNvPr id="29" name="Straight Connector 28"/>
+          <p:cNvCxnSpPr/>
+          <p:nvPr/>
+        </p:nvCxnSpPr>
+        <p:spPr>
+          <a:xfrm flipH="1">
+            <a:off x="1374254" y="2588416"/>
+            <a:ext cx="152400" cy="0"/>
+          </a:xfrm>
+          <a:prstGeom prst="line">
+            <a:avLst/>
+          </a:prstGeom>
+          <a:ln w="6350" cmpd="sng">
+            <a:solidFill>
+              <a:schemeClr val="accent2"/>
+            </a:solidFill>
+          </a:ln>
+          <a:effectLst/>
+        </p:spPr>
+        <p:style>
+          <a:lnRef idx="2">
+            <a:schemeClr val="accent1"/>
+          </a:lnRef>
+          <a:fillRef idx="0">
+            <a:schemeClr val="accent1"/>
+          </a:fillRef>
+          <a:effectRef idx="1">
+            <a:schemeClr val="accent1"/>
+          </a:effectRef>
+          <a:fontRef idx="minor">
+            <a:schemeClr val="tx1"/>
+          </a:fontRef>
+        </p:style>
+      </p:cxnSp>
+      <p:cxnSp>
+        <p:nvCxnSpPr>
+          <p:cNvPr id="31" name="Straight Connector 30"/>
+          <p:cNvCxnSpPr/>
+          <p:nvPr/>
+        </p:nvCxnSpPr>
+        <p:spPr>
+          <a:xfrm flipH="1">
+            <a:off x="1374254" y="2261678"/>
+            <a:ext cx="152400" cy="0"/>
+          </a:xfrm>
+          <a:prstGeom prst="line">
+            <a:avLst/>
+          </a:prstGeom>
+          <a:ln w="6350" cmpd="sng">
+            <a:solidFill>
+              <a:schemeClr val="accent2"/>
+            </a:solidFill>
+          </a:ln>
+          <a:effectLst/>
+        </p:spPr>
+        <p:style>
+          <a:lnRef idx="2">
+            <a:schemeClr val="accent1"/>
+          </a:lnRef>
+          <a:fillRef idx="0">
+            <a:schemeClr val="accent1"/>
+          </a:fillRef>
+          <a:effectRef idx="1">
+            <a:schemeClr val="accent1"/>
+          </a:effectRef>
+          <a:fontRef idx="minor">
+            <a:schemeClr val="tx1"/>
+          </a:fontRef>
+        </p:style>
+      </p:cxnSp>
+      <p:cxnSp>
+        <p:nvCxnSpPr>
+          <p:cNvPr id="32" name="Straight Connector 31"/>
+          <p:cNvCxnSpPr/>
+          <p:nvPr/>
+        </p:nvCxnSpPr>
+        <p:spPr>
+          <a:xfrm flipH="1">
+            <a:off x="1379070" y="1943086"/>
+            <a:ext cx="152400" cy="0"/>
+          </a:xfrm>
+          <a:prstGeom prst="line">
+            <a:avLst/>
+          </a:prstGeom>
+          <a:ln w="6350" cmpd="sng">
+            <a:solidFill>
+              <a:schemeClr val="accent2"/>
+            </a:solidFill>
+          </a:ln>
+          <a:effectLst/>
+        </p:spPr>
+        <p:style>
+          <a:lnRef idx="2">
+            <a:schemeClr val="accent1"/>
+          </a:lnRef>
+          <a:fillRef idx="0">
+            <a:schemeClr val="accent1"/>
+          </a:fillRef>
+          <a:effectRef idx="1">
+            <a:schemeClr val="accent1"/>
+          </a:effectRef>
+          <a:fontRef idx="minor">
+            <a:schemeClr val="tx1"/>
+          </a:fontRef>
+        </p:style>
+      </p:cxnSp>
+      <p:cxnSp>
+        <p:nvCxnSpPr>
+          <p:cNvPr id="33" name="Straight Connector 32"/>
+          <p:cNvCxnSpPr/>
+          <p:nvPr/>
+        </p:nvCxnSpPr>
+        <p:spPr>
+          <a:xfrm>
+            <a:off x="1707620" y="3037138"/>
+            <a:ext cx="0" cy="2425478"/>
+          </a:xfrm>
+          <a:prstGeom prst="line">
+            <a:avLst/>
+          </a:prstGeom>
+          <a:ln w="6350" cmpd="sng">
+            <a:solidFill>
+              <a:schemeClr val="accent2"/>
+            </a:solidFill>
+          </a:ln>
+          <a:effectLst/>
+        </p:spPr>
+        <p:style>
+          <a:lnRef idx="2">
+            <a:schemeClr val="accent1"/>
+          </a:lnRef>
+          <a:fillRef idx="0">
+            <a:schemeClr val="accent1"/>
+          </a:fillRef>
+          <a:effectRef idx="1">
+            <a:schemeClr val="accent1"/>
+          </a:effectRef>
+          <a:fontRef idx="minor">
+            <a:schemeClr val="tx1"/>
+          </a:fontRef>
+        </p:style>
+      </p:cxnSp>
+      <p:cxnSp>
+        <p:nvCxnSpPr>
+          <p:cNvPr id="35" name="Straight Connector 34"/>
+          <p:cNvCxnSpPr/>
+          <p:nvPr/>
+        </p:nvCxnSpPr>
+        <p:spPr>
+          <a:xfrm flipH="1">
+            <a:off x="1707624" y="5462616"/>
+            <a:ext cx="152400" cy="0"/>
+          </a:xfrm>
+          <a:prstGeom prst="line">
+            <a:avLst/>
+          </a:prstGeom>
+          <a:ln w="6350" cmpd="sng">
+            <a:solidFill>
+              <a:schemeClr val="accent2"/>
+            </a:solidFill>
+          </a:ln>
+          <a:effectLst/>
+        </p:spPr>
+        <p:style>
+          <a:lnRef idx="2">
+            <a:schemeClr val="accent1"/>
+          </a:lnRef>
+          <a:fillRef idx="0">
+            <a:schemeClr val="accent1"/>
+          </a:fillRef>
+          <a:effectRef idx="1">
+            <a:schemeClr val="accent1"/>
+          </a:effectRef>
+          <a:fontRef idx="minor">
+            <a:schemeClr val="tx1"/>
+          </a:fontRef>
+        </p:style>
+      </p:cxnSp>
+      <p:cxnSp>
+        <p:nvCxnSpPr>
+          <p:cNvPr id="36" name="Straight Connector 35"/>
+          <p:cNvCxnSpPr/>
+          <p:nvPr/>
+        </p:nvCxnSpPr>
+        <p:spPr>
+          <a:xfrm flipH="1">
+            <a:off x="1707620" y="5150641"/>
+            <a:ext cx="152400" cy="0"/>
+          </a:xfrm>
+          <a:prstGeom prst="line">
+            <a:avLst/>
+          </a:prstGeom>
+          <a:ln w="6350" cmpd="sng">
+            <a:solidFill>
+              <a:schemeClr val="accent2"/>
+            </a:solidFill>
+          </a:ln>
+          <a:effectLst/>
+        </p:spPr>
+        <p:style>
+          <a:lnRef idx="2">
+            <a:schemeClr val="accent1"/>
+          </a:lnRef>
+          <a:fillRef idx="0">
+            <a:schemeClr val="accent1"/>
+          </a:fillRef>
+          <a:effectRef idx="1">
+            <a:schemeClr val="accent1"/>
+          </a:effectRef>
+          <a:fontRef idx="minor">
+            <a:schemeClr val="tx1"/>
+          </a:fontRef>
+        </p:style>
+      </p:cxnSp>
+      <p:cxnSp>
+        <p:nvCxnSpPr>
+          <p:cNvPr id="37" name="Straight Connector 36"/>
+          <p:cNvCxnSpPr/>
+          <p:nvPr/>
+        </p:nvCxnSpPr>
+        <p:spPr>
+          <a:xfrm flipH="1">
+            <a:off x="1707620" y="4512466"/>
+            <a:ext cx="152400" cy="0"/>
+          </a:xfrm>
+          <a:prstGeom prst="line">
+            <a:avLst/>
+          </a:prstGeom>
+          <a:ln w="6350" cmpd="sng">
+            <a:solidFill>
+              <a:schemeClr val="accent2"/>
+            </a:solidFill>
+          </a:ln>
+          <a:effectLst/>
+        </p:spPr>
+        <p:style>
+          <a:lnRef idx="2">
+            <a:schemeClr val="accent1"/>
+          </a:lnRef>
+          <a:fillRef idx="0">
+            <a:schemeClr val="accent1"/>
+          </a:fillRef>
+          <a:effectRef idx="1">
+            <a:schemeClr val="accent1"/>
+          </a:effectRef>
+          <a:fontRef idx="minor">
+            <a:schemeClr val="tx1"/>
+          </a:fontRef>
+        </p:style>
+      </p:cxnSp>
+      <p:cxnSp>
+        <p:nvCxnSpPr>
+          <p:cNvPr id="38" name="Straight Connector 37"/>
+          <p:cNvCxnSpPr/>
+          <p:nvPr/>
+        </p:nvCxnSpPr>
+        <p:spPr>
+          <a:xfrm flipH="1">
+            <a:off x="1711838" y="4193379"/>
+            <a:ext cx="152400" cy="0"/>
+          </a:xfrm>
+          <a:prstGeom prst="line">
+            <a:avLst/>
+          </a:prstGeom>
+          <a:ln w="6350" cmpd="sng">
+            <a:solidFill>
+              <a:schemeClr val="accent2"/>
+            </a:solidFill>
+          </a:ln>
+          <a:effectLst/>
+        </p:spPr>
+        <p:style>
+          <a:lnRef idx="2">
+            <a:schemeClr val="accent1"/>
+          </a:lnRef>
+          <a:fillRef idx="0">
+            <a:schemeClr val="accent1"/>
+          </a:fillRef>
+          <a:effectRef idx="1">
+            <a:schemeClr val="accent1"/>
+          </a:effectRef>
+          <a:fontRef idx="minor">
+            <a:schemeClr val="tx1"/>
+          </a:fontRef>
+        </p:style>
+      </p:cxnSp>
+      <p:cxnSp>
+        <p:nvCxnSpPr>
+          <p:cNvPr id="39" name="Straight Connector 38"/>
+          <p:cNvCxnSpPr/>
+          <p:nvPr/>
+        </p:nvCxnSpPr>
+        <p:spPr>
+          <a:xfrm flipH="1">
+            <a:off x="1711839" y="3869529"/>
+            <a:ext cx="152400" cy="0"/>
+          </a:xfrm>
+          <a:prstGeom prst="line">
+            <a:avLst/>
+          </a:prstGeom>
+          <a:ln w="6350" cmpd="sng">
+            <a:solidFill>
+              <a:schemeClr val="accent2"/>
+            </a:solidFill>
+          </a:ln>
+          <a:effectLst/>
+        </p:spPr>
+        <p:style>
+          <a:lnRef idx="2">
+            <a:schemeClr val="accent1"/>
+          </a:lnRef>
+          <a:fillRef idx="0">
+            <a:schemeClr val="accent1"/>
+          </a:fillRef>
+          <a:effectRef idx="1">
+            <a:schemeClr val="accent1"/>
+          </a:effectRef>
+          <a:fontRef idx="minor">
+            <a:schemeClr val="tx1"/>
+          </a:fontRef>
+        </p:style>
+      </p:cxnSp>
+      <p:cxnSp>
+        <p:nvCxnSpPr>
+          <p:cNvPr id="40" name="Straight Connector 39"/>
+          <p:cNvCxnSpPr/>
+          <p:nvPr/>
+        </p:nvCxnSpPr>
+        <p:spPr>
+          <a:xfrm flipH="1">
+            <a:off x="1711838" y="3540916"/>
+            <a:ext cx="152400" cy="0"/>
+          </a:xfrm>
+          <a:prstGeom prst="line">
+            <a:avLst/>
+          </a:prstGeom>
+          <a:ln w="6350" cmpd="sng">
+            <a:solidFill>
+              <a:schemeClr val="accent2"/>
+            </a:solidFill>
+          </a:ln>
+          <a:effectLst/>
+        </p:spPr>
+        <p:style>
+          <a:lnRef idx="2">
+            <a:schemeClr val="accent1"/>
+          </a:lnRef>
+          <a:fillRef idx="0">
+            <a:schemeClr val="accent1"/>
+          </a:fillRef>
+          <a:effectRef idx="1">
+            <a:schemeClr val="accent1"/>
+          </a:effectRef>
+          <a:fontRef idx="minor">
+            <a:schemeClr val="tx1"/>
+          </a:fontRef>
+        </p:style>
+      </p:cxnSp>
+      <p:cxnSp>
+        <p:nvCxnSpPr>
+          <p:cNvPr id="41" name="Straight Connector 40"/>
+          <p:cNvCxnSpPr/>
+          <p:nvPr/>
+        </p:nvCxnSpPr>
+        <p:spPr>
+          <a:xfrm flipH="1">
+            <a:off x="1711839" y="4802979"/>
+            <a:ext cx="2437385" cy="0"/>
+          </a:xfrm>
+          <a:prstGeom prst="line">
+            <a:avLst/>
+          </a:prstGeom>
+          <a:ln w="6350" cmpd="sng">
+            <a:solidFill>
+              <a:schemeClr val="accent2"/>
+            </a:solidFill>
+          </a:ln>
+          <a:effectLst/>
+        </p:spPr>
+        <p:style>
+          <a:lnRef idx="2">
+            <a:schemeClr val="accent1"/>
+          </a:lnRef>
+          <a:fillRef idx="0">
+            <a:schemeClr val="accent1"/>
+          </a:fillRef>
+          <a:effectRef idx="1">
+            <a:schemeClr val="accent1"/>
+          </a:effectRef>
+          <a:fontRef idx="minor">
+            <a:schemeClr val="tx1"/>
+          </a:fontRef>
+        </p:style>
+      </p:cxnSp>
+      <p:cxnSp>
+        <p:nvCxnSpPr>
+          <p:cNvPr id="43" name="Straight Connector 42"/>
+          <p:cNvCxnSpPr/>
+          <p:nvPr/>
+        </p:nvCxnSpPr>
+        <p:spPr>
+          <a:xfrm flipH="1">
+            <a:off x="1707620" y="3236116"/>
+            <a:ext cx="2437385" cy="0"/>
+          </a:xfrm>
+          <a:prstGeom prst="line">
+            <a:avLst/>
+          </a:prstGeom>
+          <a:ln w="6350" cmpd="sng">
+            <a:solidFill>
+              <a:schemeClr val="accent2"/>
+            </a:solidFill>
+          </a:ln>
+          <a:effectLst/>
+        </p:spPr>
+        <p:style>
+          <a:lnRef idx="2">
+            <a:schemeClr val="accent1"/>
+          </a:lnRef>
+          <a:fillRef idx="0">
+            <a:schemeClr val="accent1"/>
+          </a:fillRef>
+          <a:effectRef idx="1">
+            <a:schemeClr val="accent1"/>
+          </a:effectRef>
+          <a:fontRef idx="minor">
+            <a:schemeClr val="tx1"/>
+          </a:fontRef>
+        </p:style>
+      </p:cxnSp>
+      <p:cxnSp>
+        <p:nvCxnSpPr>
+          <p:cNvPr id="44" name="Straight Connector 43"/>
+          <p:cNvCxnSpPr/>
+          <p:nvPr/>
+        </p:nvCxnSpPr>
+        <p:spPr>
+          <a:xfrm>
+            <a:off x="4149224" y="3299727"/>
+            <a:ext cx="0" cy="241189"/>
+          </a:xfrm>
+          <a:prstGeom prst="line">
+            <a:avLst/>
+          </a:prstGeom>
+          <a:ln w="6350" cmpd="sng">
+            <a:solidFill>
+              <a:schemeClr val="accent2"/>
+            </a:solidFill>
+          </a:ln>
+          <a:effectLst/>
+        </p:spPr>
+        <p:style>
+          <a:lnRef idx="2">
+            <a:schemeClr val="accent1"/>
+          </a:lnRef>
+          <a:fillRef idx="0">
+            <a:schemeClr val="accent1"/>
+          </a:fillRef>
+          <a:effectRef idx="1">
+            <a:schemeClr val="accent1"/>
+          </a:effectRef>
+          <a:fontRef idx="minor">
+            <a:schemeClr val="tx1"/>
+          </a:fontRef>
+        </p:style>
+      </p:cxnSp>
+      <p:cxnSp>
+        <p:nvCxnSpPr>
+          <p:cNvPr id="46" name="Straight Connector 45"/>
+          <p:cNvCxnSpPr/>
+          <p:nvPr/>
+        </p:nvCxnSpPr>
+        <p:spPr>
+          <a:xfrm flipH="1">
+            <a:off x="4149210" y="3540916"/>
+            <a:ext cx="152400" cy="0"/>
+          </a:xfrm>
+          <a:prstGeom prst="line">
+            <a:avLst/>
+          </a:prstGeom>
+          <a:ln w="6350" cmpd="sng">
+            <a:solidFill>
+              <a:schemeClr val="accent2"/>
+            </a:solidFill>
+          </a:ln>
+          <a:effectLst/>
+        </p:spPr>
+        <p:style>
+          <a:lnRef idx="2">
+            <a:schemeClr val="accent1"/>
+          </a:lnRef>
+          <a:fillRef idx="0">
+            <a:schemeClr val="accent1"/>
+          </a:fillRef>
+          <a:effectRef idx="1">
+            <a:schemeClr val="accent1"/>
+          </a:effectRef>
+          <a:fontRef idx="minor">
+            <a:schemeClr val="tx1"/>
+          </a:fontRef>
+        </p:style>
+      </p:cxnSp>
+      <p:cxnSp>
+        <p:nvCxnSpPr>
+          <p:cNvPr id="47" name="Straight Connector 46"/>
+          <p:cNvCxnSpPr/>
+          <p:nvPr/>
+        </p:nvCxnSpPr>
+        <p:spPr>
+          <a:xfrm>
+            <a:off x="4149238" y="4907034"/>
+            <a:ext cx="0" cy="241189"/>
+          </a:xfrm>
+          <a:prstGeom prst="line">
+            <a:avLst/>
+          </a:prstGeom>
+          <a:ln w="6350" cmpd="sng">
+            <a:solidFill>
+              <a:schemeClr val="accent2"/>
+            </a:solidFill>
+          </a:ln>
+          <a:effectLst/>
+        </p:spPr>
+        <p:style>
+          <a:lnRef idx="2">
+            <a:schemeClr val="accent1"/>
+          </a:lnRef>
+          <a:fillRef idx="0">
+            <a:schemeClr val="accent1"/>
+          </a:fillRef>
+          <a:effectRef idx="1">
+            <a:schemeClr val="accent1"/>
+          </a:effectRef>
+          <a:fontRef idx="minor">
+            <a:schemeClr val="tx1"/>
+          </a:fontRef>
+        </p:style>
+      </p:cxnSp>
+      <p:cxnSp>
+        <p:nvCxnSpPr>
+          <p:cNvPr id="48" name="Straight Connector 47"/>
+          <p:cNvCxnSpPr/>
+          <p:nvPr/>
+        </p:nvCxnSpPr>
+        <p:spPr>
+          <a:xfrm flipH="1">
+            <a:off x="4153973" y="5152986"/>
+            <a:ext cx="152400" cy="0"/>
+          </a:xfrm>
+          <a:prstGeom prst="line">
+            <a:avLst/>
+          </a:prstGeom>
+          <a:ln w="6350" cmpd="sng">
+            <a:solidFill>
+              <a:schemeClr val="accent2"/>
+            </a:solidFill>
+          </a:ln>
+          <a:effectLst/>
+        </p:spPr>
+        <p:style>
+          <a:lnRef idx="2">
+            <a:schemeClr val="accent1"/>
+          </a:lnRef>
+          <a:fillRef idx="0">
+            <a:schemeClr val="accent1"/>
+          </a:fillRef>
+          <a:effectRef idx="1">
+            <a:schemeClr val="accent1"/>
+          </a:effectRef>
+          <a:fontRef idx="minor">
+            <a:schemeClr val="tx1"/>
+          </a:fontRef>
+        </p:style>
+      </p:cxnSp>
+      <p:cxnSp>
+        <p:nvCxnSpPr>
+          <p:cNvPr id="49" name="Straight Connector 48"/>
+          <p:cNvCxnSpPr/>
+          <p:nvPr/>
+        </p:nvCxnSpPr>
+        <p:spPr>
+          <a:xfrm>
+            <a:off x="4320690" y="5249954"/>
+            <a:ext cx="0" cy="241189"/>
+          </a:xfrm>
+          <a:prstGeom prst="line">
+            <a:avLst/>
+          </a:prstGeom>
+          <a:ln w="6350" cmpd="sng">
+            <a:solidFill>
+              <a:schemeClr val="accent2"/>
+            </a:solidFill>
+          </a:ln>
+          <a:effectLst/>
+        </p:spPr>
+        <p:style>
+          <a:lnRef idx="2">
+            <a:schemeClr val="accent1"/>
+          </a:lnRef>
+          <a:fillRef idx="0">
+            <a:schemeClr val="accent1"/>
+          </a:fillRef>
+          <a:effectRef idx="1">
+            <a:schemeClr val="accent1"/>
+          </a:effectRef>
+          <a:fontRef idx="minor">
+            <a:schemeClr val="tx1"/>
+          </a:fontRef>
+        </p:style>
+      </p:cxnSp>
+      <p:cxnSp>
+        <p:nvCxnSpPr>
+          <p:cNvPr id="50" name="Straight Connector 49"/>
+          <p:cNvCxnSpPr/>
+          <p:nvPr/>
+        </p:nvCxnSpPr>
+        <p:spPr>
+          <a:xfrm flipH="1">
+            <a:off x="4325425" y="5495906"/>
+            <a:ext cx="152400" cy="0"/>
+          </a:xfrm>
+          <a:prstGeom prst="line">
+            <a:avLst/>
+          </a:prstGeom>
+          <a:ln w="6350" cmpd="sng">
+            <a:solidFill>
+              <a:schemeClr val="accent2"/>
+            </a:solidFill>
+          </a:ln>
+          <a:effectLst/>
+        </p:spPr>
+        <p:style>
+          <a:lnRef idx="2">
+            <a:schemeClr val="accent1"/>
+          </a:lnRef>
+          <a:fillRef idx="0">
+            <a:schemeClr val="accent1"/>
+          </a:fillRef>
+          <a:effectRef idx="1">
+            <a:schemeClr val="accent1"/>
+          </a:effectRef>
+          <a:fontRef idx="minor">
+            <a:schemeClr val="tx1"/>
+          </a:fontRef>
+        </p:style>
+      </p:cxnSp>
     </p:spTree>
   </p:cSld>
   <p:clrMapOvr>
@@ -12341,6 +13336,2549 @@
 </file>
 
 <file path=ppt/slides/slide6.xml><?xml version="1.0" encoding="utf-8"?>
+<p:sld xmlns:a="http://schemas.openxmlformats.org/drawingml/2006/main" xmlns:r="http://schemas.openxmlformats.org/officeDocument/2006/relationships" xmlns:p="http://schemas.openxmlformats.org/presentationml/2006/main">
+  <p:cSld>
+    <p:spTree>
+      <p:nvGrpSpPr>
+        <p:cNvPr id="1" name=""/>
+        <p:cNvGrpSpPr/>
+        <p:nvPr/>
+      </p:nvGrpSpPr>
+      <p:grpSpPr>
+        <a:xfrm>
+          <a:off x="0" y="0"/>
+          <a:ext cx="0" cy="0"/>
+          <a:chOff x="0" y="0"/>
+          <a:chExt cx="0" cy="0"/>
+        </a:xfrm>
+      </p:grpSpPr>
+      <p:sp>
+        <p:nvSpPr>
+          <p:cNvPr id="2" name="Title 1"/>
+          <p:cNvSpPr>
+            <a:spLocks noGrp="1"/>
+          </p:cNvSpPr>
+          <p:nvPr>
+            <p:ph type="title"/>
+          </p:nvPr>
+        </p:nvSpPr>
+        <p:spPr>
+          <a:xfrm>
+            <a:off x="321623" y="418905"/>
+            <a:ext cx="1541448" cy="307777"/>
+          </a:xfrm>
+        </p:spPr>
+        <p:txBody>
+          <a:bodyPr/>
+          <a:lstStyle/>
+          <a:p>
+            <a:r>
+              <a:rPr lang="nb-NO" dirty="0" smtClean="0"/>
+              <a:t>Koble til</a:t>
+            </a:r>
+            <a:endParaRPr lang="en-US" dirty="0"/>
+          </a:p>
+        </p:txBody>
+      </p:sp>
+      <p:sp>
+        <p:nvSpPr>
+          <p:cNvPr id="3" name="Slide Number Placeholder 2"/>
+          <p:cNvSpPr>
+            <a:spLocks noGrp="1"/>
+          </p:cNvSpPr>
+          <p:nvPr>
+            <p:ph type="sldNum" sz="quarter" idx="10"/>
+          </p:nvPr>
+        </p:nvSpPr>
+        <p:spPr/>
+        <p:txBody>
+          <a:bodyPr/>
+          <a:lstStyle/>
+          <a:p>
+            <a:fld id="{FF67BF5B-7344-D747-A0C2-CBD7B2ACBC85}" type="slidenum">
+              <a:rPr lang="en-US" smtClean="0"/>
+              <a:pPr/>
+              <a:t>6</a:t>
+            </a:fld>
+            <a:endParaRPr lang="en-US" dirty="0"/>
+          </a:p>
+        </p:txBody>
+      </p:sp>
+      <p:sp>
+        <p:nvSpPr>
+          <p:cNvPr id="1025" name="Rectangle 1"/>
+          <p:cNvSpPr>
+            <a:spLocks noChangeArrowheads="1"/>
+          </p:cNvSpPr>
+          <p:nvPr/>
+        </p:nvSpPr>
+        <p:spPr bwMode="auto">
+          <a:xfrm>
+            <a:off x="207263" y="3908619"/>
+            <a:ext cx="8790433" cy="1754326"/>
+          </a:xfrm>
+          <a:prstGeom prst="rect">
+            <a:avLst/>
+          </a:prstGeom>
+          <a:solidFill>
+            <a:srgbClr val="FFFFFF"/>
+          </a:solidFill>
+          <a:ln w="9525">
+            <a:solidFill>
+              <a:schemeClr val="accent1"/>
+            </a:solidFill>
+            <a:miter lim="800000"/>
+            <a:headEnd/>
+            <a:tailEnd/>
+          </a:ln>
+          <a:effectLst/>
+        </p:spPr>
+        <p:txBody>
+          <a:bodyPr vert="horz" wrap="square" lIns="91440" tIns="45720" rIns="91440" bIns="45720" numCol="1" anchor="ctr" anchorCtr="0" compatLnSpc="1">
+            <a:prstTxWarp prst="textNoShape">
+              <a:avLst/>
+            </a:prstTxWarp>
+            <a:spAutoFit/>
+          </a:bodyPr>
+          <a:lstStyle/>
+          <a:p>
+            <a:pPr marL="0" marR="0" lvl="0" indent="0" algn="l" defTabSz="914400" rtl="0" eaLnBrk="1" fontAlgn="base" latinLnBrk="0" hangingPunct="1">
+              <a:lnSpc>
+                <a:spcPct val="100000"/>
+              </a:lnSpc>
+              <a:spcBef>
+                <a:spcPct val="0"/>
+              </a:spcBef>
+              <a:spcAft>
+                <a:spcPct val="0"/>
+              </a:spcAft>
+              <a:buClrTx/>
+              <a:buSzTx/>
+              <a:buFontTx/>
+              <a:buNone/>
+              <a:tabLst/>
+            </a:pPr>
+            <a:r>
+              <a:rPr kumimoji="0" lang="en-US" sz="1200" b="0" i="0" u="none" strike="noStrike" cap="none" normalizeH="0" baseline="0" dirty="0" err="1" smtClean="0">
+                <a:ln>
+                  <a:noFill/>
+                </a:ln>
+                <a:solidFill>
+                  <a:srgbClr val="0000FF"/>
+                </a:solidFill>
+                <a:effectLst/>
+                <a:latin typeface="Consolas" pitchFamily="49" charset="0"/>
+                <a:cs typeface="Consolas" pitchFamily="49" charset="0"/>
+              </a:rPr>
+              <a:t>var</a:t>
+            </a:r>
+            <a:r>
+              <a:rPr kumimoji="0" lang="en-US" sz="1200" b="0" i="0" u="none" strike="noStrike" cap="none" normalizeH="0" baseline="0" dirty="0" smtClean="0">
+                <a:ln>
+                  <a:noFill/>
+                </a:ln>
+                <a:solidFill>
+                  <a:srgbClr val="000000"/>
+                </a:solidFill>
+                <a:effectLst/>
+                <a:latin typeface="Consolas" pitchFamily="49" charset="0"/>
+                <a:cs typeface="Consolas" pitchFamily="49" charset="0"/>
+              </a:rPr>
+              <a:t> </a:t>
+            </a:r>
+            <a:r>
+              <a:rPr kumimoji="0" lang="en-US" sz="1200" b="0" i="0" u="none" strike="noStrike" cap="none" normalizeH="0" baseline="0" dirty="0" err="1" smtClean="0">
+                <a:ln>
+                  <a:noFill/>
+                </a:ln>
+                <a:solidFill>
+                  <a:srgbClr val="000000"/>
+                </a:solidFill>
+                <a:effectLst/>
+                <a:latin typeface="Consolas" pitchFamily="49" charset="0"/>
+                <a:cs typeface="Consolas" pitchFamily="49" charset="0"/>
+              </a:rPr>
+              <a:t>connectionString</a:t>
+            </a:r>
+            <a:r>
+              <a:rPr kumimoji="0" lang="en-US" sz="1200" b="0" i="0" u="none" strike="noStrike" cap="none" normalizeH="0" baseline="0" dirty="0" smtClean="0">
+                <a:ln>
+                  <a:noFill/>
+                </a:ln>
+                <a:solidFill>
+                  <a:srgbClr val="000000"/>
+                </a:solidFill>
+                <a:effectLst/>
+                <a:latin typeface="Consolas" pitchFamily="49" charset="0"/>
+                <a:cs typeface="Consolas" pitchFamily="49" charset="0"/>
+              </a:rPr>
+              <a:t> = </a:t>
+            </a:r>
+            <a:r>
+              <a:rPr kumimoji="0" lang="en-US" sz="1200" b="0" i="0" u="none" strike="noStrike" cap="none" normalizeH="0" baseline="0" dirty="0" err="1" smtClean="0">
+                <a:ln>
+                  <a:noFill/>
+                </a:ln>
+                <a:solidFill>
+                  <a:srgbClr val="2B91AF"/>
+                </a:solidFill>
+                <a:effectLst/>
+                <a:latin typeface="Consolas" pitchFamily="49" charset="0"/>
+                <a:cs typeface="Consolas" pitchFamily="49" charset="0"/>
+              </a:rPr>
+              <a:t>ConfigurationManager</a:t>
+            </a:r>
+            <a:r>
+              <a:rPr kumimoji="0" lang="en-US" sz="1200" b="0" i="0" u="none" strike="noStrike" cap="none" normalizeH="0" baseline="0" dirty="0" err="1" smtClean="0">
+                <a:ln>
+                  <a:noFill/>
+                </a:ln>
+                <a:solidFill>
+                  <a:srgbClr val="000000"/>
+                </a:solidFill>
+                <a:effectLst/>
+                <a:latin typeface="Consolas" pitchFamily="49" charset="0"/>
+                <a:cs typeface="Consolas" pitchFamily="49" charset="0"/>
+              </a:rPr>
+              <a:t>.ConnectionStrings</a:t>
+            </a:r>
+            <a:r>
+              <a:rPr kumimoji="0" lang="en-US" sz="1200" b="0" i="0" u="none" strike="noStrike" cap="none" normalizeH="0" baseline="0" dirty="0" smtClean="0">
+                <a:ln>
+                  <a:noFill/>
+                </a:ln>
+                <a:solidFill>
+                  <a:srgbClr val="000000"/>
+                </a:solidFill>
+                <a:effectLst/>
+                <a:latin typeface="Consolas" pitchFamily="49" charset="0"/>
+                <a:cs typeface="Consolas" pitchFamily="49" charset="0"/>
+              </a:rPr>
+              <a:t>[</a:t>
+            </a:r>
+            <a:r>
+              <a:rPr kumimoji="0" lang="en-US" sz="1200" b="0" i="0" u="none" strike="noStrike" cap="none" normalizeH="0" baseline="0" dirty="0" smtClean="0">
+                <a:ln>
+                  <a:noFill/>
+                </a:ln>
+                <a:solidFill>
+                  <a:srgbClr val="A31515"/>
+                </a:solidFill>
+                <a:effectLst/>
+                <a:latin typeface="Consolas" pitchFamily="49" charset="0"/>
+                <a:cs typeface="Consolas" pitchFamily="49" charset="0"/>
+              </a:rPr>
+              <a:t>"</a:t>
+            </a:r>
+            <a:r>
+              <a:rPr kumimoji="0" lang="en-US" sz="1200" b="0" i="0" u="none" strike="noStrike" cap="none" normalizeH="0" baseline="0" dirty="0" err="1" smtClean="0">
+                <a:ln>
+                  <a:noFill/>
+                </a:ln>
+                <a:solidFill>
+                  <a:srgbClr val="A31515"/>
+                </a:solidFill>
+                <a:effectLst/>
+                <a:latin typeface="Consolas" pitchFamily="49" charset="0"/>
+                <a:cs typeface="Consolas" pitchFamily="49" charset="0"/>
+              </a:rPr>
+              <a:t>MyConnectionString</a:t>
+            </a:r>
+            <a:r>
+              <a:rPr kumimoji="0" lang="en-US" sz="1200" b="0" i="0" u="none" strike="noStrike" cap="none" normalizeH="0" baseline="0" dirty="0" smtClean="0">
+                <a:ln>
+                  <a:noFill/>
+                </a:ln>
+                <a:solidFill>
+                  <a:srgbClr val="A31515"/>
+                </a:solidFill>
+                <a:effectLst/>
+                <a:latin typeface="Consolas" pitchFamily="49" charset="0"/>
+                <a:cs typeface="Consolas" pitchFamily="49" charset="0"/>
+              </a:rPr>
+              <a:t>"</a:t>
+            </a:r>
+            <a:r>
+              <a:rPr kumimoji="0" lang="en-US" sz="1200" b="0" i="0" u="none" strike="noStrike" cap="none" normalizeH="0" baseline="0" dirty="0" smtClean="0">
+                <a:ln>
+                  <a:noFill/>
+                </a:ln>
+                <a:solidFill>
+                  <a:srgbClr val="000000"/>
+                </a:solidFill>
+                <a:effectLst/>
+                <a:latin typeface="Consolas" pitchFamily="49" charset="0"/>
+                <a:cs typeface="Consolas" pitchFamily="49" charset="0"/>
+              </a:rPr>
+              <a:t>].</a:t>
+            </a:r>
+            <a:r>
+              <a:rPr kumimoji="0" lang="en-US" sz="1200" b="0" i="0" u="none" strike="noStrike" cap="none" normalizeH="0" baseline="0" dirty="0" err="1" smtClean="0">
+                <a:ln>
+                  <a:noFill/>
+                </a:ln>
+                <a:solidFill>
+                  <a:srgbClr val="000000"/>
+                </a:solidFill>
+                <a:effectLst/>
+                <a:latin typeface="Consolas" pitchFamily="49" charset="0"/>
+                <a:cs typeface="Consolas" pitchFamily="49" charset="0"/>
+              </a:rPr>
+              <a:t>ConnectionString</a:t>
+            </a:r>
+            <a:r>
+              <a:rPr kumimoji="0" lang="en-US" sz="1200" b="0" i="0" u="none" strike="noStrike" cap="none" normalizeH="0" baseline="0" dirty="0" smtClean="0">
+                <a:ln>
+                  <a:noFill/>
+                </a:ln>
+                <a:solidFill>
+                  <a:srgbClr val="000000"/>
+                </a:solidFill>
+                <a:effectLst/>
+                <a:latin typeface="Consolas" pitchFamily="49" charset="0"/>
+                <a:cs typeface="Consolas" pitchFamily="49" charset="0"/>
+              </a:rPr>
+              <a:t>;             </a:t>
+            </a:r>
+          </a:p>
+          <a:p>
+            <a:pPr marL="0" marR="0" lvl="0" indent="0" algn="l" defTabSz="914400" rtl="0" eaLnBrk="1" fontAlgn="base" latinLnBrk="0" hangingPunct="1">
+              <a:lnSpc>
+                <a:spcPct val="100000"/>
+              </a:lnSpc>
+              <a:spcBef>
+                <a:spcPct val="0"/>
+              </a:spcBef>
+              <a:spcAft>
+                <a:spcPct val="0"/>
+              </a:spcAft>
+              <a:buClrTx/>
+              <a:buSzTx/>
+              <a:buFontTx/>
+              <a:buNone/>
+              <a:tabLst/>
+            </a:pPr>
+            <a:endParaRPr lang="en-US" sz="1200" dirty="0" smtClean="0">
+              <a:solidFill>
+                <a:srgbClr val="000000"/>
+              </a:solidFill>
+              <a:latin typeface="Consolas" pitchFamily="49" charset="0"/>
+              <a:cs typeface="Consolas" pitchFamily="49" charset="0"/>
+            </a:endParaRPr>
+          </a:p>
+          <a:p>
+            <a:pPr marL="0" marR="0" lvl="0" indent="0" algn="l" defTabSz="914400" rtl="0" eaLnBrk="1" fontAlgn="base" latinLnBrk="0" hangingPunct="1">
+              <a:lnSpc>
+                <a:spcPct val="100000"/>
+              </a:lnSpc>
+              <a:spcBef>
+                <a:spcPct val="0"/>
+              </a:spcBef>
+              <a:spcAft>
+                <a:spcPct val="0"/>
+              </a:spcAft>
+              <a:buClrTx/>
+              <a:buSzTx/>
+              <a:buFontTx/>
+              <a:buNone/>
+              <a:tabLst/>
+            </a:pPr>
+            <a:r>
+              <a:rPr kumimoji="0" lang="en-US" sz="1200" b="0" i="0" u="none" strike="noStrike" cap="none" normalizeH="0" baseline="0" dirty="0" smtClean="0">
+                <a:ln>
+                  <a:noFill/>
+                </a:ln>
+                <a:solidFill>
+                  <a:srgbClr val="0000FF"/>
+                </a:solidFill>
+                <a:effectLst/>
+                <a:latin typeface="Consolas" pitchFamily="49" charset="0"/>
+                <a:cs typeface="Consolas" pitchFamily="49" charset="0"/>
+              </a:rPr>
+              <a:t>using</a:t>
+            </a:r>
+            <a:r>
+              <a:rPr kumimoji="0" lang="en-US" sz="1200" b="0" i="0" u="none" strike="noStrike" cap="none" normalizeH="0" baseline="0" dirty="0" smtClean="0">
+                <a:ln>
+                  <a:noFill/>
+                </a:ln>
+                <a:solidFill>
+                  <a:srgbClr val="000000"/>
+                </a:solidFill>
+                <a:effectLst/>
+                <a:latin typeface="Consolas" pitchFamily="49" charset="0"/>
+                <a:cs typeface="Consolas" pitchFamily="49" charset="0"/>
+              </a:rPr>
+              <a:t> (</a:t>
+            </a:r>
+            <a:r>
+              <a:rPr kumimoji="0" lang="en-US" sz="1200" b="0" i="0" u="none" strike="noStrike" cap="none" normalizeH="0" baseline="0" dirty="0" err="1" smtClean="0">
+                <a:ln>
+                  <a:noFill/>
+                </a:ln>
+                <a:solidFill>
+                  <a:srgbClr val="0000FF"/>
+                </a:solidFill>
+                <a:effectLst/>
+                <a:latin typeface="Consolas" pitchFamily="49" charset="0"/>
+                <a:cs typeface="Consolas" pitchFamily="49" charset="0"/>
+              </a:rPr>
+              <a:t>var</a:t>
+            </a:r>
+            <a:r>
+              <a:rPr kumimoji="0" lang="en-US" sz="1200" b="0" i="0" u="none" strike="noStrike" cap="none" normalizeH="0" baseline="0" dirty="0" smtClean="0">
+                <a:ln>
+                  <a:noFill/>
+                </a:ln>
+                <a:solidFill>
+                  <a:srgbClr val="000000"/>
+                </a:solidFill>
+                <a:effectLst/>
+                <a:latin typeface="Consolas" pitchFamily="49" charset="0"/>
+                <a:cs typeface="Consolas" pitchFamily="49" charset="0"/>
+              </a:rPr>
+              <a:t> connection = </a:t>
+            </a:r>
+            <a:r>
+              <a:rPr kumimoji="0" lang="en-US" sz="1200" b="0" i="0" u="none" strike="noStrike" cap="none" normalizeH="0" baseline="0" dirty="0" smtClean="0">
+                <a:ln>
+                  <a:noFill/>
+                </a:ln>
+                <a:solidFill>
+                  <a:srgbClr val="0000FF"/>
+                </a:solidFill>
+                <a:effectLst/>
+                <a:latin typeface="Consolas" pitchFamily="49" charset="0"/>
+                <a:cs typeface="Consolas" pitchFamily="49" charset="0"/>
+              </a:rPr>
+              <a:t>new</a:t>
+            </a:r>
+            <a:r>
+              <a:rPr kumimoji="0" lang="en-US" sz="1200" b="0" i="0" u="none" strike="noStrike" cap="none" normalizeH="0" baseline="0" dirty="0" smtClean="0">
+                <a:ln>
+                  <a:noFill/>
+                </a:ln>
+                <a:solidFill>
+                  <a:srgbClr val="000000"/>
+                </a:solidFill>
+                <a:effectLst/>
+                <a:latin typeface="Consolas" pitchFamily="49" charset="0"/>
+                <a:cs typeface="Consolas" pitchFamily="49" charset="0"/>
+              </a:rPr>
+              <a:t> </a:t>
+            </a:r>
+            <a:r>
+              <a:rPr kumimoji="0" lang="en-US" sz="1200" b="0" i="0" u="none" strike="noStrike" cap="none" normalizeH="0" baseline="0" dirty="0" err="1" smtClean="0">
+                <a:ln>
+                  <a:noFill/>
+                </a:ln>
+                <a:solidFill>
+                  <a:srgbClr val="2B91AF"/>
+                </a:solidFill>
+                <a:effectLst/>
+                <a:latin typeface="Consolas" pitchFamily="49" charset="0"/>
+                <a:cs typeface="Consolas" pitchFamily="49" charset="0"/>
+              </a:rPr>
+              <a:t>SqlConnection</a:t>
+            </a:r>
+            <a:r>
+              <a:rPr kumimoji="0" lang="en-US" sz="1200" b="0" i="0" u="none" strike="noStrike" cap="none" normalizeH="0" baseline="0" dirty="0" smtClean="0">
+                <a:ln>
+                  <a:noFill/>
+                </a:ln>
+                <a:solidFill>
+                  <a:srgbClr val="000000"/>
+                </a:solidFill>
+                <a:effectLst/>
+                <a:latin typeface="Consolas" pitchFamily="49" charset="0"/>
+                <a:cs typeface="Consolas" pitchFamily="49" charset="0"/>
+              </a:rPr>
+              <a:t>(</a:t>
+            </a:r>
+            <a:r>
+              <a:rPr kumimoji="0" lang="en-US" sz="1200" b="0" i="0" u="none" strike="noStrike" cap="none" normalizeH="0" baseline="0" dirty="0" err="1" smtClean="0">
+                <a:ln>
+                  <a:noFill/>
+                </a:ln>
+                <a:solidFill>
+                  <a:srgbClr val="000000"/>
+                </a:solidFill>
+                <a:effectLst/>
+                <a:latin typeface="Consolas" pitchFamily="49" charset="0"/>
+                <a:cs typeface="Consolas" pitchFamily="49" charset="0"/>
+              </a:rPr>
+              <a:t>connectionString</a:t>
+            </a:r>
+            <a:r>
+              <a:rPr kumimoji="0" lang="en-US" sz="1200" b="0" i="0" u="none" strike="noStrike" cap="none" normalizeH="0" baseline="0" dirty="0" smtClean="0">
+                <a:ln>
+                  <a:noFill/>
+                </a:ln>
+                <a:solidFill>
+                  <a:srgbClr val="000000"/>
+                </a:solidFill>
+                <a:effectLst/>
+                <a:latin typeface="Consolas" pitchFamily="49" charset="0"/>
+                <a:cs typeface="Consolas" pitchFamily="49" charset="0"/>
+              </a:rPr>
+              <a:t>))             </a:t>
+            </a:r>
+          </a:p>
+          <a:p>
+            <a:pPr marL="0" marR="0" lvl="0" indent="0" algn="l" defTabSz="914400" rtl="0" eaLnBrk="1" fontAlgn="base" latinLnBrk="0" hangingPunct="1">
+              <a:lnSpc>
+                <a:spcPct val="100000"/>
+              </a:lnSpc>
+              <a:spcBef>
+                <a:spcPct val="0"/>
+              </a:spcBef>
+              <a:spcAft>
+                <a:spcPct val="0"/>
+              </a:spcAft>
+              <a:buClrTx/>
+              <a:buSzTx/>
+              <a:buFontTx/>
+              <a:buNone/>
+              <a:tabLst/>
+            </a:pPr>
+            <a:r>
+              <a:rPr kumimoji="0" lang="en-US" sz="1200" b="0" i="0" u="none" strike="noStrike" cap="none" normalizeH="0" baseline="0" dirty="0" smtClean="0">
+                <a:ln>
+                  <a:noFill/>
+                </a:ln>
+                <a:solidFill>
+                  <a:srgbClr val="000000"/>
+                </a:solidFill>
+                <a:effectLst/>
+                <a:latin typeface="Consolas" pitchFamily="49" charset="0"/>
+                <a:cs typeface="Consolas" pitchFamily="49" charset="0"/>
+              </a:rPr>
+              <a:t>{                              </a:t>
+            </a:r>
+          </a:p>
+          <a:p>
+            <a:pPr lvl="0" defTabSz="914400" fontAlgn="base">
+              <a:spcBef>
+                <a:spcPct val="0"/>
+              </a:spcBef>
+              <a:spcAft>
+                <a:spcPct val="0"/>
+              </a:spcAft>
+            </a:pPr>
+            <a:r>
+              <a:rPr lang="nb-NO" sz="1200" dirty="0" smtClean="0">
+                <a:solidFill>
+                  <a:srgbClr val="000000"/>
+                </a:solidFill>
+                <a:latin typeface="Consolas" pitchFamily="49" charset="0"/>
+                <a:cs typeface="Consolas" pitchFamily="49" charset="0"/>
+              </a:rPr>
+              <a:t>	</a:t>
+            </a:r>
+            <a:r>
+              <a:rPr lang="en-US" sz="1200" dirty="0" err="1" smtClean="0"/>
+              <a:t>co</a:t>
+            </a:r>
+            <a:r>
+              <a:rPr lang="en-US" sz="1200" dirty="0" err="1" smtClean="0">
+                <a:latin typeface="Consolas" pitchFamily="49" charset="0"/>
+                <a:cs typeface="Consolas" pitchFamily="49" charset="0"/>
+              </a:rPr>
+              <a:t>nnection.Open</a:t>
+            </a:r>
+            <a:r>
+              <a:rPr lang="en-US" sz="1200" dirty="0" smtClean="0">
+                <a:latin typeface="Consolas" pitchFamily="49" charset="0"/>
+                <a:cs typeface="Consolas" pitchFamily="49" charset="0"/>
+              </a:rPr>
+              <a:t>(); </a:t>
+            </a:r>
+            <a:endParaRPr lang="nb-NO" sz="1200" dirty="0" smtClean="0">
+              <a:solidFill>
+                <a:srgbClr val="000000"/>
+              </a:solidFill>
+              <a:latin typeface="Consolas" pitchFamily="49" charset="0"/>
+              <a:cs typeface="Consolas" pitchFamily="49" charset="0"/>
+            </a:endParaRPr>
+          </a:p>
+          <a:p>
+            <a:pPr marL="0" marR="0" lvl="0" indent="0" algn="l" defTabSz="914400" rtl="0" eaLnBrk="1" fontAlgn="base" latinLnBrk="0" hangingPunct="1">
+              <a:lnSpc>
+                <a:spcPct val="100000"/>
+              </a:lnSpc>
+              <a:spcBef>
+                <a:spcPct val="0"/>
+              </a:spcBef>
+              <a:spcAft>
+                <a:spcPct val="0"/>
+              </a:spcAft>
+              <a:buClrTx/>
+              <a:buSzTx/>
+              <a:buFontTx/>
+              <a:buNone/>
+              <a:tabLst/>
+            </a:pPr>
+            <a:r>
+              <a:rPr lang="nb-NO" sz="1200" dirty="0" smtClean="0">
+                <a:solidFill>
+                  <a:srgbClr val="000000"/>
+                </a:solidFill>
+                <a:latin typeface="Consolas" pitchFamily="49" charset="0"/>
+                <a:cs typeface="Consolas" pitchFamily="49" charset="0"/>
+              </a:rPr>
+              <a:t>	:</a:t>
+            </a:r>
+          </a:p>
+          <a:p>
+            <a:pPr marL="0" marR="0" lvl="0" indent="0" algn="l" defTabSz="914400" rtl="0" eaLnBrk="1" fontAlgn="base" latinLnBrk="0" hangingPunct="1">
+              <a:lnSpc>
+                <a:spcPct val="100000"/>
+              </a:lnSpc>
+              <a:spcBef>
+                <a:spcPct val="0"/>
+              </a:spcBef>
+              <a:spcAft>
+                <a:spcPct val="0"/>
+              </a:spcAft>
+              <a:buClrTx/>
+              <a:buSzTx/>
+              <a:buFontTx/>
+              <a:buNone/>
+              <a:tabLst/>
+            </a:pPr>
+            <a:r>
+              <a:rPr lang="nb-NO" sz="1200" dirty="0" smtClean="0">
+                <a:solidFill>
+                  <a:srgbClr val="000000"/>
+                </a:solidFill>
+                <a:latin typeface="Consolas" pitchFamily="49" charset="0"/>
+                <a:cs typeface="Consolas" pitchFamily="49" charset="0"/>
+              </a:rPr>
+              <a:t>	:</a:t>
+            </a:r>
+            <a:endParaRPr lang="en-US" sz="1200" dirty="0" smtClean="0">
+              <a:solidFill>
+                <a:srgbClr val="000000"/>
+              </a:solidFill>
+              <a:latin typeface="Consolas" pitchFamily="49" charset="0"/>
+              <a:cs typeface="Consolas" pitchFamily="49" charset="0"/>
+            </a:endParaRPr>
+          </a:p>
+          <a:p>
+            <a:pPr marL="0" marR="0" lvl="0" indent="0" algn="l" defTabSz="914400" rtl="0" eaLnBrk="1" fontAlgn="base" latinLnBrk="0" hangingPunct="1">
+              <a:lnSpc>
+                <a:spcPct val="100000"/>
+              </a:lnSpc>
+              <a:spcBef>
+                <a:spcPct val="0"/>
+              </a:spcBef>
+              <a:spcAft>
+                <a:spcPct val="0"/>
+              </a:spcAft>
+              <a:buClrTx/>
+              <a:buSzTx/>
+              <a:buFontTx/>
+              <a:buNone/>
+              <a:tabLst/>
+            </a:pPr>
+            <a:r>
+              <a:rPr kumimoji="0" lang="en-US" sz="1200" b="0" i="0" u="none" strike="noStrike" cap="none" normalizeH="0" baseline="0" dirty="0" smtClean="0">
+                <a:ln>
+                  <a:noFill/>
+                </a:ln>
+                <a:solidFill>
+                  <a:srgbClr val="000000"/>
+                </a:solidFill>
+                <a:effectLst/>
+                <a:latin typeface="Consolas" pitchFamily="49" charset="0"/>
+                <a:cs typeface="Consolas" pitchFamily="49" charset="0"/>
+              </a:rPr>
+              <a:t>}</a:t>
+            </a:r>
+            <a:endParaRPr kumimoji="0" lang="en-US" sz="1200" b="0" i="0" u="none" strike="noStrike" cap="none" normalizeH="0" baseline="0" dirty="0" smtClean="0">
+              <a:ln>
+                <a:noFill/>
+              </a:ln>
+              <a:solidFill>
+                <a:schemeClr val="tx1"/>
+              </a:solidFill>
+              <a:effectLst/>
+              <a:latin typeface="Arial" pitchFamily="34" charset="0"/>
+              <a:cs typeface="Arial" pitchFamily="34" charset="0"/>
+            </a:endParaRPr>
+          </a:p>
+        </p:txBody>
+      </p:sp>
+      <p:sp>
+        <p:nvSpPr>
+          <p:cNvPr id="1026" name="Rectangle 2"/>
+          <p:cNvSpPr>
+            <a:spLocks noChangeArrowheads="1"/>
+          </p:cNvSpPr>
+          <p:nvPr/>
+        </p:nvSpPr>
+        <p:spPr bwMode="auto">
+          <a:xfrm>
+            <a:off x="248471" y="1553277"/>
+            <a:ext cx="8737033" cy="1384995"/>
+          </a:xfrm>
+          <a:prstGeom prst="rect">
+            <a:avLst/>
+          </a:prstGeom>
+          <a:solidFill>
+            <a:srgbClr val="FFFFFF"/>
+          </a:solidFill>
+          <a:ln w="9525">
+            <a:solidFill>
+              <a:schemeClr val="accent1"/>
+            </a:solidFill>
+            <a:miter lim="800000"/>
+            <a:headEnd/>
+            <a:tailEnd/>
+          </a:ln>
+          <a:effectLst/>
+        </p:spPr>
+        <p:txBody>
+          <a:bodyPr vert="horz" wrap="square" lIns="91440" tIns="45720" rIns="91440" bIns="45720" numCol="1" anchor="ctr" anchorCtr="0" compatLnSpc="1">
+            <a:prstTxWarp prst="textNoShape">
+              <a:avLst/>
+            </a:prstTxWarp>
+            <a:spAutoFit/>
+          </a:bodyPr>
+          <a:lstStyle/>
+          <a:p>
+            <a:pPr marL="0" marR="0" lvl="0" indent="0" algn="l" defTabSz="914400" rtl="0" eaLnBrk="1" fontAlgn="base" latinLnBrk="0" hangingPunct="1">
+              <a:lnSpc>
+                <a:spcPct val="100000"/>
+              </a:lnSpc>
+              <a:spcBef>
+                <a:spcPct val="0"/>
+              </a:spcBef>
+              <a:spcAft>
+                <a:spcPct val="0"/>
+              </a:spcAft>
+              <a:buClrTx/>
+              <a:buSzTx/>
+              <a:buFontTx/>
+              <a:buNone/>
+              <a:tabLst/>
+            </a:pPr>
+            <a:r>
+              <a:rPr kumimoji="0" lang="en-US" sz="1200" b="0" i="0" u="none" strike="noStrike" cap="none" normalizeH="0" baseline="0" dirty="0" smtClean="0">
+                <a:ln>
+                  <a:noFill/>
+                </a:ln>
+                <a:solidFill>
+                  <a:srgbClr val="0000FF"/>
+                </a:solidFill>
+                <a:effectLst/>
+                <a:latin typeface="Consolas" pitchFamily="49" charset="0"/>
+                <a:cs typeface="Consolas" pitchFamily="49" charset="0"/>
+              </a:rPr>
+              <a:t>&lt;</a:t>
+            </a:r>
+            <a:r>
+              <a:rPr kumimoji="0" lang="en-US" sz="1200" b="0" i="0" u="none" strike="noStrike" cap="none" normalizeH="0" baseline="0" dirty="0" err="1" smtClean="0">
+                <a:ln>
+                  <a:noFill/>
+                </a:ln>
+                <a:solidFill>
+                  <a:srgbClr val="A31515"/>
+                </a:solidFill>
+                <a:effectLst/>
+                <a:latin typeface="Consolas" pitchFamily="49" charset="0"/>
+                <a:cs typeface="Consolas" pitchFamily="49" charset="0"/>
+              </a:rPr>
+              <a:t>connectionStrings</a:t>
+            </a:r>
+            <a:r>
+              <a:rPr kumimoji="0" lang="en-US" sz="1200" b="0" i="0" u="none" strike="noStrike" cap="none" normalizeH="0" baseline="0" dirty="0" smtClean="0">
+                <a:ln>
+                  <a:noFill/>
+                </a:ln>
+                <a:solidFill>
+                  <a:srgbClr val="0000FF"/>
+                </a:solidFill>
+                <a:effectLst/>
+                <a:latin typeface="Consolas" pitchFamily="49" charset="0"/>
+                <a:cs typeface="Consolas" pitchFamily="49" charset="0"/>
+              </a:rPr>
+              <a:t>&gt;</a:t>
+            </a:r>
+            <a:endParaRPr lang="en-US" sz="1200" dirty="0" smtClean="0">
+              <a:solidFill>
+                <a:srgbClr val="000000"/>
+              </a:solidFill>
+              <a:latin typeface="Consolas" pitchFamily="49" charset="0"/>
+              <a:cs typeface="Consolas" pitchFamily="49" charset="0"/>
+            </a:endParaRPr>
+          </a:p>
+          <a:p>
+            <a:pPr marL="0" marR="0" lvl="0" indent="0" algn="l" defTabSz="914400" rtl="0" eaLnBrk="1" fontAlgn="base" latinLnBrk="0" hangingPunct="1">
+              <a:lnSpc>
+                <a:spcPct val="100000"/>
+              </a:lnSpc>
+              <a:spcBef>
+                <a:spcPct val="0"/>
+              </a:spcBef>
+              <a:spcAft>
+                <a:spcPct val="0"/>
+              </a:spcAft>
+              <a:buClrTx/>
+              <a:buSzTx/>
+              <a:buFontTx/>
+              <a:buNone/>
+              <a:tabLst/>
+            </a:pPr>
+            <a:r>
+              <a:rPr kumimoji="0" lang="en-US" sz="1200" b="0" i="0" u="none" strike="noStrike" cap="none" normalizeH="0" baseline="0" dirty="0" smtClean="0">
+                <a:ln>
+                  <a:noFill/>
+                </a:ln>
+                <a:solidFill>
+                  <a:srgbClr val="000000"/>
+                </a:solidFill>
+                <a:effectLst/>
+                <a:latin typeface="Consolas" pitchFamily="49" charset="0"/>
+                <a:cs typeface="Consolas" pitchFamily="49" charset="0"/>
+              </a:rPr>
+              <a:t>	</a:t>
+            </a:r>
+            <a:r>
+              <a:rPr kumimoji="0" lang="en-US" sz="1200" b="0" i="0" u="none" strike="noStrike" cap="none" normalizeH="0" baseline="0" dirty="0" smtClean="0">
+                <a:ln>
+                  <a:noFill/>
+                </a:ln>
+                <a:solidFill>
+                  <a:srgbClr val="0000FF"/>
+                </a:solidFill>
+                <a:effectLst/>
+                <a:latin typeface="Consolas" pitchFamily="49" charset="0"/>
+                <a:cs typeface="Consolas" pitchFamily="49" charset="0"/>
+              </a:rPr>
+              <a:t>&lt;</a:t>
+            </a:r>
+            <a:r>
+              <a:rPr kumimoji="0" lang="en-US" sz="1200" b="0" i="0" u="none" strike="noStrike" cap="none" normalizeH="0" baseline="0" dirty="0" smtClean="0">
+                <a:ln>
+                  <a:noFill/>
+                </a:ln>
+                <a:solidFill>
+                  <a:srgbClr val="A31515"/>
+                </a:solidFill>
+                <a:effectLst/>
+                <a:latin typeface="Consolas" pitchFamily="49" charset="0"/>
+                <a:cs typeface="Consolas" pitchFamily="49" charset="0"/>
+              </a:rPr>
+              <a:t>add</a:t>
+            </a:r>
+            <a:r>
+              <a:rPr kumimoji="0" lang="en-US" sz="1200" b="0" i="0" u="none" strike="noStrike" cap="none" normalizeH="0" baseline="0" dirty="0" smtClean="0">
+                <a:ln>
+                  <a:noFill/>
+                </a:ln>
+                <a:solidFill>
+                  <a:srgbClr val="0000FF"/>
+                </a:solidFill>
+                <a:effectLst/>
+                <a:latin typeface="Consolas" pitchFamily="49" charset="0"/>
+                <a:cs typeface="Consolas" pitchFamily="49" charset="0"/>
+              </a:rPr>
+              <a:t> </a:t>
+            </a:r>
+            <a:r>
+              <a:rPr kumimoji="0" lang="en-US" sz="1200" b="0" i="0" u="none" strike="noStrike" cap="none" normalizeH="0" baseline="0" dirty="0" smtClean="0">
+                <a:ln>
+                  <a:noFill/>
+                </a:ln>
+                <a:solidFill>
+                  <a:srgbClr val="FF0000"/>
+                </a:solidFill>
+                <a:effectLst/>
+                <a:latin typeface="Consolas" pitchFamily="49" charset="0"/>
+                <a:cs typeface="Consolas" pitchFamily="49" charset="0"/>
+              </a:rPr>
+              <a:t>name</a:t>
+            </a:r>
+            <a:r>
+              <a:rPr kumimoji="0" lang="en-US" sz="1200" b="0" i="0" u="none" strike="noStrike" cap="none" normalizeH="0" baseline="0" dirty="0" smtClean="0">
+                <a:ln>
+                  <a:noFill/>
+                </a:ln>
+                <a:solidFill>
+                  <a:srgbClr val="0000FF"/>
+                </a:solidFill>
+                <a:effectLst/>
+                <a:latin typeface="Consolas" pitchFamily="49" charset="0"/>
+                <a:cs typeface="Consolas" pitchFamily="49" charset="0"/>
+              </a:rPr>
+              <a:t>=</a:t>
+            </a:r>
+            <a:r>
+              <a:rPr kumimoji="0" lang="en-US" sz="1200" b="0" i="0" u="none" strike="noStrike" cap="none" normalizeH="0" baseline="0" dirty="0" smtClean="0">
+                <a:ln>
+                  <a:noFill/>
+                </a:ln>
+                <a:solidFill>
+                  <a:srgbClr val="000000"/>
+                </a:solidFill>
+                <a:effectLst/>
+                <a:latin typeface="Consolas" pitchFamily="49" charset="0"/>
+                <a:cs typeface="Consolas" pitchFamily="49" charset="0"/>
+              </a:rPr>
+              <a:t>"</a:t>
+            </a:r>
+            <a:r>
+              <a:rPr kumimoji="0" lang="en-US" sz="1200" b="0" i="0" u="none" strike="noStrike" cap="none" normalizeH="0" baseline="0" dirty="0" err="1" smtClean="0">
+                <a:ln>
+                  <a:noFill/>
+                </a:ln>
+                <a:solidFill>
+                  <a:srgbClr val="0000FF"/>
+                </a:solidFill>
+                <a:effectLst/>
+                <a:latin typeface="Consolas" pitchFamily="49" charset="0"/>
+                <a:cs typeface="Consolas" pitchFamily="49" charset="0"/>
+              </a:rPr>
+              <a:t>DataAksess.Properties.Settings.SampleConnectionString</a:t>
+            </a:r>
+            <a:r>
+              <a:rPr kumimoji="0" lang="en-US" sz="1200" b="0" i="0" u="none" strike="noStrike" cap="none" normalizeH="0" baseline="0" dirty="0" smtClean="0">
+                <a:ln>
+                  <a:noFill/>
+                </a:ln>
+                <a:solidFill>
+                  <a:srgbClr val="000000"/>
+                </a:solidFill>
+                <a:effectLst/>
+                <a:latin typeface="Consolas" pitchFamily="49" charset="0"/>
+                <a:cs typeface="Consolas" pitchFamily="49" charset="0"/>
+              </a:rPr>
+              <a:t>" </a:t>
+            </a:r>
+            <a:r>
+              <a:rPr kumimoji="0" lang="en-US" sz="1200" b="0" i="0" u="none" strike="noStrike" cap="none" normalizeH="0" baseline="0" dirty="0" smtClean="0">
+                <a:ln>
+                  <a:noFill/>
+                </a:ln>
+                <a:solidFill>
+                  <a:srgbClr val="0000FF"/>
+                </a:solidFill>
+                <a:effectLst/>
+                <a:latin typeface="Consolas" pitchFamily="49" charset="0"/>
+                <a:cs typeface="Consolas" pitchFamily="49" charset="0"/>
+              </a:rPr>
+              <a:t>            </a:t>
+            </a:r>
+          </a:p>
+          <a:p>
+            <a:pPr marL="0" marR="0" lvl="0" indent="0" algn="l" defTabSz="914400" rtl="0" eaLnBrk="1" fontAlgn="base" latinLnBrk="0" hangingPunct="1">
+              <a:lnSpc>
+                <a:spcPct val="100000"/>
+              </a:lnSpc>
+              <a:spcBef>
+                <a:spcPct val="0"/>
+              </a:spcBef>
+              <a:spcAft>
+                <a:spcPct val="0"/>
+              </a:spcAft>
+              <a:buClrTx/>
+              <a:buSzTx/>
+              <a:buFontTx/>
+              <a:buNone/>
+              <a:tabLst/>
+            </a:pPr>
+            <a:r>
+              <a:rPr lang="en-US" sz="1200" dirty="0" smtClean="0">
+                <a:solidFill>
+                  <a:srgbClr val="0000FF"/>
+                </a:solidFill>
+                <a:latin typeface="Consolas" pitchFamily="49" charset="0"/>
+                <a:cs typeface="Consolas" pitchFamily="49" charset="0"/>
+              </a:rPr>
+              <a:t>	     </a:t>
+            </a:r>
+            <a:r>
+              <a:rPr kumimoji="0" lang="en-US" sz="1200" b="0" i="0" u="none" strike="noStrike" cap="none" normalizeH="0" baseline="0" dirty="0" err="1" smtClean="0">
+                <a:ln>
+                  <a:noFill/>
+                </a:ln>
+                <a:solidFill>
+                  <a:srgbClr val="FF0000"/>
+                </a:solidFill>
+                <a:effectLst/>
+                <a:latin typeface="Consolas" pitchFamily="49" charset="0"/>
+                <a:cs typeface="Consolas" pitchFamily="49" charset="0"/>
+              </a:rPr>
+              <a:t>connectionString</a:t>
+            </a:r>
+            <a:r>
+              <a:rPr kumimoji="0" lang="en-US" sz="1200" b="0" i="0" u="none" strike="noStrike" cap="none" normalizeH="0" baseline="0" dirty="0" smtClean="0">
+                <a:ln>
+                  <a:noFill/>
+                </a:ln>
+                <a:solidFill>
+                  <a:srgbClr val="0000FF"/>
+                </a:solidFill>
+                <a:effectLst/>
+                <a:latin typeface="Consolas" pitchFamily="49" charset="0"/>
+                <a:cs typeface="Consolas" pitchFamily="49" charset="0"/>
+              </a:rPr>
+              <a:t>=</a:t>
+            </a:r>
+            <a:r>
+              <a:rPr kumimoji="0" lang="en-US" sz="1200" b="0" i="0" u="none" strike="noStrike" cap="none" normalizeH="0" baseline="0" dirty="0" smtClean="0">
+                <a:ln>
+                  <a:noFill/>
+                </a:ln>
+                <a:solidFill>
+                  <a:srgbClr val="000000"/>
+                </a:solidFill>
+                <a:effectLst/>
+                <a:latin typeface="Consolas" pitchFamily="49" charset="0"/>
+                <a:cs typeface="Consolas" pitchFamily="49" charset="0"/>
+              </a:rPr>
+              <a:t>"</a:t>
+            </a:r>
+            <a:r>
+              <a:rPr kumimoji="0" lang="en-US" sz="1200" b="0" i="0" u="none" strike="noStrike" cap="none" normalizeH="0" baseline="0" dirty="0" smtClean="0">
+                <a:ln>
+                  <a:noFill/>
+                </a:ln>
+                <a:solidFill>
+                  <a:srgbClr val="0000FF"/>
+                </a:solidFill>
+                <a:effectLst/>
+                <a:latin typeface="Consolas" pitchFamily="49" charset="0"/>
+                <a:cs typeface="Consolas" pitchFamily="49" charset="0"/>
+              </a:rPr>
+              <a:t>Data Source=.\</a:t>
+            </a:r>
+            <a:r>
+              <a:rPr kumimoji="0" lang="en-US" sz="1200" b="0" i="0" u="none" strike="noStrike" cap="none" normalizeH="0" baseline="0" dirty="0" err="1" smtClean="0">
+                <a:ln>
+                  <a:noFill/>
+                </a:ln>
+                <a:solidFill>
+                  <a:srgbClr val="0000FF"/>
+                </a:solidFill>
+                <a:effectLst/>
+                <a:latin typeface="Consolas" pitchFamily="49" charset="0"/>
+                <a:cs typeface="Consolas" pitchFamily="49" charset="0"/>
+              </a:rPr>
+              <a:t>SQLEXPRESS;AttachDbFilename</a:t>
+            </a:r>
+            <a:r>
+              <a:rPr kumimoji="0" lang="en-US" sz="1200" b="0" i="0" u="none" strike="noStrike" cap="none" normalizeH="0" baseline="0" dirty="0" smtClean="0">
+                <a:ln>
+                  <a:noFill/>
+                </a:ln>
+                <a:solidFill>
+                  <a:srgbClr val="0000FF"/>
+                </a:solidFill>
+                <a:effectLst/>
+                <a:latin typeface="Consolas" pitchFamily="49" charset="0"/>
+                <a:cs typeface="Consolas" pitchFamily="49" charset="0"/>
+              </a:rPr>
+              <a:t>=|</a:t>
+            </a:r>
+            <a:r>
+              <a:rPr kumimoji="0" lang="en-US" sz="1200" b="0" i="0" u="none" strike="noStrike" cap="none" normalizeH="0" baseline="0" dirty="0" err="1" smtClean="0">
+                <a:ln>
+                  <a:noFill/>
+                </a:ln>
+                <a:solidFill>
+                  <a:srgbClr val="0000FF"/>
+                </a:solidFill>
+                <a:effectLst/>
+                <a:latin typeface="Consolas" pitchFamily="49" charset="0"/>
+                <a:cs typeface="Consolas" pitchFamily="49" charset="0"/>
+              </a:rPr>
+              <a:t>DataDirectory</a:t>
+            </a:r>
+            <a:r>
+              <a:rPr kumimoji="0" lang="en-US" sz="1200" b="0" i="0" u="none" strike="noStrike" cap="none" normalizeH="0" baseline="0" dirty="0" smtClean="0">
+                <a:ln>
+                  <a:noFill/>
+                </a:ln>
+                <a:solidFill>
+                  <a:srgbClr val="0000FF"/>
+                </a:solidFill>
+                <a:effectLst/>
+                <a:latin typeface="Consolas" pitchFamily="49" charset="0"/>
+                <a:cs typeface="Consolas" pitchFamily="49" charset="0"/>
+              </a:rPr>
+              <a:t>|</a:t>
+            </a:r>
+          </a:p>
+          <a:p>
+            <a:pPr marL="0" marR="0" lvl="0" indent="0" algn="l" defTabSz="914400" rtl="0" eaLnBrk="1" fontAlgn="base" latinLnBrk="0" hangingPunct="1">
+              <a:lnSpc>
+                <a:spcPct val="100000"/>
+              </a:lnSpc>
+              <a:spcBef>
+                <a:spcPct val="0"/>
+              </a:spcBef>
+              <a:spcAft>
+                <a:spcPct val="0"/>
+              </a:spcAft>
+              <a:buClrTx/>
+              <a:buSzTx/>
+              <a:buFontTx/>
+              <a:buNone/>
+              <a:tabLst/>
+            </a:pPr>
+            <a:r>
+              <a:rPr lang="en-US" sz="1200" dirty="0" smtClean="0">
+                <a:solidFill>
+                  <a:srgbClr val="0000FF"/>
+                </a:solidFill>
+                <a:latin typeface="Consolas" pitchFamily="49" charset="0"/>
+                <a:cs typeface="Consolas" pitchFamily="49" charset="0"/>
+              </a:rPr>
+              <a:t>				   </a:t>
+            </a:r>
+            <a:r>
+              <a:rPr kumimoji="0" lang="en-US" sz="1200" b="0" i="0" u="none" strike="noStrike" cap="none" normalizeH="0" baseline="0" dirty="0" smtClean="0">
+                <a:ln>
+                  <a:noFill/>
+                </a:ln>
+                <a:solidFill>
+                  <a:srgbClr val="0000FF"/>
+                </a:solidFill>
+                <a:effectLst/>
+                <a:latin typeface="Consolas" pitchFamily="49" charset="0"/>
+                <a:cs typeface="Consolas" pitchFamily="49" charset="0"/>
+              </a:rPr>
+              <a:t>\</a:t>
+            </a:r>
+            <a:r>
+              <a:rPr lang="en-US" sz="1200" dirty="0" err="1" smtClean="0">
+                <a:solidFill>
+                  <a:srgbClr val="0000FF"/>
+                </a:solidFill>
+                <a:latin typeface="Consolas" pitchFamily="49" charset="0"/>
+                <a:cs typeface="Consolas" pitchFamily="49" charset="0"/>
+              </a:rPr>
+              <a:t>MyDatabase</a:t>
+            </a:r>
+            <a:r>
+              <a:rPr kumimoji="0" lang="en-US" sz="1200" b="0" i="0" u="none" strike="noStrike" cap="none" normalizeH="0" baseline="0" dirty="0" err="1" smtClean="0">
+                <a:ln>
+                  <a:noFill/>
+                </a:ln>
+                <a:solidFill>
+                  <a:srgbClr val="0000FF"/>
+                </a:solidFill>
+                <a:effectLst/>
+                <a:latin typeface="Consolas" pitchFamily="49" charset="0"/>
+                <a:cs typeface="Consolas" pitchFamily="49" charset="0"/>
+              </a:rPr>
+              <a:t>.mdf;Integrated</a:t>
+            </a:r>
+            <a:r>
+              <a:rPr kumimoji="0" lang="en-US" sz="1200" b="0" i="0" u="none" strike="noStrike" cap="none" normalizeH="0" baseline="0" dirty="0" smtClean="0">
+                <a:ln>
+                  <a:noFill/>
+                </a:ln>
+                <a:solidFill>
+                  <a:srgbClr val="0000FF"/>
+                </a:solidFill>
+                <a:effectLst/>
+                <a:latin typeface="Consolas" pitchFamily="49" charset="0"/>
+                <a:cs typeface="Consolas" pitchFamily="49" charset="0"/>
+              </a:rPr>
+              <a:t> Security=</a:t>
+            </a:r>
+            <a:r>
+              <a:rPr kumimoji="0" lang="en-US" sz="1200" b="0" i="0" u="none" strike="noStrike" cap="none" normalizeH="0" baseline="0" dirty="0" err="1" smtClean="0">
+                <a:ln>
+                  <a:noFill/>
+                </a:ln>
+                <a:solidFill>
+                  <a:srgbClr val="0000FF"/>
+                </a:solidFill>
+                <a:effectLst/>
+                <a:latin typeface="Consolas" pitchFamily="49" charset="0"/>
+                <a:cs typeface="Consolas" pitchFamily="49" charset="0"/>
+              </a:rPr>
+              <a:t>True;Connect</a:t>
+            </a:r>
+            <a:r>
+              <a:rPr kumimoji="0" lang="en-US" sz="1200" b="0" i="0" u="none" strike="noStrike" cap="none" normalizeH="0" baseline="0" dirty="0" smtClean="0">
+                <a:ln>
+                  <a:noFill/>
+                </a:ln>
+                <a:solidFill>
+                  <a:srgbClr val="0000FF"/>
+                </a:solidFill>
+                <a:effectLst/>
+                <a:latin typeface="Consolas" pitchFamily="49" charset="0"/>
+                <a:cs typeface="Consolas" pitchFamily="49" charset="0"/>
+              </a:rPr>
+              <a:t> </a:t>
+            </a:r>
+          </a:p>
+          <a:p>
+            <a:pPr marL="0" marR="0" lvl="0" indent="0" algn="l" defTabSz="914400" rtl="0" eaLnBrk="1" fontAlgn="base" latinLnBrk="0" hangingPunct="1">
+              <a:lnSpc>
+                <a:spcPct val="100000"/>
+              </a:lnSpc>
+              <a:spcBef>
+                <a:spcPct val="0"/>
+              </a:spcBef>
+              <a:spcAft>
+                <a:spcPct val="0"/>
+              </a:spcAft>
+              <a:buClrTx/>
+              <a:buSzTx/>
+              <a:buFontTx/>
+              <a:buNone/>
+              <a:tabLst/>
+            </a:pPr>
+            <a:r>
+              <a:rPr lang="en-US" sz="1200" dirty="0" smtClean="0">
+                <a:solidFill>
+                  <a:srgbClr val="0000FF"/>
+                </a:solidFill>
+                <a:latin typeface="Consolas" pitchFamily="49" charset="0"/>
+                <a:cs typeface="Consolas" pitchFamily="49" charset="0"/>
+              </a:rPr>
+              <a:t>				   </a:t>
+            </a:r>
+            <a:r>
+              <a:rPr kumimoji="0" lang="en-US" sz="1200" b="0" i="0" u="none" strike="noStrike" cap="none" normalizeH="0" baseline="0" dirty="0" smtClean="0">
+                <a:ln>
+                  <a:noFill/>
+                </a:ln>
+                <a:solidFill>
+                  <a:srgbClr val="0000FF"/>
+                </a:solidFill>
+                <a:effectLst/>
+                <a:latin typeface="Consolas" pitchFamily="49" charset="0"/>
+                <a:cs typeface="Consolas" pitchFamily="49" charset="0"/>
+              </a:rPr>
+              <a:t>Timeout=30;User Instance=True</a:t>
+            </a:r>
+            <a:r>
+              <a:rPr kumimoji="0" lang="en-US" sz="1200" b="0" i="0" u="none" strike="noStrike" cap="none" normalizeH="0" baseline="0" dirty="0" smtClean="0">
+                <a:ln>
+                  <a:noFill/>
+                </a:ln>
+                <a:solidFill>
+                  <a:srgbClr val="000000"/>
+                </a:solidFill>
+                <a:effectLst/>
+                <a:latin typeface="Consolas" pitchFamily="49" charset="0"/>
+                <a:cs typeface="Consolas" pitchFamily="49" charset="0"/>
+              </a:rPr>
+              <a:t>" </a:t>
+            </a:r>
+            <a:r>
+              <a:rPr kumimoji="0" lang="en-US" sz="1200" b="0" i="0" u="none" strike="noStrike" cap="none" normalizeH="0" baseline="0" dirty="0" smtClean="0">
+                <a:ln>
+                  <a:noFill/>
+                </a:ln>
+                <a:solidFill>
+                  <a:srgbClr val="0000FF"/>
+                </a:solidFill>
+                <a:effectLst/>
+                <a:latin typeface="Consolas" pitchFamily="49" charset="0"/>
+                <a:cs typeface="Consolas" pitchFamily="49" charset="0"/>
+              </a:rPr>
+              <a:t>            </a:t>
+            </a:r>
+          </a:p>
+          <a:p>
+            <a:pPr marL="0" marR="0" lvl="0" indent="0" algn="l" defTabSz="914400" rtl="0" eaLnBrk="1" fontAlgn="base" latinLnBrk="0" hangingPunct="1">
+              <a:lnSpc>
+                <a:spcPct val="100000"/>
+              </a:lnSpc>
+              <a:spcBef>
+                <a:spcPct val="0"/>
+              </a:spcBef>
+              <a:spcAft>
+                <a:spcPct val="0"/>
+              </a:spcAft>
+              <a:buClrTx/>
+              <a:buSzTx/>
+              <a:buFontTx/>
+              <a:buNone/>
+              <a:tabLst/>
+            </a:pPr>
+            <a:r>
+              <a:rPr kumimoji="0" lang="en-US" sz="1200" b="0" i="0" u="none" strike="noStrike" cap="none" normalizeH="0" baseline="0" dirty="0" smtClean="0">
+                <a:ln>
+                  <a:noFill/>
+                </a:ln>
+                <a:solidFill>
+                  <a:srgbClr val="FF0000"/>
+                </a:solidFill>
+                <a:effectLst/>
+                <a:latin typeface="Consolas" pitchFamily="49" charset="0"/>
+                <a:cs typeface="Consolas" pitchFamily="49" charset="0"/>
+              </a:rPr>
+              <a:t>	</a:t>
+            </a:r>
+            <a:r>
+              <a:rPr kumimoji="0" lang="en-US" sz="1200" b="0" i="0" u="none" strike="noStrike" cap="none" normalizeH="0" dirty="0" smtClean="0">
+                <a:ln>
+                  <a:noFill/>
+                </a:ln>
+                <a:solidFill>
+                  <a:srgbClr val="FF0000"/>
+                </a:solidFill>
+                <a:effectLst/>
+                <a:latin typeface="Consolas" pitchFamily="49" charset="0"/>
+                <a:cs typeface="Consolas" pitchFamily="49" charset="0"/>
+              </a:rPr>
+              <a:t>     </a:t>
+            </a:r>
+            <a:r>
+              <a:rPr kumimoji="0" lang="en-US" sz="1200" b="0" i="0" u="none" strike="noStrike" cap="none" normalizeH="0" baseline="0" dirty="0" err="1" smtClean="0">
+                <a:ln>
+                  <a:noFill/>
+                </a:ln>
+                <a:solidFill>
+                  <a:srgbClr val="FF0000"/>
+                </a:solidFill>
+                <a:effectLst/>
+                <a:latin typeface="Consolas" pitchFamily="49" charset="0"/>
+                <a:cs typeface="Consolas" pitchFamily="49" charset="0"/>
+              </a:rPr>
+              <a:t>providerName</a:t>
+            </a:r>
+            <a:r>
+              <a:rPr kumimoji="0" lang="en-US" sz="1200" b="0" i="0" u="none" strike="noStrike" cap="none" normalizeH="0" baseline="0" dirty="0" smtClean="0">
+                <a:ln>
+                  <a:noFill/>
+                </a:ln>
+                <a:solidFill>
+                  <a:srgbClr val="0000FF"/>
+                </a:solidFill>
+                <a:effectLst/>
+                <a:latin typeface="Consolas" pitchFamily="49" charset="0"/>
+                <a:cs typeface="Consolas" pitchFamily="49" charset="0"/>
+              </a:rPr>
+              <a:t>=</a:t>
+            </a:r>
+            <a:r>
+              <a:rPr kumimoji="0" lang="en-US" sz="1200" b="0" i="0" u="none" strike="noStrike" cap="none" normalizeH="0" baseline="0" dirty="0" smtClean="0">
+                <a:ln>
+                  <a:noFill/>
+                </a:ln>
+                <a:solidFill>
+                  <a:srgbClr val="000000"/>
+                </a:solidFill>
+                <a:effectLst/>
+                <a:latin typeface="Consolas" pitchFamily="49" charset="0"/>
+                <a:cs typeface="Consolas" pitchFamily="49" charset="0"/>
+              </a:rPr>
+              <a:t>"</a:t>
+            </a:r>
+            <a:r>
+              <a:rPr kumimoji="0" lang="en-US" sz="1200" b="0" i="0" u="none" strike="noStrike" cap="none" normalizeH="0" baseline="0" dirty="0" err="1" smtClean="0">
+                <a:ln>
+                  <a:noFill/>
+                </a:ln>
+                <a:solidFill>
+                  <a:srgbClr val="0000FF"/>
+                </a:solidFill>
+                <a:effectLst/>
+                <a:latin typeface="Consolas" pitchFamily="49" charset="0"/>
+                <a:cs typeface="Consolas" pitchFamily="49" charset="0"/>
+              </a:rPr>
+              <a:t>System.Data.SqlClient</a:t>
+            </a:r>
+            <a:r>
+              <a:rPr kumimoji="0" lang="en-US" sz="1200" b="0" i="0" u="none" strike="noStrike" cap="none" normalizeH="0" baseline="0" dirty="0" smtClean="0">
+                <a:ln>
+                  <a:noFill/>
+                </a:ln>
+                <a:solidFill>
+                  <a:srgbClr val="000000"/>
+                </a:solidFill>
+                <a:effectLst/>
+                <a:latin typeface="Consolas" pitchFamily="49" charset="0"/>
+                <a:cs typeface="Consolas" pitchFamily="49" charset="0"/>
+              </a:rPr>
+              <a:t>"</a:t>
+            </a:r>
+            <a:r>
+              <a:rPr kumimoji="0" lang="en-US" sz="1200" b="0" i="0" u="none" strike="noStrike" cap="none" normalizeH="0" baseline="0" dirty="0" smtClean="0">
+                <a:ln>
+                  <a:noFill/>
+                </a:ln>
+                <a:solidFill>
+                  <a:srgbClr val="0000FF"/>
+                </a:solidFill>
+                <a:effectLst/>
+                <a:latin typeface="Consolas" pitchFamily="49" charset="0"/>
+                <a:cs typeface="Consolas" pitchFamily="49" charset="0"/>
+              </a:rPr>
+              <a:t> /&gt;</a:t>
+            </a:r>
+            <a:r>
+              <a:rPr kumimoji="0" lang="en-US" sz="1200" b="0" i="0" u="none" strike="noStrike" cap="none" normalizeH="0" baseline="0" dirty="0" smtClean="0">
+                <a:ln>
+                  <a:noFill/>
+                </a:ln>
+                <a:solidFill>
+                  <a:srgbClr val="000000"/>
+                </a:solidFill>
+                <a:effectLst/>
+                <a:latin typeface="Consolas" pitchFamily="49" charset="0"/>
+                <a:cs typeface="Consolas" pitchFamily="49" charset="0"/>
+              </a:rPr>
+              <a:t> </a:t>
+            </a:r>
+            <a:r>
+              <a:rPr kumimoji="0" lang="en-US" sz="1200" b="0" i="0" u="none" strike="noStrike" cap="none" normalizeH="0" baseline="0" dirty="0" smtClean="0">
+                <a:ln>
+                  <a:noFill/>
+                </a:ln>
+                <a:solidFill>
+                  <a:srgbClr val="0000FF"/>
+                </a:solidFill>
+                <a:effectLst/>
+                <a:latin typeface="Consolas" pitchFamily="49" charset="0"/>
+                <a:cs typeface="Consolas" pitchFamily="49" charset="0"/>
+              </a:rPr>
+              <a:t>    </a:t>
+            </a:r>
+          </a:p>
+          <a:p>
+            <a:pPr marL="0" marR="0" lvl="0" indent="0" algn="l" defTabSz="914400" rtl="0" eaLnBrk="1" fontAlgn="base" latinLnBrk="0" hangingPunct="1">
+              <a:lnSpc>
+                <a:spcPct val="100000"/>
+              </a:lnSpc>
+              <a:spcBef>
+                <a:spcPct val="0"/>
+              </a:spcBef>
+              <a:spcAft>
+                <a:spcPct val="0"/>
+              </a:spcAft>
+              <a:buClrTx/>
+              <a:buSzTx/>
+              <a:buFontTx/>
+              <a:buNone/>
+              <a:tabLst/>
+            </a:pPr>
+            <a:r>
+              <a:rPr kumimoji="0" lang="en-US" sz="1200" b="0" i="0" u="none" strike="noStrike" cap="none" normalizeH="0" baseline="0" dirty="0" smtClean="0">
+                <a:ln>
+                  <a:noFill/>
+                </a:ln>
+                <a:solidFill>
+                  <a:srgbClr val="0000FF"/>
+                </a:solidFill>
+                <a:effectLst/>
+                <a:latin typeface="Consolas" pitchFamily="49" charset="0"/>
+                <a:cs typeface="Consolas" pitchFamily="49" charset="0"/>
+              </a:rPr>
+              <a:t>&lt;/</a:t>
+            </a:r>
+            <a:r>
+              <a:rPr kumimoji="0" lang="en-US" sz="1200" b="0" i="0" u="none" strike="noStrike" cap="none" normalizeH="0" baseline="0" dirty="0" err="1" smtClean="0">
+                <a:ln>
+                  <a:noFill/>
+                </a:ln>
+                <a:solidFill>
+                  <a:srgbClr val="A31515"/>
+                </a:solidFill>
+                <a:effectLst/>
+                <a:latin typeface="Consolas" pitchFamily="49" charset="0"/>
+                <a:cs typeface="Consolas" pitchFamily="49" charset="0"/>
+              </a:rPr>
+              <a:t>connectionStrings</a:t>
+            </a:r>
+            <a:r>
+              <a:rPr kumimoji="0" lang="en-US" sz="1200" b="0" i="0" u="none" strike="noStrike" cap="none" normalizeH="0" baseline="0" dirty="0" smtClean="0">
+                <a:ln>
+                  <a:noFill/>
+                </a:ln>
+                <a:solidFill>
+                  <a:srgbClr val="0000FF"/>
+                </a:solidFill>
+                <a:effectLst/>
+                <a:latin typeface="Consolas" pitchFamily="49" charset="0"/>
+                <a:cs typeface="Consolas" pitchFamily="49" charset="0"/>
+              </a:rPr>
+              <a:t>&gt;</a:t>
+            </a:r>
+            <a:endParaRPr kumimoji="0" lang="en-US" sz="1200" b="0" i="0" u="none" strike="noStrike" cap="none" normalizeH="0" baseline="0" dirty="0" smtClean="0">
+              <a:ln>
+                <a:noFill/>
+              </a:ln>
+              <a:solidFill>
+                <a:schemeClr val="tx1"/>
+              </a:solidFill>
+              <a:effectLst/>
+              <a:latin typeface="Arial" pitchFamily="34" charset="0"/>
+              <a:cs typeface="Arial" pitchFamily="34" charset="0"/>
+            </a:endParaRPr>
+          </a:p>
+        </p:txBody>
+      </p:sp>
+      <p:sp>
+        <p:nvSpPr>
+          <p:cNvPr id="7" name="TextBox 6"/>
+          <p:cNvSpPr txBox="1"/>
+          <p:nvPr/>
+        </p:nvSpPr>
+        <p:spPr>
+          <a:xfrm>
+            <a:off x="175319" y="1189736"/>
+            <a:ext cx="8102827" cy="307777"/>
+          </a:xfrm>
+          <a:prstGeom prst="rect">
+            <a:avLst/>
+          </a:prstGeom>
+          <a:noFill/>
+        </p:spPr>
+        <p:txBody>
+          <a:bodyPr wrap="square" rtlCol="0">
+            <a:spAutoFit/>
+          </a:bodyPr>
+          <a:lstStyle/>
+          <a:p>
+            <a:pPr>
+              <a:spcBef>
+                <a:spcPts val="600"/>
+              </a:spcBef>
+              <a:spcAft>
+                <a:spcPts val="400"/>
+              </a:spcAft>
+            </a:pPr>
+            <a:r>
+              <a:rPr lang="nb-NO" sz="1400" dirty="0" smtClean="0"/>
+              <a:t>Fra web.config/app.config</a:t>
+            </a:r>
+          </a:p>
+        </p:txBody>
+      </p:sp>
+    </p:spTree>
+  </p:cSld>
+  <p:clrMapOvr>
+    <a:masterClrMapping/>
+  </p:clrMapOvr>
+  <p:transition>
+    <p:fade thruBlk="1"/>
+  </p:transition>
+</p:sld>
+</file>
+
+<file path=ppt/slides/slide7.xml><?xml version="1.0" encoding="utf-8"?>
+<p:sld xmlns:a="http://schemas.openxmlformats.org/drawingml/2006/main" xmlns:r="http://schemas.openxmlformats.org/officeDocument/2006/relationships" xmlns:p="http://schemas.openxmlformats.org/presentationml/2006/main">
+  <p:cSld>
+    <p:spTree>
+      <p:nvGrpSpPr>
+        <p:cNvPr id="1" name=""/>
+        <p:cNvGrpSpPr/>
+        <p:nvPr/>
+      </p:nvGrpSpPr>
+      <p:grpSpPr>
+        <a:xfrm>
+          <a:off x="0" y="0"/>
+          <a:ext cx="0" cy="0"/>
+          <a:chOff x="0" y="0"/>
+          <a:chExt cx="0" cy="0"/>
+        </a:xfrm>
+      </p:grpSpPr>
+      <p:sp>
+        <p:nvSpPr>
+          <p:cNvPr id="2" name="Title 1"/>
+          <p:cNvSpPr>
+            <a:spLocks noGrp="1"/>
+          </p:cNvSpPr>
+          <p:nvPr>
+            <p:ph type="title"/>
+          </p:nvPr>
+        </p:nvSpPr>
+        <p:spPr>
+          <a:xfrm>
+            <a:off x="321623" y="418905"/>
+            <a:ext cx="1891865" cy="307777"/>
+          </a:xfrm>
+        </p:spPr>
+        <p:txBody>
+          <a:bodyPr/>
+          <a:lstStyle/>
+          <a:p>
+            <a:r>
+              <a:rPr lang="nb-NO" dirty="0" smtClean="0"/>
+              <a:t>Spørringer</a:t>
+            </a:r>
+            <a:endParaRPr lang="en-US" dirty="0"/>
+          </a:p>
+        </p:txBody>
+      </p:sp>
+      <p:sp>
+        <p:nvSpPr>
+          <p:cNvPr id="3" name="Slide Number Placeholder 2"/>
+          <p:cNvSpPr>
+            <a:spLocks noGrp="1"/>
+          </p:cNvSpPr>
+          <p:nvPr>
+            <p:ph type="sldNum" sz="quarter" idx="10"/>
+          </p:nvPr>
+        </p:nvSpPr>
+        <p:spPr/>
+        <p:txBody>
+          <a:bodyPr/>
+          <a:lstStyle/>
+          <a:p>
+            <a:fld id="{FF67BF5B-7344-D747-A0C2-CBD7B2ACBC85}" type="slidenum">
+              <a:rPr lang="en-US" smtClean="0"/>
+              <a:pPr/>
+              <a:t>7</a:t>
+            </a:fld>
+            <a:endParaRPr lang="en-US" dirty="0"/>
+          </a:p>
+        </p:txBody>
+      </p:sp>
+      <p:sp>
+        <p:nvSpPr>
+          <p:cNvPr id="4" name="TextBox 3"/>
+          <p:cNvSpPr txBox="1"/>
+          <p:nvPr/>
+        </p:nvSpPr>
+        <p:spPr>
+          <a:xfrm>
+            <a:off x="321623" y="970280"/>
+            <a:ext cx="8102827" cy="307777"/>
+          </a:xfrm>
+          <a:prstGeom prst="rect">
+            <a:avLst/>
+          </a:prstGeom>
+          <a:noFill/>
+        </p:spPr>
+        <p:txBody>
+          <a:bodyPr wrap="square" rtlCol="0">
+            <a:spAutoFit/>
+          </a:bodyPr>
+          <a:lstStyle/>
+          <a:p>
+            <a:pPr>
+              <a:spcBef>
+                <a:spcPts val="600"/>
+              </a:spcBef>
+              <a:spcAft>
+                <a:spcPts val="400"/>
+              </a:spcAft>
+            </a:pPr>
+            <a:r>
+              <a:rPr lang="nb-NO" sz="1400" dirty="0" smtClean="0"/>
+              <a:t>Fra tilkobling oppretter man en kommando:</a:t>
+            </a:r>
+          </a:p>
+        </p:txBody>
+      </p:sp>
+      <p:sp>
+        <p:nvSpPr>
+          <p:cNvPr id="5" name="Rectangle 1"/>
+          <p:cNvSpPr>
+            <a:spLocks noChangeArrowheads="1"/>
+          </p:cNvSpPr>
+          <p:nvPr/>
+        </p:nvSpPr>
+        <p:spPr bwMode="auto">
+          <a:xfrm>
+            <a:off x="321623" y="1382589"/>
+            <a:ext cx="8102827" cy="1015663"/>
+          </a:xfrm>
+          <a:prstGeom prst="rect">
+            <a:avLst/>
+          </a:prstGeom>
+          <a:solidFill>
+            <a:srgbClr val="FFFFFF"/>
+          </a:solidFill>
+          <a:ln w="9525">
+            <a:solidFill>
+              <a:schemeClr val="accent1"/>
+            </a:solidFill>
+            <a:miter lim="800000"/>
+            <a:headEnd/>
+            <a:tailEnd/>
+          </a:ln>
+          <a:effectLst/>
+        </p:spPr>
+        <p:txBody>
+          <a:bodyPr vert="horz" wrap="square" lIns="91440" tIns="45720" rIns="91440" bIns="45720" numCol="1" anchor="ctr" anchorCtr="0" compatLnSpc="1">
+            <a:prstTxWarp prst="textNoShape">
+              <a:avLst/>
+            </a:prstTxWarp>
+            <a:spAutoFit/>
+          </a:bodyPr>
+          <a:lstStyle/>
+          <a:p>
+            <a:pPr marL="0" marR="0" lvl="0" indent="0" algn="l" defTabSz="914400" rtl="0" eaLnBrk="1" fontAlgn="base" latinLnBrk="0" hangingPunct="1">
+              <a:lnSpc>
+                <a:spcPct val="100000"/>
+              </a:lnSpc>
+              <a:spcBef>
+                <a:spcPct val="0"/>
+              </a:spcBef>
+              <a:spcAft>
+                <a:spcPct val="0"/>
+              </a:spcAft>
+              <a:buClrTx/>
+              <a:buSzTx/>
+              <a:buFontTx/>
+              <a:buNone/>
+              <a:tabLst/>
+            </a:pPr>
+            <a:r>
+              <a:rPr kumimoji="0" lang="en-US" sz="1200" b="0" i="0" u="none" strike="noStrike" cap="none" normalizeH="0" baseline="0" dirty="0" smtClean="0">
+                <a:ln>
+                  <a:noFill/>
+                </a:ln>
+                <a:solidFill>
+                  <a:srgbClr val="0000FF"/>
+                </a:solidFill>
+                <a:effectLst/>
+                <a:latin typeface="Consolas" pitchFamily="49" charset="0"/>
+                <a:cs typeface="Consolas" pitchFamily="49" charset="0"/>
+              </a:rPr>
+              <a:t>using</a:t>
+            </a:r>
+            <a:r>
+              <a:rPr kumimoji="0" lang="en-US" sz="1200" b="0" i="0" u="none" strike="noStrike" cap="none" normalizeH="0" baseline="0" dirty="0" smtClean="0">
+                <a:ln>
+                  <a:noFill/>
+                </a:ln>
+                <a:solidFill>
+                  <a:srgbClr val="000000"/>
+                </a:solidFill>
+                <a:effectLst/>
+                <a:latin typeface="Consolas" pitchFamily="49" charset="0"/>
+                <a:cs typeface="Consolas" pitchFamily="49" charset="0"/>
+              </a:rPr>
+              <a:t> (</a:t>
+            </a:r>
+            <a:r>
+              <a:rPr kumimoji="0" lang="en-US" sz="1200" b="0" i="0" u="none" strike="noStrike" cap="none" normalizeH="0" baseline="0" dirty="0" err="1" smtClean="0">
+                <a:ln>
+                  <a:noFill/>
+                </a:ln>
+                <a:solidFill>
+                  <a:srgbClr val="0000FF"/>
+                </a:solidFill>
+                <a:effectLst/>
+                <a:latin typeface="Consolas" pitchFamily="49" charset="0"/>
+                <a:cs typeface="Consolas" pitchFamily="49" charset="0"/>
+              </a:rPr>
+              <a:t>var</a:t>
+            </a:r>
+            <a:r>
+              <a:rPr kumimoji="0" lang="en-US" sz="1200" b="0" i="0" u="none" strike="noStrike" cap="none" normalizeH="0" baseline="0" dirty="0" smtClean="0">
+                <a:ln>
+                  <a:noFill/>
+                </a:ln>
+                <a:solidFill>
+                  <a:srgbClr val="000000"/>
+                </a:solidFill>
+                <a:effectLst/>
+                <a:latin typeface="Consolas" pitchFamily="49" charset="0"/>
+                <a:cs typeface="Consolas" pitchFamily="49" charset="0"/>
+              </a:rPr>
+              <a:t> command = </a:t>
+            </a:r>
+            <a:r>
+              <a:rPr kumimoji="0" lang="en-US" sz="1200" b="0" i="0" u="none" strike="noStrike" cap="none" normalizeH="0" baseline="0" dirty="0" err="1" smtClean="0">
+                <a:ln>
+                  <a:noFill/>
+                </a:ln>
+                <a:solidFill>
+                  <a:srgbClr val="000000"/>
+                </a:solidFill>
+                <a:effectLst/>
+                <a:latin typeface="Consolas" pitchFamily="49" charset="0"/>
+                <a:cs typeface="Consolas" pitchFamily="49" charset="0"/>
+              </a:rPr>
+              <a:t>connectionString</a:t>
+            </a:r>
+            <a:r>
+              <a:rPr lang="en-US" sz="1200" dirty="0" err="1" smtClean="0">
+                <a:solidFill>
+                  <a:srgbClr val="000000"/>
+                </a:solidFill>
+                <a:latin typeface="Consolas" pitchFamily="49" charset="0"/>
+                <a:cs typeface="Consolas" pitchFamily="49" charset="0"/>
+              </a:rPr>
+              <a:t>.CreateCommand</a:t>
+            </a:r>
+            <a:r>
+              <a:rPr lang="en-US" sz="1200" dirty="0" smtClean="0">
+                <a:solidFill>
+                  <a:srgbClr val="000000"/>
+                </a:solidFill>
+                <a:latin typeface="Consolas" pitchFamily="49" charset="0"/>
+                <a:cs typeface="Consolas" pitchFamily="49" charset="0"/>
+              </a:rPr>
+              <a:t>()</a:t>
+            </a:r>
+            <a:r>
+              <a:rPr kumimoji="0" lang="en-US" sz="1200" b="0" i="0" u="none" strike="noStrike" cap="none" normalizeH="0" baseline="0" dirty="0" smtClean="0">
+                <a:ln>
+                  <a:noFill/>
+                </a:ln>
+                <a:solidFill>
+                  <a:srgbClr val="000000"/>
+                </a:solidFill>
+                <a:effectLst/>
+                <a:latin typeface="Consolas" pitchFamily="49" charset="0"/>
+                <a:cs typeface="Consolas" pitchFamily="49" charset="0"/>
+              </a:rPr>
+              <a:t>)             </a:t>
+            </a:r>
+          </a:p>
+          <a:p>
+            <a:pPr marL="0" marR="0" lvl="0" indent="0" algn="l" defTabSz="914400" rtl="0" eaLnBrk="1" fontAlgn="base" latinLnBrk="0" hangingPunct="1">
+              <a:lnSpc>
+                <a:spcPct val="100000"/>
+              </a:lnSpc>
+              <a:spcBef>
+                <a:spcPct val="0"/>
+              </a:spcBef>
+              <a:spcAft>
+                <a:spcPct val="0"/>
+              </a:spcAft>
+              <a:buClrTx/>
+              <a:buSzTx/>
+              <a:buFontTx/>
+              <a:buNone/>
+              <a:tabLst/>
+            </a:pPr>
+            <a:r>
+              <a:rPr kumimoji="0" lang="en-US" sz="1200" b="0" i="0" u="none" strike="noStrike" cap="none" normalizeH="0" baseline="0" dirty="0" smtClean="0">
+                <a:ln>
+                  <a:noFill/>
+                </a:ln>
+                <a:solidFill>
+                  <a:srgbClr val="000000"/>
+                </a:solidFill>
+                <a:effectLst/>
+                <a:latin typeface="Consolas" pitchFamily="49" charset="0"/>
+                <a:cs typeface="Consolas" pitchFamily="49" charset="0"/>
+              </a:rPr>
+              <a:t>{</a:t>
+            </a:r>
+            <a:r>
+              <a:rPr lang="nb-NO" sz="1200" dirty="0" smtClean="0">
+                <a:solidFill>
+                  <a:srgbClr val="000000"/>
+                </a:solidFill>
+                <a:latin typeface="Consolas" pitchFamily="49" charset="0"/>
+                <a:cs typeface="Consolas" pitchFamily="49" charset="0"/>
+              </a:rPr>
+              <a:t>	</a:t>
+            </a:r>
+          </a:p>
+          <a:p>
+            <a:pPr defTabSz="914400" fontAlgn="base">
+              <a:spcBef>
+                <a:spcPct val="0"/>
+              </a:spcBef>
+              <a:spcAft>
+                <a:spcPct val="0"/>
+              </a:spcAft>
+            </a:pPr>
+            <a:r>
+              <a:rPr lang="en-US" sz="1200" dirty="0" smtClean="0">
+                <a:latin typeface="Consolas" pitchFamily="49" charset="0"/>
+                <a:cs typeface="Consolas" pitchFamily="49" charset="0"/>
+              </a:rPr>
+              <a:t>	</a:t>
+            </a:r>
+            <a:r>
+              <a:rPr lang="en-US" sz="1200" dirty="0" err="1" smtClean="0">
+                <a:latin typeface="Consolas" pitchFamily="49" charset="0"/>
+                <a:cs typeface="Consolas" pitchFamily="49" charset="0"/>
+              </a:rPr>
+              <a:t>command.CommandType</a:t>
+            </a:r>
+            <a:r>
+              <a:rPr lang="en-US" sz="1200" dirty="0" smtClean="0">
+                <a:latin typeface="Consolas" pitchFamily="49" charset="0"/>
+                <a:cs typeface="Consolas" pitchFamily="49" charset="0"/>
+              </a:rPr>
+              <a:t> = </a:t>
+            </a:r>
+            <a:r>
+              <a:rPr lang="en-US" sz="1200" dirty="0" err="1" smtClean="0">
+                <a:solidFill>
+                  <a:srgbClr val="2B91AF"/>
+                </a:solidFill>
+                <a:latin typeface="Consolas" pitchFamily="49" charset="0"/>
+                <a:cs typeface="Consolas" pitchFamily="49" charset="0"/>
+              </a:rPr>
+              <a:t>CommandType</a:t>
+            </a:r>
+            <a:r>
+              <a:rPr lang="en-US" sz="1200" dirty="0" err="1" smtClean="0">
+                <a:latin typeface="Consolas" pitchFamily="49" charset="0"/>
+                <a:cs typeface="Consolas" pitchFamily="49" charset="0"/>
+              </a:rPr>
+              <a:t>.Text</a:t>
+            </a:r>
+            <a:r>
+              <a:rPr lang="en-US" sz="1200" dirty="0" smtClean="0">
+                <a:latin typeface="Consolas" pitchFamily="49" charset="0"/>
+                <a:cs typeface="Consolas" pitchFamily="49" charset="0"/>
+              </a:rPr>
+              <a:t>;</a:t>
+            </a:r>
+          </a:p>
+          <a:p>
+            <a:pPr defTabSz="914400" fontAlgn="base">
+              <a:spcBef>
+                <a:spcPct val="0"/>
+              </a:spcBef>
+              <a:spcAft>
+                <a:spcPct val="0"/>
+              </a:spcAft>
+            </a:pPr>
+            <a:r>
+              <a:rPr lang="en-US" sz="1200" dirty="0" smtClean="0">
+                <a:latin typeface="Consolas" pitchFamily="49" charset="0"/>
+                <a:cs typeface="Consolas" pitchFamily="49" charset="0"/>
+              </a:rPr>
+              <a:t>	</a:t>
+            </a:r>
+            <a:r>
+              <a:rPr lang="en-US" sz="1200" dirty="0" err="1" smtClean="0">
+                <a:latin typeface="Consolas" pitchFamily="49" charset="0"/>
+                <a:cs typeface="Consolas" pitchFamily="49" charset="0"/>
+              </a:rPr>
+              <a:t>command.CommandText</a:t>
+            </a:r>
+            <a:r>
+              <a:rPr lang="en-US" sz="1200" dirty="0" smtClean="0">
+                <a:latin typeface="Consolas" pitchFamily="49" charset="0"/>
+                <a:cs typeface="Consolas" pitchFamily="49" charset="0"/>
+              </a:rPr>
+              <a:t> = </a:t>
+            </a:r>
+            <a:r>
+              <a:rPr lang="en-US" sz="1200" dirty="0" smtClean="0">
+                <a:solidFill>
+                  <a:srgbClr val="A31515"/>
+                </a:solidFill>
+                <a:latin typeface="Consolas" pitchFamily="49" charset="0"/>
+                <a:cs typeface="Consolas" pitchFamily="49" charset="0"/>
+              </a:rPr>
+              <a:t>"SELECT column1, column2 FROM Table1"</a:t>
+            </a:r>
+            <a:r>
+              <a:rPr lang="en-US" sz="1200" dirty="0" smtClean="0">
+                <a:latin typeface="Consolas" pitchFamily="49" charset="0"/>
+                <a:cs typeface="Consolas" pitchFamily="49" charset="0"/>
+              </a:rPr>
+              <a:t> ;</a:t>
+            </a:r>
+            <a:r>
+              <a:rPr lang="nb-NO" sz="1200" dirty="0" smtClean="0">
+                <a:solidFill>
+                  <a:srgbClr val="000000"/>
+                </a:solidFill>
+                <a:latin typeface="Consolas" pitchFamily="49" charset="0"/>
+                <a:cs typeface="Consolas" pitchFamily="49" charset="0"/>
+              </a:rPr>
+              <a:t>	</a:t>
+            </a:r>
+            <a:endParaRPr lang="en-US" sz="1200" dirty="0" smtClean="0">
+              <a:solidFill>
+                <a:srgbClr val="000000"/>
+              </a:solidFill>
+              <a:latin typeface="Consolas" pitchFamily="49" charset="0"/>
+              <a:cs typeface="Consolas" pitchFamily="49" charset="0"/>
+            </a:endParaRPr>
+          </a:p>
+          <a:p>
+            <a:pPr marL="0" marR="0" lvl="0" indent="0" algn="l" defTabSz="914400" rtl="0" eaLnBrk="1" fontAlgn="base" latinLnBrk="0" hangingPunct="1">
+              <a:lnSpc>
+                <a:spcPct val="100000"/>
+              </a:lnSpc>
+              <a:spcBef>
+                <a:spcPct val="0"/>
+              </a:spcBef>
+              <a:spcAft>
+                <a:spcPct val="0"/>
+              </a:spcAft>
+              <a:buClrTx/>
+              <a:buSzTx/>
+              <a:buFontTx/>
+              <a:buNone/>
+              <a:tabLst/>
+            </a:pPr>
+            <a:r>
+              <a:rPr kumimoji="0" lang="en-US" sz="1200" b="0" i="0" u="none" strike="noStrike" cap="none" normalizeH="0" baseline="0" dirty="0" smtClean="0">
+                <a:ln>
+                  <a:noFill/>
+                </a:ln>
+                <a:solidFill>
+                  <a:srgbClr val="000000"/>
+                </a:solidFill>
+                <a:effectLst/>
+                <a:latin typeface="Consolas" pitchFamily="49" charset="0"/>
+                <a:cs typeface="Consolas" pitchFamily="49" charset="0"/>
+              </a:rPr>
+              <a:t>}</a:t>
+            </a:r>
+            <a:endParaRPr kumimoji="0" lang="en-US" sz="1200" b="0" i="0" u="none" strike="noStrike" cap="none" normalizeH="0" baseline="0" dirty="0" smtClean="0">
+              <a:ln>
+                <a:noFill/>
+              </a:ln>
+              <a:solidFill>
+                <a:schemeClr val="tx1"/>
+              </a:solidFill>
+              <a:effectLst/>
+              <a:latin typeface="Arial" pitchFamily="34" charset="0"/>
+              <a:cs typeface="Arial" pitchFamily="34" charset="0"/>
+            </a:endParaRPr>
+          </a:p>
+        </p:txBody>
+      </p:sp>
+      <p:sp>
+        <p:nvSpPr>
+          <p:cNvPr id="6" name="TextBox 5"/>
+          <p:cNvSpPr txBox="1"/>
+          <p:nvPr/>
+        </p:nvSpPr>
+        <p:spPr>
+          <a:xfrm>
+            <a:off x="327719" y="2561336"/>
+            <a:ext cx="8102827" cy="307777"/>
+          </a:xfrm>
+          <a:prstGeom prst="rect">
+            <a:avLst/>
+          </a:prstGeom>
+          <a:noFill/>
+        </p:spPr>
+        <p:txBody>
+          <a:bodyPr wrap="square" rtlCol="0">
+            <a:spAutoFit/>
+          </a:bodyPr>
+          <a:lstStyle/>
+          <a:p>
+            <a:pPr>
+              <a:spcBef>
+                <a:spcPts val="600"/>
+              </a:spcBef>
+              <a:spcAft>
+                <a:spcPts val="400"/>
+              </a:spcAft>
+            </a:pPr>
+            <a:r>
+              <a:rPr lang="nb-NO" sz="1400" dirty="0" smtClean="0"/>
+              <a:t>Kommandoen eksekveres mot databasen og man får en Reader tilbake.</a:t>
+            </a:r>
+          </a:p>
+        </p:txBody>
+      </p:sp>
+      <p:sp>
+        <p:nvSpPr>
+          <p:cNvPr id="7" name="Rectangle 1"/>
+          <p:cNvSpPr>
+            <a:spLocks noChangeArrowheads="1"/>
+          </p:cNvSpPr>
+          <p:nvPr/>
+        </p:nvSpPr>
+        <p:spPr bwMode="auto">
+          <a:xfrm>
+            <a:off x="321623" y="2977055"/>
+            <a:ext cx="8102827" cy="1384995"/>
+          </a:xfrm>
+          <a:prstGeom prst="rect">
+            <a:avLst/>
+          </a:prstGeom>
+          <a:solidFill>
+            <a:srgbClr val="FFFFFF"/>
+          </a:solidFill>
+          <a:ln w="9525">
+            <a:solidFill>
+              <a:schemeClr val="accent1"/>
+            </a:solidFill>
+            <a:miter lim="800000"/>
+            <a:headEnd/>
+            <a:tailEnd/>
+          </a:ln>
+          <a:effectLst/>
+        </p:spPr>
+        <p:txBody>
+          <a:bodyPr vert="horz" wrap="square" lIns="91440" tIns="45720" rIns="91440" bIns="45720" numCol="1" anchor="ctr" anchorCtr="0" compatLnSpc="1">
+            <a:prstTxWarp prst="textNoShape">
+              <a:avLst/>
+            </a:prstTxWarp>
+            <a:spAutoFit/>
+          </a:bodyPr>
+          <a:lstStyle/>
+          <a:p>
+            <a:pPr marL="0" marR="0" lvl="0" indent="0" algn="l" defTabSz="914400" rtl="0" eaLnBrk="1" fontAlgn="base" latinLnBrk="0" hangingPunct="1">
+              <a:lnSpc>
+                <a:spcPct val="100000"/>
+              </a:lnSpc>
+              <a:spcBef>
+                <a:spcPct val="0"/>
+              </a:spcBef>
+              <a:spcAft>
+                <a:spcPct val="0"/>
+              </a:spcAft>
+              <a:buClrTx/>
+              <a:buSzTx/>
+              <a:buFontTx/>
+              <a:buNone/>
+              <a:tabLst/>
+            </a:pPr>
+            <a:r>
+              <a:rPr kumimoji="0" lang="en-US" sz="1200" b="0" i="0" u="none" strike="noStrike" cap="none" normalizeH="0" baseline="0" dirty="0" smtClean="0">
+                <a:ln>
+                  <a:noFill/>
+                </a:ln>
+                <a:solidFill>
+                  <a:srgbClr val="0000FF"/>
+                </a:solidFill>
+                <a:effectLst/>
+                <a:latin typeface="Consolas" pitchFamily="49" charset="0"/>
+                <a:cs typeface="Consolas" pitchFamily="49" charset="0"/>
+              </a:rPr>
+              <a:t>using</a:t>
+            </a:r>
+            <a:r>
+              <a:rPr kumimoji="0" lang="en-US" sz="1200" b="0" i="0" u="none" strike="noStrike" cap="none" normalizeH="0" baseline="0" dirty="0" smtClean="0">
+                <a:ln>
+                  <a:noFill/>
+                </a:ln>
+                <a:solidFill>
+                  <a:srgbClr val="000000"/>
+                </a:solidFill>
+                <a:effectLst/>
+                <a:latin typeface="Consolas" pitchFamily="49" charset="0"/>
+                <a:cs typeface="Consolas" pitchFamily="49" charset="0"/>
+              </a:rPr>
+              <a:t> (</a:t>
+            </a:r>
+            <a:r>
+              <a:rPr kumimoji="0" lang="en-US" sz="1200" b="0" i="0" u="none" strike="noStrike" cap="none" normalizeH="0" baseline="0" dirty="0" err="1" smtClean="0">
+                <a:ln>
+                  <a:noFill/>
+                </a:ln>
+                <a:solidFill>
+                  <a:srgbClr val="0000FF"/>
+                </a:solidFill>
+                <a:effectLst/>
+                <a:latin typeface="Consolas" pitchFamily="49" charset="0"/>
+                <a:cs typeface="Consolas" pitchFamily="49" charset="0"/>
+              </a:rPr>
+              <a:t>var</a:t>
+            </a:r>
+            <a:r>
+              <a:rPr kumimoji="0" lang="en-US" sz="1200" b="0" i="0" u="none" strike="noStrike" cap="none" normalizeH="0" baseline="0" dirty="0" smtClean="0">
+                <a:ln>
+                  <a:noFill/>
+                </a:ln>
+                <a:solidFill>
+                  <a:srgbClr val="000000"/>
+                </a:solidFill>
+                <a:effectLst/>
+                <a:latin typeface="Consolas" pitchFamily="49" charset="0"/>
+                <a:cs typeface="Consolas" pitchFamily="49" charset="0"/>
+              </a:rPr>
+              <a:t> reader = </a:t>
+            </a:r>
+            <a:r>
+              <a:rPr kumimoji="0" lang="en-US" sz="1200" b="0" i="0" u="none" strike="noStrike" cap="none" normalizeH="0" baseline="0" dirty="0" err="1" smtClean="0">
+                <a:ln>
+                  <a:noFill/>
+                </a:ln>
+                <a:solidFill>
+                  <a:srgbClr val="000000"/>
+                </a:solidFill>
+                <a:effectLst/>
+                <a:latin typeface="Consolas" pitchFamily="49" charset="0"/>
+                <a:cs typeface="Consolas" pitchFamily="49" charset="0"/>
+              </a:rPr>
+              <a:t>command.ExecuteReader</a:t>
+            </a:r>
+            <a:r>
+              <a:rPr kumimoji="0" lang="en-US" sz="1200" b="0" i="0" u="none" strike="noStrike" cap="none" normalizeH="0" baseline="0" dirty="0" smtClean="0">
+                <a:ln>
+                  <a:noFill/>
+                </a:ln>
+                <a:solidFill>
+                  <a:srgbClr val="000000"/>
+                </a:solidFill>
+                <a:effectLst/>
+                <a:latin typeface="Consolas" pitchFamily="49" charset="0"/>
+                <a:cs typeface="Consolas" pitchFamily="49" charset="0"/>
+              </a:rPr>
+              <a:t>())             </a:t>
+            </a:r>
+          </a:p>
+          <a:p>
+            <a:pPr marL="0" marR="0" lvl="0" indent="0" algn="l" defTabSz="914400" rtl="0" eaLnBrk="1" fontAlgn="base" latinLnBrk="0" hangingPunct="1">
+              <a:lnSpc>
+                <a:spcPct val="100000"/>
+              </a:lnSpc>
+              <a:spcBef>
+                <a:spcPct val="0"/>
+              </a:spcBef>
+              <a:spcAft>
+                <a:spcPct val="0"/>
+              </a:spcAft>
+              <a:buClrTx/>
+              <a:buSzTx/>
+              <a:buFontTx/>
+              <a:buNone/>
+              <a:tabLst/>
+            </a:pPr>
+            <a:r>
+              <a:rPr kumimoji="0" lang="en-US" sz="1200" b="0" i="0" u="none" strike="noStrike" cap="none" normalizeH="0" baseline="0" dirty="0" smtClean="0">
+                <a:ln>
+                  <a:noFill/>
+                </a:ln>
+                <a:solidFill>
+                  <a:srgbClr val="000000"/>
+                </a:solidFill>
+                <a:effectLst/>
+                <a:latin typeface="Consolas" pitchFamily="49" charset="0"/>
+                <a:cs typeface="Consolas" pitchFamily="49" charset="0"/>
+              </a:rPr>
+              <a:t>{</a:t>
+            </a:r>
+            <a:r>
+              <a:rPr lang="nb-NO" sz="1200" dirty="0" smtClean="0">
+                <a:solidFill>
+                  <a:srgbClr val="000000"/>
+                </a:solidFill>
+                <a:latin typeface="Consolas" pitchFamily="49" charset="0"/>
+                <a:cs typeface="Consolas" pitchFamily="49" charset="0"/>
+              </a:rPr>
+              <a:t>	</a:t>
+            </a:r>
+          </a:p>
+          <a:p>
+            <a:pPr defTabSz="914400" fontAlgn="base">
+              <a:spcBef>
+                <a:spcPct val="0"/>
+              </a:spcBef>
+              <a:spcAft>
+                <a:spcPct val="0"/>
+              </a:spcAft>
+            </a:pPr>
+            <a:r>
+              <a:rPr lang="en-US" sz="1200" dirty="0" smtClean="0">
+                <a:latin typeface="Consolas" pitchFamily="49" charset="0"/>
+                <a:cs typeface="Consolas" pitchFamily="49" charset="0"/>
+              </a:rPr>
+              <a:t>	</a:t>
+            </a:r>
+            <a:r>
+              <a:rPr lang="en-US" sz="1200" dirty="0" smtClean="0">
+                <a:solidFill>
+                  <a:srgbClr val="0000FF"/>
+                </a:solidFill>
+                <a:latin typeface="Consolas" pitchFamily="49" charset="0"/>
+                <a:cs typeface="Consolas" pitchFamily="49" charset="0"/>
+              </a:rPr>
+              <a:t> while</a:t>
+            </a:r>
+            <a:r>
+              <a:rPr lang="en-US" sz="1200" dirty="0" smtClean="0">
+                <a:solidFill>
+                  <a:srgbClr val="000000"/>
+                </a:solidFill>
+                <a:latin typeface="Consolas" pitchFamily="49" charset="0"/>
+                <a:cs typeface="Consolas" pitchFamily="49" charset="0"/>
+              </a:rPr>
+              <a:t>(</a:t>
+            </a:r>
+            <a:r>
+              <a:rPr lang="en-US" sz="1200" dirty="0" err="1" smtClean="0">
+                <a:solidFill>
+                  <a:srgbClr val="000000"/>
+                </a:solidFill>
+                <a:latin typeface="Consolas" pitchFamily="49" charset="0"/>
+                <a:cs typeface="Consolas" pitchFamily="49" charset="0"/>
+              </a:rPr>
+              <a:t>reader.Read</a:t>
+            </a:r>
+            <a:r>
+              <a:rPr lang="en-US" sz="1200" dirty="0" smtClean="0">
+                <a:solidFill>
+                  <a:srgbClr val="000000"/>
+                </a:solidFill>
+                <a:latin typeface="Consolas" pitchFamily="49" charset="0"/>
+                <a:cs typeface="Consolas" pitchFamily="49" charset="0"/>
+              </a:rPr>
+              <a:t>())</a:t>
+            </a:r>
+          </a:p>
+          <a:p>
+            <a:pPr defTabSz="914400" fontAlgn="base">
+              <a:spcBef>
+                <a:spcPct val="0"/>
+              </a:spcBef>
+              <a:spcAft>
+                <a:spcPct val="0"/>
+              </a:spcAft>
+            </a:pPr>
+            <a:r>
+              <a:rPr lang="en-US" sz="1200" dirty="0" smtClean="0">
+                <a:solidFill>
+                  <a:srgbClr val="000000"/>
+                </a:solidFill>
+                <a:latin typeface="Consolas" pitchFamily="49" charset="0"/>
+                <a:cs typeface="Consolas" pitchFamily="49" charset="0"/>
+              </a:rPr>
+              <a:t>	{</a:t>
+            </a:r>
+          </a:p>
+          <a:p>
+            <a:pPr defTabSz="914400" fontAlgn="base">
+              <a:spcBef>
+                <a:spcPct val="0"/>
+              </a:spcBef>
+              <a:spcAft>
+                <a:spcPct val="0"/>
+              </a:spcAft>
+            </a:pPr>
+            <a:r>
+              <a:rPr lang="nb-NO" sz="1200" dirty="0" smtClean="0">
+                <a:solidFill>
+                  <a:srgbClr val="00B050"/>
+                </a:solidFill>
+                <a:latin typeface="Consolas" pitchFamily="49" charset="0"/>
+                <a:cs typeface="Consolas" pitchFamily="49" charset="0"/>
+              </a:rPr>
+              <a:t>		//for hver rad kan man hente ut kolonneverdiene med reader[kolonneId]</a:t>
+            </a:r>
+            <a:r>
+              <a:rPr lang="nb-NO" sz="1200" dirty="0" smtClean="0"/>
+              <a:t> </a:t>
+            </a:r>
+            <a:endParaRPr lang="en-US" sz="1200" dirty="0" smtClean="0">
+              <a:solidFill>
+                <a:srgbClr val="000000"/>
+              </a:solidFill>
+              <a:latin typeface="Consolas" pitchFamily="49" charset="0"/>
+              <a:cs typeface="Consolas" pitchFamily="49" charset="0"/>
+            </a:endParaRPr>
+          </a:p>
+          <a:p>
+            <a:pPr defTabSz="914400" fontAlgn="base">
+              <a:spcBef>
+                <a:spcPct val="0"/>
+              </a:spcBef>
+              <a:spcAft>
+                <a:spcPct val="0"/>
+              </a:spcAft>
+            </a:pPr>
+            <a:r>
+              <a:rPr lang="nb-NO" sz="1200" dirty="0" smtClean="0">
+                <a:solidFill>
+                  <a:srgbClr val="000000"/>
+                </a:solidFill>
+                <a:latin typeface="Consolas" pitchFamily="49" charset="0"/>
+                <a:cs typeface="Consolas" pitchFamily="49" charset="0"/>
+              </a:rPr>
+              <a:t>	}</a:t>
+            </a:r>
+            <a:endParaRPr lang="en-US" sz="1200" dirty="0" smtClean="0">
+              <a:solidFill>
+                <a:srgbClr val="000000"/>
+              </a:solidFill>
+              <a:latin typeface="Consolas" pitchFamily="49" charset="0"/>
+              <a:cs typeface="Consolas" pitchFamily="49" charset="0"/>
+            </a:endParaRPr>
+          </a:p>
+          <a:p>
+            <a:pPr marL="0" marR="0" lvl="0" indent="0" algn="l" defTabSz="914400" rtl="0" eaLnBrk="1" fontAlgn="base" latinLnBrk="0" hangingPunct="1">
+              <a:lnSpc>
+                <a:spcPct val="100000"/>
+              </a:lnSpc>
+              <a:spcBef>
+                <a:spcPct val="0"/>
+              </a:spcBef>
+              <a:spcAft>
+                <a:spcPct val="0"/>
+              </a:spcAft>
+              <a:buClrTx/>
+              <a:buSzTx/>
+              <a:buFontTx/>
+              <a:buNone/>
+              <a:tabLst/>
+            </a:pPr>
+            <a:r>
+              <a:rPr kumimoji="0" lang="en-US" sz="1200" b="0" i="0" u="none" strike="noStrike" cap="none" normalizeH="0" baseline="0" dirty="0" smtClean="0">
+                <a:ln>
+                  <a:noFill/>
+                </a:ln>
+                <a:solidFill>
+                  <a:srgbClr val="000000"/>
+                </a:solidFill>
+                <a:effectLst/>
+                <a:latin typeface="Consolas" pitchFamily="49" charset="0"/>
+                <a:cs typeface="Consolas" pitchFamily="49" charset="0"/>
+              </a:rPr>
+              <a:t>}</a:t>
+            </a:r>
+            <a:endParaRPr kumimoji="0" lang="en-US" sz="1200" b="0" i="0" u="none" strike="noStrike" cap="none" normalizeH="0" baseline="0" dirty="0" smtClean="0">
+              <a:ln>
+                <a:noFill/>
+              </a:ln>
+              <a:solidFill>
+                <a:schemeClr val="tx1"/>
+              </a:solidFill>
+              <a:effectLst/>
+              <a:latin typeface="Arial" pitchFamily="34" charset="0"/>
+              <a:cs typeface="Arial" pitchFamily="34" charset="0"/>
+            </a:endParaRPr>
+          </a:p>
+        </p:txBody>
+      </p:sp>
+      <p:sp>
+        <p:nvSpPr>
+          <p:cNvPr id="8" name="TextBox 7"/>
+          <p:cNvSpPr txBox="1"/>
+          <p:nvPr/>
+        </p:nvSpPr>
+        <p:spPr>
+          <a:xfrm>
+            <a:off x="321623" y="4690943"/>
+            <a:ext cx="8102827" cy="307777"/>
+          </a:xfrm>
+          <a:prstGeom prst="rect">
+            <a:avLst/>
+          </a:prstGeom>
+          <a:noFill/>
+        </p:spPr>
+        <p:txBody>
+          <a:bodyPr wrap="square" rtlCol="0">
+            <a:spAutoFit/>
+          </a:bodyPr>
+          <a:lstStyle/>
+          <a:p>
+            <a:pPr>
+              <a:spcBef>
+                <a:spcPts val="600"/>
+              </a:spcBef>
+              <a:spcAft>
+                <a:spcPts val="400"/>
+              </a:spcAft>
+            </a:pPr>
+            <a:r>
+              <a:rPr lang="nb-NO" sz="1400" dirty="0" smtClean="0"/>
+              <a:t>Hvis man ikke forventer data tilbake bruker man ExecuteNonQuery i stedet.</a:t>
+            </a:r>
+          </a:p>
+        </p:txBody>
+      </p:sp>
+      <p:sp>
+        <p:nvSpPr>
+          <p:cNvPr id="9" name="Rectangle 1"/>
+          <p:cNvSpPr>
+            <a:spLocks noChangeArrowheads="1"/>
+          </p:cNvSpPr>
+          <p:nvPr/>
+        </p:nvSpPr>
+        <p:spPr bwMode="auto">
+          <a:xfrm>
+            <a:off x="321623" y="5216235"/>
+            <a:ext cx="8102827" cy="276999"/>
+          </a:xfrm>
+          <a:prstGeom prst="rect">
+            <a:avLst/>
+          </a:prstGeom>
+          <a:solidFill>
+            <a:srgbClr val="FFFFFF"/>
+          </a:solidFill>
+          <a:ln w="9525">
+            <a:solidFill>
+              <a:schemeClr val="accent1"/>
+            </a:solidFill>
+            <a:miter lim="800000"/>
+            <a:headEnd/>
+            <a:tailEnd/>
+          </a:ln>
+          <a:effectLst/>
+        </p:spPr>
+        <p:txBody>
+          <a:bodyPr vert="horz" wrap="square" lIns="91440" tIns="45720" rIns="91440" bIns="45720" numCol="1" anchor="ctr" anchorCtr="0" compatLnSpc="1">
+            <a:prstTxWarp prst="textNoShape">
+              <a:avLst/>
+            </a:prstTxWarp>
+            <a:spAutoFit/>
+          </a:bodyPr>
+          <a:lstStyle/>
+          <a:p>
+            <a:pPr marL="0" marR="0" lvl="0" indent="0" algn="l" defTabSz="914400" rtl="0" eaLnBrk="1" fontAlgn="base" latinLnBrk="0" hangingPunct="1">
+              <a:lnSpc>
+                <a:spcPct val="100000"/>
+              </a:lnSpc>
+              <a:spcBef>
+                <a:spcPct val="0"/>
+              </a:spcBef>
+              <a:spcAft>
+                <a:spcPct val="0"/>
+              </a:spcAft>
+              <a:buClrTx/>
+              <a:buSzTx/>
+              <a:buFontTx/>
+              <a:buNone/>
+              <a:tabLst/>
+            </a:pPr>
+            <a:r>
+              <a:rPr kumimoji="0" lang="en-US" sz="1200" b="0" i="0" u="none" strike="noStrike" cap="none" normalizeH="0" baseline="0" dirty="0" err="1" smtClean="0">
+                <a:ln>
+                  <a:noFill/>
+                </a:ln>
+                <a:solidFill>
+                  <a:srgbClr val="000000"/>
+                </a:solidFill>
+                <a:effectLst/>
+                <a:latin typeface="Consolas" pitchFamily="49" charset="0"/>
+                <a:cs typeface="Consolas" pitchFamily="49" charset="0"/>
+              </a:rPr>
+              <a:t>command.ExecuteNonQuery</a:t>
+            </a:r>
+            <a:r>
+              <a:rPr lang="en-US" sz="1200" dirty="0" smtClean="0">
+                <a:solidFill>
+                  <a:srgbClr val="000000"/>
+                </a:solidFill>
+                <a:latin typeface="Consolas" pitchFamily="49" charset="0"/>
+                <a:cs typeface="Consolas" pitchFamily="49" charset="0"/>
+              </a:rPr>
+              <a:t>();</a:t>
+            </a:r>
+            <a:endParaRPr kumimoji="0" lang="en-US" sz="1200" b="0" i="0" u="none" strike="noStrike" cap="none" normalizeH="0" baseline="0" dirty="0" smtClean="0">
+              <a:ln>
+                <a:noFill/>
+              </a:ln>
+              <a:solidFill>
+                <a:srgbClr val="000000"/>
+              </a:solidFill>
+              <a:effectLst/>
+              <a:latin typeface="Consolas" pitchFamily="49" charset="0"/>
+              <a:cs typeface="Consolas" pitchFamily="49" charset="0"/>
+            </a:endParaRPr>
+          </a:p>
+        </p:txBody>
+      </p:sp>
+    </p:spTree>
+  </p:cSld>
+  <p:clrMapOvr>
+    <a:masterClrMapping/>
+  </p:clrMapOvr>
+  <p:transition>
+    <p:fade thruBlk="1"/>
+  </p:transition>
+</p:sld>
+</file>
+
+<file path=ppt/slides/slide8.xml><?xml version="1.0" encoding="utf-8"?>
 <p:sld xmlns:a="http://schemas.openxmlformats.org/drawingml/2006/main" xmlns:r="http://schemas.openxmlformats.org/officeDocument/2006/relationships" xmlns:p="http://schemas.openxmlformats.org/presentationml/2006/main">
   <p:cSld>
     <p:bg>
@@ -12430,7 +15968,7 @@
                 </a:solidFill>
               </a:rPr>
               <a:pPr/>
-              <a:t>6</a:t>
+              <a:t>8</a:t>
             </a:fld>
             <a:endParaRPr lang="en-US" dirty="0">
               <a:solidFill>
@@ -12449,7 +15987,7 @@
         <p:spPr>
           <a:xfrm>
             <a:off x="321623" y="935335"/>
-            <a:ext cx="8102827" cy="3970318"/>
+            <a:ext cx="8102827" cy="5539978"/>
           </a:xfrm>
           <a:prstGeom prst="rect">
             <a:avLst/>
@@ -12544,15 +16082,7 @@
                   <a:schemeClr val="bg1"/>
                 </a:solidFill>
               </a:rPr>
-              <a:t>  </a:t>
-            </a:r>
-            <a:r>
-              <a:rPr lang="nb-NO" dirty="0" smtClean="0">
-                <a:solidFill>
-                  <a:schemeClr val="bg1"/>
-                </a:solidFill>
-              </a:rPr>
-              <a:t>i datakilden som er lagt opp. Legg også inn et par rader i denne tabellen slik at vi har noe å teste mot.</a:t>
+              <a:t>  i datakilden som er lagt opp. Legg også inn et par rader i denne tabellen slik at vi har noe å teste mot.</a:t>
             </a:r>
           </a:p>
           <a:p>
@@ -12601,40 +16131,94 @@
                   <a:schemeClr val="bg1"/>
                 </a:solidFill>
               </a:rPr>
-              <a:t>	</a:t>
-            </a:r>
+              <a:t>	SELECT FirstName, LastName, Email FROM Person WHERE Id =@Id</a:t>
+            </a:r>
+          </a:p>
+          <a:p>
+            <a:pPr algn="just"/>
             <a:r>
               <a:rPr lang="nb-NO" dirty="0" smtClean="0">
                 <a:solidFill>
                   <a:schemeClr val="bg1"/>
                 </a:solidFill>
               </a:rPr>
-              <a:t>SELECT FirstName, LastName, Email FROM Person WHERE Id =@Id</a:t>
+              <a:t>	UPDATE Person SET Email=@email WHERE Id=@Id</a:t>
             </a:r>
           </a:p>
           <a:p>
             <a:pPr algn="just"/>
-            <a:r>
-              <a:rPr lang="nb-NO" dirty="0" smtClean="0">
-                <a:solidFill>
-                  <a:schemeClr val="bg1"/>
-                </a:solidFill>
-              </a:rPr>
-              <a:t>	</a:t>
-            </a:r>
-            <a:r>
-              <a:rPr lang="nb-NO" dirty="0" smtClean="0">
-                <a:solidFill>
-                  <a:schemeClr val="bg1"/>
-                </a:solidFill>
-              </a:rPr>
-              <a:t>UPDATE Person SET Email=@email WHERE Id=@Id</a:t>
-            </a:r>
             <a:endParaRPr lang="nb-NO" dirty="0" smtClean="0">
               <a:solidFill>
                 <a:schemeClr val="bg1"/>
               </a:solidFill>
             </a:endParaRPr>
+          </a:p>
+          <a:p>
+            <a:pPr algn="just"/>
+            <a:endParaRPr lang="nb-NO" sz="1200" i="1" dirty="0" smtClean="0">
+              <a:solidFill>
+                <a:schemeClr val="bg1"/>
+              </a:solidFill>
+            </a:endParaRPr>
+          </a:p>
+          <a:p>
+            <a:pPr algn="just"/>
+            <a:endParaRPr lang="nb-NO" sz="1200" i="1" dirty="0" smtClean="0">
+              <a:solidFill>
+                <a:schemeClr val="bg1"/>
+              </a:solidFill>
+            </a:endParaRPr>
+          </a:p>
+          <a:p>
+            <a:pPr algn="just"/>
+            <a:endParaRPr lang="nb-NO" sz="1200" i="1" dirty="0" smtClean="0">
+              <a:solidFill>
+                <a:schemeClr val="bg1"/>
+              </a:solidFill>
+            </a:endParaRPr>
+          </a:p>
+          <a:p>
+            <a:pPr algn="just"/>
+            <a:endParaRPr lang="nb-NO" sz="1200" i="1" dirty="0" smtClean="0">
+              <a:solidFill>
+                <a:schemeClr val="bg1"/>
+              </a:solidFill>
+            </a:endParaRPr>
+          </a:p>
+          <a:p>
+            <a:pPr algn="just"/>
+            <a:endParaRPr lang="nb-NO" sz="1200" i="1" dirty="0" smtClean="0">
+              <a:solidFill>
+                <a:schemeClr val="bg1"/>
+              </a:solidFill>
+            </a:endParaRPr>
+          </a:p>
+          <a:p>
+            <a:pPr algn="just"/>
+            <a:r>
+              <a:rPr lang="nb-NO" sz="1200" i="1" dirty="0" smtClean="0">
+                <a:solidFill>
+                  <a:schemeClr val="bg1"/>
+                </a:solidFill>
+              </a:rPr>
+              <a:t>Hint: For å benytte seg av paramter til en SQL-spørring sjekk ut </a:t>
+            </a:r>
+            <a:r>
+              <a:rPr lang="nb-NO" sz="1200" b="1" i="1" dirty="0" smtClean="0">
+                <a:solidFill>
+                  <a:schemeClr val="bg1"/>
+                </a:solidFill>
+              </a:rPr>
+              <a:t>Paramters</a:t>
+            </a:r>
+            <a:r>
+              <a:rPr lang="nb-NO" sz="1200" i="1" dirty="0" smtClean="0">
+                <a:solidFill>
+                  <a:schemeClr val="bg1"/>
+                </a:solidFill>
+              </a:rPr>
+              <a:t> egenskapen som ligger på en SqlCommand.</a:t>
+            </a:r>
           </a:p>
         </p:txBody>
       </p:sp>

--- a/persistingData/persistingData.pptx
+++ b/persistingData/persistingData.pptx
@@ -5,10 +5,10 @@
     <p:sldMasterId id="2147483648" r:id="rId1"/>
   </p:sldMasterIdLst>
   <p:notesMasterIdLst>
-    <p:notesMasterId r:id="rId10"/>
+    <p:notesMasterId r:id="rId13"/>
   </p:notesMasterIdLst>
   <p:handoutMasterIdLst>
-    <p:handoutMasterId r:id="rId11"/>
+    <p:handoutMasterId r:id="rId14"/>
   </p:handoutMasterIdLst>
   <p:sldIdLst>
     <p:sldId id="256" r:id="rId2"/>
@@ -19,6 +19,9 @@
     <p:sldId id="268" r:id="rId7"/>
     <p:sldId id="269" r:id="rId8"/>
     <p:sldId id="271" r:id="rId9"/>
+    <p:sldId id="276" r:id="rId10"/>
+    <p:sldId id="275" r:id="rId11"/>
+    <p:sldId id="277" r:id="rId12"/>
   </p:sldIdLst>
   <p:sldSz cx="9144000" cy="6858000" type="screen4x3"/>
   <p:notesSz cx="6858000" cy="9144000"/>
@@ -145,7 +148,7 @@
     </p:spTree>
     <p:extLst>
       <p:ext uri="{BB962C8B-B14F-4D97-AF65-F5344CB8AC3E}">
-        <p14:creationId xmlns:p14="http://schemas.microsoft.com/office/powerpoint/2010/main" xmlns="" val="2280443481"/>
+        <p14:creationId xmlns="" xmlns:p14="http://schemas.microsoft.com/office/powerpoint/2010/main" val="2280443481"/>
       </p:ext>
     </p:extLst>
   </p:cSld>
@@ -315,7 +318,7 @@
     </p:spTree>
     <p:extLst>
       <p:ext uri="{BB962C8B-B14F-4D97-AF65-F5344CB8AC3E}">
-        <p14:creationId xmlns:p14="http://schemas.microsoft.com/office/powerpoint/2010/main" xmlns="" val="1996866432"/>
+        <p14:creationId xmlns="" xmlns:p14="http://schemas.microsoft.com/office/powerpoint/2010/main" val="1996866432"/>
       </p:ext>
     </p:extLst>
   </p:cSld>
@@ -635,6 +638,69 @@
 </p:notes>
 </file>
 
+<file path=ppt/notesSlides/notesSlide4.xml><?xml version="1.0" encoding="utf-8"?>
+<p:notes xmlns:a="http://schemas.openxmlformats.org/drawingml/2006/main" xmlns:r="http://schemas.openxmlformats.org/officeDocument/2006/relationships" xmlns:p="http://schemas.openxmlformats.org/presentationml/2006/main">
+  <p:cSld>
+    <p:spTree>
+      <p:nvGrpSpPr>
+        <p:cNvPr id="1" name=""/>
+        <p:cNvGrpSpPr/>
+        <p:nvPr/>
+      </p:nvGrpSpPr>
+      <p:grpSpPr>
+        <a:xfrm>
+          <a:off x="0" y="0"/>
+          <a:ext cx="0" cy="0"/>
+          <a:chOff x="0" y="0"/>
+          <a:chExt cx="0" cy="0"/>
+        </a:xfrm>
+      </p:grpSpPr>
+      <p:sp>
+        <p:nvSpPr>
+          <p:cNvPr id="2" name="Slide Image Placeholder 1"/>
+          <p:cNvSpPr>
+            <a:spLocks noGrp="1" noRot="1" noChangeAspect="1"/>
+          </p:cNvSpPr>
+          <p:nvPr>
+            <p:ph type="sldImg"/>
+          </p:nvPr>
+        </p:nvSpPr>
+        <p:spPr>
+          <a:xfrm>
+            <a:off x="827088" y="592138"/>
+            <a:ext cx="5226050" cy="3919537"/>
+          </a:xfrm>
+        </p:spPr>
+      </p:sp>
+      <p:sp>
+        <p:nvSpPr>
+          <p:cNvPr id="3" name="Notes Placeholder 2"/>
+          <p:cNvSpPr>
+            <a:spLocks noGrp="1"/>
+          </p:cNvSpPr>
+          <p:nvPr>
+            <p:ph type="body" idx="1"/>
+          </p:nvPr>
+        </p:nvSpPr>
+        <p:spPr/>
+        <p:txBody>
+          <a:bodyPr>
+            <a:normAutofit/>
+          </a:bodyPr>
+          <a:lstStyle/>
+          <a:p>
+            <a:endParaRPr lang="en-US" dirty="0"/>
+          </a:p>
+        </p:txBody>
+      </p:sp>
+    </p:spTree>
+  </p:cSld>
+  <p:clrMapOvr>
+    <a:masterClrMapping/>
+  </p:clrMapOvr>
+</p:notes>
+</file>
+
 <file path=ppt/slideLayouts/slideLayout1.xml><?xml version="1.0" encoding="utf-8"?>
 <p:sldLayout xmlns:a="http://schemas.openxmlformats.org/drawingml/2006/main" xmlns:r="http://schemas.openxmlformats.org/officeDocument/2006/relationships" xmlns:p="http://schemas.openxmlformats.org/presentationml/2006/main" showMasterSp="0" preserve="1" userDrawn="1">
   <p:cSld name="Forside-hvit">
@@ -1061,7 +1127,7 @@
     </p:spTree>
     <p:extLst>
       <p:ext uri="{BB962C8B-B14F-4D97-AF65-F5344CB8AC3E}">
-        <p14:creationId xmlns:p14="http://schemas.microsoft.com/office/powerpoint/2010/main" xmlns="" val="1631701370"/>
+        <p14:creationId xmlns="" xmlns:p14="http://schemas.microsoft.com/office/powerpoint/2010/main" val="1631701370"/>
       </p:ext>
     </p:extLst>
   </p:cSld>
@@ -1382,7 +1448,7 @@
     </p:spTree>
     <p:extLst>
       <p:ext uri="{BB962C8B-B14F-4D97-AF65-F5344CB8AC3E}">
-        <p14:creationId xmlns:p14="http://schemas.microsoft.com/office/powerpoint/2010/main" xmlns="" val="2627694574"/>
+        <p14:creationId xmlns="" xmlns:p14="http://schemas.microsoft.com/office/powerpoint/2010/main" val="2627694574"/>
       </p:ext>
     </p:extLst>
   </p:cSld>
@@ -1701,7 +1767,7 @@
     </p:spTree>
     <p:extLst>
       <p:ext uri="{BB962C8B-B14F-4D97-AF65-F5344CB8AC3E}">
-        <p14:creationId xmlns:p14="http://schemas.microsoft.com/office/powerpoint/2010/main" xmlns="" val="2472564093"/>
+        <p14:creationId xmlns="" xmlns:p14="http://schemas.microsoft.com/office/powerpoint/2010/main" val="2472564093"/>
       </p:ext>
     </p:extLst>
   </p:cSld>
@@ -2186,7 +2252,7 @@
     </p:spTree>
     <p:extLst>
       <p:ext uri="{BB962C8B-B14F-4D97-AF65-F5344CB8AC3E}">
-        <p14:creationId xmlns:p14="http://schemas.microsoft.com/office/powerpoint/2010/main" xmlns="" val="844442129"/>
+        <p14:creationId xmlns="" xmlns:p14="http://schemas.microsoft.com/office/powerpoint/2010/main" val="844442129"/>
       </p:ext>
     </p:extLst>
   </p:cSld>
@@ -2516,7 +2582,7 @@
     </p:spTree>
     <p:extLst>
       <p:ext uri="{BB962C8B-B14F-4D97-AF65-F5344CB8AC3E}">
-        <p14:creationId xmlns:p14="http://schemas.microsoft.com/office/powerpoint/2010/main" xmlns="" val="1607786633"/>
+        <p14:creationId xmlns="" xmlns:p14="http://schemas.microsoft.com/office/powerpoint/2010/main" val="1607786633"/>
       </p:ext>
     </p:extLst>
   </p:cSld>
@@ -2846,7 +2912,7 @@
     </p:spTree>
     <p:extLst>
       <p:ext uri="{BB962C8B-B14F-4D97-AF65-F5344CB8AC3E}">
-        <p14:creationId xmlns:p14="http://schemas.microsoft.com/office/powerpoint/2010/main" xmlns="" val="3400319444"/>
+        <p14:creationId xmlns="" xmlns:p14="http://schemas.microsoft.com/office/powerpoint/2010/main" val="3400319444"/>
       </p:ext>
     </p:extLst>
   </p:cSld>
@@ -4716,7 +4782,7 @@
     </p:spTree>
     <p:extLst>
       <p:ext uri="{BB962C8B-B14F-4D97-AF65-F5344CB8AC3E}">
-        <p14:creationId xmlns:p14="http://schemas.microsoft.com/office/powerpoint/2010/main" xmlns="" val="1273682958"/>
+        <p14:creationId xmlns="" xmlns:p14="http://schemas.microsoft.com/office/powerpoint/2010/main" val="1273682958"/>
       </p:ext>
     </p:extLst>
   </p:cSld>
@@ -4821,7 +4887,7 @@
     </p:spTree>
     <p:extLst>
       <p:ext uri="{BB962C8B-B14F-4D97-AF65-F5344CB8AC3E}">
-        <p14:creationId xmlns:p14="http://schemas.microsoft.com/office/powerpoint/2010/main" xmlns="" val="3654216826"/>
+        <p14:creationId xmlns="" xmlns:p14="http://schemas.microsoft.com/office/powerpoint/2010/main" val="3654216826"/>
       </p:ext>
     </p:extLst>
   </p:cSld>
@@ -5077,7 +5143,7 @@
     </p:spTree>
     <p:extLst>
       <p:ext uri="{BB962C8B-B14F-4D97-AF65-F5344CB8AC3E}">
-        <p14:creationId xmlns:p14="http://schemas.microsoft.com/office/powerpoint/2010/main" xmlns="" val="2837040887"/>
+        <p14:creationId xmlns="" xmlns:p14="http://schemas.microsoft.com/office/powerpoint/2010/main" val="2837040887"/>
       </p:ext>
     </p:extLst>
   </p:cSld>
@@ -5110,7 +5176,7 @@
     </p:spTree>
     <p:extLst>
       <p:ext uri="{BB962C8B-B14F-4D97-AF65-F5344CB8AC3E}">
-        <p14:creationId xmlns:p14="http://schemas.microsoft.com/office/powerpoint/2010/main" xmlns="" val="3283581558"/>
+        <p14:creationId xmlns="" xmlns:p14="http://schemas.microsoft.com/office/powerpoint/2010/main" val="3283581558"/>
       </p:ext>
     </p:extLst>
   </p:cSld>
@@ -5424,7 +5490,7 @@
     </p:spTree>
     <p:extLst>
       <p:ext uri="{BB962C8B-B14F-4D97-AF65-F5344CB8AC3E}">
-        <p14:creationId xmlns:p14="http://schemas.microsoft.com/office/powerpoint/2010/main" xmlns="" val="3151533342"/>
+        <p14:creationId xmlns="" xmlns:p14="http://schemas.microsoft.com/office/powerpoint/2010/main" val="3151533342"/>
       </p:ext>
     </p:extLst>
   </p:cSld>
@@ -5567,7 +5633,7 @@
     </p:spTree>
     <p:extLst>
       <p:ext uri="{BB962C8B-B14F-4D97-AF65-F5344CB8AC3E}">
-        <p14:creationId xmlns:p14="http://schemas.microsoft.com/office/powerpoint/2010/main" xmlns="" val="894352273"/>
+        <p14:creationId xmlns="" xmlns:p14="http://schemas.microsoft.com/office/powerpoint/2010/main" val="894352273"/>
       </p:ext>
     </p:extLst>
   </p:cSld>
@@ -5733,7 +5799,7 @@
     </p:spTree>
     <p:extLst>
       <p:ext uri="{BB962C8B-B14F-4D97-AF65-F5344CB8AC3E}">
-        <p14:creationId xmlns:p14="http://schemas.microsoft.com/office/powerpoint/2010/main" xmlns="" val="351067674"/>
+        <p14:creationId xmlns="" xmlns:p14="http://schemas.microsoft.com/office/powerpoint/2010/main" val="351067674"/>
       </p:ext>
     </p:extLst>
   </p:cSld>
@@ -6053,7 +6119,7 @@
     </p:spTree>
     <p:extLst>
       <p:ext uri="{BB962C8B-B14F-4D97-AF65-F5344CB8AC3E}">
-        <p14:creationId xmlns:p14="http://schemas.microsoft.com/office/powerpoint/2010/main" xmlns="" val="3938044995"/>
+        <p14:creationId xmlns="" xmlns:p14="http://schemas.microsoft.com/office/powerpoint/2010/main" val="3938044995"/>
       </p:ext>
     </p:extLst>
   </p:cSld>
@@ -6639,7 +6705,7 @@
     </p:spTree>
     <p:extLst>
       <p:ext uri="{BB962C8B-B14F-4D97-AF65-F5344CB8AC3E}">
-        <p14:creationId xmlns:p14="http://schemas.microsoft.com/office/powerpoint/2010/main" xmlns="" val="3192118728"/>
+        <p14:creationId xmlns="" xmlns:p14="http://schemas.microsoft.com/office/powerpoint/2010/main" val="3192118728"/>
       </p:ext>
     </p:extLst>
   </p:cSld>
@@ -7037,7 +7103,7 @@
     </p:spTree>
     <p:extLst>
       <p:ext uri="{BB962C8B-B14F-4D97-AF65-F5344CB8AC3E}">
-        <p14:creationId xmlns:p14="http://schemas.microsoft.com/office/powerpoint/2010/main" xmlns="" val="2190527855"/>
+        <p14:creationId xmlns="" xmlns:p14="http://schemas.microsoft.com/office/powerpoint/2010/main" val="2190527855"/>
       </p:ext>
     </p:extLst>
   </p:cSld>
@@ -7834,7 +7900,7 @@
     </p:spTree>
     <p:extLst>
       <p:ext uri="{BB962C8B-B14F-4D97-AF65-F5344CB8AC3E}">
-        <p14:creationId xmlns:p14="http://schemas.microsoft.com/office/powerpoint/2010/main" xmlns="" val="69886873"/>
+        <p14:creationId xmlns="" xmlns:p14="http://schemas.microsoft.com/office/powerpoint/2010/main" val="69886873"/>
       </p:ext>
     </p:extLst>
   </p:cSld>
@@ -8925,7 +8991,7 @@
     </p:spTree>
     <p:extLst>
       <p:ext uri="{BB962C8B-B14F-4D97-AF65-F5344CB8AC3E}">
-        <p14:creationId xmlns:p14="http://schemas.microsoft.com/office/powerpoint/2010/main" xmlns="" val="593901232"/>
+        <p14:creationId xmlns="" xmlns:p14="http://schemas.microsoft.com/office/powerpoint/2010/main" val="593901232"/>
       </p:ext>
     </p:extLst>
   </p:cSld>
@@ -9181,7 +9247,7 @@
     </p:spTree>
     <p:extLst>
       <p:ext uri="{BB962C8B-B14F-4D97-AF65-F5344CB8AC3E}">
-        <p14:creationId xmlns:p14="http://schemas.microsoft.com/office/powerpoint/2010/main" xmlns="" val="925662914"/>
+        <p14:creationId xmlns="" xmlns:p14="http://schemas.microsoft.com/office/powerpoint/2010/main" val="925662914"/>
       </p:ext>
     </p:extLst>
   </p:cSld>
@@ -9423,7 +9489,7 @@
     </p:spTree>
     <p:extLst>
       <p:ext uri="{BB962C8B-B14F-4D97-AF65-F5344CB8AC3E}">
-        <p14:creationId xmlns:p14="http://schemas.microsoft.com/office/powerpoint/2010/main" xmlns="" val="2463004899"/>
+        <p14:creationId xmlns="" xmlns:p14="http://schemas.microsoft.com/office/powerpoint/2010/main" val="2463004899"/>
       </p:ext>
     </p:extLst>
   </p:cSld>
@@ -9853,9 +9919,606 @@
     </p:spTree>
     <p:extLst>
       <p:ext uri="{BB962C8B-B14F-4D97-AF65-F5344CB8AC3E}">
-        <p14:creationId xmlns:p14="http://schemas.microsoft.com/office/powerpoint/2010/main" xmlns="" val="1193520387"/>
+        <p14:creationId xmlns="" xmlns:p14="http://schemas.microsoft.com/office/powerpoint/2010/main" val="1193520387"/>
       </p:ext>
     </p:extLst>
+  </p:cSld>
+  <p:clrMapOvr>
+    <a:masterClrMapping/>
+  </p:clrMapOvr>
+  <p:transition>
+    <p:fade thruBlk="1"/>
+  </p:transition>
+  <p:timing>
+    <p:tnLst>
+      <p:par>
+        <p:cTn id="1" dur="indefinite" restart="never" nodeType="tmRoot"/>
+      </p:par>
+    </p:tnLst>
+  </p:timing>
+</p:sld>
+</file>
+
+<file path=ppt/slides/slide10.xml><?xml version="1.0" encoding="utf-8"?>
+<p:sld xmlns:a="http://schemas.openxmlformats.org/drawingml/2006/main" xmlns:r="http://schemas.openxmlformats.org/officeDocument/2006/relationships" xmlns:p="http://schemas.openxmlformats.org/presentationml/2006/main">
+  <p:cSld>
+    <p:spTree>
+      <p:nvGrpSpPr>
+        <p:cNvPr id="1" name=""/>
+        <p:cNvGrpSpPr/>
+        <p:nvPr/>
+      </p:nvGrpSpPr>
+      <p:grpSpPr>
+        <a:xfrm>
+          <a:off x="0" y="0"/>
+          <a:ext cx="0" cy="0"/>
+          <a:chOff x="0" y="0"/>
+          <a:chExt cx="0" cy="0"/>
+        </a:xfrm>
+      </p:grpSpPr>
+      <p:sp>
+        <p:nvSpPr>
+          <p:cNvPr id="2" name="Title 1"/>
+          <p:cNvSpPr>
+            <a:spLocks noGrp="1"/>
+          </p:cNvSpPr>
+          <p:nvPr>
+            <p:ph type="title"/>
+          </p:nvPr>
+        </p:nvSpPr>
+        <p:spPr>
+          <a:xfrm>
+            <a:off x="321623" y="418905"/>
+            <a:ext cx="1678345" cy="307777"/>
+          </a:xfrm>
+        </p:spPr>
+        <p:txBody>
+          <a:bodyPr/>
+          <a:lstStyle/>
+          <a:p>
+            <a:r>
+              <a:rPr lang="nb-NO" dirty="0" smtClean="0"/>
+              <a:t>Microorm</a:t>
+            </a:r>
+            <a:endParaRPr lang="en-US" dirty="0"/>
+          </a:p>
+        </p:txBody>
+      </p:sp>
+      <p:sp>
+        <p:nvSpPr>
+          <p:cNvPr id="3" name="Slide Number Placeholder 2"/>
+          <p:cNvSpPr>
+            <a:spLocks noGrp="1"/>
+          </p:cNvSpPr>
+          <p:nvPr>
+            <p:ph type="sldNum" sz="quarter" idx="10"/>
+          </p:nvPr>
+        </p:nvSpPr>
+        <p:spPr/>
+        <p:txBody>
+          <a:bodyPr/>
+          <a:lstStyle/>
+          <a:p>
+            <a:fld id="{FF67BF5B-7344-D747-A0C2-CBD7B2ACBC85}" type="slidenum">
+              <a:rPr lang="en-US" smtClean="0"/>
+              <a:pPr/>
+              <a:t>10</a:t>
+            </a:fld>
+            <a:endParaRPr lang="en-US" dirty="0"/>
+          </a:p>
+        </p:txBody>
+      </p:sp>
+      <p:pic>
+        <p:nvPicPr>
+          <p:cNvPr id="1026" name="Picture 2" descr="Logo"/>
+          <p:cNvPicPr>
+            <a:picLocks noChangeAspect="1" noChangeArrowheads="1"/>
+          </p:cNvPicPr>
+          <p:nvPr/>
+        </p:nvPicPr>
+        <p:blipFill>
+          <a:blip r:embed="rId2"/>
+          <a:srcRect/>
+          <a:stretch>
+            <a:fillRect/>
+          </a:stretch>
+        </p:blipFill>
+        <p:spPr bwMode="auto">
+          <a:xfrm>
+            <a:off x="499873" y="3837181"/>
+            <a:ext cx="457200" cy="457200"/>
+          </a:xfrm>
+          <a:prstGeom prst="rect">
+            <a:avLst/>
+          </a:prstGeom>
+          <a:noFill/>
+        </p:spPr>
+      </p:pic>
+      <p:sp>
+        <p:nvSpPr>
+          <p:cNvPr id="6" name="TextBox 5"/>
+          <p:cNvSpPr txBox="1"/>
+          <p:nvPr/>
+        </p:nvSpPr>
+        <p:spPr>
+          <a:xfrm>
+            <a:off x="992741" y="3924642"/>
+            <a:ext cx="2529860" cy="615553"/>
+          </a:xfrm>
+          <a:prstGeom prst="rect">
+            <a:avLst/>
+          </a:prstGeom>
+          <a:noFill/>
+        </p:spPr>
+        <p:txBody>
+          <a:bodyPr wrap="none" rtlCol="0">
+            <a:spAutoFit/>
+          </a:bodyPr>
+          <a:lstStyle/>
+          <a:p>
+            <a:pPr>
+              <a:spcBef>
+                <a:spcPts val="600"/>
+              </a:spcBef>
+              <a:spcAft>
+                <a:spcPts val="400"/>
+              </a:spcAft>
+            </a:pPr>
+            <a:r>
+              <a:rPr lang="nb-NO" sz="2400" dirty="0" smtClean="0">
+                <a:solidFill>
+                  <a:schemeClr val="accent1"/>
+                </a:solidFill>
+              </a:rPr>
+              <a:t>dapper-dot-net</a:t>
+            </a:r>
+            <a:r>
+              <a:rPr lang="en-US" sz="2400" dirty="0" smtClean="0">
+                <a:solidFill>
+                  <a:schemeClr val="accent1"/>
+                </a:solidFill>
+              </a:rPr>
+              <a:t/>
+            </a:r>
+            <a:br>
+              <a:rPr lang="en-US" sz="2400" dirty="0" smtClean="0">
+                <a:solidFill>
+                  <a:schemeClr val="accent1"/>
+                </a:solidFill>
+              </a:rPr>
+            </a:br>
+            <a:r>
+              <a:rPr lang="en-US" sz="1000" dirty="0" smtClean="0">
+                <a:solidFill>
+                  <a:schemeClr val="accent1"/>
+                </a:solidFill>
+              </a:rPr>
+              <a:t>Simple SQL Object </a:t>
+            </a:r>
+            <a:r>
+              <a:rPr lang="en-US" sz="1000" dirty="0" err="1" smtClean="0">
+                <a:solidFill>
+                  <a:schemeClr val="accent1"/>
+                </a:solidFill>
+              </a:rPr>
+              <a:t>Mapper</a:t>
+            </a:r>
+            <a:r>
+              <a:rPr lang="en-US" sz="1000" dirty="0" smtClean="0">
+                <a:solidFill>
+                  <a:schemeClr val="accent1"/>
+                </a:solidFill>
+              </a:rPr>
+              <a:t> for ADO.NET</a:t>
+            </a:r>
+            <a:endParaRPr lang="nb-NO" sz="1000" dirty="0" smtClean="0">
+              <a:solidFill>
+                <a:schemeClr val="accent1"/>
+              </a:solidFill>
+            </a:endParaRPr>
+          </a:p>
+        </p:txBody>
+      </p:sp>
+      <p:sp>
+        <p:nvSpPr>
+          <p:cNvPr id="7" name="TextBox 6"/>
+          <p:cNvSpPr txBox="1"/>
+          <p:nvPr/>
+        </p:nvSpPr>
+        <p:spPr>
+          <a:xfrm>
+            <a:off x="321623" y="999450"/>
+            <a:ext cx="8102827" cy="2026196"/>
+          </a:xfrm>
+          <a:prstGeom prst="rect">
+            <a:avLst/>
+          </a:prstGeom>
+          <a:noFill/>
+        </p:spPr>
+        <p:txBody>
+          <a:bodyPr wrap="square" rtlCol="0">
+            <a:spAutoFit/>
+          </a:bodyPr>
+          <a:lstStyle/>
+          <a:p>
+            <a:pPr>
+              <a:spcBef>
+                <a:spcPts val="600"/>
+              </a:spcBef>
+              <a:spcAft>
+                <a:spcPts val="400"/>
+              </a:spcAft>
+              <a:buFont typeface="Wingdings" pitchFamily="2" charset="2"/>
+              <a:buChar char="ü"/>
+            </a:pPr>
+            <a:r>
+              <a:rPr lang="nb-NO" sz="1400" dirty="0" smtClean="0"/>
+              <a:t> Enkelhet</a:t>
+            </a:r>
+          </a:p>
+          <a:p>
+            <a:pPr>
+              <a:spcBef>
+                <a:spcPts val="600"/>
+              </a:spcBef>
+              <a:spcAft>
+                <a:spcPts val="400"/>
+              </a:spcAft>
+              <a:buFont typeface="Wingdings" pitchFamily="2" charset="2"/>
+              <a:buChar char="ü"/>
+            </a:pPr>
+            <a:r>
+              <a:rPr lang="nb-NO" sz="1400" dirty="0" smtClean="0"/>
+              <a:t> </a:t>
+            </a:r>
+            <a:r>
+              <a:rPr lang="nb-NO" sz="1400" dirty="0" smtClean="0"/>
+              <a:t>Open-source</a:t>
+            </a:r>
+          </a:p>
+          <a:p>
+            <a:pPr>
+              <a:spcBef>
+                <a:spcPts val="600"/>
+              </a:spcBef>
+              <a:spcAft>
+                <a:spcPts val="400"/>
+              </a:spcAft>
+              <a:buFont typeface="Wingdings" pitchFamily="2" charset="2"/>
+              <a:buChar char="ü"/>
+            </a:pPr>
+            <a:r>
+              <a:rPr lang="nb-NO" sz="1400" dirty="0" smtClean="0"/>
+              <a:t> </a:t>
+            </a:r>
+            <a:r>
+              <a:rPr lang="nb-NO" sz="1400" dirty="0" smtClean="0"/>
+              <a:t>Single-file</a:t>
+            </a:r>
+          </a:p>
+          <a:p>
+            <a:pPr>
+              <a:spcBef>
+                <a:spcPts val="600"/>
+              </a:spcBef>
+              <a:spcAft>
+                <a:spcPts val="400"/>
+              </a:spcAft>
+              <a:buFont typeface="Wingdings" pitchFamily="2" charset="2"/>
+              <a:buChar char="ü"/>
+            </a:pPr>
+            <a:r>
+              <a:rPr lang="nb-NO" sz="1400" dirty="0" smtClean="0"/>
+              <a:t> </a:t>
+            </a:r>
+            <a:r>
+              <a:rPr lang="nb-NO" sz="1400" dirty="0" smtClean="0"/>
+              <a:t>Ytelse i fokus</a:t>
+            </a:r>
+          </a:p>
+          <a:p>
+            <a:pPr>
+              <a:spcBef>
+                <a:spcPts val="600"/>
+              </a:spcBef>
+              <a:spcAft>
+                <a:spcPts val="400"/>
+              </a:spcAft>
+              <a:buFont typeface="Wingdings" pitchFamily="2" charset="2"/>
+              <a:buChar char="ü"/>
+            </a:pPr>
+            <a:r>
+              <a:rPr lang="nb-NO" sz="1400" dirty="0" smtClean="0"/>
+              <a:t> </a:t>
+            </a:r>
+            <a:r>
+              <a:rPr lang="nb-NO" sz="1400" dirty="0" smtClean="0"/>
+              <a:t>Ren SQL</a:t>
+            </a:r>
+          </a:p>
+          <a:p>
+            <a:pPr>
+              <a:spcBef>
+                <a:spcPts val="600"/>
+              </a:spcBef>
+              <a:spcAft>
+                <a:spcPts val="400"/>
+              </a:spcAft>
+              <a:buFont typeface="Wingdings" pitchFamily="2" charset="2"/>
+              <a:buChar char="ü"/>
+            </a:pPr>
+            <a:endParaRPr lang="nb-NO" sz="1400" dirty="0" smtClean="0"/>
+          </a:p>
+        </p:txBody>
+      </p:sp>
+    </p:spTree>
+  </p:cSld>
+  <p:clrMapOvr>
+    <a:masterClrMapping/>
+  </p:clrMapOvr>
+  <p:transition>
+    <p:fade thruBlk="1"/>
+  </p:transition>
+</p:sld>
+</file>
+
+<file path=ppt/slides/slide11.xml><?xml version="1.0" encoding="utf-8"?>
+<p:sld xmlns:a="http://schemas.openxmlformats.org/drawingml/2006/main" xmlns:r="http://schemas.openxmlformats.org/officeDocument/2006/relationships" xmlns:p="http://schemas.openxmlformats.org/presentationml/2006/main">
+  <p:cSld>
+    <p:bg>
+      <p:bgPr>
+        <a:solidFill>
+          <a:schemeClr val="accent1"/>
+        </a:solidFill>
+        <a:effectLst/>
+      </p:bgPr>
+    </p:bg>
+    <p:spTree>
+      <p:nvGrpSpPr>
+        <p:cNvPr id="1" name=""/>
+        <p:cNvGrpSpPr/>
+        <p:nvPr/>
+      </p:nvGrpSpPr>
+      <p:grpSpPr>
+        <a:xfrm>
+          <a:off x="0" y="0"/>
+          <a:ext cx="0" cy="0"/>
+          <a:chOff x="0" y="0"/>
+          <a:chExt cx="0" cy="0"/>
+        </a:xfrm>
+      </p:grpSpPr>
+      <p:sp>
+        <p:nvSpPr>
+          <p:cNvPr id="2" name="Title 1"/>
+          <p:cNvSpPr>
+            <a:spLocks noGrp="1"/>
+          </p:cNvSpPr>
+          <p:nvPr>
+            <p:ph type="title"/>
+          </p:nvPr>
+        </p:nvSpPr>
+        <p:spPr>
+          <a:xfrm>
+            <a:off x="321623" y="418905"/>
+            <a:ext cx="1466748" cy="307777"/>
+          </a:xfrm>
+          <a:solidFill>
+            <a:schemeClr val="accent1"/>
+          </a:solidFill>
+        </p:spPr>
+        <p:txBody>
+          <a:bodyPr/>
+          <a:lstStyle/>
+          <a:p>
+            <a:r>
+              <a:rPr lang="nb-NO" dirty="0" smtClean="0">
+                <a:solidFill>
+                  <a:schemeClr val="bg1"/>
+                </a:solidFill>
+              </a:rPr>
+              <a:t>Oppgave </a:t>
+            </a:r>
+            <a:endParaRPr lang="en-US" dirty="0">
+              <a:solidFill>
+                <a:schemeClr val="bg1"/>
+              </a:solidFill>
+            </a:endParaRPr>
+          </a:p>
+        </p:txBody>
+      </p:sp>
+      <p:sp>
+        <p:nvSpPr>
+          <p:cNvPr id="3" name="Slide Number Placeholder 2"/>
+          <p:cNvSpPr>
+            <a:spLocks noGrp="1"/>
+          </p:cNvSpPr>
+          <p:nvPr>
+            <p:ph type="sldNum" sz="quarter" idx="10"/>
+          </p:nvPr>
+        </p:nvSpPr>
+        <p:spPr>
+          <a:solidFill>
+            <a:schemeClr val="accent1"/>
+          </a:solidFill>
+        </p:spPr>
+        <p:txBody>
+          <a:bodyPr/>
+          <a:lstStyle/>
+          <a:p>
+            <a:fld id="{FF67BF5B-7344-D747-A0C2-CBD7B2ACBC85}" type="slidenum">
+              <a:rPr lang="en-US" smtClean="0">
+                <a:solidFill>
+                  <a:schemeClr val="bg1"/>
+                </a:solidFill>
+              </a:rPr>
+              <a:pPr/>
+              <a:t>11</a:t>
+            </a:fld>
+            <a:endParaRPr lang="en-US" dirty="0">
+              <a:solidFill>
+                <a:schemeClr val="bg1"/>
+              </a:solidFill>
+            </a:endParaRPr>
+          </a:p>
+        </p:txBody>
+      </p:sp>
+      <p:sp>
+        <p:nvSpPr>
+          <p:cNvPr id="5" name="TextBox 4"/>
+          <p:cNvSpPr txBox="1"/>
+          <p:nvPr/>
+        </p:nvSpPr>
+        <p:spPr>
+          <a:xfrm>
+            <a:off x="321623" y="935335"/>
+            <a:ext cx="8102827" cy="3693319"/>
+          </a:xfrm>
+          <a:prstGeom prst="rect">
+            <a:avLst/>
+          </a:prstGeom>
+          <a:noFill/>
+        </p:spPr>
+        <p:txBody>
+          <a:bodyPr wrap="square" rtlCol="0">
+            <a:spAutoFit/>
+          </a:bodyPr>
+          <a:lstStyle/>
+          <a:p>
+            <a:pPr algn="just"/>
+            <a:r>
+              <a:rPr lang="nb-NO" dirty="0" smtClean="0">
+                <a:solidFill>
+                  <a:schemeClr val="bg1"/>
+                </a:solidFill>
+              </a:rPr>
+              <a:t>Oppgaven er lik som oppgave 1, eneste forskjell er at vi skal bruke dapper-dot-net for å kommunisere med databasen.</a:t>
+            </a:r>
+          </a:p>
+          <a:p>
+            <a:pPr algn="just"/>
+            <a:endParaRPr lang="nb-NO" dirty="0" smtClean="0">
+              <a:solidFill>
+                <a:schemeClr val="bg1"/>
+              </a:solidFill>
+            </a:endParaRPr>
+          </a:p>
+          <a:p>
+            <a:pPr algn="just"/>
+            <a:r>
+              <a:rPr lang="nb-NO" dirty="0" smtClean="0">
+                <a:solidFill>
+                  <a:schemeClr val="bg1"/>
+                </a:solidFill>
+              </a:rPr>
+              <a:t>Detaljer om Dapper finnes her:</a:t>
+            </a:r>
+          </a:p>
+          <a:p>
+            <a:pPr algn="just"/>
+            <a:endParaRPr lang="nb-NO" dirty="0" smtClean="0">
+              <a:solidFill>
+                <a:schemeClr val="bg1"/>
+              </a:solidFill>
+            </a:endParaRPr>
+          </a:p>
+          <a:p>
+            <a:pPr algn="just"/>
+            <a:r>
+              <a:rPr lang="en-US" dirty="0" smtClean="0">
+                <a:hlinkClick r:id="rId3"/>
+              </a:rPr>
+              <a:t>http://code.google.com/p/dapper-dot-net</a:t>
+            </a:r>
+            <a:r>
+              <a:rPr lang="en-US" dirty="0" smtClean="0">
+                <a:hlinkClick r:id="rId3"/>
+              </a:rPr>
+              <a:t>/</a:t>
+            </a:r>
+            <a:endParaRPr lang="en-US" dirty="0" smtClean="0"/>
+          </a:p>
+          <a:p>
+            <a:pPr algn="just"/>
+            <a:endParaRPr lang="nb-NO" dirty="0" smtClean="0">
+              <a:solidFill>
+                <a:schemeClr val="bg1"/>
+              </a:solidFill>
+            </a:endParaRPr>
+          </a:p>
+          <a:p>
+            <a:pPr algn="just"/>
+            <a:r>
+              <a:rPr lang="nb-NO" dirty="0" smtClean="0">
+                <a:solidFill>
+                  <a:schemeClr val="bg1"/>
+                </a:solidFill>
+              </a:rPr>
+              <a:t>Dapper er tilgjengelig som nuget pakke</a:t>
+            </a:r>
+          </a:p>
+          <a:p>
+            <a:pPr algn="just"/>
+            <a:endParaRPr lang="nb-NO" dirty="0" smtClean="0">
+              <a:solidFill>
+                <a:schemeClr val="bg1"/>
+              </a:solidFill>
+            </a:endParaRPr>
+          </a:p>
+          <a:p>
+            <a:pPr algn="just"/>
+            <a:r>
+              <a:rPr lang="nb-NO" dirty="0" smtClean="0">
+                <a:solidFill>
+                  <a:schemeClr val="bg1"/>
+                </a:solidFill>
+                <a:latin typeface="Consolas" pitchFamily="49" charset="0"/>
+                <a:cs typeface="Consolas" pitchFamily="49" charset="0"/>
+              </a:rPr>
+              <a:t>PM&gt; Install-Package Dapper</a:t>
+            </a:r>
+            <a:endParaRPr lang="nb-NO" dirty="0" smtClean="0">
+              <a:solidFill>
+                <a:schemeClr val="bg1"/>
+              </a:solidFill>
+              <a:latin typeface="Consolas" pitchFamily="49" charset="0"/>
+              <a:cs typeface="Consolas" pitchFamily="49" charset="0"/>
+            </a:endParaRPr>
+          </a:p>
+          <a:p>
+            <a:pPr algn="just"/>
+            <a:endParaRPr lang="nb-NO" dirty="0" smtClean="0">
+              <a:solidFill>
+                <a:schemeClr val="bg1"/>
+              </a:solidFill>
+            </a:endParaRPr>
+          </a:p>
+          <a:p>
+            <a:pPr algn="just"/>
+            <a:endParaRPr lang="nb-NO" sz="1200" i="1" dirty="0" smtClean="0">
+              <a:solidFill>
+                <a:schemeClr val="bg1"/>
+              </a:solidFill>
+            </a:endParaRPr>
+          </a:p>
+          <a:p>
+            <a:pPr algn="just"/>
+            <a:endParaRPr lang="nb-NO" sz="1200" i="1" dirty="0" smtClean="0">
+              <a:solidFill>
+                <a:schemeClr val="bg1"/>
+              </a:solidFill>
+            </a:endParaRPr>
+          </a:p>
+          <a:p>
+            <a:pPr algn="just"/>
+            <a:endParaRPr lang="nb-NO" sz="1200" i="1" dirty="0" smtClean="0">
+              <a:solidFill>
+                <a:schemeClr val="bg1"/>
+              </a:solidFill>
+            </a:endParaRPr>
+          </a:p>
+        </p:txBody>
+      </p:sp>
+    </p:spTree>
   </p:cSld>
   <p:clrMapOvr>
     <a:masterClrMapping/>
@@ -9976,7 +10639,11 @@
             </a:pPr>
             <a:r>
               <a:rPr lang="nb-NO" sz="1400" dirty="0" smtClean="0"/>
-              <a:t> ADO.NET</a:t>
+              <a:t> </a:t>
+            </a:r>
+            <a:r>
+              <a:rPr lang="nb-NO" sz="1400" dirty="0" smtClean="0"/>
+              <a:t>ADO.NET</a:t>
             </a:r>
           </a:p>
           <a:p>
@@ -9992,7 +10659,7 @@
             </a:pPr>
             <a:r>
               <a:rPr lang="nb-NO" sz="1400" dirty="0" smtClean="0"/>
-              <a:t>Object Relational Mapping</a:t>
+              <a:t>Micro ORM</a:t>
             </a:r>
           </a:p>
           <a:p>
@@ -10008,7 +10675,7 @@
             </a:pPr>
             <a:r>
               <a:rPr lang="nb-NO" sz="1400" dirty="0" smtClean="0"/>
-              <a:t> Entity Framework</a:t>
+              <a:t> Dapper</a:t>
             </a:r>
           </a:p>
           <a:p>
@@ -10024,8 +10691,13 @@
             </a:pPr>
             <a:r>
               <a:rPr lang="nb-NO" sz="1400" dirty="0" smtClean="0"/>
-              <a:t> NHibernate</a:t>
-            </a:r>
+              <a:t> </a:t>
+            </a:r>
+            <a:r>
+              <a:rPr lang="nb-NO" sz="1400" dirty="0" smtClean="0"/>
+              <a:t>PetaPOCO</a:t>
+            </a:r>
+            <a:endParaRPr lang="nb-NO" sz="1400" dirty="0" smtClean="0"/>
           </a:p>
           <a:p>
             <a:pPr>
@@ -10040,7 +10712,7 @@
             </a:pPr>
             <a:r>
               <a:rPr lang="nb-NO" sz="1400" dirty="0" smtClean="0"/>
-              <a:t>Micro ORM</a:t>
+              <a:t>Object Relational Mapping</a:t>
             </a:r>
           </a:p>
           <a:p>
@@ -10056,7 +10728,7 @@
             </a:pPr>
             <a:r>
               <a:rPr lang="nb-NO" sz="1400" dirty="0" smtClean="0"/>
-              <a:t> Dapper</a:t>
+              <a:t> Entity Framework</a:t>
             </a:r>
           </a:p>
           <a:p>
@@ -10072,8 +10744,13 @@
             </a:pPr>
             <a:r>
               <a:rPr lang="nb-NO" sz="1400" dirty="0" smtClean="0"/>
-              <a:t> PetaPOCO</a:t>
-            </a:r>
+              <a:t> </a:t>
+            </a:r>
+            <a:r>
+              <a:rPr lang="nb-NO" sz="1400" dirty="0" smtClean="0"/>
+              <a:t>NHibernate</a:t>
+            </a:r>
+            <a:endParaRPr lang="nb-NO" sz="1400" dirty="0" smtClean="0"/>
           </a:p>
         </p:txBody>
       </p:sp>
@@ -16237,6 +16914,86 @@
       </p:par>
     </p:tnLst>
   </p:timing>
+</p:sld>
+</file>
+
+<file path=ppt/slides/slide9.xml><?xml version="1.0" encoding="utf-8"?>
+<p:sld xmlns:a="http://schemas.openxmlformats.org/drawingml/2006/main" xmlns:r="http://schemas.openxmlformats.org/officeDocument/2006/relationships" xmlns:p="http://schemas.openxmlformats.org/presentationml/2006/main">
+  <p:cSld>
+    <p:spTree>
+      <p:nvGrpSpPr>
+        <p:cNvPr id="1" name=""/>
+        <p:cNvGrpSpPr/>
+        <p:nvPr/>
+      </p:nvGrpSpPr>
+      <p:grpSpPr>
+        <a:xfrm>
+          <a:off x="0" y="0"/>
+          <a:ext cx="0" cy="0"/>
+          <a:chOff x="0" y="0"/>
+          <a:chExt cx="0" cy="0"/>
+        </a:xfrm>
+      </p:grpSpPr>
+      <p:sp>
+        <p:nvSpPr>
+          <p:cNvPr id="2" name="Title 1"/>
+          <p:cNvSpPr>
+            <a:spLocks noGrp="1"/>
+          </p:cNvSpPr>
+          <p:nvPr>
+            <p:ph type="title"/>
+          </p:nvPr>
+        </p:nvSpPr>
+        <p:spPr>
+          <a:xfrm>
+            <a:off x="321623" y="418905"/>
+            <a:ext cx="796693" cy="307777"/>
+          </a:xfrm>
+        </p:spPr>
+        <p:txBody>
+          <a:bodyPr/>
+          <a:lstStyle/>
+          <a:p>
+            <a:r>
+              <a:rPr lang="nb-NO" dirty="0" smtClean="0"/>
+              <a:t>ORM</a:t>
+            </a:r>
+            <a:endParaRPr lang="en-US" dirty="0"/>
+          </a:p>
+        </p:txBody>
+      </p:sp>
+      <p:sp>
+        <p:nvSpPr>
+          <p:cNvPr id="3" name="Slide Number Placeholder 2"/>
+          <p:cNvSpPr>
+            <a:spLocks noGrp="1"/>
+          </p:cNvSpPr>
+          <p:nvPr>
+            <p:ph type="sldNum" sz="quarter" idx="10"/>
+          </p:nvPr>
+        </p:nvSpPr>
+        <p:spPr/>
+        <p:txBody>
+          <a:bodyPr/>
+          <a:lstStyle/>
+          <a:p>
+            <a:fld id="{FF67BF5B-7344-D747-A0C2-CBD7B2ACBC85}" type="slidenum">
+              <a:rPr lang="en-US" smtClean="0"/>
+              <a:pPr/>
+              <a:t>9</a:t>
+            </a:fld>
+            <a:endParaRPr lang="en-US" dirty="0"/>
+          </a:p>
+        </p:txBody>
+      </p:sp>
+    </p:spTree>
+  </p:cSld>
+  <p:clrMapOvr>
+    <a:masterClrMapping/>
+  </p:clrMapOvr>
+  <p:transition>
+    <p:fade thruBlk="1"/>
+  </p:transition>
 </p:sld>
 </file>
 

--- a/persistingData/persistingData.pptx
+++ b/persistingData/persistingData.pptx
@@ -17144,13 +17144,6 @@
               </a:rPr>
               <a:t>	</a:t>
             </a:r>
-            <a:endParaRPr lang="en-US" sz="1050" dirty="0" smtClean="0">
-              <a:solidFill>
-                <a:srgbClr val="000000"/>
-              </a:solidFill>
-              <a:latin typeface="Consolas" pitchFamily="49" charset="0"/>
-              <a:cs typeface="Consolas" pitchFamily="49" charset="0"/>
-            </a:endParaRPr>
           </a:p>
           <a:p>
             <a:pPr marL="0" marR="0" lvl="0" indent="0" algn="l" defTabSz="914400" rtl="0" eaLnBrk="1" fontAlgn="base" latinLnBrk="0" hangingPunct="1">
@@ -17363,17 +17356,7 @@
                 <a:latin typeface="Consolas" pitchFamily="49" charset="0"/>
                 <a:cs typeface="Consolas" pitchFamily="49" charset="0"/>
               </a:rPr>
-              <a:t>	</a:t>
-            </a:r>
-            <a:r>
-              <a:rPr lang="en-US" sz="1050" dirty="0" smtClean="0">
-                <a:solidFill>
-                  <a:srgbClr val="000000"/>
-                </a:solidFill>
-                <a:latin typeface="Consolas" pitchFamily="49" charset="0"/>
-                <a:cs typeface="Consolas" pitchFamily="49" charset="0"/>
-              </a:rPr>
-              <a:t>	</a:t>
+              <a:t>		</a:t>
             </a:r>
             <a:r>
               <a:rPr kumimoji="0" lang="en-US" sz="1050" b="0" i="0" u="none" strike="noStrike" cap="none" normalizeH="0" baseline="0" dirty="0" smtClean="0">
@@ -17485,17 +17468,7 @@
                 <a:latin typeface="Consolas" pitchFamily="49" charset="0"/>
                 <a:cs typeface="Consolas" pitchFamily="49" charset="0"/>
               </a:rPr>
-              <a:t>	</a:t>
-            </a:r>
-            <a:r>
-              <a:rPr lang="en-US" sz="1050" dirty="0" smtClean="0">
-                <a:solidFill>
-                  <a:srgbClr val="000000"/>
-                </a:solidFill>
-                <a:latin typeface="Consolas" pitchFamily="49" charset="0"/>
-                <a:cs typeface="Consolas" pitchFamily="49" charset="0"/>
-              </a:rPr>
-              <a:t>	</a:t>
+              <a:t>		</a:t>
             </a:r>
             <a:r>
               <a:rPr kumimoji="0" lang="en-US" sz="1050" b="0" i="0" u="none" strike="noStrike" cap="none" normalizeH="0" baseline="0" dirty="0" smtClean="0">
@@ -17537,17 +17510,7 @@
                 <a:latin typeface="Consolas" pitchFamily="49" charset="0"/>
                 <a:cs typeface="Consolas" pitchFamily="49" charset="0"/>
               </a:rPr>
-              <a:t>	</a:t>
-            </a:r>
-            <a:r>
-              <a:rPr lang="en-US" sz="1050" dirty="0" smtClean="0">
-                <a:solidFill>
-                  <a:srgbClr val="000000"/>
-                </a:solidFill>
-                <a:latin typeface="Consolas" pitchFamily="49" charset="0"/>
-                <a:cs typeface="Consolas" pitchFamily="49" charset="0"/>
-              </a:rPr>
-              <a:t>		</a:t>
+              <a:t>			</a:t>
             </a:r>
             <a:r>
               <a:rPr kumimoji="0" lang="en-US" sz="1050" b="0" i="0" u="none" strike="noStrike" cap="none" normalizeH="0" baseline="0" dirty="0" err="1" smtClean="0">
@@ -17659,17 +17622,7 @@
                 <a:latin typeface="Consolas" pitchFamily="49" charset="0"/>
                 <a:cs typeface="Consolas" pitchFamily="49" charset="0"/>
               </a:rPr>
-              <a:t>	</a:t>
-            </a:r>
-            <a:r>
-              <a:rPr lang="en-US" sz="1050" dirty="0" smtClean="0">
-                <a:solidFill>
-                  <a:srgbClr val="000000"/>
-                </a:solidFill>
-                <a:latin typeface="Consolas" pitchFamily="49" charset="0"/>
-                <a:cs typeface="Consolas" pitchFamily="49" charset="0"/>
-              </a:rPr>
-              <a:t>		</a:t>
+              <a:t>			</a:t>
             </a:r>
             <a:r>
               <a:rPr kumimoji="0" lang="en-US" sz="1050" b="0" i="0" u="none" strike="noStrike" cap="none" normalizeH="0" baseline="0" dirty="0" err="1" smtClean="0">
@@ -17725,17 +17678,7 @@
                 <a:latin typeface="Consolas" pitchFamily="49" charset="0"/>
                 <a:cs typeface="Consolas" pitchFamily="49" charset="0"/>
               </a:rPr>
-              <a:t>	</a:t>
-            </a:r>
-            <a:r>
-              <a:rPr lang="en-US" sz="1050" dirty="0" smtClean="0">
-                <a:solidFill>
-                  <a:srgbClr val="000000"/>
-                </a:solidFill>
-                <a:latin typeface="Consolas" pitchFamily="49" charset="0"/>
-                <a:cs typeface="Consolas" pitchFamily="49" charset="0"/>
-              </a:rPr>
-              <a:t>		</a:t>
+              <a:t>			</a:t>
             </a:r>
             <a:r>
               <a:rPr kumimoji="0" lang="en-US" sz="1050" b="0" i="0" u="none" strike="noStrike" cap="none" normalizeH="0" baseline="0" dirty="0" err="1" smtClean="0">
@@ -17847,17 +17790,7 @@
                 <a:latin typeface="Consolas" pitchFamily="49" charset="0"/>
                 <a:cs typeface="Consolas" pitchFamily="49" charset="0"/>
               </a:rPr>
-              <a:t>	</a:t>
-            </a:r>
-            <a:r>
-              <a:rPr lang="en-US" sz="1050" dirty="0" smtClean="0">
-                <a:solidFill>
-                  <a:srgbClr val="000000"/>
-                </a:solidFill>
-                <a:latin typeface="Consolas" pitchFamily="49" charset="0"/>
-                <a:cs typeface="Consolas" pitchFamily="49" charset="0"/>
-              </a:rPr>
-              <a:t>		</a:t>
+              <a:t>			</a:t>
             </a:r>
             <a:r>
               <a:rPr kumimoji="0" lang="en-US" sz="1050" b="0" i="0" u="none" strike="noStrike" cap="none" normalizeH="0" baseline="0" dirty="0" smtClean="0">
@@ -17955,17 +17888,7 @@
                 <a:latin typeface="Consolas" pitchFamily="49" charset="0"/>
                 <a:cs typeface="Consolas" pitchFamily="49" charset="0"/>
               </a:rPr>
-              <a:t>	</a:t>
-            </a:r>
-            <a:r>
-              <a:rPr lang="en-US" sz="1050" dirty="0" smtClean="0">
-                <a:solidFill>
-                  <a:srgbClr val="000000"/>
-                </a:solidFill>
-                <a:latin typeface="Consolas" pitchFamily="49" charset="0"/>
-                <a:cs typeface="Consolas" pitchFamily="49" charset="0"/>
-              </a:rPr>
-              <a:t>	</a:t>
+              <a:t>		</a:t>
             </a:r>
             <a:r>
               <a:rPr kumimoji="0" lang="en-US" sz="1050" b="0" i="0" u="none" strike="noStrike" cap="none" normalizeH="0" baseline="0" dirty="0" smtClean="0">
@@ -18007,17 +17930,7 @@
                 <a:latin typeface="Consolas" pitchFamily="49" charset="0"/>
                 <a:cs typeface="Consolas" pitchFamily="49" charset="0"/>
               </a:rPr>
-              <a:t>	</a:t>
-            </a:r>
-            <a:r>
-              <a:rPr lang="en-US" sz="1050" dirty="0" smtClean="0">
-                <a:solidFill>
-                  <a:srgbClr val="000000"/>
-                </a:solidFill>
-                <a:latin typeface="Consolas" pitchFamily="49" charset="0"/>
-                <a:cs typeface="Consolas" pitchFamily="49" charset="0"/>
-              </a:rPr>
-              <a:t>	</a:t>
+              <a:t>		</a:t>
             </a:r>
             <a:r>
               <a:rPr kumimoji="0" lang="en-US" sz="1050" b="0" i="0" u="none" strike="noStrike" cap="none" normalizeH="0" baseline="0" dirty="0" smtClean="0">
@@ -18354,17 +18267,7 @@
                 <a:latin typeface="Consolas" pitchFamily="49" charset="0"/>
                 <a:cs typeface="Consolas" pitchFamily="49" charset="0"/>
               </a:rPr>
-              <a:t>	</a:t>
-            </a:r>
-            <a:r>
-              <a:rPr lang="en-US" sz="1050" dirty="0" smtClean="0">
-                <a:solidFill>
-                  <a:srgbClr val="000000"/>
-                </a:solidFill>
-                <a:latin typeface="Consolas" pitchFamily="49" charset="0"/>
-                <a:cs typeface="Consolas" pitchFamily="49" charset="0"/>
-              </a:rPr>
-              <a:t>	</a:t>
+              <a:t>		</a:t>
             </a:r>
             <a:r>
               <a:rPr kumimoji="0" lang="en-US" sz="1050" b="0" i="0" u="none" strike="noStrike" cap="none" normalizeH="0" baseline="0" dirty="0" smtClean="0">
@@ -18807,21 +18710,8 @@
                   <a:schemeClr val="bg1"/>
                 </a:solidFill>
               </a:rPr>
-              <a:t>Implementèr følgende repository for </a:t>
-            </a:r>
-            <a:r>
-              <a:rPr lang="nb-NO" dirty="0" smtClean="0">
-                <a:solidFill>
-                  <a:schemeClr val="bg1"/>
-                </a:solidFill>
-              </a:rPr>
-              <a:t>Person ved hjelp av NHibernate.</a:t>
-            </a:r>
-            <a:endParaRPr lang="nb-NO" dirty="0" smtClean="0">
-              <a:solidFill>
-                <a:schemeClr val="bg1"/>
-              </a:solidFill>
-            </a:endParaRPr>
+              <a:t>Implementèr følgende repository for Person ved hjelp av NHibernate.</a:t>
+            </a:r>
           </a:p>
           <a:p>
             <a:pPr marL="342900" indent="-342900" algn="just"/>
@@ -19844,11 +19734,7 @@
             </a:pPr>
             <a:r>
               <a:rPr lang="nb-NO" sz="1400" dirty="0" smtClean="0"/>
-              <a:t> </a:t>
-            </a:r>
-            <a:r>
-              <a:rPr lang="nb-NO" sz="1400" dirty="0" smtClean="0"/>
-              <a:t>ADO.NET</a:t>
+              <a:t> ADO.NET</a:t>
             </a:r>
           </a:p>
           <a:p>
@@ -19882,7 +19768,6 @@
               <a:rPr lang="nb-NO" sz="1400" dirty="0" smtClean="0"/>
               <a:t>NHibernate</a:t>
             </a:r>
-            <a:endParaRPr lang="nb-NO" sz="1400" dirty="0" smtClean="0"/>
           </a:p>
           <a:p>
             <a:pPr>
@@ -19913,13 +19798,8 @@
             </a:pPr>
             <a:r>
               <a:rPr lang="nb-NO" sz="1400" dirty="0" smtClean="0"/>
-              <a:t> </a:t>
-            </a:r>
-            <a:r>
-              <a:rPr lang="nb-NO" sz="1400" dirty="0" smtClean="0"/>
-              <a:t>Dapper</a:t>
-            </a:r>
-            <a:endParaRPr lang="nb-NO" sz="1400" dirty="0" smtClean="0"/>
+              <a:t> Dapper</a:t>
+            </a:r>
           </a:p>
         </p:txBody>
       </p:sp>

--- a/persistingData/persistingData.pptx
+++ b/persistingData/persistingData.pptx
@@ -13059,7 +13059,7 @@
         </p:nvSpPr>
         <p:spPr bwMode="auto">
           <a:xfrm>
-            <a:off x="4717279" y="2274596"/>
+            <a:off x="4717279" y="2410523"/>
             <a:ext cx="3707171" cy="769441"/>
           </a:xfrm>
           <a:prstGeom prst="rect">
@@ -13392,7 +13392,7 @@
             </a:pPr>
             <a:r>
               <a:rPr lang="nb-NO" sz="1400" i="1" dirty="0" smtClean="0"/>
-              <a:t>get is as late as possible and get rid of it as soon as you can</a:t>
+              <a:t>get it as late as possible and get rid of it as soon as you can</a:t>
             </a:r>
             <a:endParaRPr lang="nb-NO" sz="1400" i="1" dirty="0" smtClean="0"/>
           </a:p>
@@ -13677,8 +13677,13 @@
             </a:pPr>
             <a:r>
               <a:rPr lang="nb-NO" sz="1400" dirty="0" smtClean="0"/>
-              <a:t> Open-source ORM</a:t>
-            </a:r>
+              <a:t> Open-source </a:t>
+            </a:r>
+            <a:r>
+              <a:rPr lang="nb-NO" sz="1400" dirty="0" smtClean="0"/>
+              <a:t>ORM for .NET rammeverket</a:t>
+            </a:r>
+            <a:endParaRPr lang="nb-NO" sz="1400" dirty="0" smtClean="0"/>
           </a:p>
           <a:p>
             <a:pPr>
@@ -13769,6 +13774,58 @@
           </a:p>
         </p:txBody>
       </p:sp>
+      <p:pic>
+        <p:nvPicPr>
+          <p:cNvPr id="22530" name="Picture 2" descr="http://nhforge.org/doc/nh/shared/images/lite.png"/>
+          <p:cNvPicPr>
+            <a:picLocks noChangeAspect="1" noChangeArrowheads="1"/>
+          </p:cNvPicPr>
+          <p:nvPr/>
+        </p:nvPicPr>
+        <p:blipFill>
+          <a:blip r:embed="rId3"/>
+          <a:srcRect/>
+          <a:stretch>
+            <a:fillRect/>
+          </a:stretch>
+        </p:blipFill>
+        <p:spPr bwMode="auto">
+          <a:xfrm>
+            <a:off x="5527675" y="4022385"/>
+            <a:ext cx="3419475" cy="2514600"/>
+          </a:xfrm>
+          <a:prstGeom prst="rect">
+            <a:avLst/>
+          </a:prstGeom>
+          <a:noFill/>
+        </p:spPr>
+      </p:pic>
+      <p:pic>
+        <p:nvPicPr>
+          <p:cNvPr id="22532" name="Picture 4" descr="http://nhforge.org/doc/nh/shared/images/fullcream.png"/>
+          <p:cNvPicPr>
+            <a:picLocks noChangeAspect="1" noChangeArrowheads="1"/>
+          </p:cNvPicPr>
+          <p:nvPr/>
+        </p:nvPicPr>
+        <p:blipFill>
+          <a:blip r:embed="rId4"/>
+          <a:srcRect/>
+          <a:stretch>
+            <a:fillRect/>
+          </a:stretch>
+        </p:blipFill>
+        <p:spPr bwMode="auto">
+          <a:xfrm>
+            <a:off x="155575" y="3098459"/>
+            <a:ext cx="4791075" cy="3438526"/>
+          </a:xfrm>
+          <a:prstGeom prst="rect">
+            <a:avLst/>
+          </a:prstGeom>
+          <a:noFill/>
+        </p:spPr>
+      </p:pic>
     </p:spTree>
   </p:cSld>
   <p:clrMapOvr>
@@ -13946,8 +14003,8 @@
         </p:nvSpPr>
         <p:spPr bwMode="auto">
           <a:xfrm>
-            <a:off x="612250" y="1740523"/>
-            <a:ext cx="7812200" cy="784830"/>
+            <a:off x="612250" y="1671273"/>
+            <a:ext cx="7812200" cy="923330"/>
           </a:xfrm>
           <a:prstGeom prst="rect">
             <a:avLst/>
@@ -14104,7 +14161,156 @@
                 <a:latin typeface="Consolas" pitchFamily="49" charset="0"/>
                 <a:cs typeface="Consolas" pitchFamily="49" charset="0"/>
               </a:rPr>
-              <a:t>{                 </a:t>
+              <a:t>{             </a:t>
+            </a:r>
+            <a:endParaRPr kumimoji="0" lang="en-US" sz="900" b="0" i="0" u="none" strike="noStrike" cap="none" normalizeH="0" baseline="0" dirty="0" smtClean="0">
+              <a:ln>
+                <a:noFill/>
+              </a:ln>
+              <a:solidFill>
+                <a:srgbClr val="000000"/>
+              </a:solidFill>
+              <a:effectLst/>
+              <a:latin typeface="Consolas" pitchFamily="49" charset="0"/>
+              <a:cs typeface="Consolas" pitchFamily="49" charset="0"/>
+            </a:endParaRPr>
+          </a:p>
+          <a:p>
+            <a:pPr defTabSz="914400" fontAlgn="base">
+              <a:spcBef>
+                <a:spcPct val="0"/>
+              </a:spcBef>
+              <a:spcAft>
+                <a:spcPct val="0"/>
+              </a:spcAft>
+            </a:pPr>
+            <a:r>
+              <a:rPr lang="en-US" sz="900" dirty="0" smtClean="0">
+                <a:solidFill>
+                  <a:srgbClr val="0000FF"/>
+                </a:solidFill>
+                <a:latin typeface="Consolas" pitchFamily="49" charset="0"/>
+                <a:cs typeface="Consolas" pitchFamily="49" charset="0"/>
+              </a:rPr>
+              <a:t>	public </a:t>
+            </a:r>
+            <a:r>
+              <a:rPr lang="en-US" sz="900" dirty="0" smtClean="0">
+                <a:solidFill>
+                  <a:srgbClr val="0000FF"/>
+                </a:solidFill>
+                <a:latin typeface="Consolas" pitchFamily="49" charset="0"/>
+                <a:cs typeface="Consolas" pitchFamily="49" charset="0"/>
+              </a:rPr>
+              <a:t>virtual</a:t>
+            </a:r>
+            <a:r>
+              <a:rPr lang="en-US" sz="900" dirty="0" smtClean="0">
+                <a:solidFill>
+                  <a:srgbClr val="000000"/>
+                </a:solidFill>
+                <a:latin typeface="Consolas" pitchFamily="49" charset="0"/>
+                <a:cs typeface="Consolas" pitchFamily="49" charset="0"/>
+              </a:rPr>
+              <a:t> </a:t>
+            </a:r>
+            <a:r>
+              <a:rPr lang="en-US" sz="900" dirty="0" err="1" smtClean="0">
+                <a:solidFill>
+                  <a:srgbClr val="2B91AF"/>
+                </a:solidFill>
+                <a:latin typeface="Consolas" pitchFamily="49" charset="0"/>
+                <a:cs typeface="Consolas" pitchFamily="49" charset="0"/>
+              </a:rPr>
+              <a:t>Guid</a:t>
+            </a:r>
+            <a:r>
+              <a:rPr lang="en-US" sz="900" dirty="0" smtClean="0"/>
+              <a:t> </a:t>
+            </a:r>
+            <a:r>
+              <a:rPr lang="en-US" sz="900" dirty="0" smtClean="0">
+                <a:solidFill>
+                  <a:srgbClr val="000000"/>
+                </a:solidFill>
+                <a:latin typeface="Consolas" pitchFamily="49" charset="0"/>
+                <a:cs typeface="Consolas" pitchFamily="49" charset="0"/>
+              </a:rPr>
+              <a:t> </a:t>
+            </a:r>
+            <a:r>
+              <a:rPr lang="en-US" sz="900" dirty="0" smtClean="0">
+                <a:solidFill>
+                  <a:srgbClr val="000000"/>
+                </a:solidFill>
+                <a:latin typeface="Consolas" pitchFamily="49" charset="0"/>
+                <a:cs typeface="Consolas" pitchFamily="49" charset="0"/>
+              </a:rPr>
+              <a:t>Id</a:t>
+            </a:r>
+            <a:r>
+              <a:rPr lang="en-US" sz="900" dirty="0" smtClean="0">
+                <a:solidFill>
+                  <a:srgbClr val="000000"/>
+                </a:solidFill>
+                <a:latin typeface="Consolas" pitchFamily="49" charset="0"/>
+                <a:cs typeface="Consolas" pitchFamily="49" charset="0"/>
+              </a:rPr>
+              <a:t> { </a:t>
+            </a:r>
+            <a:r>
+              <a:rPr lang="en-US" sz="900" dirty="0" smtClean="0">
+                <a:solidFill>
+                  <a:srgbClr val="0000FF"/>
+                </a:solidFill>
+                <a:latin typeface="Consolas" pitchFamily="49" charset="0"/>
+                <a:cs typeface="Consolas" pitchFamily="49" charset="0"/>
+              </a:rPr>
+              <a:t>get</a:t>
+            </a:r>
+            <a:r>
+              <a:rPr lang="en-US" sz="900" dirty="0" smtClean="0">
+                <a:solidFill>
+                  <a:srgbClr val="000000"/>
+                </a:solidFill>
+                <a:latin typeface="Consolas" pitchFamily="49" charset="0"/>
+                <a:cs typeface="Consolas" pitchFamily="49" charset="0"/>
+              </a:rPr>
+              <a:t>; </a:t>
+            </a:r>
+            <a:r>
+              <a:rPr lang="en-US" sz="900" dirty="0" smtClean="0">
+                <a:solidFill>
+                  <a:srgbClr val="0000FF"/>
+                </a:solidFill>
+                <a:latin typeface="Consolas" pitchFamily="49" charset="0"/>
+                <a:cs typeface="Consolas" pitchFamily="49" charset="0"/>
+              </a:rPr>
+              <a:t>set</a:t>
+            </a:r>
+            <a:r>
+              <a:rPr lang="en-US" sz="900" dirty="0" smtClean="0">
+                <a:solidFill>
+                  <a:srgbClr val="000000"/>
+                </a:solidFill>
+                <a:latin typeface="Consolas" pitchFamily="49" charset="0"/>
+                <a:cs typeface="Consolas" pitchFamily="49" charset="0"/>
+              </a:rPr>
+              <a:t>; }         </a:t>
+            </a:r>
+            <a:r>
+              <a:rPr kumimoji="0" lang="en-US" sz="900" b="0" i="0" u="none" strike="noStrike" cap="none" normalizeH="0" baseline="0" dirty="0" smtClean="0">
+                <a:ln>
+                  <a:noFill/>
+                </a:ln>
+                <a:solidFill>
+                  <a:srgbClr val="000000"/>
+                </a:solidFill>
+                <a:effectLst/>
+                <a:latin typeface="Consolas" pitchFamily="49" charset="0"/>
+                <a:cs typeface="Consolas" pitchFamily="49" charset="0"/>
+              </a:rPr>
+              <a:t>    </a:t>
             </a:r>
           </a:p>
           <a:p>
@@ -14483,7 +14689,7 @@
         <p:spPr>
           <a:xfrm>
             <a:off x="370660" y="2910736"/>
-            <a:ext cx="8102827" cy="651460"/>
+            <a:ext cx="8102827" cy="3272691"/>
           </a:xfrm>
           <a:prstGeom prst="rect">
             <a:avLst/>
@@ -14506,8 +14712,109 @@
             </a:pPr>
             <a:r>
               <a:rPr lang="nb-NO" sz="1400" dirty="0" smtClean="0"/>
-              <a:t>2. Definere mappingen (&lt;className&gt;.hbm.xml)</a:t>
-            </a:r>
+              <a:t>2. Definere mappingen (&lt;className&gt;.hbm.xml</a:t>
+            </a:r>
+            <a:r>
+              <a:rPr lang="nb-NO" sz="1400" dirty="0" smtClean="0"/>
+              <a:t>)</a:t>
+            </a:r>
+            <a:br>
+              <a:rPr lang="nb-NO" sz="1400" dirty="0" smtClean="0"/>
+            </a:br>
+            <a:endParaRPr lang="nb-NO" sz="1400" dirty="0" smtClean="0"/>
+          </a:p>
+          <a:p>
+            <a:pPr>
+              <a:spcBef>
+                <a:spcPts val="600"/>
+              </a:spcBef>
+              <a:spcAft>
+                <a:spcPts val="400"/>
+              </a:spcAft>
+            </a:pPr>
+            <a:endParaRPr lang="nb-NO" sz="1400" dirty="0" smtClean="0"/>
+          </a:p>
+          <a:p>
+            <a:pPr>
+              <a:spcBef>
+                <a:spcPts val="600"/>
+              </a:spcBef>
+              <a:spcAft>
+                <a:spcPts val="400"/>
+              </a:spcAft>
+            </a:pPr>
+            <a:endParaRPr lang="nb-NO" sz="1400" dirty="0" smtClean="0"/>
+          </a:p>
+          <a:p>
+            <a:pPr>
+              <a:spcBef>
+                <a:spcPts val="600"/>
+              </a:spcBef>
+              <a:spcAft>
+                <a:spcPts val="400"/>
+              </a:spcAft>
+            </a:pPr>
+            <a:endParaRPr lang="nb-NO" sz="1400" dirty="0" smtClean="0"/>
+          </a:p>
+          <a:p>
+            <a:pPr>
+              <a:spcBef>
+                <a:spcPts val="600"/>
+              </a:spcBef>
+              <a:spcAft>
+                <a:spcPts val="400"/>
+              </a:spcAft>
+            </a:pPr>
+            <a:endParaRPr lang="nb-NO" sz="1400" dirty="0" smtClean="0"/>
+          </a:p>
+          <a:p>
+            <a:pPr>
+              <a:spcBef>
+                <a:spcPts val="600"/>
+              </a:spcBef>
+              <a:spcAft>
+                <a:spcPts val="400"/>
+              </a:spcAft>
+            </a:pPr>
+            <a:endParaRPr lang="nb-NO" sz="1400" dirty="0" smtClean="0"/>
+          </a:p>
+          <a:p>
+            <a:pPr>
+              <a:spcBef>
+                <a:spcPts val="600"/>
+              </a:spcBef>
+              <a:spcAft>
+                <a:spcPts val="400"/>
+              </a:spcAft>
+            </a:pPr>
+            <a:endParaRPr lang="nb-NO" sz="1400" dirty="0" smtClean="0"/>
+          </a:p>
+          <a:p>
+            <a:pPr>
+              <a:spcBef>
+                <a:spcPts val="600"/>
+              </a:spcBef>
+              <a:spcAft>
+                <a:spcPts val="400"/>
+              </a:spcAft>
+            </a:pPr>
+            <a:r>
+              <a:rPr lang="nb-NO" sz="1400" dirty="0" smtClean="0"/>
+              <a:t>Husk </a:t>
+            </a:r>
+            <a:r>
+              <a:rPr lang="nb-NO" sz="1400" i="1" dirty="0" smtClean="0"/>
+              <a:t>Build Action</a:t>
+            </a:r>
+            <a:r>
+              <a:rPr lang="nb-NO" sz="1400" dirty="0" smtClean="0"/>
+              <a:t> til </a:t>
+            </a:r>
+            <a:r>
+              <a:rPr lang="nb-NO" sz="1400" i="1" dirty="0" smtClean="0"/>
+              <a:t>Embedded Resource</a:t>
+            </a:r>
+            <a:endParaRPr lang="nb-NO" sz="1400" i="1" dirty="0" smtClean="0"/>
           </a:p>
           <a:p>
             <a:pPr>
@@ -18264,7 +18571,7 @@
         <p:spPr>
           <a:xfrm>
             <a:off x="338856" y="4444499"/>
-            <a:ext cx="8102827" cy="651460"/>
+            <a:ext cx="8102827" cy="2492990"/>
           </a:xfrm>
           <a:prstGeom prst="rect">
             <a:avLst/>
@@ -18287,8 +18594,90 @@
             </a:pPr>
             <a:r>
               <a:rPr lang="nb-NO" sz="1400" dirty="0" smtClean="0"/>
-              <a:t>5. Opprett en test som verifiserer at alt er satt opp riktig</a:t>
-            </a:r>
+              <a:t>5. Opprett en test som verifiserer at alt er satt opp </a:t>
+            </a:r>
+            <a:r>
+              <a:rPr lang="nb-NO" sz="1400" dirty="0" smtClean="0"/>
+              <a:t>riktig</a:t>
+            </a:r>
+          </a:p>
+          <a:p>
+            <a:pPr>
+              <a:spcBef>
+                <a:spcPts val="600"/>
+              </a:spcBef>
+              <a:spcAft>
+                <a:spcPts val="400"/>
+              </a:spcAft>
+            </a:pPr>
+            <a:endParaRPr lang="nb-NO" sz="1400" dirty="0" smtClean="0"/>
+          </a:p>
+          <a:p>
+            <a:pPr>
+              <a:spcBef>
+                <a:spcPts val="600"/>
+              </a:spcBef>
+              <a:spcAft>
+                <a:spcPts val="400"/>
+              </a:spcAft>
+            </a:pPr>
+            <a:endParaRPr lang="nb-NO" sz="1400" dirty="0" smtClean="0"/>
+          </a:p>
+          <a:p>
+            <a:pPr>
+              <a:spcBef>
+                <a:spcPts val="600"/>
+              </a:spcBef>
+              <a:spcAft>
+                <a:spcPts val="400"/>
+              </a:spcAft>
+            </a:pPr>
+            <a:endParaRPr lang="nb-NO" sz="1400" dirty="0" smtClean="0"/>
+          </a:p>
+          <a:p>
+            <a:pPr>
+              <a:spcBef>
+                <a:spcPts val="600"/>
+              </a:spcBef>
+              <a:spcAft>
+                <a:spcPts val="400"/>
+              </a:spcAft>
+            </a:pPr>
+            <a:endParaRPr lang="nb-NO" sz="1400" dirty="0" smtClean="0"/>
+          </a:p>
+          <a:p>
+            <a:pPr>
+              <a:spcBef>
+                <a:spcPts val="600"/>
+              </a:spcBef>
+              <a:spcAft>
+                <a:spcPts val="400"/>
+              </a:spcAft>
+            </a:pPr>
+            <a:r>
+              <a:rPr lang="nb-NO" sz="1100" dirty="0" smtClean="0"/>
+              <a:t/>
+            </a:r>
+            <a:br>
+              <a:rPr lang="nb-NO" sz="1100" dirty="0" smtClean="0"/>
+            </a:br>
+            <a:r>
+              <a:rPr lang="nb-NO" sz="1100" dirty="0" smtClean="0"/>
+              <a:t>Testprosjektet må ha referanse </a:t>
+            </a:r>
+            <a:r>
+              <a:rPr lang="nb-NO" sz="1100" dirty="0" smtClean="0"/>
+              <a:t>til NHibernate.dll, Iesi.Collections.dll, </a:t>
+            </a:r>
+            <a:r>
+              <a:rPr lang="nb-NO" sz="1100" dirty="0" smtClean="0"/>
+              <a:t>System.Data.SqlServerCe.dll </a:t>
+            </a:r>
+            <a:r>
+              <a:rPr lang="nb-NO" sz="1100" dirty="0" smtClean="0"/>
+              <a:t>i tillegg til selve prosjektet</a:t>
+            </a:r>
+            <a:endParaRPr lang="nb-NO" sz="1100" dirty="0" smtClean="0"/>
           </a:p>
           <a:p>
             <a:pPr>
@@ -22005,7 +22394,7 @@
         <p:spPr>
           <a:xfrm>
             <a:off x="321623" y="1397000"/>
-            <a:ext cx="8102827" cy="1682512"/>
+            <a:ext cx="8102827" cy="2026196"/>
           </a:xfrm>
           <a:prstGeom prst="rect">
             <a:avLst/>
@@ -22046,8 +22435,33 @@
             </a:pPr>
             <a:r>
               <a:rPr lang="nb-NO" sz="1400" dirty="0" smtClean="0"/>
-              <a:t>Object Relational Mapping</a:t>
-            </a:r>
+              <a:t>Object Relational </a:t>
+            </a:r>
+            <a:r>
+              <a:rPr lang="nb-NO" sz="1400" dirty="0" smtClean="0"/>
+              <a:t>Mapping</a:t>
+            </a:r>
+          </a:p>
+          <a:p>
+            <a:pPr lvl="1">
+              <a:spcBef>
+                <a:spcPts val="600"/>
+              </a:spcBef>
+              <a:spcAft>
+                <a:spcPts val="400"/>
+              </a:spcAft>
+              <a:buFont typeface="Wingdings" pitchFamily="2" charset="2"/>
+              <a:buChar char="ü"/>
+            </a:pPr>
+            <a:r>
+              <a:rPr lang="nb-NO" sz="1400" dirty="0" smtClean="0"/>
+              <a:t> </a:t>
+            </a:r>
+            <a:r>
+              <a:rPr lang="nb-NO" sz="1400" dirty="0" smtClean="0"/>
+              <a:t>LINQ To...</a:t>
+            </a:r>
+            <a:endParaRPr lang="nb-NO" sz="1400" dirty="0" smtClean="0"/>
           </a:p>
           <a:p>
             <a:pPr lvl="1">
@@ -22226,7 +22640,7 @@
         <p:spPr>
           <a:xfrm>
             <a:off x="321623" y="935335"/>
-            <a:ext cx="8102827" cy="3600986"/>
+            <a:ext cx="8102827" cy="4939814"/>
           </a:xfrm>
           <a:prstGeom prst="rect">
             <a:avLst/>
@@ -22559,8 +22973,63 @@
                   <a:schemeClr val="bg1"/>
                 </a:solidFill>
               </a:rPr>
-              <a:t>Prøv å gjennomføre denne oppgaven test-først</a:t>
-            </a:r>
+              <a:t>Prøv å gjennomføre denne oppgaven </a:t>
+            </a:r>
+            <a:r>
+              <a:rPr lang="nb-NO" dirty="0" smtClean="0">
+                <a:solidFill>
+                  <a:schemeClr val="bg1"/>
+                </a:solidFill>
+              </a:rPr>
+              <a:t>test-først</a:t>
+            </a:r>
+          </a:p>
+          <a:p>
+            <a:pPr marL="342900" indent="-342900" algn="just"/>
+            <a:endParaRPr lang="nb-NO" dirty="0" smtClean="0">
+              <a:solidFill>
+                <a:schemeClr val="bg1"/>
+              </a:solidFill>
+              <a:latin typeface="Consolas" pitchFamily="49" charset="0"/>
+              <a:cs typeface="Consolas" pitchFamily="49" charset="0"/>
+            </a:endParaRPr>
+          </a:p>
+          <a:p>
+            <a:pPr marL="342900" indent="-342900" algn="just"/>
+            <a:endParaRPr lang="nb-NO" dirty="0" smtClean="0">
+              <a:solidFill>
+                <a:schemeClr val="bg1"/>
+              </a:solidFill>
+              <a:latin typeface="Consolas" pitchFamily="49" charset="0"/>
+              <a:cs typeface="Consolas" pitchFamily="49" charset="0"/>
+            </a:endParaRPr>
+          </a:p>
+          <a:p>
+            <a:pPr marL="342900" indent="-342900"/>
+            <a:r>
+              <a:rPr lang="nb-NO" sz="1100" i="1" dirty="0" smtClean="0">
+                <a:solidFill>
+                  <a:schemeClr val="bg1"/>
+                </a:solidFill>
+              </a:rPr>
+              <a:t>Hint: </a:t>
+            </a:r>
+            <a:r>
+              <a:rPr lang="nb-NO" sz="1100" i="1" dirty="0" smtClean="0">
+                <a:solidFill>
+                  <a:schemeClr val="bg1"/>
+                </a:solidFill>
+              </a:rPr>
+              <a:t>For å kunne verifisere at noe er lagret i databasen, kan det være nødvendig å opprette en sessionFactory som kan brukes av testene for å gjøre spørringer mot databasen utenom repository. Denne bør kun initialiseres èn gang, en idè kan være å bruke [ClassInitialize] attributten for å få til dette innenfor en testklasse.</a:t>
+            </a:r>
+            <a:endParaRPr lang="nb-NO" sz="1100" i="1" dirty="0" smtClean="0">
+              <a:solidFill>
+                <a:schemeClr val="bg1"/>
+              </a:solidFill>
+            </a:endParaRPr>
+          </a:p>
+          <a:p>
+            <a:pPr marL="342900" indent="-342900" algn="just"/>
             <a:endParaRPr lang="nb-NO" dirty="0" smtClean="0">
               <a:solidFill>
                 <a:schemeClr val="bg1"/>
@@ -29771,7 +30240,15 @@
             </a:pPr>
             <a:r>
               <a:rPr lang="nb-NO" sz="1400" dirty="0" smtClean="0"/>
-              <a:t> Entity Framework</a:t>
+              <a:t> </a:t>
+            </a:r>
+            <a:r>
+              <a:rPr lang="nb-NO" sz="1400" dirty="0" smtClean="0"/>
+              <a:t>ADO.NET Entity </a:t>
+            </a:r>
+            <a:r>
+              <a:rPr lang="nb-NO" sz="1400" dirty="0" smtClean="0"/>
+              <a:t>Framework</a:t>
             </a:r>
           </a:p>
           <a:p>

--- a/persistingData/persistingData.pptx
+++ b/persistingData/persistingData.pptx
@@ -159,7 +159,7 @@
     </p:spTree>
     <p:extLst>
       <p:ext uri="{BB962C8B-B14F-4D97-AF65-F5344CB8AC3E}">
-        <p14:creationId xmlns="" xmlns:p14="http://schemas.microsoft.com/office/powerpoint/2010/main" val="2280443481"/>
+        <p14:creationId xmlns:p14="http://schemas.microsoft.com/office/powerpoint/2010/main" xmlns="" val="2280443481"/>
       </p:ext>
     </p:extLst>
   </p:cSld>
@@ -329,7 +329,7 @@
     </p:spTree>
     <p:extLst>
       <p:ext uri="{BB962C8B-B14F-4D97-AF65-F5344CB8AC3E}">
-        <p14:creationId xmlns="" xmlns:p14="http://schemas.microsoft.com/office/powerpoint/2010/main" val="1996866432"/>
+        <p14:creationId xmlns:p14="http://schemas.microsoft.com/office/powerpoint/2010/main" xmlns="" val="1996866432"/>
       </p:ext>
     </p:extLst>
   </p:cSld>
@@ -564,8 +564,38 @@
             </a:r>
             <a:r>
               <a:rPr lang="nb-NO" baseline="0" dirty="0" smtClean="0"/>
-              <a:t> inneholder en in-memory representasjon av relasjonsdatabasen inkludert alle tabeller og relasjoner</a:t>
-            </a:r>
+              <a:t> inneholder en in-memory representasjon av relasjonsdatabasen inkludert alle tabeller og </a:t>
+            </a:r>
+            <a:r>
+              <a:rPr lang="nb-NO" baseline="0" dirty="0" smtClean="0"/>
+              <a:t>relasjoner</a:t>
+            </a:r>
+          </a:p>
+          <a:p>
+            <a:pPr>
+              <a:buFontTx/>
+              <a:buChar char="-"/>
+            </a:pPr>
+            <a:r>
+              <a:rPr lang="nb-NO" baseline="0" dirty="0" smtClean="0"/>
+              <a:t> Data-drevet applikasjon i stedet for objektorientert applikasjon</a:t>
+            </a:r>
+          </a:p>
+          <a:p>
+            <a:pPr>
+              <a:buFontTx/>
+              <a:buChar char="-"/>
+            </a:pPr>
+            <a:r>
+              <a:rPr lang="nb-NO" baseline="0" dirty="0" smtClean="0"/>
+              <a:t> lite testbart</a:t>
+            </a:r>
+          </a:p>
+          <a:p>
+            <a:pPr>
+              <a:buFontTx/>
+              <a:buChar char="-"/>
+            </a:pPr>
             <a:endParaRPr lang="en-US" dirty="0"/>
           </a:p>
         </p:txBody>
@@ -706,7 +736,59 @@
             </a:r>
             <a:r>
               <a:rPr lang="nb-NO" baseline="0" dirty="0" smtClean="0"/>
-              <a:t> i valgt programmeringsspråk (f.eks C#)</a:t>
+              <a:t> i valgt programmeringsspråk (f.eks C</a:t>
+            </a:r>
+            <a:r>
+              <a:rPr lang="nb-NO" baseline="0" dirty="0" smtClean="0"/>
+              <a:t>#)</a:t>
+            </a:r>
+          </a:p>
+          <a:p>
+            <a:endParaRPr lang="nb-NO" baseline="0" dirty="0" smtClean="0"/>
+          </a:p>
+          <a:p>
+            <a:pPr marL="342900" indent="-342900">
+              <a:buAutoNum type="arabicPeriod"/>
+            </a:pPr>
+            <a:r>
+              <a:rPr lang="nb-NO" baseline="0" dirty="0" smtClean="0"/>
+              <a:t>Lazy loading, laste opp deler av en stor struktur</a:t>
+            </a:r>
+          </a:p>
+          <a:p>
+            <a:pPr marL="342900" indent="-342900">
+              <a:buAutoNum type="arabicPeriod"/>
+            </a:pPr>
+            <a:r>
+              <a:rPr lang="nb-NO" baseline="0" dirty="0" smtClean="0"/>
+              <a:t>Identity Map – dictionary med oversikt over hvilke objekter som allerede er hentet ut i minne i nåværende kontekst</a:t>
+            </a:r>
+          </a:p>
+          <a:p>
+            <a:pPr marL="342900" indent="-342900">
+              <a:buAutoNum type="arabicPeriod"/>
+            </a:pPr>
+            <a:r>
+              <a:rPr lang="nb-NO" baseline="0" dirty="0" smtClean="0"/>
+              <a:t>Unit Of Work – ORM må til en hver tid vite hva som er endret og hvorfor (lagt til, endret, slettet)</a:t>
+            </a:r>
+          </a:p>
+          <a:p>
+            <a:pPr marL="342900" indent="-342900">
+              <a:buAutoNum type="arabicPeriod"/>
+            </a:pPr>
+            <a:r>
+              <a:rPr lang="nb-NO" baseline="0" dirty="0" smtClean="0"/>
+              <a:t>Optimistic offline lock – anta at ikke data blir endret, men gi feilmelding hvis man ser at data er endret</a:t>
+            </a:r>
+          </a:p>
+          <a:p>
+            <a:pPr marL="342900" indent="-342900">
+              <a:buAutoNum type="arabicPeriod"/>
+            </a:pPr>
+            <a:r>
+              <a:rPr lang="nb-NO" baseline="0" dirty="0" smtClean="0"/>
+              <a:t>Data mapper – mapping mellom objekter i c# POCO og tabeller</a:t>
             </a:r>
             <a:endParaRPr lang="en-US" dirty="0"/>
           </a:p>
@@ -1477,7 +1559,7 @@
     </p:spTree>
     <p:extLst>
       <p:ext uri="{BB962C8B-B14F-4D97-AF65-F5344CB8AC3E}">
-        <p14:creationId xmlns="" xmlns:p14="http://schemas.microsoft.com/office/powerpoint/2010/main" val="1631701370"/>
+        <p14:creationId xmlns:p14="http://schemas.microsoft.com/office/powerpoint/2010/main" xmlns="" val="1631701370"/>
       </p:ext>
     </p:extLst>
   </p:cSld>
@@ -1798,7 +1880,7 @@
     </p:spTree>
     <p:extLst>
       <p:ext uri="{BB962C8B-B14F-4D97-AF65-F5344CB8AC3E}">
-        <p14:creationId xmlns="" xmlns:p14="http://schemas.microsoft.com/office/powerpoint/2010/main" val="2627694574"/>
+        <p14:creationId xmlns:p14="http://schemas.microsoft.com/office/powerpoint/2010/main" xmlns="" val="2627694574"/>
       </p:ext>
     </p:extLst>
   </p:cSld>
@@ -2117,7 +2199,7 @@
     </p:spTree>
     <p:extLst>
       <p:ext uri="{BB962C8B-B14F-4D97-AF65-F5344CB8AC3E}">
-        <p14:creationId xmlns="" xmlns:p14="http://schemas.microsoft.com/office/powerpoint/2010/main" val="2472564093"/>
+        <p14:creationId xmlns:p14="http://schemas.microsoft.com/office/powerpoint/2010/main" xmlns="" val="2472564093"/>
       </p:ext>
     </p:extLst>
   </p:cSld>
@@ -2602,7 +2684,7 @@
     </p:spTree>
     <p:extLst>
       <p:ext uri="{BB962C8B-B14F-4D97-AF65-F5344CB8AC3E}">
-        <p14:creationId xmlns="" xmlns:p14="http://schemas.microsoft.com/office/powerpoint/2010/main" val="844442129"/>
+        <p14:creationId xmlns:p14="http://schemas.microsoft.com/office/powerpoint/2010/main" xmlns="" val="844442129"/>
       </p:ext>
     </p:extLst>
   </p:cSld>
@@ -2932,7 +3014,7 @@
     </p:spTree>
     <p:extLst>
       <p:ext uri="{BB962C8B-B14F-4D97-AF65-F5344CB8AC3E}">
-        <p14:creationId xmlns="" xmlns:p14="http://schemas.microsoft.com/office/powerpoint/2010/main" val="1607786633"/>
+        <p14:creationId xmlns:p14="http://schemas.microsoft.com/office/powerpoint/2010/main" xmlns="" val="1607786633"/>
       </p:ext>
     </p:extLst>
   </p:cSld>
@@ -3262,7 +3344,7 @@
     </p:spTree>
     <p:extLst>
       <p:ext uri="{BB962C8B-B14F-4D97-AF65-F5344CB8AC3E}">
-        <p14:creationId xmlns="" xmlns:p14="http://schemas.microsoft.com/office/powerpoint/2010/main" val="3400319444"/>
+        <p14:creationId xmlns:p14="http://schemas.microsoft.com/office/powerpoint/2010/main" xmlns="" val="3400319444"/>
       </p:ext>
     </p:extLst>
   </p:cSld>
@@ -5132,7 +5214,7 @@
     </p:spTree>
     <p:extLst>
       <p:ext uri="{BB962C8B-B14F-4D97-AF65-F5344CB8AC3E}">
-        <p14:creationId xmlns="" xmlns:p14="http://schemas.microsoft.com/office/powerpoint/2010/main" val="1273682958"/>
+        <p14:creationId xmlns:p14="http://schemas.microsoft.com/office/powerpoint/2010/main" xmlns="" val="1273682958"/>
       </p:ext>
     </p:extLst>
   </p:cSld>
@@ -5237,7 +5319,7 @@
     </p:spTree>
     <p:extLst>
       <p:ext uri="{BB962C8B-B14F-4D97-AF65-F5344CB8AC3E}">
-        <p14:creationId xmlns="" xmlns:p14="http://schemas.microsoft.com/office/powerpoint/2010/main" val="3654216826"/>
+        <p14:creationId xmlns:p14="http://schemas.microsoft.com/office/powerpoint/2010/main" xmlns="" val="3654216826"/>
       </p:ext>
     </p:extLst>
   </p:cSld>
@@ -5493,7 +5575,7 @@
     </p:spTree>
     <p:extLst>
       <p:ext uri="{BB962C8B-B14F-4D97-AF65-F5344CB8AC3E}">
-        <p14:creationId xmlns="" xmlns:p14="http://schemas.microsoft.com/office/powerpoint/2010/main" val="2837040887"/>
+        <p14:creationId xmlns:p14="http://schemas.microsoft.com/office/powerpoint/2010/main" xmlns="" val="2837040887"/>
       </p:ext>
     </p:extLst>
   </p:cSld>
@@ -5526,7 +5608,7 @@
     </p:spTree>
     <p:extLst>
       <p:ext uri="{BB962C8B-B14F-4D97-AF65-F5344CB8AC3E}">
-        <p14:creationId xmlns="" xmlns:p14="http://schemas.microsoft.com/office/powerpoint/2010/main" val="3283581558"/>
+        <p14:creationId xmlns:p14="http://schemas.microsoft.com/office/powerpoint/2010/main" xmlns="" val="3283581558"/>
       </p:ext>
     </p:extLst>
   </p:cSld>
@@ -5840,7 +5922,7 @@
     </p:spTree>
     <p:extLst>
       <p:ext uri="{BB962C8B-B14F-4D97-AF65-F5344CB8AC3E}">
-        <p14:creationId xmlns="" xmlns:p14="http://schemas.microsoft.com/office/powerpoint/2010/main" val="3151533342"/>
+        <p14:creationId xmlns:p14="http://schemas.microsoft.com/office/powerpoint/2010/main" xmlns="" val="3151533342"/>
       </p:ext>
     </p:extLst>
   </p:cSld>
@@ -5983,7 +6065,7 @@
     </p:spTree>
     <p:extLst>
       <p:ext uri="{BB962C8B-B14F-4D97-AF65-F5344CB8AC3E}">
-        <p14:creationId xmlns="" xmlns:p14="http://schemas.microsoft.com/office/powerpoint/2010/main" val="894352273"/>
+        <p14:creationId xmlns:p14="http://schemas.microsoft.com/office/powerpoint/2010/main" xmlns="" val="894352273"/>
       </p:ext>
     </p:extLst>
   </p:cSld>
@@ -6149,7 +6231,7 @@
     </p:spTree>
     <p:extLst>
       <p:ext uri="{BB962C8B-B14F-4D97-AF65-F5344CB8AC3E}">
-        <p14:creationId xmlns="" xmlns:p14="http://schemas.microsoft.com/office/powerpoint/2010/main" val="351067674"/>
+        <p14:creationId xmlns:p14="http://schemas.microsoft.com/office/powerpoint/2010/main" xmlns="" val="351067674"/>
       </p:ext>
     </p:extLst>
   </p:cSld>
@@ -6469,7 +6551,7 @@
     </p:spTree>
     <p:extLst>
       <p:ext uri="{BB962C8B-B14F-4D97-AF65-F5344CB8AC3E}">
-        <p14:creationId xmlns="" xmlns:p14="http://schemas.microsoft.com/office/powerpoint/2010/main" val="3938044995"/>
+        <p14:creationId xmlns:p14="http://schemas.microsoft.com/office/powerpoint/2010/main" xmlns="" val="3938044995"/>
       </p:ext>
     </p:extLst>
   </p:cSld>
@@ -7055,7 +7137,7 @@
     </p:spTree>
     <p:extLst>
       <p:ext uri="{BB962C8B-B14F-4D97-AF65-F5344CB8AC3E}">
-        <p14:creationId xmlns="" xmlns:p14="http://schemas.microsoft.com/office/powerpoint/2010/main" val="3192118728"/>
+        <p14:creationId xmlns:p14="http://schemas.microsoft.com/office/powerpoint/2010/main" xmlns="" val="3192118728"/>
       </p:ext>
     </p:extLst>
   </p:cSld>
@@ -7453,7 +7535,7 @@
     </p:spTree>
     <p:extLst>
       <p:ext uri="{BB962C8B-B14F-4D97-AF65-F5344CB8AC3E}">
-        <p14:creationId xmlns="" xmlns:p14="http://schemas.microsoft.com/office/powerpoint/2010/main" val="2190527855"/>
+        <p14:creationId xmlns:p14="http://schemas.microsoft.com/office/powerpoint/2010/main" xmlns="" val="2190527855"/>
       </p:ext>
     </p:extLst>
   </p:cSld>
@@ -8250,7 +8332,7 @@
     </p:spTree>
     <p:extLst>
       <p:ext uri="{BB962C8B-B14F-4D97-AF65-F5344CB8AC3E}">
-        <p14:creationId xmlns="" xmlns:p14="http://schemas.microsoft.com/office/powerpoint/2010/main" val="69886873"/>
+        <p14:creationId xmlns:p14="http://schemas.microsoft.com/office/powerpoint/2010/main" xmlns="" val="69886873"/>
       </p:ext>
     </p:extLst>
   </p:cSld>
@@ -9341,7 +9423,7 @@
     </p:spTree>
     <p:extLst>
       <p:ext uri="{BB962C8B-B14F-4D97-AF65-F5344CB8AC3E}">
-        <p14:creationId xmlns="" xmlns:p14="http://schemas.microsoft.com/office/powerpoint/2010/main" val="593901232"/>
+        <p14:creationId xmlns:p14="http://schemas.microsoft.com/office/powerpoint/2010/main" xmlns="" val="593901232"/>
       </p:ext>
     </p:extLst>
   </p:cSld>
@@ -9597,7 +9679,7 @@
     </p:spTree>
     <p:extLst>
       <p:ext uri="{BB962C8B-B14F-4D97-AF65-F5344CB8AC3E}">
-        <p14:creationId xmlns="" xmlns:p14="http://schemas.microsoft.com/office/powerpoint/2010/main" val="925662914"/>
+        <p14:creationId xmlns:p14="http://schemas.microsoft.com/office/powerpoint/2010/main" xmlns="" val="925662914"/>
       </p:ext>
     </p:extLst>
   </p:cSld>
@@ -9839,7 +9921,7 @@
     </p:spTree>
     <p:extLst>
       <p:ext uri="{BB962C8B-B14F-4D97-AF65-F5344CB8AC3E}">
-        <p14:creationId xmlns="" xmlns:p14="http://schemas.microsoft.com/office/powerpoint/2010/main" val="2463004899"/>
+        <p14:creationId xmlns:p14="http://schemas.microsoft.com/office/powerpoint/2010/main" xmlns="" val="2463004899"/>
       </p:ext>
     </p:extLst>
   </p:cSld>
@@ -10260,7 +10342,15 @@
           <a:p>
             <a:r>
               <a:rPr lang="nb-NO" dirty="0" smtClean="0"/>
-              <a:t>August 2012</a:t>
+              <a:t>September</a:t>
+            </a:r>
+            <a:r>
+              <a:rPr lang="nb-NO" dirty="0" smtClean="0"/>
+              <a:t> </a:t>
+            </a:r>
+            <a:r>
+              <a:rPr lang="nb-NO" dirty="0" smtClean="0"/>
+              <a:t>2012</a:t>
             </a:r>
             <a:endParaRPr lang="en-US" dirty="0"/>
           </a:p>
@@ -10269,7 +10359,7 @@
     </p:spTree>
     <p:extLst>
       <p:ext uri="{BB962C8B-B14F-4D97-AF65-F5344CB8AC3E}">
-        <p14:creationId xmlns="" xmlns:p14="http://schemas.microsoft.com/office/powerpoint/2010/main" val="1193520387"/>
+        <p14:creationId xmlns:p14="http://schemas.microsoft.com/office/powerpoint/2010/main" xmlns="" val="1193520387"/>
       </p:ext>
     </p:extLst>
   </p:cSld>
@@ -10408,11 +10498,7 @@
             </a:pPr>
             <a:r>
               <a:rPr lang="nb-NO" sz="1400" dirty="0" smtClean="0"/>
-              <a:t> </a:t>
-            </a:r>
-            <a:r>
-              <a:rPr lang="nb-NO" sz="1400" dirty="0" smtClean="0"/>
-              <a:t>Bruke LINQ  til å kjøre spørringer mot enumerable objekter i ADO.NET </a:t>
+              <a:t> Bruke LINQ  til å kjøre spørringer mot enumerable objekter i ADO.NET </a:t>
             </a:r>
           </a:p>
           <a:p>
@@ -10484,7 +10570,6 @@
               <a:rPr lang="nb-NO" sz="1400" dirty="0" smtClean="0"/>
               <a:t>LINQ to Entities</a:t>
             </a:r>
-            <a:endParaRPr lang="nb-NO" sz="1400" dirty="0" smtClean="0"/>
           </a:p>
         </p:txBody>
       </p:sp>
@@ -11644,17 +11729,7 @@
                 <a:latin typeface="Consolas" pitchFamily="49" charset="0"/>
                 <a:cs typeface="Consolas" pitchFamily="49" charset="0"/>
               </a:rPr>
-              <a:t>	</a:t>
-            </a:r>
-            <a:r>
-              <a:rPr lang="en-US" sz="1100" dirty="0" smtClean="0">
-                <a:solidFill>
-                  <a:srgbClr val="000000"/>
-                </a:solidFill>
-                <a:latin typeface="Consolas" pitchFamily="49" charset="0"/>
-                <a:cs typeface="Consolas" pitchFamily="49" charset="0"/>
-              </a:rPr>
-              <a:t>	       </a:t>
+              <a:t>		       </a:t>
             </a:r>
             <a:r>
               <a:rPr kumimoji="0" lang="en-US" sz="1100" b="0" i="0" u="none" strike="noStrike" cap="none" normalizeH="0" baseline="0" dirty="0" smtClean="0">
@@ -11738,17 +11813,7 @@
                 <a:latin typeface="Consolas" pitchFamily="49" charset="0"/>
                 <a:cs typeface="Consolas" pitchFamily="49" charset="0"/>
               </a:rPr>
-              <a:t>	</a:t>
-            </a:r>
-            <a:r>
-              <a:rPr lang="en-US" sz="1100" dirty="0" smtClean="0">
-                <a:solidFill>
-                  <a:srgbClr val="000000"/>
-                </a:solidFill>
-                <a:latin typeface="Consolas" pitchFamily="49" charset="0"/>
-                <a:cs typeface="Consolas" pitchFamily="49" charset="0"/>
-              </a:rPr>
-              <a:t>	       </a:t>
+              <a:t>		       </a:t>
             </a:r>
             <a:r>
               <a:rPr kumimoji="0" lang="en-US" sz="1100" b="0" i="0" u="none" strike="noStrike" cap="none" normalizeH="0" baseline="0" dirty="0" smtClean="0">
@@ -11832,17 +11897,7 @@
                 <a:latin typeface="Consolas" pitchFamily="49" charset="0"/>
                 <a:cs typeface="Consolas" pitchFamily="49" charset="0"/>
               </a:rPr>
-              <a:t>	</a:t>
-            </a:r>
-            <a:r>
-              <a:rPr lang="en-US" sz="1100" dirty="0" smtClean="0">
-                <a:solidFill>
-                  <a:srgbClr val="000000"/>
-                </a:solidFill>
-                <a:latin typeface="Consolas" pitchFamily="49" charset="0"/>
-                <a:cs typeface="Consolas" pitchFamily="49" charset="0"/>
-              </a:rPr>
-              <a:t>	      </a:t>
+              <a:t>		      </a:t>
             </a:r>
             <a:r>
               <a:rPr kumimoji="0" lang="en-US" sz="1100" b="0" i="0" u="none" strike="noStrike" cap="none" normalizeH="0" baseline="0" dirty="0" smtClean="0">
@@ -12115,7 +12170,6 @@
               <a:rPr lang="nb-NO" sz="1400" dirty="0" smtClean="0"/>
               <a:t>Hente ut:</a:t>
             </a:r>
-            <a:endParaRPr lang="nb-NO" sz="1400" dirty="0" smtClean="0"/>
           </a:p>
         </p:txBody>
       </p:sp>
@@ -12153,7 +12207,6 @@
               <a:rPr lang="nb-NO" sz="1400" dirty="0" smtClean="0"/>
               <a:t>Sette inn:</a:t>
             </a:r>
-            <a:endParaRPr lang="nb-NO" sz="1400" dirty="0" smtClean="0"/>
           </a:p>
         </p:txBody>
       </p:sp>
@@ -12191,7 +12244,6 @@
               <a:rPr lang="nb-NO" sz="1400" dirty="0" smtClean="0"/>
               <a:t>Slette:</a:t>
             </a:r>
-            <a:endParaRPr lang="nb-NO" sz="1400" dirty="0" smtClean="0"/>
           </a:p>
         </p:txBody>
       </p:sp>
@@ -12528,17 +12580,7 @@
                 <a:latin typeface="Consolas" pitchFamily="49" charset="0"/>
                 <a:cs typeface="Consolas" pitchFamily="49" charset="0"/>
               </a:rPr>
-              <a:t> </a:t>
-            </a:r>
-            <a:r>
-              <a:rPr lang="en-US" sz="1100" dirty="0" smtClean="0">
-                <a:solidFill>
-                  <a:srgbClr val="000000"/>
-                </a:solidFill>
-                <a:latin typeface="Consolas" pitchFamily="49" charset="0"/>
-                <a:cs typeface="Consolas" pitchFamily="49" charset="0"/>
-              </a:rPr>
-              <a:t>                              </a:t>
+              <a:t>                               </a:t>
             </a:r>
             <a:r>
               <a:rPr kumimoji="0" lang="en-US" sz="1100" b="0" i="0" u="none" strike="noStrike" cap="none" normalizeH="0" baseline="0" dirty="0" smtClean="0">
@@ -12817,7 +12859,6 @@
               <a:rPr lang="nb-NO" sz="1400" dirty="0" smtClean="0"/>
               <a:t>Oppdatere</a:t>
             </a:r>
-            <a:endParaRPr lang="nb-NO" sz="1400" dirty="0" smtClean="0"/>
           </a:p>
         </p:txBody>
       </p:sp>
@@ -12829,6 +12870,13 @@
   <p:transition>
     <p:fade thruBlk="1"/>
   </p:transition>
+  <p:timing>
+    <p:tnLst>
+      <p:par>
+        <p:cTn id="1" dur="indefinite" restart="never" nodeType="tmRoot"/>
+      </p:par>
+    </p:tnLst>
+  </p:timing>
 </p:sld>
 </file>
 
@@ -12951,13 +12999,8 @@
             </a:pPr>
             <a:r>
               <a:rPr lang="nb-NO" sz="1400" dirty="0" smtClean="0"/>
-              <a:t> </a:t>
-            </a:r>
-            <a:r>
-              <a:rPr lang="nb-NO" sz="1400" dirty="0" smtClean="0"/>
-              <a:t>Ansvarlig for oversettelse mellom LINQ og T-SQL, samt mapping av resultater</a:t>
-            </a:r>
-            <a:endParaRPr lang="nb-NO" sz="1400" dirty="0" smtClean="0"/>
+              <a:t> Ansvarlig for oversettelse mellom LINQ og T-SQL, samt mapping av resultater</a:t>
+            </a:r>
           </a:p>
           <a:p>
             <a:pPr>
@@ -12999,11 +13042,7 @@
             </a:pPr>
             <a:r>
               <a:rPr lang="nb-NO" sz="1400" dirty="0" smtClean="0"/>
-              <a:t> </a:t>
-            </a:r>
-            <a:r>
-              <a:rPr lang="nb-NO" sz="1400" dirty="0" smtClean="0"/>
-              <a:t>Koble til databasen</a:t>
+              <a:t> Koble til databasen</a:t>
             </a:r>
           </a:p>
           <a:p>
@@ -13019,11 +13058,7 @@
             </a:pPr>
             <a:r>
               <a:rPr lang="nb-NO" sz="1400" dirty="0" smtClean="0"/>
-              <a:t> </a:t>
-            </a:r>
-            <a:r>
-              <a:rPr lang="nb-NO" sz="1400" dirty="0" smtClean="0"/>
-              <a:t>Aksessere data</a:t>
+              <a:t> Aksessere data</a:t>
             </a:r>
           </a:p>
           <a:p>
@@ -13039,13 +13074,8 @@
             </a:pPr>
             <a:r>
               <a:rPr lang="nb-NO" sz="1400" dirty="0" smtClean="0"/>
-              <a:t> </a:t>
-            </a:r>
-            <a:r>
-              <a:rPr lang="nb-NO" sz="1400" dirty="0" smtClean="0"/>
-              <a:t>Sende endringer tilbake til serveren</a:t>
-            </a:r>
-            <a:endParaRPr lang="nb-NO" sz="1400" dirty="0" smtClean="0"/>
+              <a:t> Sende endringer tilbake til serveren</a:t>
+            </a:r>
           </a:p>
         </p:txBody>
       </p:sp>
@@ -13394,7 +13424,6 @@
               <a:rPr lang="nb-NO" sz="1400" i="1" dirty="0" smtClean="0"/>
               <a:t>get it as late as possible and get rid of it as soon as you can</a:t>
             </a:r>
-            <a:endParaRPr lang="nb-NO" sz="1400" i="1" dirty="0" smtClean="0"/>
           </a:p>
         </p:txBody>
       </p:sp>
@@ -13406,6 +13435,13 @@
   <p:transition>
     <p:fade thruBlk="1"/>
   </p:transition>
+  <p:timing>
+    <p:tnLst>
+      <p:par>
+        <p:cTn id="1" dur="indefinite" restart="never" nodeType="tmRoot"/>
+      </p:par>
+    </p:tnLst>
+  </p:timing>
 </p:sld>
 </file>
 
@@ -13538,15 +13574,7 @@
                   <a:schemeClr val="bg1"/>
                 </a:solidFill>
               </a:rPr>
-              <a:t>Denne oppgaven er innholdsmessig lik som den forrige, eneste forskjell er at vi nå skal løse den ved hjelp av LINQ to SQL.</a:t>
-            </a:r>
-            <a:r>
-              <a:rPr lang="nb-NO" dirty="0" smtClean="0">
-                <a:solidFill>
-                  <a:schemeClr val="bg1"/>
-                </a:solidFill>
-              </a:rPr>
-              <a:t> </a:t>
+              <a:t>Denne oppgaven er innholdsmessig lik som den forrige, eneste forskjell er at vi nå skal løse den ved hjelp av LINQ to SQL. </a:t>
             </a:r>
             <a:endParaRPr lang="nb-NO" sz="1200" i="1" dirty="0" smtClean="0">
               <a:solidFill>
@@ -13677,13 +13705,8 @@
             </a:pPr>
             <a:r>
               <a:rPr lang="nb-NO" sz="1400" dirty="0" smtClean="0"/>
-              <a:t> Open-source </a:t>
-            </a:r>
-            <a:r>
-              <a:rPr lang="nb-NO" sz="1400" dirty="0" smtClean="0"/>
-              <a:t>ORM for .NET rammeverket</a:t>
-            </a:r>
-            <a:endParaRPr lang="nb-NO" sz="1400" dirty="0" smtClean="0"/>
+              <a:t> Open-source ORM for .NET rammeverket</a:t>
+            </a:r>
           </a:p>
           <a:p>
             <a:pPr>
@@ -14163,17 +14186,6 @@
               </a:rPr>
               <a:t>{             </a:t>
             </a:r>
-            <a:endParaRPr kumimoji="0" lang="en-US" sz="900" b="0" i="0" u="none" strike="noStrike" cap="none" normalizeH="0" baseline="0" dirty="0" smtClean="0">
-              <a:ln>
-                <a:noFill/>
-              </a:ln>
-              <a:solidFill>
-                <a:srgbClr val="000000"/>
-              </a:solidFill>
-              <a:effectLst/>
-              <a:latin typeface="Consolas" pitchFamily="49" charset="0"/>
-              <a:cs typeface="Consolas" pitchFamily="49" charset="0"/>
-            </a:endParaRPr>
           </a:p>
           <a:p>
             <a:pPr defTabSz="914400" fontAlgn="base">
@@ -14192,17 +14204,7 @@
                 <a:latin typeface="Consolas" pitchFamily="49" charset="0"/>
                 <a:cs typeface="Consolas" pitchFamily="49" charset="0"/>
               </a:rPr>
-              <a:t>	public </a:t>
-            </a:r>
-            <a:r>
-              <a:rPr lang="en-US" sz="900" dirty="0" smtClean="0">
-                <a:solidFill>
-                  <a:srgbClr val="0000FF"/>
-                </a:solidFill>
-                <a:latin typeface="Consolas" pitchFamily="49" charset="0"/>
-                <a:cs typeface="Consolas" pitchFamily="49" charset="0"/>
-              </a:rPr>
-              <a:t>virtual</a:t>
+              <a:t>	public virtual</a:t>
             </a:r>
             <a:r>
               <a:rPr lang="en-US" sz="900" dirty="0" smtClean="0">
@@ -14236,27 +14238,7 @@
                 <a:latin typeface="Consolas" pitchFamily="49" charset="0"/>
                 <a:cs typeface="Consolas" pitchFamily="49" charset="0"/>
               </a:rPr>
-              <a:t> </a:t>
-            </a:r>
-            <a:r>
-              <a:rPr lang="en-US" sz="900" dirty="0" smtClean="0">
-                <a:solidFill>
-                  <a:srgbClr val="000000"/>
-                </a:solidFill>
-                <a:latin typeface="Consolas" pitchFamily="49" charset="0"/>
-                <a:cs typeface="Consolas" pitchFamily="49" charset="0"/>
-              </a:rPr>
-              <a:t>Id</a:t>
-            </a:r>
-            <a:r>
-              <a:rPr lang="en-US" sz="900" dirty="0" smtClean="0">
-                <a:solidFill>
-                  <a:srgbClr val="000000"/>
-                </a:solidFill>
-                <a:latin typeface="Consolas" pitchFamily="49" charset="0"/>
-                <a:cs typeface="Consolas" pitchFamily="49" charset="0"/>
-              </a:rPr>
-              <a:t> { </a:t>
+              <a:t> Id { </a:t>
             </a:r>
             <a:r>
               <a:rPr lang="en-US" sz="900" dirty="0" smtClean="0">
@@ -14712,11 +14694,7 @@
             </a:pPr>
             <a:r>
               <a:rPr lang="nb-NO" sz="1400" dirty="0" smtClean="0"/>
-              <a:t>2. Definere mappingen (&lt;className&gt;.hbm.xml</a:t>
-            </a:r>
-            <a:r>
-              <a:rPr lang="nb-NO" sz="1400" dirty="0" smtClean="0"/>
-              <a:t>)</a:t>
+              <a:t>2. Definere mappingen (&lt;className&gt;.hbm.xml)</a:t>
             </a:r>
             <a:br>
               <a:rPr lang="nb-NO" sz="1400" dirty="0" smtClean="0"/>
@@ -14814,7 +14792,6 @@
               <a:rPr lang="nb-NO" sz="1400" i="1" dirty="0" smtClean="0"/>
               <a:t>Embedded Resource</a:t>
             </a:r>
-            <a:endParaRPr lang="nb-NO" sz="1400" i="1" dirty="0" smtClean="0"/>
           </a:p>
           <a:p>
             <a:pPr>
@@ -18594,11 +18571,7 @@
             </a:pPr>
             <a:r>
               <a:rPr lang="nb-NO" sz="1400" dirty="0" smtClean="0"/>
-              <a:t>5. Opprett en test som verifiserer at alt er satt opp </a:t>
-            </a:r>
-            <a:r>
-              <a:rPr lang="nb-NO" sz="1400" dirty="0" smtClean="0"/>
-              <a:t>riktig</a:t>
+              <a:t>5. Opprett en test som verifiserer at alt er satt opp riktig</a:t>
             </a:r>
           </a:p>
           <a:p>
@@ -18663,21 +18636,8 @@
             </a:br>
             <a:r>
               <a:rPr lang="nb-NO" sz="1100" dirty="0" smtClean="0"/>
-              <a:t>Testprosjektet må ha referanse </a:t>
-            </a:r>
-            <a:r>
-              <a:rPr lang="nb-NO" sz="1100" dirty="0" smtClean="0"/>
-              <a:t>til NHibernate.dll, Iesi.Collections.dll, </a:t>
-            </a:r>
-            <a:r>
-              <a:rPr lang="nb-NO" sz="1100" dirty="0" smtClean="0"/>
-              <a:t>System.Data.SqlServerCe.dll </a:t>
-            </a:r>
-            <a:r>
-              <a:rPr lang="nb-NO" sz="1100" dirty="0" smtClean="0"/>
-              <a:t>i tillegg til selve prosjektet</a:t>
-            </a:r>
-            <a:endParaRPr lang="nb-NO" sz="1100" dirty="0" smtClean="0"/>
+              <a:t>Testprosjektet må ha referanse til NHibernate.dll, Iesi.Collections.dll, System.Data.SqlServerCe.dll i tillegg til selve prosjektet</a:t>
+            </a:r>
           </a:p>
           <a:p>
             <a:pPr>
@@ -22184,6 +22144,13 @@
   <p:transition>
     <p:fade thruBlk="1"/>
   </p:transition>
+  <p:timing>
+    <p:tnLst>
+      <p:par>
+        <p:cTn id="1" dur="indefinite" restart="never" nodeType="tmRoot"/>
+      </p:par>
+    </p:tnLst>
+  </p:timing>
 </p:sld>
 </file>
 
@@ -22435,11 +22402,7 @@
             </a:pPr>
             <a:r>
               <a:rPr lang="nb-NO" sz="1400" dirty="0" smtClean="0"/>
-              <a:t>Object Relational </a:t>
-            </a:r>
-            <a:r>
-              <a:rPr lang="nb-NO" sz="1400" dirty="0" smtClean="0"/>
-              <a:t>Mapping</a:t>
+              <a:t>Object Relational Mapping</a:t>
             </a:r>
           </a:p>
           <a:p>
@@ -22455,13 +22418,8 @@
             </a:pPr>
             <a:r>
               <a:rPr lang="nb-NO" sz="1400" dirty="0" smtClean="0"/>
-              <a:t> </a:t>
-            </a:r>
-            <a:r>
-              <a:rPr lang="nb-NO" sz="1400" dirty="0" smtClean="0"/>
-              <a:t>LINQ To...</a:t>
-            </a:r>
-            <a:endParaRPr lang="nb-NO" sz="1400" dirty="0" smtClean="0"/>
+              <a:t> LINQ To...</a:t>
+            </a:r>
           </a:p>
           <a:p>
             <a:pPr lvl="1">
@@ -22973,15 +22931,7 @@
                   <a:schemeClr val="bg1"/>
                 </a:solidFill>
               </a:rPr>
-              <a:t>Prøv å gjennomføre denne oppgaven </a:t>
-            </a:r>
-            <a:r>
-              <a:rPr lang="nb-NO" dirty="0" smtClean="0">
-                <a:solidFill>
-                  <a:schemeClr val="bg1"/>
-                </a:solidFill>
-              </a:rPr>
-              <a:t>test-først</a:t>
+              <a:t>Prøv å gjennomføre denne oppgaven test-først</a:t>
             </a:r>
           </a:p>
           <a:p>
@@ -23012,21 +22962,8 @@
                   <a:schemeClr val="bg1"/>
                 </a:solidFill>
               </a:rPr>
-              <a:t>Hint: </a:t>
-            </a:r>
-            <a:r>
-              <a:rPr lang="nb-NO" sz="1100" i="1" dirty="0" smtClean="0">
-                <a:solidFill>
-                  <a:schemeClr val="bg1"/>
-                </a:solidFill>
-              </a:rPr>
-              <a:t>For å kunne verifisere at noe er lagret i databasen, kan det være nødvendig å opprette en sessionFactory som kan brukes av testene for å gjøre spørringer mot databasen utenom repository. Denne bør kun initialiseres èn gang, en idè kan være å bruke [ClassInitialize] attributten for å få til dette innenfor en testklasse.</a:t>
-            </a:r>
-            <a:endParaRPr lang="nb-NO" sz="1100" i="1" dirty="0" smtClean="0">
-              <a:solidFill>
-                <a:schemeClr val="bg1"/>
-              </a:solidFill>
-            </a:endParaRPr>
+              <a:t>Hint: For å kunne verifisere at noe er lagret i databasen, kan det være nødvendig å opprette en sessionFactory som kan brukes av testene for å gjøre spørringer mot databasen utenom repository. Denne bør kun initialiseres èn gang, en idè kan være å bruke [ClassInitialize] attributten for å få til dette innenfor en testklasse.</a:t>
+            </a:r>
           </a:p>
           <a:p>
             <a:pPr marL="342900" indent="-342900" algn="just"/>
@@ -23386,6 +23323,13 @@
   <p:transition>
     <p:fade thruBlk="1"/>
   </p:transition>
+  <p:timing>
+    <p:tnLst>
+      <p:par>
+        <p:cTn id="1" dur="indefinite" restart="never" nodeType="tmRoot"/>
+      </p:par>
+    </p:tnLst>
+  </p:timing>
 </p:sld>
 </file>
 
@@ -23769,15 +23713,7 @@
             </a:pPr>
             <a:r>
               <a:rPr lang="nb-NO" sz="1400" dirty="0" smtClean="0"/>
-              <a:t> Aksessere forskjellig </a:t>
-            </a:r>
-            <a:r>
-              <a:rPr lang="nb-NO" sz="1400" dirty="0" smtClean="0"/>
-              <a:t>typer </a:t>
-            </a:r>
-            <a:r>
-              <a:rPr lang="nb-NO" sz="1400" dirty="0" smtClean="0"/>
-              <a:t>data med de samme metodene (SQL, Oracle, MS Access)</a:t>
+              <a:t> Aksessere forskjellig typer data med de samme metodene (SQL, Oracle, MS Access)</a:t>
             </a:r>
           </a:p>
           <a:p>
@@ -23793,8 +23729,13 @@
             </a:pPr>
             <a:r>
               <a:rPr lang="nb-NO" sz="1400" dirty="0" smtClean="0"/>
-              <a:t> Viktig å kjenne til selv om mange i dag benytter seg av ORM </a:t>
-            </a:r>
+              <a:t> Viktig å kjenne til selv om mange i dag benytter seg av </a:t>
+            </a:r>
+            <a:r>
+              <a:rPr lang="nb-NO" sz="1400" dirty="0" smtClean="0"/>
+              <a:t>en Object Relation Mapper (ORM) </a:t>
+            </a:r>
+            <a:endParaRPr lang="nb-NO" sz="1400" dirty="0" smtClean="0"/>
           </a:p>
           <a:p>
             <a:pPr>
@@ -24394,6 +24335,13 @@
   <p:transition>
     <p:fade thruBlk="1"/>
   </p:transition>
+  <p:timing>
+    <p:tnLst>
+      <p:par>
+        <p:cTn id="1" dur="indefinite" restart="never" nodeType="tmRoot"/>
+      </p:par>
+    </p:tnLst>
+  </p:timing>
 </p:sld>
 </file>
 
@@ -25053,6 +25001,13 @@
   <p:transition>
     <p:fade thruBlk="1"/>
   </p:transition>
+  <p:timing>
+    <p:tnLst>
+      <p:par>
+        <p:cTn id="1" dur="indefinite" restart="never" nodeType="tmRoot"/>
+      </p:par>
+    </p:tnLst>
+  </p:timing>
 </p:sld>
 </file>
 
@@ -26941,6 +26896,13 @@
   <p:transition>
     <p:fade thruBlk="1"/>
   </p:transition>
+  <p:timing>
+    <p:tnLst>
+      <p:par>
+        <p:cTn id="1" dur="indefinite" restart="never" nodeType="tmRoot"/>
+      </p:par>
+    </p:tnLst>
+  </p:timing>
 </p:sld>
 </file>
 
@@ -28712,7 +28674,7 @@
                 <a:latin typeface="Consolas" pitchFamily="49" charset="0"/>
                 <a:cs typeface="Consolas" pitchFamily="49" charset="0"/>
               </a:rPr>
-              <a:t>connectionString</a:t>
+              <a:t>connection</a:t>
             </a:r>
             <a:r>
               <a:rPr lang="en-US" sz="1200" dirty="0" err="1" smtClean="0">
@@ -30240,15 +30202,7 @@
             </a:pPr>
             <a:r>
               <a:rPr lang="nb-NO" sz="1400" dirty="0" smtClean="0"/>
-              <a:t> </a:t>
-            </a:r>
-            <a:r>
-              <a:rPr lang="nb-NO" sz="1400" dirty="0" smtClean="0"/>
-              <a:t>ADO.NET Entity </a:t>
-            </a:r>
-            <a:r>
-              <a:rPr lang="nb-NO" sz="1400" dirty="0" smtClean="0"/>
-              <a:t>Framework</a:t>
+              <a:t> ADO.NET Entity Framework</a:t>
             </a:r>
           </a:p>
           <a:p>
@@ -30264,11 +30218,7 @@
             </a:pPr>
             <a:r>
               <a:rPr lang="nb-NO" sz="1400" dirty="0" smtClean="0"/>
-              <a:t> </a:t>
-            </a:r>
-            <a:r>
-              <a:rPr lang="nb-NO" sz="1400" dirty="0" smtClean="0"/>
-              <a:t>NHibernate</a:t>
+              <a:t> NHibernate</a:t>
             </a:r>
           </a:p>
           <a:p>
@@ -30361,7 +30311,6 @@
               <a:rPr lang="nb-NO" sz="1400" dirty="0" smtClean="0"/>
               <a:t>Optimistic offline lock</a:t>
             </a:r>
-            <a:endParaRPr lang="nb-NO" sz="1400" dirty="0" smtClean="0"/>
           </a:p>
           <a:p>
             <a:pPr marL="342900" indent="-342900">
@@ -30378,7 +30327,6 @@
               <a:rPr lang="nb-NO" sz="1400" dirty="0" smtClean="0"/>
               <a:t>Data mapper</a:t>
             </a:r>
-            <a:endParaRPr lang="nb-NO" sz="1400" dirty="0" smtClean="0"/>
           </a:p>
         </p:txBody>
       </p:sp>

--- a/persistingData/persistingData.pptx
+++ b/persistingData/persistingData.pptx
@@ -531,33 +531,17 @@
         </p:nvSpPr>
         <p:spPr/>
         <p:txBody>
-          <a:bodyPr>
-            <a:normAutofit/>
-          </a:bodyPr>
+          <a:bodyPr/>
           <a:lstStyle/>
           <a:p>
-            <a:r>
-              <a:rPr lang="nb-NO" dirty="0" smtClean="0"/>
-              <a:t>Ulike typer</a:t>
-            </a:r>
-            <a:r>
-              <a:rPr lang="nb-NO" baseline="0" dirty="0" smtClean="0"/>
-              <a:t> providers implementerer samme interface slik at man bare gjøre en open på connection. SQL, OleDB, Oracle++</a:t>
-            </a:r>
-          </a:p>
-          <a:p>
-            <a:r>
-              <a:rPr lang="nb-NO" baseline="0" dirty="0" smtClean="0"/>
-              <a:t>Dataadapteren er en bridge mellom databasen og frakoblede objekter i ado objektmodellen, Fill metoden gir mulighet for å plassere data fra en query inn i et dataset så de lett kan aksesseres.</a:t>
-            </a:r>
-            <a:endParaRPr lang="en-US" dirty="0"/>
+            <a:endParaRPr lang="nb-NO" dirty="0"/>
           </a:p>
         </p:txBody>
       </p:sp>
     </p:spTree>
     <p:extLst>
       <p:ext uri="{BB962C8B-B14F-4D97-AF65-F5344CB8AC3E}">
-        <p14:creationId xmlns:p14="http://schemas.microsoft.com/office/powerpoint/2010/main" val="4124508828"/>
+        <p14:creationId xmlns:p14="http://schemas.microsoft.com/office/powerpoint/2010/main" val="1776694878"/>
       </p:ext>
     </p:extLst>
   </p:cSld>
@@ -618,6 +602,62 @@
           </a:bodyPr>
           <a:lstStyle/>
           <a:p>
+            <a:r>
+              <a:rPr lang="nb-NO" dirty="0" smtClean="0"/>
+              <a:t>Mapping mellom databasen og definerte objekter</a:t>
+            </a:r>
+            <a:r>
+              <a:rPr lang="nb-NO" baseline="0" dirty="0" smtClean="0"/>
+              <a:t> i valgt programmeringsspråk (f.eks C#)</a:t>
+            </a:r>
+          </a:p>
+          <a:p>
+            <a:endParaRPr lang="nb-NO" baseline="0" dirty="0" smtClean="0"/>
+          </a:p>
+          <a:p>
+            <a:pPr marL="342900" indent="-342900">
+              <a:buAutoNum type="arabicPeriod"/>
+            </a:pPr>
+            <a:r>
+              <a:rPr lang="nb-NO" baseline="0" dirty="0" smtClean="0"/>
+              <a:t>Lazy loading, laste opp deler av en stor struktur</a:t>
+            </a:r>
+          </a:p>
+          <a:p>
+            <a:pPr marL="342900" indent="-342900">
+              <a:buAutoNum type="arabicPeriod"/>
+            </a:pPr>
+            <a:r>
+              <a:rPr lang="nb-NO" baseline="0" dirty="0" smtClean="0"/>
+              <a:t>Identity Map – dictionary med oversikt over hvilke objekter som allerede er hentet ut i minne i nåværende kontekst</a:t>
+            </a:r>
+          </a:p>
+          <a:p>
+            <a:pPr marL="342900" indent="-342900">
+              <a:buAutoNum type="arabicPeriod"/>
+            </a:pPr>
+            <a:r>
+              <a:rPr lang="nb-NO" baseline="0" dirty="0" smtClean="0"/>
+              <a:t>Unit Of Work – ORM må til en hver tid vite hva som er endret og hvorfor (lagt til, endret, slettet)</a:t>
+            </a:r>
+          </a:p>
+          <a:p>
+            <a:pPr marL="342900" indent="-342900">
+              <a:buAutoNum type="arabicPeriod"/>
+            </a:pPr>
+            <a:r>
+              <a:rPr lang="nb-NO" baseline="0" dirty="0" smtClean="0"/>
+              <a:t>Optimistic offline lock – anta at ikke data blir endret, men gi feilmelding hvis man ser at data er endret</a:t>
+            </a:r>
+          </a:p>
+          <a:p>
+            <a:pPr marL="342900" indent="-342900">
+              <a:buAutoNum type="arabicPeriod"/>
+            </a:pPr>
+            <a:r>
+              <a:rPr lang="nb-NO" baseline="0" dirty="0" smtClean="0"/>
+              <a:t>Data mapper – mapping mellom objekter i c# POCO og tabeller</a:t>
+            </a:r>
             <a:endParaRPr lang="en-US" dirty="0"/>
           </a:p>
         </p:txBody>
@@ -625,7 +665,7 @@
     </p:spTree>
     <p:extLst>
       <p:ext uri="{BB962C8B-B14F-4D97-AF65-F5344CB8AC3E}">
-        <p14:creationId xmlns:p14="http://schemas.microsoft.com/office/powerpoint/2010/main" val="3106933413"/>
+        <p14:creationId xmlns:p14="http://schemas.microsoft.com/office/powerpoint/2010/main" val="1866556766"/>
       </p:ext>
     </p:extLst>
   </p:cSld>
@@ -636,6 +676,87 @@
 </file>
 
 <file path=ppt/notesSlides/notesSlide11.xml><?xml version="1.0" encoding="utf-8"?>
+<p:notes xmlns:a="http://schemas.openxmlformats.org/drawingml/2006/main" xmlns:r="http://schemas.openxmlformats.org/officeDocument/2006/relationships" xmlns:p="http://schemas.openxmlformats.org/presentationml/2006/main">
+  <p:cSld>
+    <p:spTree>
+      <p:nvGrpSpPr>
+        <p:cNvPr id="1" name=""/>
+        <p:cNvGrpSpPr/>
+        <p:nvPr/>
+      </p:nvGrpSpPr>
+      <p:grpSpPr>
+        <a:xfrm>
+          <a:off x="0" y="0"/>
+          <a:ext cx="0" cy="0"/>
+          <a:chOff x="0" y="0"/>
+          <a:chExt cx="0" cy="0"/>
+        </a:xfrm>
+      </p:grpSpPr>
+      <p:sp>
+        <p:nvSpPr>
+          <p:cNvPr id="2" name="Slide Image Placeholder 1"/>
+          <p:cNvSpPr>
+            <a:spLocks noGrp="1" noRot="1" noChangeAspect="1"/>
+          </p:cNvSpPr>
+          <p:nvPr>
+            <p:ph type="sldImg"/>
+          </p:nvPr>
+        </p:nvSpPr>
+        <p:spPr/>
+      </p:sp>
+      <p:sp>
+        <p:nvSpPr>
+          <p:cNvPr id="3" name="Notes Placeholder 2"/>
+          <p:cNvSpPr>
+            <a:spLocks noGrp="1"/>
+          </p:cNvSpPr>
+          <p:nvPr>
+            <p:ph type="body" idx="1"/>
+          </p:nvPr>
+        </p:nvSpPr>
+        <p:spPr/>
+        <p:txBody>
+          <a:bodyPr/>
+          <a:lstStyle/>
+          <a:p>
+            <a:r>
+              <a:rPr lang="nb-NO" dirty="0" smtClean="0"/>
+              <a:t>Denne sliden la jeg til mest for å få fokuset over på det vi skal</a:t>
+            </a:r>
+            <a:r>
+              <a:rPr lang="nb-NO" baseline="0" dirty="0" smtClean="0"/>
+              <a:t> gjøre i oppgaven nemlig bruke </a:t>
+            </a:r>
+            <a:r>
+              <a:rPr lang="nb-NO" baseline="0" dirty="0" err="1" smtClean="0"/>
+              <a:t>dapper-dot-net</a:t>
+            </a:r>
+            <a:r>
+              <a:rPr lang="nb-NO" baseline="0" dirty="0" smtClean="0"/>
+              <a:t>, neste slide viser et lite eksempel på hvordan man kan benytte </a:t>
+            </a:r>
+            <a:r>
+              <a:rPr lang="nb-NO" baseline="0" dirty="0" err="1" smtClean="0"/>
+              <a:t>dapper-dot-net</a:t>
+            </a:r>
+            <a:endParaRPr lang="nb-NO" dirty="0"/>
+          </a:p>
+        </p:txBody>
+      </p:sp>
+    </p:spTree>
+    <p:extLst>
+      <p:ext uri="{BB962C8B-B14F-4D97-AF65-F5344CB8AC3E}">
+        <p14:creationId xmlns:p14="http://schemas.microsoft.com/office/powerpoint/2010/main" val="2761730956"/>
+      </p:ext>
+    </p:extLst>
+  </p:cSld>
+  <p:clrMapOvr>
+    <a:masterClrMapping/>
+  </p:clrMapOvr>
+</p:notes>
+</file>
+
+<file path=ppt/notesSlides/notesSlide12.xml><?xml version="1.0" encoding="utf-8"?>
 <p:notes xmlns:a="http://schemas.openxmlformats.org/drawingml/2006/main" xmlns:r="http://schemas.openxmlformats.org/officeDocument/2006/relationships" xmlns:p="http://schemas.openxmlformats.org/presentationml/2006/main">
   <p:cSld>
     <p:spTree>
@@ -686,6 +807,430 @@
           </a:bodyPr>
           <a:lstStyle/>
           <a:p>
+            <a:r>
+              <a:rPr lang="en-US" dirty="0" err="1" smtClean="0"/>
+              <a:t>Løsningen</a:t>
+            </a:r>
+            <a:r>
+              <a:rPr lang="en-US" baseline="0" dirty="0" smtClean="0"/>
+              <a:t> </a:t>
+            </a:r>
+            <a:r>
+              <a:rPr lang="en-US" baseline="0" dirty="0" err="1" smtClean="0"/>
+              <a:t>består</a:t>
+            </a:r>
+            <a:r>
+              <a:rPr lang="en-US" baseline="0" dirty="0" smtClean="0"/>
+              <a:t> </a:t>
+            </a:r>
+            <a:r>
+              <a:rPr lang="en-US" baseline="0" dirty="0" err="1" smtClean="0"/>
+              <a:t>av</a:t>
+            </a:r>
+            <a:r>
+              <a:rPr lang="en-US" baseline="0" dirty="0" smtClean="0"/>
+              <a:t> </a:t>
+            </a:r>
+            <a:r>
+              <a:rPr lang="en-US" baseline="0" dirty="0" err="1" smtClean="0"/>
+              <a:t>tre</a:t>
+            </a:r>
+            <a:r>
+              <a:rPr lang="en-US" baseline="0" dirty="0" smtClean="0"/>
+              <a:t> </a:t>
+            </a:r>
+            <a:r>
+              <a:rPr lang="en-US" baseline="0" dirty="0" err="1" smtClean="0"/>
+              <a:t>prosjekter</a:t>
+            </a:r>
+            <a:endParaRPr lang="en-US" baseline="0" dirty="0" smtClean="0"/>
+          </a:p>
+          <a:p>
+            <a:r>
+              <a:rPr lang="en-US" baseline="0" dirty="0" err="1" smtClean="0"/>
+              <a:t>Bekk.dotnetintro.Blog.Api</a:t>
+            </a:r>
+            <a:endParaRPr lang="en-US" baseline="0" dirty="0" smtClean="0"/>
+          </a:p>
+          <a:p>
+            <a:r>
+              <a:rPr lang="en-US" baseline="0" dirty="0" smtClean="0"/>
+              <a:t>	- </a:t>
+            </a:r>
+            <a:r>
+              <a:rPr lang="en-US" baseline="0" dirty="0" err="1" smtClean="0"/>
+              <a:t>selve</a:t>
+            </a:r>
+            <a:r>
+              <a:rPr lang="en-US" baseline="0" dirty="0" smtClean="0"/>
+              <a:t> </a:t>
+            </a:r>
+            <a:r>
+              <a:rPr lang="en-US" baseline="0" dirty="0" err="1" smtClean="0"/>
+              <a:t>API’et</a:t>
+            </a:r>
+            <a:endParaRPr lang="en-US" baseline="0" dirty="0" smtClean="0"/>
+          </a:p>
+          <a:p>
+            <a:r>
+              <a:rPr lang="en-US" baseline="0" dirty="0" err="1" smtClean="0"/>
+              <a:t>Bekk.dotnetintro.Blog.Data</a:t>
+            </a:r>
+            <a:endParaRPr lang="en-US" baseline="0" dirty="0" smtClean="0"/>
+          </a:p>
+          <a:p>
+            <a:r>
+              <a:rPr lang="en-US" baseline="0" dirty="0" smtClean="0"/>
+              <a:t>	- repository</a:t>
+            </a:r>
+          </a:p>
+          <a:p>
+            <a:r>
+              <a:rPr lang="en-US" baseline="0" dirty="0" err="1" smtClean="0"/>
+              <a:t>Bekk.dotnetintro.Blog.Data.Migrations</a:t>
+            </a:r>
+            <a:endParaRPr lang="en-US" baseline="0" dirty="0" smtClean="0"/>
+          </a:p>
+          <a:p>
+            <a:r>
+              <a:rPr lang="en-US" baseline="0" dirty="0" smtClean="0"/>
+              <a:t>	- </a:t>
+            </a:r>
+            <a:r>
+              <a:rPr lang="en-US" baseline="0" dirty="0" err="1" smtClean="0"/>
+              <a:t>eventuelle</a:t>
+            </a:r>
+            <a:r>
+              <a:rPr lang="en-US" baseline="0" dirty="0" smtClean="0"/>
+              <a:t> </a:t>
+            </a:r>
+            <a:r>
+              <a:rPr lang="en-US" baseline="0" dirty="0" err="1" smtClean="0"/>
+              <a:t>automatiske</a:t>
+            </a:r>
+            <a:r>
+              <a:rPr lang="en-US" baseline="0" dirty="0" smtClean="0"/>
+              <a:t> </a:t>
+            </a:r>
+            <a:r>
+              <a:rPr lang="en-US" baseline="0" dirty="0" err="1" smtClean="0"/>
+              <a:t>opprettinger</a:t>
+            </a:r>
+            <a:r>
+              <a:rPr lang="en-US" baseline="0" dirty="0" smtClean="0"/>
+              <a:t> </a:t>
+            </a:r>
+            <a:r>
+              <a:rPr lang="en-US" baseline="0" dirty="0" err="1" smtClean="0"/>
+              <a:t>av</a:t>
+            </a:r>
+            <a:r>
+              <a:rPr lang="en-US" baseline="0" dirty="0" smtClean="0"/>
+              <a:t> database</a:t>
+            </a:r>
+          </a:p>
+          <a:p>
+            <a:r>
+              <a:rPr lang="en-US" baseline="0" dirty="0" err="1" smtClean="0"/>
+              <a:t>Migreringene</a:t>
+            </a:r>
+            <a:r>
+              <a:rPr lang="en-US" baseline="0" dirty="0" smtClean="0"/>
+              <a:t> </a:t>
+            </a:r>
+            <a:r>
+              <a:rPr lang="en-US" baseline="0" dirty="0" err="1" smtClean="0"/>
+              <a:t>kjører</a:t>
+            </a:r>
+            <a:r>
+              <a:rPr lang="en-US" baseline="0" dirty="0" smtClean="0"/>
+              <a:t> </a:t>
+            </a:r>
+            <a:r>
+              <a:rPr lang="en-US" baseline="0" dirty="0" err="1" smtClean="0"/>
+              <a:t>på</a:t>
+            </a:r>
+            <a:r>
+              <a:rPr lang="en-US" baseline="0" dirty="0" smtClean="0"/>
+              <a:t> </a:t>
+            </a:r>
+            <a:r>
+              <a:rPr lang="en-US" baseline="0" dirty="0" err="1" smtClean="0"/>
+              <a:t>oppstart</a:t>
+            </a:r>
+            <a:r>
+              <a:rPr lang="en-US" baseline="0" dirty="0" smtClean="0"/>
+              <a:t> </a:t>
+            </a:r>
+            <a:r>
+              <a:rPr lang="en-US" baseline="0" dirty="0" err="1" smtClean="0"/>
+              <a:t>så</a:t>
+            </a:r>
+            <a:r>
+              <a:rPr lang="en-US" baseline="0" dirty="0" smtClean="0"/>
+              <a:t> </a:t>
+            </a:r>
+            <a:r>
+              <a:rPr lang="en-US" baseline="0" dirty="0" err="1" smtClean="0"/>
+              <a:t>det</a:t>
+            </a:r>
+            <a:r>
+              <a:rPr lang="en-US" baseline="0" dirty="0" smtClean="0"/>
+              <a:t> </a:t>
+            </a:r>
+            <a:r>
+              <a:rPr lang="en-US" baseline="0" dirty="0" err="1" smtClean="0"/>
+              <a:t>er</a:t>
+            </a:r>
+            <a:r>
+              <a:rPr lang="en-US" baseline="0" dirty="0" smtClean="0"/>
+              <a:t> </a:t>
+            </a:r>
+            <a:r>
+              <a:rPr lang="en-US" baseline="0" dirty="0" err="1" smtClean="0"/>
+              <a:t>ikke</a:t>
+            </a:r>
+            <a:r>
+              <a:rPr lang="en-US" baseline="0" dirty="0" smtClean="0"/>
+              <a:t> </a:t>
+            </a:r>
+            <a:r>
+              <a:rPr lang="en-US" baseline="0" dirty="0" err="1" smtClean="0"/>
+              <a:t>nødvendig</a:t>
+            </a:r>
+            <a:r>
+              <a:rPr lang="en-US" baseline="0" dirty="0" smtClean="0"/>
+              <a:t> å </a:t>
+            </a:r>
+            <a:r>
+              <a:rPr lang="en-US" baseline="0" dirty="0" err="1" smtClean="0"/>
+              <a:t>gjøre</a:t>
+            </a:r>
+            <a:r>
+              <a:rPr lang="en-US" baseline="0" dirty="0" smtClean="0"/>
+              <a:t> </a:t>
+            </a:r>
+            <a:r>
+              <a:rPr lang="en-US" baseline="0" dirty="0" err="1" smtClean="0"/>
+              <a:t>noe</a:t>
+            </a:r>
+            <a:r>
+              <a:rPr lang="en-US" baseline="0" dirty="0" smtClean="0"/>
+              <a:t> </a:t>
+            </a:r>
+            <a:r>
+              <a:rPr lang="en-US" baseline="0" dirty="0" err="1" smtClean="0"/>
+              <a:t>annet</a:t>
+            </a:r>
+            <a:r>
+              <a:rPr lang="en-US" baseline="0" dirty="0" smtClean="0"/>
+              <a:t> en å </a:t>
+            </a:r>
+            <a:r>
+              <a:rPr lang="en-US" baseline="0" dirty="0" err="1" smtClean="0"/>
+              <a:t>trykke</a:t>
+            </a:r>
+            <a:r>
+              <a:rPr lang="en-US" baseline="0" dirty="0" smtClean="0"/>
+              <a:t> F5 for å </a:t>
+            </a:r>
+            <a:r>
+              <a:rPr lang="en-US" baseline="0" dirty="0" err="1" smtClean="0"/>
+              <a:t>få</a:t>
+            </a:r>
+            <a:r>
+              <a:rPr lang="en-US" baseline="0" dirty="0" smtClean="0"/>
+              <a:t> </a:t>
+            </a:r>
+            <a:r>
+              <a:rPr lang="en-US" baseline="0" dirty="0" err="1" smtClean="0"/>
+              <a:t>kjørt</a:t>
+            </a:r>
+            <a:r>
+              <a:rPr lang="en-US" baseline="0" dirty="0" smtClean="0"/>
+              <a:t> </a:t>
+            </a:r>
+            <a:r>
+              <a:rPr lang="en-US" baseline="0" dirty="0" err="1" smtClean="0"/>
+              <a:t>migreringene</a:t>
+            </a:r>
+            <a:r>
+              <a:rPr lang="en-US" baseline="0" dirty="0" smtClean="0"/>
+              <a:t> </a:t>
+            </a:r>
+            <a:r>
+              <a:rPr lang="en-US" baseline="0" dirty="0" err="1" smtClean="0"/>
+              <a:t>når</a:t>
+            </a:r>
+            <a:r>
+              <a:rPr lang="en-US" baseline="0" dirty="0" smtClean="0"/>
+              <a:t> de </a:t>
+            </a:r>
+            <a:r>
+              <a:rPr lang="en-US" baseline="0" dirty="0" err="1" smtClean="0"/>
+              <a:t>er</a:t>
+            </a:r>
+            <a:r>
+              <a:rPr lang="en-US" baseline="0" dirty="0" smtClean="0"/>
+              <a:t> </a:t>
+            </a:r>
+            <a:r>
+              <a:rPr lang="en-US" baseline="0" dirty="0" err="1" smtClean="0"/>
+              <a:t>definetr</a:t>
+            </a:r>
+            <a:r>
+              <a:rPr lang="en-US" baseline="0" dirty="0" smtClean="0"/>
+              <a:t> I _01CreateTables.cs</a:t>
+            </a:r>
+          </a:p>
+          <a:p>
+            <a:endParaRPr lang="en-US" baseline="0" dirty="0" smtClean="0"/>
+          </a:p>
+          <a:p>
+            <a:r>
+              <a:rPr lang="en-US" baseline="0" dirty="0" err="1" smtClean="0"/>
+              <a:t>Det</a:t>
+            </a:r>
+            <a:r>
+              <a:rPr lang="en-US" baseline="0" dirty="0" smtClean="0"/>
+              <a:t> </a:t>
+            </a:r>
+            <a:r>
+              <a:rPr lang="en-US" baseline="0" dirty="0" err="1" smtClean="0"/>
+              <a:t>kan</a:t>
+            </a:r>
+            <a:r>
+              <a:rPr lang="en-US" baseline="0" dirty="0" smtClean="0"/>
+              <a:t> </a:t>
+            </a:r>
+            <a:r>
+              <a:rPr lang="en-US" baseline="0" dirty="0" err="1" smtClean="0"/>
+              <a:t>også</a:t>
+            </a:r>
+            <a:r>
+              <a:rPr lang="en-US" baseline="0" dirty="0" smtClean="0"/>
+              <a:t> </a:t>
+            </a:r>
+            <a:r>
+              <a:rPr lang="en-US" baseline="0" dirty="0" err="1" smtClean="0"/>
+              <a:t>nevnes</a:t>
+            </a:r>
+            <a:r>
+              <a:rPr lang="en-US" baseline="0" dirty="0" smtClean="0"/>
+              <a:t> at </a:t>
+            </a:r>
+            <a:r>
+              <a:rPr lang="en-US" baseline="0" dirty="0" err="1" smtClean="0"/>
+              <a:t>Structuremap</a:t>
+            </a:r>
+            <a:r>
+              <a:rPr lang="en-US" baseline="0" dirty="0" smtClean="0"/>
+              <a:t> </a:t>
+            </a:r>
+            <a:r>
+              <a:rPr lang="en-US" baseline="0" dirty="0" err="1" smtClean="0"/>
+              <a:t>er</a:t>
+            </a:r>
+            <a:r>
+              <a:rPr lang="en-US" baseline="0" dirty="0" smtClean="0"/>
+              <a:t> </a:t>
+            </a:r>
+            <a:r>
+              <a:rPr lang="en-US" baseline="0" dirty="0" err="1" smtClean="0"/>
+              <a:t>satt</a:t>
+            </a:r>
+            <a:r>
+              <a:rPr lang="en-US" baseline="0" dirty="0" smtClean="0"/>
+              <a:t> </a:t>
+            </a:r>
+            <a:r>
+              <a:rPr lang="en-US" baseline="0" dirty="0" err="1" smtClean="0"/>
+              <a:t>opp</a:t>
+            </a:r>
+            <a:r>
+              <a:rPr lang="en-US" baseline="0" dirty="0" smtClean="0"/>
+              <a:t> </a:t>
+            </a:r>
+            <a:r>
+              <a:rPr lang="en-US" baseline="0" dirty="0" err="1" smtClean="0"/>
+              <a:t>som</a:t>
+            </a:r>
+            <a:r>
+              <a:rPr lang="en-US" baseline="0" dirty="0" smtClean="0"/>
+              <a:t> IOC. </a:t>
+            </a:r>
+            <a:r>
+              <a:rPr lang="en-US" baseline="0" dirty="0" err="1" smtClean="0"/>
+              <a:t>Verdt</a:t>
+            </a:r>
+            <a:r>
+              <a:rPr lang="en-US" baseline="0" dirty="0" smtClean="0"/>
+              <a:t> å </a:t>
+            </a:r>
+            <a:r>
+              <a:rPr lang="en-US" baseline="0" dirty="0" err="1" smtClean="0"/>
+              <a:t>sjekke</a:t>
+            </a:r>
+            <a:r>
+              <a:rPr lang="en-US" baseline="0" dirty="0" smtClean="0"/>
+              <a:t> </a:t>
+            </a:r>
+            <a:r>
+              <a:rPr lang="en-US" baseline="0" dirty="0" err="1" smtClean="0"/>
+              <a:t>ut</a:t>
+            </a:r>
+            <a:r>
+              <a:rPr lang="en-US" baseline="0" dirty="0" smtClean="0"/>
+              <a:t> </a:t>
+            </a:r>
+            <a:r>
+              <a:rPr lang="en-US" baseline="0" dirty="0" err="1" smtClean="0"/>
+              <a:t>koden</a:t>
+            </a:r>
+            <a:r>
+              <a:rPr lang="en-US" baseline="0" dirty="0" smtClean="0"/>
+              <a:t> I </a:t>
+            </a:r>
+            <a:r>
+              <a:rPr lang="en-US" baseline="0" dirty="0" err="1" smtClean="0"/>
+              <a:t>Global.asax</a:t>
+            </a:r>
+            <a:r>
+              <a:rPr lang="en-US" baseline="0" dirty="0" smtClean="0"/>
+              <a:t> for </a:t>
+            </a:r>
+            <a:r>
+              <a:rPr lang="en-US" baseline="0" dirty="0" err="1" smtClean="0"/>
+              <a:t>selve</a:t>
+            </a:r>
+            <a:r>
+              <a:rPr lang="en-US" baseline="0" dirty="0" smtClean="0"/>
+              <a:t> </a:t>
+            </a:r>
+            <a:r>
+              <a:rPr lang="en-US" baseline="0" dirty="0" err="1" smtClean="0"/>
+              <a:t>registreringen</a:t>
+            </a:r>
+            <a:r>
+              <a:rPr lang="en-US" baseline="0" dirty="0" smtClean="0"/>
+              <a:t> </a:t>
+            </a:r>
+            <a:r>
+              <a:rPr lang="en-US" baseline="0" dirty="0" err="1" smtClean="0"/>
+              <a:t>av</a:t>
+            </a:r>
+            <a:r>
+              <a:rPr lang="en-US" baseline="0" dirty="0" smtClean="0"/>
+              <a:t> </a:t>
+            </a:r>
+            <a:r>
+              <a:rPr lang="en-US" baseline="0" dirty="0" err="1" smtClean="0"/>
+              <a:t>kontaineren</a:t>
+            </a:r>
+            <a:r>
+              <a:rPr lang="en-US" baseline="0" smtClean="0"/>
+              <a:t>.</a:t>
+            </a:r>
             <a:endParaRPr lang="en-US" dirty="0"/>
           </a:p>
         </p:txBody>
@@ -693,7 +1238,7 @@
     </p:spTree>
     <p:extLst>
       <p:ext uri="{BB962C8B-B14F-4D97-AF65-F5344CB8AC3E}">
-        <p14:creationId xmlns:p14="http://schemas.microsoft.com/office/powerpoint/2010/main" val="208021489"/>
+        <p14:creationId xmlns:p14="http://schemas.microsoft.com/office/powerpoint/2010/main" val="1109532616"/>
       </p:ext>
     </p:extLst>
   </p:cSld>
@@ -703,7 +1248,7 @@
 </p:notes>
 </file>
 
-<file path=ppt/notesSlides/notesSlide2.xml><?xml version="1.0" encoding="utf-8"?>
+<file path=ppt/notesSlides/notesSlide13.xml><?xml version="1.0" encoding="utf-8"?>
 <p:notes xmlns:a="http://schemas.openxmlformats.org/drawingml/2006/main" xmlns:r="http://schemas.openxmlformats.org/officeDocument/2006/relationships" xmlns:p="http://schemas.openxmlformats.org/presentationml/2006/main">
   <p:cSld>
     <p:spTree>
@@ -756,38 +1301,12 @@
           <a:p>
             <a:r>
               <a:rPr lang="nb-NO" dirty="0" smtClean="0"/>
-              <a:t>Datasettet</a:t>
+              <a:t>Mapping mellom databasen og definerte objekter</a:t>
             </a:r>
             <a:r>
               <a:rPr lang="nb-NO" baseline="0" dirty="0" smtClean="0"/>
-              <a:t> inneholder en in-memory representasjon av relasjonsdatabasen inkludert alle tabeller og relasjoner</a:t>
-            </a:r>
-          </a:p>
-          <a:p>
-            <a:pPr>
-              <a:buFontTx/>
-              <a:buChar char="-"/>
-            </a:pPr>
-            <a:r>
-              <a:rPr lang="nb-NO" baseline="0" dirty="0" smtClean="0"/>
-              <a:t> Data-drevet applikasjon i stedet for objektorientert applikasjon</a:t>
-            </a:r>
-          </a:p>
-          <a:p>
-            <a:pPr>
-              <a:buFontTx/>
-              <a:buChar char="-"/>
-            </a:pPr>
-            <a:r>
-              <a:rPr lang="nb-NO" baseline="0" dirty="0" smtClean="0"/>
-              <a:t> lite testbart</a:t>
-            </a:r>
-          </a:p>
-          <a:p>
-            <a:pPr>
-              <a:buFontTx/>
-              <a:buChar char="-"/>
-            </a:pPr>
+              <a:t> i valgt programmeringsspråk (f.eks C#)</a:t>
+            </a:r>
             <a:endParaRPr lang="en-US" dirty="0"/>
           </a:p>
         </p:txBody>
@@ -795,7 +1314,356 @@
     </p:spTree>
     <p:extLst>
       <p:ext uri="{BB962C8B-B14F-4D97-AF65-F5344CB8AC3E}">
-        <p14:creationId xmlns:p14="http://schemas.microsoft.com/office/powerpoint/2010/main" val="3533622084"/>
+        <p14:creationId xmlns:p14="http://schemas.microsoft.com/office/powerpoint/2010/main" val="2478689849"/>
+      </p:ext>
+    </p:extLst>
+  </p:cSld>
+  <p:clrMapOvr>
+    <a:masterClrMapping/>
+  </p:clrMapOvr>
+</p:notes>
+</file>
+
+<file path=ppt/notesSlides/notesSlide14.xml><?xml version="1.0" encoding="utf-8"?>
+<p:notes xmlns:a="http://schemas.openxmlformats.org/drawingml/2006/main" xmlns:r="http://schemas.openxmlformats.org/officeDocument/2006/relationships" xmlns:p="http://schemas.openxmlformats.org/presentationml/2006/main">
+  <p:cSld>
+    <p:spTree>
+      <p:nvGrpSpPr>
+        <p:cNvPr id="1" name=""/>
+        <p:cNvGrpSpPr/>
+        <p:nvPr/>
+      </p:nvGrpSpPr>
+      <p:grpSpPr>
+        <a:xfrm>
+          <a:off x="0" y="0"/>
+          <a:ext cx="0" cy="0"/>
+          <a:chOff x="0" y="0"/>
+          <a:chExt cx="0" cy="0"/>
+        </a:xfrm>
+      </p:grpSpPr>
+      <p:sp>
+        <p:nvSpPr>
+          <p:cNvPr id="2" name="Slide Image Placeholder 1"/>
+          <p:cNvSpPr>
+            <a:spLocks noGrp="1" noRot="1" noChangeAspect="1"/>
+          </p:cNvSpPr>
+          <p:nvPr>
+            <p:ph type="sldImg"/>
+          </p:nvPr>
+        </p:nvSpPr>
+        <p:spPr>
+          <a:xfrm>
+            <a:off x="827088" y="592138"/>
+            <a:ext cx="5226050" cy="3919537"/>
+          </a:xfrm>
+        </p:spPr>
+      </p:sp>
+      <p:sp>
+        <p:nvSpPr>
+          <p:cNvPr id="3" name="Notes Placeholder 2"/>
+          <p:cNvSpPr>
+            <a:spLocks noGrp="1"/>
+          </p:cNvSpPr>
+          <p:nvPr>
+            <p:ph type="body" idx="1"/>
+          </p:nvPr>
+        </p:nvSpPr>
+        <p:spPr/>
+        <p:txBody>
+          <a:bodyPr>
+            <a:normAutofit/>
+          </a:bodyPr>
+          <a:lstStyle/>
+          <a:p>
+            <a:r>
+              <a:rPr lang="nb-NO" dirty="0" smtClean="0"/>
+              <a:t>Demo av hvordan man legger opp en</a:t>
+            </a:r>
+            <a:r>
+              <a:rPr lang="nb-NO" baseline="0" dirty="0" smtClean="0"/>
+              <a:t> datasource, samt definerer en enkel tabell med kolonner og primærnøkkel.</a:t>
+            </a:r>
+            <a:endParaRPr lang="en-US" dirty="0"/>
+          </a:p>
+        </p:txBody>
+      </p:sp>
+    </p:spTree>
+    <p:extLst>
+      <p:ext uri="{BB962C8B-B14F-4D97-AF65-F5344CB8AC3E}">
+        <p14:creationId xmlns:p14="http://schemas.microsoft.com/office/powerpoint/2010/main" val="3675988716"/>
+      </p:ext>
+    </p:extLst>
+  </p:cSld>
+  <p:clrMapOvr>
+    <a:masterClrMapping/>
+  </p:clrMapOvr>
+</p:notes>
+</file>
+
+<file path=ppt/notesSlides/notesSlide15.xml><?xml version="1.0" encoding="utf-8"?>
+<p:notes xmlns:a="http://schemas.openxmlformats.org/drawingml/2006/main" xmlns:r="http://schemas.openxmlformats.org/officeDocument/2006/relationships" xmlns:p="http://schemas.openxmlformats.org/presentationml/2006/main">
+  <p:cSld>
+    <p:spTree>
+      <p:nvGrpSpPr>
+        <p:cNvPr id="1" name=""/>
+        <p:cNvGrpSpPr/>
+        <p:nvPr/>
+      </p:nvGrpSpPr>
+      <p:grpSpPr>
+        <a:xfrm>
+          <a:off x="0" y="0"/>
+          <a:ext cx="0" cy="0"/>
+          <a:chOff x="0" y="0"/>
+          <a:chExt cx="0" cy="0"/>
+        </a:xfrm>
+      </p:grpSpPr>
+      <p:sp>
+        <p:nvSpPr>
+          <p:cNvPr id="2" name="Slide Image Placeholder 1"/>
+          <p:cNvSpPr>
+            <a:spLocks noGrp="1" noRot="1" noChangeAspect="1"/>
+          </p:cNvSpPr>
+          <p:nvPr>
+            <p:ph type="sldImg"/>
+          </p:nvPr>
+        </p:nvSpPr>
+        <p:spPr>
+          <a:xfrm>
+            <a:off x="827088" y="592138"/>
+            <a:ext cx="5226050" cy="3919537"/>
+          </a:xfrm>
+        </p:spPr>
+      </p:sp>
+      <p:sp>
+        <p:nvSpPr>
+          <p:cNvPr id="3" name="Notes Placeholder 2"/>
+          <p:cNvSpPr>
+            <a:spLocks noGrp="1"/>
+          </p:cNvSpPr>
+          <p:nvPr>
+            <p:ph type="body" idx="1"/>
+          </p:nvPr>
+        </p:nvSpPr>
+        <p:spPr/>
+        <p:txBody>
+          <a:bodyPr>
+            <a:normAutofit/>
+          </a:bodyPr>
+          <a:lstStyle/>
+          <a:p>
+            <a:endParaRPr lang="en-US" dirty="0"/>
+          </a:p>
+        </p:txBody>
+      </p:sp>
+    </p:spTree>
+    <p:extLst>
+      <p:ext uri="{BB962C8B-B14F-4D97-AF65-F5344CB8AC3E}">
+        <p14:creationId xmlns:p14="http://schemas.microsoft.com/office/powerpoint/2010/main" val="2947202081"/>
+      </p:ext>
+    </p:extLst>
+  </p:cSld>
+  <p:clrMapOvr>
+    <a:masterClrMapping/>
+  </p:clrMapOvr>
+</p:notes>
+</file>
+
+<file path=ppt/notesSlides/notesSlide16.xml><?xml version="1.0" encoding="utf-8"?>
+<p:notes xmlns:a="http://schemas.openxmlformats.org/drawingml/2006/main" xmlns:r="http://schemas.openxmlformats.org/officeDocument/2006/relationships" xmlns:p="http://schemas.openxmlformats.org/presentationml/2006/main">
+  <p:cSld>
+    <p:spTree>
+      <p:nvGrpSpPr>
+        <p:cNvPr id="1" name=""/>
+        <p:cNvGrpSpPr/>
+        <p:nvPr/>
+      </p:nvGrpSpPr>
+      <p:grpSpPr>
+        <a:xfrm>
+          <a:off x="0" y="0"/>
+          <a:ext cx="0" cy="0"/>
+          <a:chOff x="0" y="0"/>
+          <a:chExt cx="0" cy="0"/>
+        </a:xfrm>
+      </p:grpSpPr>
+      <p:sp>
+        <p:nvSpPr>
+          <p:cNvPr id="2" name="Slide Image Placeholder 1"/>
+          <p:cNvSpPr>
+            <a:spLocks noGrp="1" noRot="1" noChangeAspect="1"/>
+          </p:cNvSpPr>
+          <p:nvPr>
+            <p:ph type="sldImg"/>
+          </p:nvPr>
+        </p:nvSpPr>
+        <p:spPr>
+          <a:xfrm>
+            <a:off x="827088" y="592138"/>
+            <a:ext cx="5226050" cy="3919537"/>
+          </a:xfrm>
+        </p:spPr>
+      </p:sp>
+      <p:sp>
+        <p:nvSpPr>
+          <p:cNvPr id="3" name="Notes Placeholder 2"/>
+          <p:cNvSpPr>
+            <a:spLocks noGrp="1"/>
+          </p:cNvSpPr>
+          <p:nvPr>
+            <p:ph type="body" idx="1"/>
+          </p:nvPr>
+        </p:nvSpPr>
+        <p:spPr/>
+        <p:txBody>
+          <a:bodyPr>
+            <a:normAutofit/>
+          </a:bodyPr>
+          <a:lstStyle/>
+          <a:p>
+            <a:endParaRPr lang="en-US" dirty="0"/>
+          </a:p>
+        </p:txBody>
+      </p:sp>
+    </p:spTree>
+    <p:extLst>
+      <p:ext uri="{BB962C8B-B14F-4D97-AF65-F5344CB8AC3E}">
+        <p14:creationId xmlns:p14="http://schemas.microsoft.com/office/powerpoint/2010/main" val="3106933413"/>
+      </p:ext>
+    </p:extLst>
+  </p:cSld>
+  <p:clrMapOvr>
+    <a:masterClrMapping/>
+  </p:clrMapOvr>
+</p:notes>
+</file>
+
+<file path=ppt/notesSlides/notesSlide17.xml><?xml version="1.0" encoding="utf-8"?>
+<p:notes xmlns:a="http://schemas.openxmlformats.org/drawingml/2006/main" xmlns:r="http://schemas.openxmlformats.org/officeDocument/2006/relationships" xmlns:p="http://schemas.openxmlformats.org/presentationml/2006/main">
+  <p:cSld>
+    <p:spTree>
+      <p:nvGrpSpPr>
+        <p:cNvPr id="1" name=""/>
+        <p:cNvGrpSpPr/>
+        <p:nvPr/>
+      </p:nvGrpSpPr>
+      <p:grpSpPr>
+        <a:xfrm>
+          <a:off x="0" y="0"/>
+          <a:ext cx="0" cy="0"/>
+          <a:chOff x="0" y="0"/>
+          <a:chExt cx="0" cy="0"/>
+        </a:xfrm>
+      </p:grpSpPr>
+      <p:sp>
+        <p:nvSpPr>
+          <p:cNvPr id="2" name="Slide Image Placeholder 1"/>
+          <p:cNvSpPr>
+            <a:spLocks noGrp="1" noRot="1" noChangeAspect="1"/>
+          </p:cNvSpPr>
+          <p:nvPr>
+            <p:ph type="sldImg"/>
+          </p:nvPr>
+        </p:nvSpPr>
+        <p:spPr>
+          <a:xfrm>
+            <a:off x="827088" y="592138"/>
+            <a:ext cx="5226050" cy="3919537"/>
+          </a:xfrm>
+        </p:spPr>
+      </p:sp>
+      <p:sp>
+        <p:nvSpPr>
+          <p:cNvPr id="3" name="Notes Placeholder 2"/>
+          <p:cNvSpPr>
+            <a:spLocks noGrp="1"/>
+          </p:cNvSpPr>
+          <p:nvPr>
+            <p:ph type="body" idx="1"/>
+          </p:nvPr>
+        </p:nvSpPr>
+        <p:spPr/>
+        <p:txBody>
+          <a:bodyPr>
+            <a:normAutofit/>
+          </a:bodyPr>
+          <a:lstStyle/>
+          <a:p>
+            <a:endParaRPr lang="en-US" dirty="0"/>
+          </a:p>
+        </p:txBody>
+      </p:sp>
+    </p:spTree>
+    <p:extLst>
+      <p:ext uri="{BB962C8B-B14F-4D97-AF65-F5344CB8AC3E}">
+        <p14:creationId xmlns:p14="http://schemas.microsoft.com/office/powerpoint/2010/main" val="208021489"/>
+      </p:ext>
+    </p:extLst>
+  </p:cSld>
+  <p:clrMapOvr>
+    <a:masterClrMapping/>
+  </p:clrMapOvr>
+</p:notes>
+</file>
+
+<file path=ppt/notesSlides/notesSlide2.xml><?xml version="1.0" encoding="utf-8"?>
+<p:notes xmlns:a="http://schemas.openxmlformats.org/drawingml/2006/main" xmlns:r="http://schemas.openxmlformats.org/officeDocument/2006/relationships" xmlns:p="http://schemas.openxmlformats.org/presentationml/2006/main">
+  <p:cSld>
+    <p:spTree>
+      <p:nvGrpSpPr>
+        <p:cNvPr id="1" name=""/>
+        <p:cNvGrpSpPr/>
+        <p:nvPr/>
+      </p:nvGrpSpPr>
+      <p:grpSpPr>
+        <a:xfrm>
+          <a:off x="0" y="0"/>
+          <a:ext cx="0" cy="0"/>
+          <a:chOff x="0" y="0"/>
+          <a:chExt cx="0" cy="0"/>
+        </a:xfrm>
+      </p:grpSpPr>
+      <p:sp>
+        <p:nvSpPr>
+          <p:cNvPr id="2" name="Slide Image Placeholder 1"/>
+          <p:cNvSpPr>
+            <a:spLocks noGrp="1" noRot="1" noChangeAspect="1"/>
+          </p:cNvSpPr>
+          <p:nvPr>
+            <p:ph type="sldImg"/>
+          </p:nvPr>
+        </p:nvSpPr>
+        <p:spPr/>
+      </p:sp>
+      <p:sp>
+        <p:nvSpPr>
+          <p:cNvPr id="3" name="Notes Placeholder 2"/>
+          <p:cNvSpPr>
+            <a:spLocks noGrp="1"/>
+          </p:cNvSpPr>
+          <p:nvPr>
+            <p:ph type="body" idx="1"/>
+          </p:nvPr>
+        </p:nvSpPr>
+        <p:spPr/>
+        <p:txBody>
+          <a:bodyPr/>
+          <a:lstStyle/>
+          <a:p>
+            <a:r>
+              <a:rPr lang="nb-NO" dirty="0" smtClean="0"/>
+              <a:t>Vise at ADO.NET er grunnsteinen</a:t>
+            </a:r>
+            <a:r>
+              <a:rPr lang="nb-NO" baseline="0" dirty="0" smtClean="0"/>
+              <a:t> uansett hvordan applikasjon man ønsker å koble til en datakilde.</a:t>
+            </a:r>
+            <a:endParaRPr lang="nb-NO" dirty="0"/>
+          </a:p>
+        </p:txBody>
+      </p:sp>
+    </p:spTree>
+    <p:extLst>
+      <p:ext uri="{BB962C8B-B14F-4D97-AF65-F5344CB8AC3E}">
+        <p14:creationId xmlns:p14="http://schemas.microsoft.com/office/powerpoint/2010/main" val="1809248007"/>
       </p:ext>
     </p:extLst>
   </p:cSld>
@@ -858,11 +1726,213 @@
           <a:p>
             <a:r>
               <a:rPr lang="nb-NO" dirty="0" smtClean="0"/>
-              <a:t>Demo av hvordan man legger opp en</a:t>
+              <a:t>Ulike typer</a:t>
             </a:r>
             <a:r>
               <a:rPr lang="nb-NO" baseline="0" dirty="0" smtClean="0"/>
-              <a:t> datasource, samt definerer en enkel tabell med kolonner og primærnøkkel.</a:t>
+              <a:t> providers implementerer samme interface slik at man bare gjøre en open på connection. SQL, OleDB, Oracle++</a:t>
+            </a:r>
+          </a:p>
+          <a:p>
+            <a:r>
+              <a:rPr lang="nb-NO" baseline="0" dirty="0" smtClean="0"/>
+              <a:t>Dataadapteren er en bridge mellom databasen og frakoblede objekter i ado objektmodellen, Fill metoden gir mulighet for å plassere data fra en query inn i et dataset så de lett kan aksesseres</a:t>
+            </a:r>
+            <a:r>
+              <a:rPr lang="nb-NO" baseline="0" dirty="0" smtClean="0"/>
+              <a:t>.</a:t>
+            </a:r>
+            <a:endParaRPr lang="en-US" baseline="0" dirty="0" smtClean="0"/>
+          </a:p>
+          <a:p>
+            <a:endParaRPr lang="en-US" baseline="0" dirty="0" smtClean="0"/>
+          </a:p>
+          <a:p>
+            <a:r>
+              <a:rPr lang="en-US" baseline="0" dirty="0" err="1" smtClean="0"/>
+              <a:t>Helt</a:t>
+            </a:r>
+            <a:r>
+              <a:rPr lang="en-US" baseline="0" dirty="0" smtClean="0"/>
+              <a:t> </a:t>
+            </a:r>
+            <a:r>
+              <a:rPr lang="en-US" baseline="0" dirty="0" err="1" smtClean="0"/>
+              <a:t>greit</a:t>
+            </a:r>
+            <a:r>
+              <a:rPr lang="en-US" baseline="0" dirty="0" smtClean="0"/>
+              <a:t> å </a:t>
+            </a:r>
+            <a:r>
+              <a:rPr lang="en-US" baseline="0" dirty="0" err="1" smtClean="0"/>
+              <a:t>nevne</a:t>
+            </a:r>
+            <a:r>
+              <a:rPr lang="en-US" baseline="0" dirty="0" smtClean="0"/>
+              <a:t> her at man </a:t>
+            </a:r>
+            <a:r>
+              <a:rPr lang="en-US" baseline="0" dirty="0" err="1" smtClean="0"/>
+              <a:t>ikke</a:t>
+            </a:r>
+            <a:r>
+              <a:rPr lang="en-US" baseline="0" dirty="0" smtClean="0"/>
+              <a:t> </a:t>
+            </a:r>
+            <a:r>
+              <a:rPr lang="en-US" baseline="0" dirty="0" err="1" smtClean="0"/>
+              <a:t>ønsker</a:t>
+            </a:r>
+            <a:r>
+              <a:rPr lang="en-US" baseline="0" dirty="0" smtClean="0"/>
+              <a:t> å </a:t>
+            </a:r>
+            <a:r>
+              <a:rPr lang="en-US" baseline="0" dirty="0" err="1" smtClean="0"/>
+              <a:t>jobbe</a:t>
+            </a:r>
+            <a:r>
+              <a:rPr lang="en-US" baseline="0" dirty="0" smtClean="0"/>
+              <a:t> med dataset (</a:t>
+            </a:r>
+            <a:r>
+              <a:rPr lang="en-US" baseline="0" dirty="0" err="1" smtClean="0"/>
+              <a:t>hvertfall</a:t>
+            </a:r>
+            <a:r>
+              <a:rPr lang="en-US" baseline="0" dirty="0" smtClean="0"/>
+              <a:t> </a:t>
+            </a:r>
+            <a:r>
+              <a:rPr lang="en-US" baseline="0" dirty="0" err="1" smtClean="0"/>
+              <a:t>er</a:t>
+            </a:r>
+            <a:r>
+              <a:rPr lang="en-US" baseline="0" dirty="0" smtClean="0"/>
+              <a:t> </a:t>
+            </a:r>
+            <a:r>
+              <a:rPr lang="en-US" baseline="0" dirty="0" err="1" smtClean="0"/>
+              <a:t>det</a:t>
+            </a:r>
+            <a:r>
+              <a:rPr lang="en-US" baseline="0" dirty="0" smtClean="0"/>
+              <a:t> min </a:t>
+            </a:r>
+            <a:r>
+              <a:rPr lang="en-US" baseline="0" dirty="0" err="1" smtClean="0"/>
+              <a:t>personlige</a:t>
+            </a:r>
+            <a:r>
+              <a:rPr lang="en-US" baseline="0" dirty="0" smtClean="0"/>
+              <a:t> </a:t>
+            </a:r>
+            <a:r>
+              <a:rPr lang="en-US" baseline="0" dirty="0" err="1" smtClean="0"/>
+              <a:t>mening</a:t>
+            </a:r>
+            <a:r>
+              <a:rPr lang="en-US" baseline="0" dirty="0" smtClean="0"/>
+              <a:t>).</a:t>
+            </a:r>
+          </a:p>
+          <a:p>
+            <a:r>
+              <a:rPr lang="en-US" baseline="0" dirty="0" err="1" smtClean="0"/>
+              <a:t>Neste</a:t>
+            </a:r>
+            <a:r>
+              <a:rPr lang="en-US" baseline="0" dirty="0" smtClean="0"/>
+              <a:t> slide </a:t>
+            </a:r>
+            <a:r>
+              <a:rPr lang="en-US" baseline="0" dirty="0" err="1" smtClean="0"/>
+              <a:t>inneholder</a:t>
+            </a:r>
+            <a:r>
+              <a:rPr lang="en-US" baseline="0" dirty="0" smtClean="0"/>
+              <a:t> en link </a:t>
+            </a:r>
+            <a:r>
+              <a:rPr lang="en-US" baseline="0" dirty="0" err="1" smtClean="0"/>
+              <a:t>til</a:t>
+            </a:r>
+            <a:r>
+              <a:rPr lang="en-US" baseline="0" dirty="0" smtClean="0"/>
+              <a:t> en </a:t>
+            </a:r>
+            <a:r>
+              <a:rPr lang="en-US" baseline="0" dirty="0" err="1" smtClean="0"/>
+              <a:t>artikkel</a:t>
+            </a:r>
+            <a:r>
+              <a:rPr lang="en-US" baseline="0" dirty="0" smtClean="0"/>
+              <a:t> </a:t>
+            </a:r>
+            <a:r>
+              <a:rPr lang="en-US" baseline="0" dirty="0" err="1" smtClean="0"/>
+              <a:t>om</a:t>
+            </a:r>
+            <a:r>
+              <a:rPr lang="en-US" baseline="0" dirty="0" smtClean="0"/>
+              <a:t> </a:t>
+            </a:r>
+            <a:r>
+              <a:rPr lang="en-US" baseline="0" dirty="0" err="1" smtClean="0"/>
+              <a:t>hvordan</a:t>
+            </a:r>
+            <a:r>
+              <a:rPr lang="en-US" baseline="0" dirty="0" smtClean="0"/>
+              <a:t> dataset </a:t>
+            </a:r>
+            <a:r>
+              <a:rPr lang="en-US" baseline="0" dirty="0" err="1" smtClean="0"/>
+              <a:t>ikke</a:t>
+            </a:r>
+            <a:r>
+              <a:rPr lang="en-US" baseline="0" dirty="0" smtClean="0"/>
+              <a:t> </a:t>
+            </a:r>
+            <a:r>
+              <a:rPr lang="en-US" baseline="0" dirty="0" err="1" smtClean="0"/>
+              <a:t>er</a:t>
+            </a:r>
+            <a:r>
+              <a:rPr lang="en-US" baseline="0" dirty="0" smtClean="0"/>
+              <a:t> en god ting </a:t>
+            </a:r>
+            <a:r>
+              <a:rPr lang="en-US" baseline="0" dirty="0" err="1" smtClean="0"/>
+              <a:t>skrevet</a:t>
+            </a:r>
+            <a:r>
+              <a:rPr lang="en-US" baseline="0" dirty="0" smtClean="0"/>
+              <a:t> </a:t>
+            </a:r>
+            <a:r>
+              <a:rPr lang="en-US" baseline="0" dirty="0" err="1" smtClean="0"/>
+              <a:t>av</a:t>
+            </a:r>
+            <a:r>
+              <a:rPr lang="en-US" baseline="0" dirty="0" smtClean="0"/>
+              <a:t> </a:t>
+            </a:r>
+            <a:r>
+              <a:rPr lang="en-US" baseline="0" dirty="0" err="1" smtClean="0"/>
+              <a:t>Vidar</a:t>
+            </a:r>
+            <a:r>
+              <a:rPr lang="en-US" baseline="0" dirty="0" smtClean="0"/>
+              <a:t> </a:t>
+            </a:r>
+            <a:r>
+              <a:rPr lang="en-US" baseline="0" dirty="0" err="1" smtClean="0"/>
+              <a:t>Kongsli</a:t>
+            </a:r>
+            <a:r>
+              <a:rPr lang="en-US" baseline="0" dirty="0" smtClean="0"/>
+              <a:t>.</a:t>
             </a:r>
             <a:endParaRPr lang="en-US" dirty="0"/>
           </a:p>
@@ -871,7 +1941,7 @@
     </p:spTree>
     <p:extLst>
       <p:ext uri="{BB962C8B-B14F-4D97-AF65-F5344CB8AC3E}">
-        <p14:creationId xmlns:p14="http://schemas.microsoft.com/office/powerpoint/2010/main" val="3333112152"/>
+        <p14:creationId xmlns:p14="http://schemas.microsoft.com/office/powerpoint/2010/main" val="4124508828"/>
       </p:ext>
     </p:extLst>
   </p:cSld>
@@ -934,12 +2004,38 @@
           <a:p>
             <a:r>
               <a:rPr lang="nb-NO" dirty="0" smtClean="0"/>
-              <a:t>Demo av hvordan man legger opp en</a:t>
+              <a:t>Datasettet</a:t>
             </a:r>
             <a:r>
               <a:rPr lang="nb-NO" baseline="0" dirty="0" smtClean="0"/>
-              <a:t> datasource, samt definerer en enkel tabell med kolonner og primærnøkkel.</a:t>
-            </a:r>
+              <a:t> inneholder en in-memory representasjon av relasjonsdatabasen inkludert alle tabeller og relasjoner</a:t>
+            </a:r>
+          </a:p>
+          <a:p>
+            <a:pPr>
+              <a:buFontTx/>
+              <a:buChar char="-"/>
+            </a:pPr>
+            <a:r>
+              <a:rPr lang="nb-NO" baseline="0" dirty="0" smtClean="0"/>
+              <a:t> Data-drevet applikasjon i stedet for objektorientert applikasjon</a:t>
+            </a:r>
+          </a:p>
+          <a:p>
+            <a:pPr>
+              <a:buFontTx/>
+              <a:buChar char="-"/>
+            </a:pPr>
+            <a:r>
+              <a:rPr lang="nb-NO" baseline="0" dirty="0" smtClean="0"/>
+              <a:t> lite testbart</a:t>
+            </a:r>
+          </a:p>
+          <a:p>
+            <a:pPr>
+              <a:buFontTx/>
+              <a:buChar char="-"/>
+            </a:pPr>
             <a:endParaRPr lang="en-US" dirty="0"/>
           </a:p>
         </p:txBody>
@@ -947,7 +2043,7 @@
     </p:spTree>
     <p:extLst>
       <p:ext uri="{BB962C8B-B14F-4D97-AF65-F5344CB8AC3E}">
-        <p14:creationId xmlns:p14="http://schemas.microsoft.com/office/powerpoint/2010/main" val="1828301330"/>
+        <p14:creationId xmlns:p14="http://schemas.microsoft.com/office/powerpoint/2010/main" val="3533622084"/>
       </p:ext>
     </p:extLst>
   </p:cSld>
@@ -984,12 +2080,7 @@
             <p:ph type="sldImg"/>
           </p:nvPr>
         </p:nvSpPr>
-        <p:spPr>
-          <a:xfrm>
-            <a:off x="827088" y="592138"/>
-            <a:ext cx="5226050" cy="3919537"/>
-          </a:xfrm>
-        </p:spPr>
+        <p:spPr/>
       </p:sp>
       <p:sp>
         <p:nvSpPr>
@@ -1003,75 +2094,162 @@
         </p:nvSpPr>
         <p:spPr/>
         <p:txBody>
-          <a:bodyPr>
-            <a:normAutofit/>
-          </a:bodyPr>
+          <a:bodyPr/>
           <a:lstStyle/>
           <a:p>
             <a:r>
+              <a:rPr lang="nb-NO" dirty="0" err="1" smtClean="0"/>
+              <a:t>Connectionstring</a:t>
+            </a:r>
+            <a:r>
               <a:rPr lang="nb-NO" dirty="0" smtClean="0"/>
-              <a:t>Mapping mellom databasen og definerte objekter</a:t>
+              <a:t>-seksjonen</a:t>
             </a:r>
             <a:r>
               <a:rPr lang="nb-NO" baseline="0" dirty="0" smtClean="0"/>
-              <a:t> i valgt programmeringsspråk (f.eks C#)</a:t>
+              <a:t> i </a:t>
+            </a:r>
+            <a:r>
+              <a:rPr lang="nb-NO" baseline="0" dirty="0" err="1" smtClean="0"/>
+              <a:t>web.config</a:t>
+            </a:r>
+            <a:r>
+              <a:rPr lang="nb-NO" baseline="0" dirty="0" smtClean="0"/>
+              <a:t>/</a:t>
+            </a:r>
+            <a:r>
+              <a:rPr lang="nb-NO" baseline="0" dirty="0" err="1" smtClean="0"/>
+              <a:t>app.config</a:t>
+            </a:r>
+            <a:r>
+              <a:rPr lang="nb-NO" baseline="0" dirty="0" smtClean="0"/>
+              <a:t> er sentral </a:t>
+            </a:r>
+            <a:r>
+              <a:rPr lang="nb-NO" baseline="0" dirty="0" err="1" smtClean="0"/>
+              <a:t>mtp</a:t>
+            </a:r>
+            <a:r>
+              <a:rPr lang="nb-NO" baseline="0" dirty="0" smtClean="0"/>
+              <a:t> hvordan applikasjonen skal koble til databasen.</a:t>
+            </a:r>
+          </a:p>
+          <a:p>
+            <a:r>
+              <a:rPr lang="nb-NO" baseline="0" dirty="0" smtClean="0"/>
+              <a:t>Eksempelet over viser en </a:t>
+            </a:r>
+            <a:r>
+              <a:rPr lang="nb-NO" baseline="0" dirty="0" err="1" smtClean="0"/>
+              <a:t>connectionstring</a:t>
+            </a:r>
+            <a:r>
+              <a:rPr lang="nb-NO" baseline="0" dirty="0" smtClean="0"/>
+              <a:t> mot en database representert i en lokal </a:t>
+            </a:r>
+            <a:r>
+              <a:rPr lang="nb-NO" baseline="0" dirty="0" err="1" smtClean="0"/>
+              <a:t>mdf</a:t>
+            </a:r>
+            <a:r>
+              <a:rPr lang="nb-NO" baseline="0" dirty="0" smtClean="0"/>
+              <a:t> fil (Dette kommer vi også til å gjøre i oppgavene).</a:t>
+            </a:r>
+          </a:p>
+          <a:p>
+            <a:r>
+              <a:rPr lang="nb-NO" baseline="0" dirty="0" smtClean="0"/>
+              <a:t>Her kan man blant annet se at man spesifiserer hvilken provider som ADO.NET skal benytte i det tilkoblingen skal opprettes.</a:t>
             </a:r>
           </a:p>
           <a:p>
             <a:endParaRPr lang="nb-NO" baseline="0" dirty="0" smtClean="0"/>
           </a:p>
           <a:p>
-            <a:pPr marL="342900" indent="-342900">
-              <a:buAutoNum type="arabicPeriod"/>
-            </a:pPr>
+            <a:r>
+              <a:rPr lang="nb-NO" baseline="0" dirty="0" err="1" smtClean="0"/>
+              <a:t>System.Configuration</a:t>
+            </a:r>
             <a:r>
               <a:rPr lang="nb-NO" baseline="0" dirty="0" smtClean="0"/>
-              <a:t>Lazy loading, laste opp deler av en stor struktur</a:t>
-            </a:r>
-          </a:p>
-          <a:p>
-            <a:pPr marL="342900" indent="-342900">
-              <a:buAutoNum type="arabicPeriod"/>
-            </a:pPr>
+              <a:t> </a:t>
+            </a:r>
+            <a:r>
+              <a:rPr lang="nb-NO" baseline="0" dirty="0" err="1" smtClean="0"/>
+              <a:t>namespace’et</a:t>
+            </a:r>
             <a:r>
               <a:rPr lang="nb-NO" baseline="0" dirty="0" smtClean="0"/>
-              <a:t>Identity Map – dictionary med oversikt over hvilke objekter som allerede er hentet ut i minne i nåværende kontekst</a:t>
-            </a:r>
-          </a:p>
-          <a:p>
-            <a:pPr marL="342900" indent="-342900">
-              <a:buAutoNum type="arabicPeriod"/>
-            </a:pPr>
+              <a:t> tilbyr en måte å direkte lese ut </a:t>
+            </a:r>
+            <a:r>
+              <a:rPr lang="nb-NO" baseline="0" dirty="0" err="1" smtClean="0"/>
+              <a:t>connectionstrings</a:t>
+            </a:r>
             <a:r>
               <a:rPr lang="nb-NO" baseline="0" dirty="0" smtClean="0"/>
-              <a:t>Unit Of Work – ORM må til en hver tid vite hva som er endret og hvorfor (lagt til, endret, slettet)</a:t>
-            </a:r>
-          </a:p>
-          <a:p>
-            <a:pPr marL="342900" indent="-342900">
-              <a:buAutoNum type="arabicPeriod"/>
-            </a:pPr>
+              <a:t> som vist i eksempelet under her.</a:t>
+            </a:r>
+          </a:p>
+          <a:p>
             <a:r>
               <a:rPr lang="nb-NO" baseline="0" dirty="0" smtClean="0"/>
-              <a:t>Optimistic offline lock – anta at ikke data blir endret, men gi feilmelding hvis man ser at data er endret</a:t>
-            </a:r>
-          </a:p>
-          <a:p>
-            <a:pPr marL="342900" indent="-342900">
-              <a:buAutoNum type="arabicPeriod"/>
-            </a:pPr>
+              <a:t>For å opprette en tilkobling sender man inn </a:t>
+            </a:r>
+            <a:r>
+              <a:rPr lang="nb-NO" baseline="0" dirty="0" err="1" smtClean="0"/>
+              <a:t>connectionstring’en</a:t>
+            </a:r>
             <a:r>
               <a:rPr lang="nb-NO" baseline="0" dirty="0" smtClean="0"/>
-              <a:t>Data mapper – mapping mellom objekter i c# POCO og tabeller</a:t>
-            </a:r>
-            <a:endParaRPr lang="en-US" dirty="0"/>
+              <a:t> til </a:t>
+            </a:r>
+            <a:r>
+              <a:rPr lang="nb-NO" baseline="0" dirty="0" err="1" smtClean="0"/>
+              <a:t>SqlConnection</a:t>
+            </a:r>
+            <a:r>
+              <a:rPr lang="nb-NO" baseline="0" dirty="0" smtClean="0"/>
+              <a:t> – Anbefalt praksis å bruke </a:t>
+            </a:r>
+            <a:r>
+              <a:rPr lang="nb-NO" baseline="0" dirty="0" err="1" smtClean="0"/>
+              <a:t>using</a:t>
+            </a:r>
+            <a:r>
+              <a:rPr lang="nb-NO" baseline="0" dirty="0" smtClean="0"/>
+              <a:t>-statement rundt dette – spørsmål til kursdeltakerne: hvorfor er dette lurt?</a:t>
+            </a:r>
+          </a:p>
+          <a:p>
+            <a:r>
+              <a:rPr lang="nb-NO" baseline="0" dirty="0" smtClean="0"/>
+              <a:t>Husk å gjøre en </a:t>
+            </a:r>
+            <a:r>
+              <a:rPr lang="nb-NO" baseline="0" dirty="0" err="1" smtClean="0"/>
+              <a:t>connection.Open</a:t>
+            </a:r>
+            <a:r>
+              <a:rPr lang="nb-NO" baseline="0" dirty="0" smtClean="0"/>
+              <a:t>() før du begynner å bruke tilkoblingen ellers kastes det en </a:t>
+            </a:r>
+            <a:r>
+              <a:rPr lang="nb-NO" baseline="0" dirty="0" err="1" smtClean="0"/>
+              <a:t>exception</a:t>
+            </a:r>
+            <a:r>
+              <a:rPr lang="nb-NO" baseline="0" dirty="0" smtClean="0"/>
+              <a:t> om at man ikke kan utføre spørringer på en tilkobling som ikke er åpen.</a:t>
+            </a:r>
+            <a:endParaRPr lang="nb-NO" dirty="0"/>
           </a:p>
         </p:txBody>
       </p:sp>
     </p:spTree>
     <p:extLst>
       <p:ext uri="{BB962C8B-B14F-4D97-AF65-F5344CB8AC3E}">
-        <p14:creationId xmlns:p14="http://schemas.microsoft.com/office/powerpoint/2010/main" val="1866556766"/>
+        <p14:creationId xmlns:p14="http://schemas.microsoft.com/office/powerpoint/2010/main" val="492576398"/>
       </p:ext>
     </p:extLst>
   </p:cSld>
@@ -1108,12 +2286,7 @@
             <p:ph type="sldImg"/>
           </p:nvPr>
         </p:nvSpPr>
-        <p:spPr>
-          <a:xfrm>
-            <a:off x="827088" y="592138"/>
-            <a:ext cx="5226050" cy="3919537"/>
-          </a:xfrm>
-        </p:spPr>
+        <p:spPr/>
       </p:sp>
       <p:sp>
         <p:nvSpPr>
@@ -1127,27 +2300,134 @@
         </p:nvSpPr>
         <p:spPr/>
         <p:txBody>
-          <a:bodyPr>
-            <a:normAutofit/>
-          </a:bodyPr>
+          <a:bodyPr/>
           <a:lstStyle/>
           <a:p>
             <a:r>
               <a:rPr lang="nb-NO" dirty="0" smtClean="0"/>
-              <a:t>Demo av hvordan man legger opp en</a:t>
+              <a:t>Når man</a:t>
             </a:r>
             <a:r>
               <a:rPr lang="nb-NO" baseline="0" dirty="0" smtClean="0"/>
-              <a:t> datasource, samt definerer en enkel tabell med kolonner og primærnøkkel.</a:t>
-            </a:r>
-            <a:endParaRPr lang="en-US" dirty="0"/>
+              <a:t> har en tilkobling oppretter man videre en kommando som er det man skal sende ned til database og som er den operasjonen man ønsker utført.</a:t>
+            </a:r>
+          </a:p>
+          <a:p>
+            <a:r>
+              <a:rPr lang="nb-NO" baseline="0" dirty="0" smtClean="0"/>
+              <a:t>Dette er innenfor </a:t>
+            </a:r>
+            <a:r>
+              <a:rPr lang="nb-NO" baseline="0" dirty="0" err="1" smtClean="0"/>
+              <a:t>scope’et</a:t>
+            </a:r>
+            <a:r>
+              <a:rPr lang="nb-NO" baseline="0" dirty="0" smtClean="0"/>
+              <a:t> av </a:t>
+            </a:r>
+            <a:r>
+              <a:rPr lang="nb-NO" baseline="0" dirty="0" err="1" smtClean="0"/>
+              <a:t>using-statement’et</a:t>
+            </a:r>
+            <a:r>
+              <a:rPr lang="nb-NO" baseline="0" dirty="0" smtClean="0"/>
+              <a:t> til den åpne tilkoblingen fra forrige slide.</a:t>
+            </a:r>
+          </a:p>
+          <a:p>
+            <a:r>
+              <a:rPr lang="nb-NO" baseline="0" dirty="0" err="1" smtClean="0"/>
+              <a:t>CommandType</a:t>
+            </a:r>
+            <a:r>
+              <a:rPr lang="nb-NO" baseline="0" dirty="0" smtClean="0"/>
+              <a:t> er i dette tilfelle </a:t>
+            </a:r>
+            <a:r>
+              <a:rPr lang="nb-NO" baseline="0" dirty="0" err="1" smtClean="0"/>
+              <a:t>Text</a:t>
+            </a:r>
+            <a:r>
+              <a:rPr lang="nb-NO" baseline="0" dirty="0" smtClean="0"/>
+              <a:t>, typisk et SQL statement, men her kan man også spesifisere </a:t>
+            </a:r>
+            <a:r>
+              <a:rPr lang="nb-NO" baseline="0" dirty="0" err="1" smtClean="0"/>
+              <a:t>f.eks</a:t>
+            </a:r>
+            <a:r>
+              <a:rPr lang="nb-NO" baseline="0" dirty="0" smtClean="0"/>
+              <a:t> </a:t>
+            </a:r>
+            <a:r>
+              <a:rPr lang="nb-NO" baseline="0" dirty="0" err="1" smtClean="0"/>
+              <a:t>Stored</a:t>
+            </a:r>
+            <a:r>
+              <a:rPr lang="nb-NO" baseline="0" dirty="0" smtClean="0"/>
+              <a:t> </a:t>
+            </a:r>
+            <a:r>
+              <a:rPr lang="nb-NO" baseline="0" dirty="0" err="1" smtClean="0"/>
+              <a:t>Procedure</a:t>
+            </a:r>
+            <a:r>
+              <a:rPr lang="nb-NO" baseline="0" dirty="0" smtClean="0"/>
+              <a:t> hvis man heller ønsker å eksekvere det.</a:t>
+            </a:r>
+          </a:p>
+          <a:p>
+            <a:endParaRPr lang="nb-NO" baseline="0" dirty="0" smtClean="0"/>
+          </a:p>
+          <a:p>
+            <a:r>
+              <a:rPr lang="nb-NO" baseline="0" dirty="0" smtClean="0"/>
+              <a:t>Med kommandoen man har opprettet kan man enten 1) hente ut data 2) oppdatere/slette data.</a:t>
+            </a:r>
+          </a:p>
+          <a:p>
+            <a:r>
+              <a:rPr lang="nb-NO" baseline="0" dirty="0" smtClean="0"/>
+              <a:t>Dette gjøres fortrinnsvis ved hjelp av .</a:t>
+            </a:r>
+            <a:r>
+              <a:rPr lang="nb-NO" baseline="0" dirty="0" err="1" smtClean="0"/>
+              <a:t>ExecuteReader</a:t>
+            </a:r>
+            <a:r>
+              <a:rPr lang="nb-NO" baseline="0" dirty="0" smtClean="0"/>
+              <a:t>() dersom man forventer å få noe tilbake som man kan lese ut.</a:t>
+            </a:r>
+          </a:p>
+          <a:p>
+            <a:r>
+              <a:rPr lang="nb-NO" baseline="0" dirty="0" smtClean="0"/>
+              <a:t>Ved å bruke </a:t>
+            </a:r>
+            <a:r>
+              <a:rPr lang="nb-NO" baseline="0" dirty="0" err="1" smtClean="0"/>
+              <a:t>ExecuteNonQuery</a:t>
+            </a:r>
+            <a:r>
+              <a:rPr lang="nb-NO" baseline="0" dirty="0" smtClean="0"/>
+              <a:t>() sender man en kommando ned til databasen som man ikke forventer å få ut et lesbart resultat fra (</a:t>
+            </a:r>
+            <a:r>
+              <a:rPr lang="nb-NO" baseline="0" dirty="0" err="1" smtClean="0"/>
+              <a:t>f.eks</a:t>
+            </a:r>
+            <a:r>
+              <a:rPr lang="nb-NO" baseline="0" dirty="0" smtClean="0"/>
+              <a:t> UPDATE eller DELETE).</a:t>
+            </a:r>
+            <a:endParaRPr lang="nb-NO" dirty="0"/>
           </a:p>
         </p:txBody>
       </p:sp>
     </p:spTree>
     <p:extLst>
       <p:ext uri="{BB962C8B-B14F-4D97-AF65-F5344CB8AC3E}">
-        <p14:creationId xmlns:p14="http://schemas.microsoft.com/office/powerpoint/2010/main" val="1109532616"/>
+        <p14:creationId xmlns:p14="http://schemas.microsoft.com/office/powerpoint/2010/main" val="91637659"/>
       </p:ext>
     </p:extLst>
   </p:cSld>
@@ -1204,26 +2484,759 @@
         <p:spPr/>
         <p:txBody>
           <a:bodyPr>
-            <a:normAutofit/>
+            <a:normAutofit lnSpcReduction="10000"/>
           </a:bodyPr>
           <a:lstStyle/>
           <a:p>
             <a:r>
               <a:rPr lang="nb-NO" dirty="0" smtClean="0"/>
-              <a:t>Mapping mellom databasen og definerte objekter</a:t>
+              <a:t>Demo av hvordan man legger opp en</a:t>
             </a:r>
             <a:r>
               <a:rPr lang="nb-NO" baseline="0" dirty="0" smtClean="0"/>
-              <a:t> i valgt programmeringsspråk (f.eks C#)</a:t>
-            </a:r>
-            <a:endParaRPr lang="en-US" dirty="0"/>
+              <a:t> datasource, samt definerer en enkel tabell med kolonner og primærnøkkel</a:t>
+            </a:r>
+            <a:r>
+              <a:rPr lang="nb-NO" baseline="0" dirty="0" smtClean="0"/>
+              <a:t>.</a:t>
+            </a:r>
+          </a:p>
+          <a:p>
+            <a:r>
+              <a:rPr lang="nb-NO" baseline="0" dirty="0" smtClean="0"/>
+              <a:t>Vis gjerne hvordan man legger til en *.</a:t>
+            </a:r>
+            <a:r>
+              <a:rPr lang="nb-NO" baseline="0" dirty="0" err="1" smtClean="0"/>
+              <a:t>mdf</a:t>
+            </a:r>
+            <a:r>
+              <a:rPr lang="nb-NO" baseline="0" dirty="0" smtClean="0"/>
+              <a:t> fil i et nytt prosjekt for å vise hvordan dette gjøres og forsøk å gjør en tilkobling til databasen.</a:t>
+            </a:r>
+          </a:p>
+          <a:p>
+            <a:endParaRPr lang="nb-NO" baseline="0" dirty="0" smtClean="0"/>
+          </a:p>
+          <a:p>
+            <a:pPr marL="342900" indent="-342900">
+              <a:buAutoNum type="arabicPeriod"/>
+            </a:pPr>
+            <a:r>
+              <a:rPr lang="nb-NO" baseline="0" dirty="0" smtClean="0"/>
+              <a:t>Lag ny konsollapplikasjon</a:t>
+            </a:r>
+          </a:p>
+          <a:p>
+            <a:pPr marL="342900" indent="-342900">
+              <a:buAutoNum type="arabicPeriod"/>
+            </a:pPr>
+            <a:r>
+              <a:rPr lang="en-US" dirty="0" err="1" smtClean="0"/>
+              <a:t>Høyreklikk</a:t>
+            </a:r>
+            <a:r>
+              <a:rPr lang="en-US" dirty="0" smtClean="0"/>
+              <a:t> </a:t>
+            </a:r>
+            <a:r>
+              <a:rPr lang="en-US" dirty="0" err="1" smtClean="0"/>
+              <a:t>på</a:t>
+            </a:r>
+            <a:r>
+              <a:rPr lang="en-US" dirty="0" smtClean="0"/>
+              <a:t> </a:t>
+            </a:r>
+            <a:r>
+              <a:rPr lang="en-US" dirty="0" err="1" smtClean="0"/>
+              <a:t>prosjektet</a:t>
+            </a:r>
+            <a:r>
+              <a:rPr lang="en-US" dirty="0" smtClean="0"/>
+              <a:t>,</a:t>
+            </a:r>
+            <a:r>
+              <a:rPr lang="en-US" baseline="0" dirty="0" smtClean="0"/>
+              <a:t> </a:t>
+            </a:r>
+            <a:r>
+              <a:rPr lang="en-US" baseline="0" dirty="0" err="1" smtClean="0"/>
+              <a:t>velg</a:t>
+            </a:r>
+            <a:r>
+              <a:rPr lang="en-US" baseline="0" dirty="0" smtClean="0"/>
+              <a:t> Add -&gt;New Item</a:t>
+            </a:r>
+          </a:p>
+          <a:p>
+            <a:pPr marL="342900" indent="-342900">
+              <a:buAutoNum type="arabicPeriod"/>
+            </a:pPr>
+            <a:r>
+              <a:rPr lang="en-US" baseline="0" dirty="0" smtClean="0"/>
+              <a:t>I Wizard </a:t>
+            </a:r>
+            <a:r>
+              <a:rPr lang="en-US" baseline="0" dirty="0" err="1" smtClean="0"/>
+              <a:t>velg</a:t>
+            </a:r>
+            <a:r>
+              <a:rPr lang="en-US" baseline="0" dirty="0" smtClean="0"/>
+              <a:t> Data -&gt; Service-based Database </a:t>
+            </a:r>
+          </a:p>
+          <a:p>
+            <a:pPr marL="342900" indent="-342900">
+              <a:buAutoNum type="arabicPeriod"/>
+            </a:pPr>
+            <a:r>
+              <a:rPr lang="en-US" baseline="0" dirty="0" err="1" smtClean="0"/>
+              <a:t>Gi</a:t>
+            </a:r>
+            <a:r>
+              <a:rPr lang="en-US" baseline="0" dirty="0" smtClean="0"/>
+              <a:t> den et </a:t>
+            </a:r>
+            <a:r>
+              <a:rPr lang="en-US" baseline="0" dirty="0" err="1" smtClean="0"/>
+              <a:t>navn</a:t>
+            </a:r>
+            <a:r>
+              <a:rPr lang="en-US" baseline="0" dirty="0" smtClean="0"/>
+              <a:t> </a:t>
+            </a:r>
+            <a:r>
+              <a:rPr lang="en-US" baseline="0" dirty="0" err="1" smtClean="0"/>
+              <a:t>og</a:t>
+            </a:r>
+            <a:r>
+              <a:rPr lang="en-US" baseline="0" dirty="0" smtClean="0"/>
+              <a:t> </a:t>
+            </a:r>
+            <a:r>
+              <a:rPr lang="en-US" baseline="0" dirty="0" err="1" smtClean="0"/>
+              <a:t>trykk</a:t>
+            </a:r>
+            <a:r>
+              <a:rPr lang="en-US" baseline="0" dirty="0" smtClean="0"/>
+              <a:t> Add</a:t>
+            </a:r>
+          </a:p>
+          <a:p>
+            <a:pPr marL="342900" indent="-342900">
+              <a:buAutoNum type="arabicPeriod"/>
+            </a:pPr>
+            <a:r>
+              <a:rPr lang="en-US" dirty="0" err="1" smtClean="0"/>
+              <a:t>Velg</a:t>
+            </a:r>
+            <a:r>
+              <a:rPr lang="en-US" dirty="0" smtClean="0"/>
+              <a:t> </a:t>
+            </a:r>
+            <a:r>
+              <a:rPr lang="en-US" dirty="0" err="1" smtClean="0"/>
+              <a:t>DataSet</a:t>
+            </a:r>
+            <a:r>
+              <a:rPr lang="en-US" dirty="0" smtClean="0"/>
+              <a:t> </a:t>
+            </a:r>
+            <a:r>
+              <a:rPr lang="en-US" dirty="0" err="1" smtClean="0"/>
+              <a:t>i</a:t>
+            </a:r>
+            <a:r>
+              <a:rPr lang="en-US" baseline="0" dirty="0" smtClean="0"/>
+              <a:t> database Model </a:t>
+            </a:r>
+            <a:r>
+              <a:rPr lang="en-US" baseline="0" dirty="0" err="1" smtClean="0"/>
+              <a:t>veiviseren</a:t>
+            </a:r>
+            <a:r>
+              <a:rPr lang="en-US" baseline="0" dirty="0" smtClean="0"/>
+              <a:t> (man </a:t>
+            </a:r>
+            <a:r>
+              <a:rPr lang="en-US" baseline="0" dirty="0" err="1" smtClean="0"/>
+              <a:t>må</a:t>
+            </a:r>
+            <a:r>
+              <a:rPr lang="en-US" baseline="0" dirty="0" smtClean="0"/>
+              <a:t> </a:t>
+            </a:r>
+            <a:r>
+              <a:rPr lang="en-US" baseline="0" dirty="0" err="1" smtClean="0"/>
+              <a:t>velge</a:t>
+            </a:r>
+            <a:r>
+              <a:rPr lang="en-US" baseline="0" dirty="0" smtClean="0"/>
+              <a:t> </a:t>
+            </a:r>
+            <a:r>
+              <a:rPr lang="en-US" baseline="0" dirty="0" err="1" smtClean="0"/>
+              <a:t>noe</a:t>
+            </a:r>
+            <a:r>
+              <a:rPr lang="en-US" baseline="0" dirty="0" smtClean="0"/>
+              <a:t> her, men </a:t>
+            </a:r>
+            <a:r>
+              <a:rPr lang="en-US" baseline="0" dirty="0" err="1" smtClean="0"/>
+              <a:t>det</a:t>
+            </a:r>
+            <a:r>
+              <a:rPr lang="en-US" baseline="0" dirty="0" smtClean="0"/>
+              <a:t> </a:t>
+            </a:r>
+            <a:r>
+              <a:rPr lang="en-US" baseline="0" dirty="0" err="1" smtClean="0"/>
+              <a:t>skal</a:t>
+            </a:r>
+            <a:r>
+              <a:rPr lang="en-US" baseline="0" dirty="0" smtClean="0"/>
+              <a:t> </a:t>
+            </a:r>
+            <a:r>
+              <a:rPr lang="en-US" baseline="0" dirty="0" err="1" smtClean="0"/>
+              <a:t>ikke</a:t>
+            </a:r>
+            <a:r>
+              <a:rPr lang="en-US" baseline="0" dirty="0" smtClean="0"/>
+              <a:t> </a:t>
+            </a:r>
+            <a:r>
+              <a:rPr lang="en-US" baseline="0" dirty="0" err="1" smtClean="0"/>
+              <a:t>brukes</a:t>
+            </a:r>
+            <a:r>
+              <a:rPr lang="en-US" baseline="0" dirty="0" smtClean="0"/>
+              <a:t> </a:t>
+            </a:r>
+            <a:r>
+              <a:rPr lang="en-US" baseline="0" dirty="0" err="1" smtClean="0"/>
+              <a:t>senere</a:t>
+            </a:r>
+            <a:r>
+              <a:rPr lang="en-US" baseline="0" dirty="0" smtClean="0"/>
+              <a:t>)</a:t>
+            </a:r>
+          </a:p>
+          <a:p>
+            <a:pPr marL="342900" indent="-342900">
+              <a:buAutoNum type="arabicPeriod"/>
+            </a:pPr>
+            <a:r>
+              <a:rPr lang="en-US" baseline="0" dirty="0" err="1" smtClean="0"/>
+              <a:t>Trykk</a:t>
+            </a:r>
+            <a:r>
+              <a:rPr lang="en-US" baseline="0" dirty="0" smtClean="0"/>
+              <a:t> Finish</a:t>
+            </a:r>
+          </a:p>
+          <a:p>
+            <a:pPr marL="342900" indent="-342900">
+              <a:buAutoNum type="arabicPeriod"/>
+            </a:pPr>
+            <a:r>
+              <a:rPr lang="en-US" baseline="0" dirty="0" err="1" smtClean="0"/>
+              <a:t>Slett</a:t>
+            </a:r>
+            <a:r>
+              <a:rPr lang="en-US" baseline="0" dirty="0" smtClean="0"/>
+              <a:t> </a:t>
+            </a:r>
+            <a:r>
+              <a:rPr lang="en-US" baseline="0" dirty="0" err="1" smtClean="0"/>
+              <a:t>datasettet</a:t>
+            </a:r>
+            <a:r>
+              <a:rPr lang="en-US" baseline="0" dirty="0" smtClean="0"/>
+              <a:t> </a:t>
+            </a:r>
+            <a:r>
+              <a:rPr lang="en-US" baseline="0" dirty="0" err="1" smtClean="0"/>
+              <a:t>som</a:t>
+            </a:r>
+            <a:r>
+              <a:rPr lang="en-US" baseline="0" dirty="0" smtClean="0"/>
+              <a:t> </a:t>
+            </a:r>
+            <a:r>
+              <a:rPr lang="en-US" baseline="0" dirty="0" err="1" smtClean="0"/>
+              <a:t>ble</a:t>
+            </a:r>
+            <a:r>
+              <a:rPr lang="en-US" baseline="0" dirty="0" smtClean="0"/>
+              <a:t> </a:t>
+            </a:r>
+            <a:r>
+              <a:rPr lang="en-US" baseline="0" dirty="0" err="1" smtClean="0"/>
+              <a:t>opprettet</a:t>
+            </a:r>
+            <a:r>
+              <a:rPr lang="en-US" baseline="0" dirty="0" smtClean="0"/>
+              <a:t> </a:t>
+            </a:r>
+            <a:r>
+              <a:rPr lang="en-US" baseline="0" dirty="0" err="1" smtClean="0"/>
+              <a:t>ved</a:t>
+            </a:r>
+            <a:r>
+              <a:rPr lang="en-US" baseline="0" dirty="0" smtClean="0"/>
+              <a:t> å </a:t>
+            </a:r>
+            <a:r>
+              <a:rPr lang="en-US" baseline="0" dirty="0" err="1" smtClean="0"/>
+              <a:t>høyreklikke</a:t>
+            </a:r>
+            <a:r>
+              <a:rPr lang="en-US" baseline="0" dirty="0" smtClean="0"/>
+              <a:t> </a:t>
+            </a:r>
+            <a:r>
+              <a:rPr lang="en-US" baseline="0" dirty="0" err="1" smtClean="0"/>
+              <a:t>og</a:t>
+            </a:r>
+            <a:r>
+              <a:rPr lang="en-US" baseline="0" dirty="0" smtClean="0"/>
+              <a:t> </a:t>
+            </a:r>
+            <a:r>
+              <a:rPr lang="en-US" baseline="0" dirty="0" err="1" smtClean="0"/>
+              <a:t>Slett</a:t>
+            </a:r>
+            <a:endParaRPr lang="en-US" baseline="0" dirty="0" smtClean="0"/>
+          </a:p>
+          <a:p>
+            <a:pPr marL="342900" indent="-342900">
+              <a:buAutoNum type="arabicPeriod"/>
+            </a:pPr>
+            <a:r>
+              <a:rPr lang="en-US" baseline="0" dirty="0" smtClean="0"/>
+              <a:t>Vis at man </a:t>
+            </a:r>
+            <a:r>
+              <a:rPr lang="en-US" baseline="0" dirty="0" err="1" smtClean="0"/>
+              <a:t>har</a:t>
+            </a:r>
+            <a:r>
+              <a:rPr lang="en-US" baseline="0" dirty="0" smtClean="0"/>
+              <a:t> </a:t>
+            </a:r>
+            <a:r>
+              <a:rPr lang="en-US" baseline="0" dirty="0" err="1" smtClean="0"/>
+              <a:t>fått</a:t>
+            </a:r>
+            <a:r>
+              <a:rPr lang="en-US" baseline="0" dirty="0" smtClean="0"/>
+              <a:t> en </a:t>
+            </a:r>
+            <a:r>
+              <a:rPr lang="en-US" baseline="0" dirty="0" err="1" smtClean="0"/>
+              <a:t>App.config</a:t>
+            </a:r>
+            <a:r>
+              <a:rPr lang="en-US" baseline="0" dirty="0" smtClean="0"/>
+              <a:t> </a:t>
+            </a:r>
+            <a:r>
+              <a:rPr lang="en-US" baseline="0" dirty="0" err="1" smtClean="0"/>
+              <a:t>fil</a:t>
+            </a:r>
+            <a:r>
+              <a:rPr lang="en-US" baseline="0" dirty="0" smtClean="0"/>
+              <a:t> </a:t>
+            </a:r>
+            <a:r>
+              <a:rPr lang="en-US" baseline="0" dirty="0" err="1" smtClean="0"/>
+              <a:t>som</a:t>
+            </a:r>
+            <a:r>
+              <a:rPr lang="en-US" baseline="0" dirty="0" smtClean="0"/>
+              <a:t> </a:t>
+            </a:r>
+            <a:r>
+              <a:rPr lang="en-US" baseline="0" dirty="0" err="1" smtClean="0"/>
+              <a:t>inneholder</a:t>
+            </a:r>
+            <a:r>
+              <a:rPr lang="en-US" baseline="0" dirty="0" smtClean="0"/>
+              <a:t> en </a:t>
+            </a:r>
+            <a:r>
+              <a:rPr lang="en-US" baseline="0" dirty="0" err="1" smtClean="0"/>
+              <a:t>connectionstring</a:t>
+            </a:r>
+            <a:r>
+              <a:rPr lang="en-US" baseline="0" dirty="0" smtClean="0"/>
+              <a:t> </a:t>
+            </a:r>
+            <a:r>
+              <a:rPr lang="en-US" baseline="0" dirty="0" err="1" smtClean="0"/>
+              <a:t>til</a:t>
+            </a:r>
+            <a:r>
+              <a:rPr lang="en-US" baseline="0" dirty="0" smtClean="0"/>
+              <a:t> </a:t>
+            </a:r>
+            <a:r>
+              <a:rPr lang="en-US" baseline="0" dirty="0" err="1" smtClean="0"/>
+              <a:t>databasen</a:t>
+            </a:r>
+            <a:endParaRPr lang="en-US" baseline="0" dirty="0" smtClean="0"/>
+          </a:p>
+          <a:p>
+            <a:pPr marL="342900" indent="-342900">
+              <a:buAutoNum type="arabicPeriod"/>
+            </a:pPr>
+            <a:r>
+              <a:rPr lang="en-US" baseline="0" dirty="0" err="1" smtClean="0"/>
+              <a:t>Åpne</a:t>
+            </a:r>
+            <a:r>
+              <a:rPr lang="en-US" baseline="0" dirty="0" smtClean="0"/>
+              <a:t> </a:t>
+            </a:r>
+            <a:r>
+              <a:rPr lang="en-US" baseline="0" dirty="0" err="1" smtClean="0"/>
+              <a:t>Program.cs</a:t>
+            </a:r>
+            <a:r>
+              <a:rPr lang="en-US" baseline="0" dirty="0" smtClean="0"/>
+              <a:t> </a:t>
+            </a:r>
+            <a:r>
+              <a:rPr lang="en-US" baseline="0" dirty="0" err="1" smtClean="0"/>
+              <a:t>og</a:t>
+            </a:r>
+            <a:r>
+              <a:rPr lang="en-US" baseline="0" dirty="0" smtClean="0"/>
+              <a:t> </a:t>
+            </a:r>
+            <a:r>
+              <a:rPr lang="en-US" baseline="0" dirty="0" err="1" smtClean="0"/>
+              <a:t>gjør</a:t>
+            </a:r>
+            <a:r>
+              <a:rPr lang="en-US" baseline="0" dirty="0" smtClean="0"/>
+              <a:t> en </a:t>
+            </a:r>
+            <a:r>
+              <a:rPr lang="en-US" baseline="0" dirty="0" err="1" smtClean="0"/>
+              <a:t>tilkobling</a:t>
+            </a:r>
+            <a:r>
+              <a:rPr lang="en-US" baseline="0" dirty="0" smtClean="0"/>
+              <a:t> </a:t>
+            </a:r>
+            <a:r>
+              <a:rPr lang="en-US" baseline="0" dirty="0" err="1" smtClean="0"/>
+              <a:t>til</a:t>
+            </a:r>
+            <a:r>
+              <a:rPr lang="en-US" baseline="0" dirty="0" smtClean="0"/>
+              <a:t> </a:t>
+            </a:r>
+            <a:r>
+              <a:rPr lang="en-US" baseline="0" dirty="0" err="1" smtClean="0"/>
+              <a:t>databasen</a:t>
+            </a:r>
+            <a:r>
+              <a:rPr lang="en-US" baseline="0" dirty="0" smtClean="0"/>
+              <a:t> for å </a:t>
+            </a:r>
+            <a:r>
+              <a:rPr lang="en-US" baseline="0" dirty="0" err="1" smtClean="0"/>
+              <a:t>verifisere</a:t>
+            </a:r>
+            <a:r>
+              <a:rPr lang="en-US" baseline="0" dirty="0" smtClean="0"/>
+              <a:t> at </a:t>
+            </a:r>
+            <a:r>
+              <a:rPr lang="en-US" baseline="0" dirty="0" err="1" smtClean="0"/>
+              <a:t>opprettelsen</a:t>
+            </a:r>
+            <a:r>
+              <a:rPr lang="en-US" baseline="0" dirty="0" smtClean="0"/>
+              <a:t> </a:t>
+            </a:r>
+            <a:r>
+              <a:rPr lang="en-US" baseline="0" dirty="0" err="1" smtClean="0"/>
+              <a:t>har</a:t>
+            </a:r>
+            <a:r>
+              <a:rPr lang="en-US" baseline="0" dirty="0" smtClean="0"/>
+              <a:t> </a:t>
+            </a:r>
+            <a:r>
+              <a:rPr lang="en-US" baseline="0" dirty="0" err="1" smtClean="0"/>
+              <a:t>fungert</a:t>
+            </a:r>
+            <a:r>
+              <a:rPr lang="en-US" baseline="0" dirty="0" smtClean="0"/>
+              <a:t>, </a:t>
+            </a:r>
+            <a:r>
+              <a:rPr lang="en-US" baseline="0" dirty="0" err="1" smtClean="0"/>
+              <a:t>f.eks</a:t>
+            </a:r>
+            <a:r>
+              <a:rPr lang="en-US" baseline="0" dirty="0" smtClean="0"/>
+              <a:t>:</a:t>
+            </a:r>
+            <a:r>
+              <a:rPr lang="en-US" baseline="0" dirty="0"/>
+              <a:t/>
+            </a:r>
+            <a:br>
+              <a:rPr lang="en-US" baseline="0" dirty="0"/>
+            </a:br>
+            <a:r>
+              <a:rPr lang="en-US" baseline="0" dirty="0" smtClean="0"/>
+              <a:t>	</a:t>
+            </a:r>
+          </a:p>
+          <a:p>
+            <a:r>
+              <a:rPr lang="en-US" sz="1500" kern="1200" baseline="0" dirty="0" smtClean="0">
+                <a:solidFill>
+                  <a:schemeClr val="tx1"/>
+                </a:solidFill>
+                <a:latin typeface="Georgia"/>
+                <a:ea typeface="+mn-ea"/>
+                <a:cs typeface="Georgia"/>
+              </a:rPr>
+              <a:t>	</a:t>
+            </a:r>
+            <a:r>
+              <a:rPr lang="en-US" sz="1500" kern="1200" dirty="0" smtClean="0">
+                <a:solidFill>
+                  <a:schemeClr val="tx1"/>
+                </a:solidFill>
+                <a:latin typeface="Georgia"/>
+                <a:ea typeface="+mn-ea"/>
+                <a:cs typeface="Georgia"/>
+              </a:rPr>
+              <a:t>using(</a:t>
+            </a:r>
+            <a:r>
+              <a:rPr lang="en-US" sz="1500" kern="1200" dirty="0" err="1" smtClean="0">
+                <a:solidFill>
+                  <a:schemeClr val="tx1"/>
+                </a:solidFill>
+                <a:latin typeface="Georgia"/>
+                <a:ea typeface="+mn-ea"/>
+                <a:cs typeface="Georgia"/>
+              </a:rPr>
+              <a:t>var</a:t>
+            </a:r>
+            <a:r>
+              <a:rPr lang="en-US" sz="1500" kern="1200" dirty="0" smtClean="0">
+                <a:solidFill>
+                  <a:schemeClr val="tx1"/>
+                </a:solidFill>
+                <a:latin typeface="Georgia"/>
+                <a:ea typeface="+mn-ea"/>
+                <a:cs typeface="Georgia"/>
+              </a:rPr>
+              <a:t> connection = new </a:t>
+            </a:r>
+            <a:r>
+              <a:rPr lang="en-US" sz="1500" kern="1200" dirty="0" err="1" smtClean="0">
+                <a:solidFill>
+                  <a:schemeClr val="tx1"/>
+                </a:solidFill>
+                <a:latin typeface="Georgia"/>
+                <a:ea typeface="+mn-ea"/>
+                <a:cs typeface="Georgia"/>
+              </a:rPr>
+              <a:t>SqlConnection</a:t>
+            </a:r>
+            <a:r>
+              <a:rPr lang="en-US" sz="1500" kern="1200" dirty="0" smtClean="0">
+                <a:solidFill>
+                  <a:schemeClr val="tx1"/>
+                </a:solidFill>
+                <a:latin typeface="Georgia"/>
+                <a:ea typeface="+mn-ea"/>
+                <a:cs typeface="Georgia"/>
+              </a:rPr>
+              <a:t>(</a:t>
+            </a:r>
+            <a:r>
+              <a:rPr lang="en-US" sz="1500" kern="1200" dirty="0" err="1" smtClean="0">
+                <a:solidFill>
+                  <a:schemeClr val="tx1"/>
+                </a:solidFill>
+                <a:latin typeface="Georgia"/>
+                <a:ea typeface="+mn-ea"/>
+                <a:cs typeface="Georgia"/>
+              </a:rPr>
+              <a:t>ConfigurationManager.ConnectionStrings</a:t>
+            </a:r>
+            <a:r>
+              <a:rPr lang="en-US" sz="1500" kern="1200" dirty="0" smtClean="0">
+                <a:solidFill>
+                  <a:schemeClr val="tx1"/>
+                </a:solidFill>
+                <a:latin typeface="Georgia"/>
+                <a:ea typeface="+mn-ea"/>
+                <a:cs typeface="Georgia"/>
+              </a:rPr>
+              <a:t>["</a:t>
+            </a:r>
+            <a:r>
+              <a:rPr lang="en-US" sz="1500" kern="1200" dirty="0" err="1" smtClean="0">
+                <a:solidFill>
+                  <a:schemeClr val="tx1"/>
+                </a:solidFill>
+                <a:latin typeface="Georgia"/>
+                <a:ea typeface="+mn-ea"/>
+                <a:cs typeface="Georgia"/>
+              </a:rPr>
+              <a:t>MyDbConnectionString</a:t>
+            </a:r>
+            <a:r>
+              <a:rPr lang="en-US" sz="1500" kern="1200" dirty="0" smtClean="0">
+                <a:solidFill>
+                  <a:schemeClr val="tx1"/>
+                </a:solidFill>
+                <a:latin typeface="Georgia"/>
+                <a:ea typeface="+mn-ea"/>
+                <a:cs typeface="Georgia"/>
+              </a:rPr>
+              <a:t>"].</a:t>
+            </a:r>
+            <a:r>
+              <a:rPr lang="en-US" sz="1500" kern="1200" dirty="0" err="1" smtClean="0">
+                <a:solidFill>
+                  <a:schemeClr val="tx1"/>
+                </a:solidFill>
+                <a:latin typeface="Georgia"/>
+                <a:ea typeface="+mn-ea"/>
+                <a:cs typeface="Georgia"/>
+              </a:rPr>
+              <a:t>ConnectionString</a:t>
+            </a:r>
+            <a:r>
+              <a:rPr lang="en-US" sz="1500" kern="1200" dirty="0" smtClean="0">
+                <a:solidFill>
+                  <a:schemeClr val="tx1"/>
+                </a:solidFill>
+                <a:latin typeface="Georgia"/>
+                <a:ea typeface="+mn-ea"/>
+                <a:cs typeface="Georgia"/>
+              </a:rPr>
+              <a:t>))</a:t>
+            </a:r>
+          </a:p>
+          <a:p>
+            <a:r>
+              <a:rPr lang="nb-NO" sz="1500" kern="1200" dirty="0" smtClean="0">
+                <a:solidFill>
+                  <a:schemeClr val="tx1"/>
+                </a:solidFill>
+                <a:latin typeface="Georgia"/>
+                <a:ea typeface="+mn-ea"/>
+                <a:cs typeface="Georgia"/>
+              </a:rPr>
+              <a:t>            {</a:t>
+            </a:r>
+          </a:p>
+          <a:p>
+            <a:r>
+              <a:rPr lang="nb-NO" sz="1500" kern="1200" dirty="0" smtClean="0">
+                <a:solidFill>
+                  <a:schemeClr val="tx1"/>
+                </a:solidFill>
+                <a:latin typeface="Georgia"/>
+                <a:ea typeface="+mn-ea"/>
+                <a:cs typeface="Georgia"/>
+              </a:rPr>
+              <a:t>                </a:t>
+            </a:r>
+            <a:r>
+              <a:rPr lang="nb-NO" sz="1500" kern="1200" dirty="0" err="1" smtClean="0">
+                <a:solidFill>
+                  <a:schemeClr val="tx1"/>
+                </a:solidFill>
+                <a:latin typeface="Georgia"/>
+                <a:ea typeface="+mn-ea"/>
+                <a:cs typeface="Georgia"/>
+              </a:rPr>
+              <a:t>connection.Open</a:t>
+            </a:r>
+            <a:r>
+              <a:rPr lang="nb-NO" sz="1500" kern="1200" dirty="0" smtClean="0">
+                <a:solidFill>
+                  <a:schemeClr val="tx1"/>
+                </a:solidFill>
+                <a:latin typeface="Georgia"/>
+                <a:ea typeface="+mn-ea"/>
+                <a:cs typeface="Georgia"/>
+              </a:rPr>
+              <a:t>();</a:t>
+            </a:r>
+          </a:p>
+          <a:p>
+            <a:r>
+              <a:rPr lang="nb-NO" sz="1500" kern="1200" dirty="0" smtClean="0">
+                <a:solidFill>
+                  <a:schemeClr val="tx1"/>
+                </a:solidFill>
+                <a:latin typeface="Georgia"/>
+                <a:ea typeface="+mn-ea"/>
+                <a:cs typeface="Georgia"/>
+              </a:rPr>
+              <a:t>                </a:t>
+            </a:r>
+            <a:r>
+              <a:rPr lang="nb-NO" sz="1500" kern="1200" dirty="0" err="1" smtClean="0">
+                <a:solidFill>
+                  <a:schemeClr val="tx1"/>
+                </a:solidFill>
+                <a:latin typeface="Georgia"/>
+                <a:ea typeface="+mn-ea"/>
+                <a:cs typeface="Georgia"/>
+              </a:rPr>
+              <a:t>Console.WriteLine</a:t>
+            </a:r>
+            <a:r>
+              <a:rPr lang="nb-NO" sz="1500" kern="1200" dirty="0" smtClean="0">
+                <a:solidFill>
+                  <a:schemeClr val="tx1"/>
+                </a:solidFill>
+                <a:latin typeface="Georgia"/>
+                <a:ea typeface="+mn-ea"/>
+                <a:cs typeface="Georgia"/>
+              </a:rPr>
+              <a:t>("Connected");</a:t>
+            </a:r>
+          </a:p>
+          <a:p>
+            <a:r>
+              <a:rPr lang="nb-NO" sz="1500" kern="1200" dirty="0" smtClean="0">
+                <a:solidFill>
+                  <a:schemeClr val="tx1"/>
+                </a:solidFill>
+                <a:latin typeface="Georgia"/>
+                <a:ea typeface="+mn-ea"/>
+                <a:cs typeface="Georgia"/>
+              </a:rPr>
+              <a:t>            }</a:t>
+            </a:r>
+            <a:endParaRPr lang="en-US" baseline="0" dirty="0" smtClean="0"/>
           </a:p>
         </p:txBody>
       </p:sp>
     </p:spTree>
     <p:extLst>
       <p:ext uri="{BB962C8B-B14F-4D97-AF65-F5344CB8AC3E}">
-        <p14:creationId xmlns:p14="http://schemas.microsoft.com/office/powerpoint/2010/main" val="2478689849"/>
+        <p14:creationId xmlns:p14="http://schemas.microsoft.com/office/powerpoint/2010/main" val="3333112152"/>
       </p:ext>
     </p:extLst>
   </p:cSld>
@@ -1260,12 +3273,7 @@
             <p:ph type="sldImg"/>
           </p:nvPr>
         </p:nvSpPr>
-        <p:spPr>
-          <a:xfrm>
-            <a:off x="827088" y="592138"/>
-            <a:ext cx="5226050" cy="3919537"/>
-          </a:xfrm>
-        </p:spPr>
+        <p:spPr/>
       </p:sp>
       <p:sp>
         <p:nvSpPr>
@@ -1279,27 +3287,56 @@
         </p:nvSpPr>
         <p:spPr/>
         <p:txBody>
-          <a:bodyPr>
-            <a:normAutofit/>
-          </a:bodyPr>
+          <a:bodyPr/>
           <a:lstStyle/>
           <a:p>
             <a:r>
               <a:rPr lang="nb-NO" dirty="0" smtClean="0"/>
-              <a:t>Demo av hvordan man legger opp en</a:t>
+              <a:t>Jeg tenkte bare vi skulle nevne</a:t>
             </a:r>
             <a:r>
               <a:rPr lang="nb-NO" baseline="0" dirty="0" smtClean="0"/>
-              <a:t> datasource, samt definerer en enkel tabell med kolonner og primærnøkkel.</a:t>
-            </a:r>
-            <a:endParaRPr lang="en-US" dirty="0"/>
+              <a:t> dette slik at man er klar over at når man gjør endringer mot databasen er det viktig å sikre med transaksjon rundt.</a:t>
+            </a:r>
+          </a:p>
+          <a:p>
+            <a:r>
+              <a:rPr lang="nb-NO" baseline="0" dirty="0" smtClean="0"/>
+              <a:t>Her har dere vel kanskje et par eksempler på hva som kan skje dersom man ikke håndterer det riktig.</a:t>
+            </a:r>
+          </a:p>
+          <a:p>
+            <a:r>
+              <a:rPr lang="nb-NO" baseline="0" dirty="0" err="1" smtClean="0"/>
+              <a:t>F.Eks</a:t>
+            </a:r>
+            <a:r>
+              <a:rPr lang="nb-NO" baseline="0" dirty="0" smtClean="0"/>
+              <a:t> man gjør noe i en applikasjon som berører to databaseoppdateringer, den første går bra, mens den andre feiler.</a:t>
+            </a:r>
+          </a:p>
+          <a:p>
+            <a:r>
+              <a:rPr lang="nb-NO" baseline="0" dirty="0" smtClean="0"/>
+              <a:t>Dersom man ikke har transaksjon rundt vil man få inkonsistens i databasen.</a:t>
+            </a:r>
+          </a:p>
+          <a:p>
+            <a:endParaRPr lang="nb-NO" baseline="0" dirty="0" smtClean="0"/>
+          </a:p>
+          <a:p>
+            <a:r>
+              <a:rPr lang="nb-NO" baseline="0" dirty="0" smtClean="0"/>
+              <a:t> </a:t>
+            </a:r>
+            <a:endParaRPr lang="nb-NO" dirty="0"/>
           </a:p>
         </p:txBody>
       </p:sp>
     </p:spTree>
     <p:extLst>
       <p:ext uri="{BB962C8B-B14F-4D97-AF65-F5344CB8AC3E}">
-        <p14:creationId xmlns:p14="http://schemas.microsoft.com/office/powerpoint/2010/main" val="3675988716"/>
+        <p14:creationId xmlns:p14="http://schemas.microsoft.com/office/powerpoint/2010/main" val="3223982926"/>
       </p:ext>
     </p:extLst>
   </p:cSld>
@@ -1367,7 +3404,7 @@
     </p:spTree>
     <p:extLst>
       <p:ext uri="{BB962C8B-B14F-4D97-AF65-F5344CB8AC3E}">
-        <p14:creationId xmlns:p14="http://schemas.microsoft.com/office/powerpoint/2010/main" val="2947202081"/>
+        <p14:creationId xmlns:p14="http://schemas.microsoft.com/office/powerpoint/2010/main" val="1828301330"/>
       </p:ext>
     </p:extLst>
   </p:cSld>
@@ -10540,19 +12577,7 @@
           <a:p>
             <a:r>
               <a:rPr lang="nb-NO" dirty="0" smtClean="0"/>
-              <a:t>En introduksjon til </a:t>
-            </a:r>
-            <a:r>
-              <a:rPr lang="nb-NO" dirty="0" smtClean="0"/>
-              <a:t>hvordan man kan </a:t>
-            </a:r>
-            <a:r>
-              <a:rPr lang="nb-NO" dirty="0" smtClean="0"/>
-              <a:t>å </a:t>
-            </a:r>
-            <a:r>
-              <a:rPr lang="nb-NO" dirty="0" smtClean="0"/>
-              <a:t>lagre/hente ut data i .NET</a:t>
+              <a:t>En introduksjon til hvordan man kan å lagre/hente ut data i .NET</a:t>
             </a:r>
             <a:endParaRPr lang="en-US" dirty="0"/>
           </a:p>
@@ -10595,11 +12620,7 @@
             </a:br>
             <a:r>
               <a:rPr lang="nb-NO" dirty="0" smtClean="0"/>
-              <a:t>Espen </a:t>
-            </a:r>
-            <a:r>
-              <a:rPr lang="nb-NO" dirty="0" smtClean="0"/>
-              <a:t>Ekvang</a:t>
+              <a:t>(Espen Ekvang)</a:t>
             </a:r>
             <a:endParaRPr lang="en-US" dirty="0"/>
           </a:p>
@@ -11419,7 +13440,7 @@
           <p:nvPr/>
         </p:nvPicPr>
         <p:blipFill>
-          <a:blip r:embed="rId2"/>
+          <a:blip r:embed="rId3"/>
           <a:srcRect/>
           <a:stretch>
             <a:fillRect/>
@@ -11749,7 +13770,7 @@
         <p:spPr>
           <a:xfrm>
             <a:off x="321623" y="999450"/>
-            <a:ext cx="8102827" cy="5119350"/>
+            <a:ext cx="8102827" cy="5581015"/>
           </a:xfrm>
           <a:prstGeom prst="rect">
             <a:avLst/>
@@ -11773,12 +13794,8 @@
               <a:buChar char="ü"/>
             </a:pPr>
             <a:r>
-              <a:rPr lang="nb-NO" sz="1400" dirty="0" smtClean="0"/>
-              <a:t> </a:t>
-            </a:r>
-            <a:r>
-              <a:rPr lang="nb-NO" sz="1400" dirty="0" smtClean="0"/>
-              <a:t>Enkel utvidelse på toppen av ADO.NET</a:t>
+              <a:rPr lang="nb-NO" sz="1600" dirty="0" smtClean="0"/>
+              <a:t> Enkel utvidelse på toppen av ADO.NET</a:t>
             </a:r>
           </a:p>
           <a:p>
@@ -11793,11 +13810,11 @@
               <a:buChar char="ü"/>
             </a:pPr>
             <a:r>
-              <a:rPr lang="nb-NO" sz="1400" dirty="0"/>
+              <a:rPr lang="nb-NO" sz="1600" dirty="0"/>
               <a:t> </a:t>
             </a:r>
             <a:r>
-              <a:rPr lang="nb-NO" sz="1400" dirty="0" smtClean="0"/>
+              <a:rPr lang="nb-NO" sz="1600" dirty="0" smtClean="0"/>
               <a:t>Mulighet for enkel mapping til Objekter</a:t>
             </a:r>
           </a:p>
@@ -11813,15 +13830,11 @@
               <a:buChar char="ü"/>
             </a:pPr>
             <a:r>
-              <a:rPr lang="nb-NO" sz="1400" dirty="0"/>
-              <a:t> </a:t>
-            </a:r>
-            <a:r>
-              <a:rPr lang="nb-NO" sz="1400" dirty="0"/>
-              <a:t>È</a:t>
-            </a:r>
-            <a:r>
-              <a:rPr lang="nb-NO" sz="1400" dirty="0" smtClean="0"/>
+              <a:rPr lang="nb-NO" sz="1600" dirty="0"/>
+              <a:t> È</a:t>
+            </a:r>
+            <a:r>
+              <a:rPr lang="nb-NO" sz="1600" dirty="0" smtClean="0"/>
               <a:t>n fil som gir utvidelser til IDbConnection grensesnittet</a:t>
             </a:r>
           </a:p>
@@ -11837,11 +13850,11 @@
               <a:buChar char="ü"/>
             </a:pPr>
             <a:r>
-              <a:rPr lang="nb-NO" sz="1400" dirty="0"/>
+              <a:rPr lang="nb-NO" sz="1600" dirty="0"/>
               <a:t> </a:t>
             </a:r>
             <a:r>
-              <a:rPr lang="nb-NO" sz="1400" dirty="0" smtClean="0"/>
+              <a:rPr lang="nb-NO" sz="1600" dirty="0" smtClean="0"/>
               <a:t>blant annet connection.Query&lt;YourType&gt;();</a:t>
             </a:r>
           </a:p>
@@ -11856,7 +13869,7 @@
               <a:buFont typeface="Wingdings" pitchFamily="2" charset="2"/>
               <a:buChar char="ü"/>
             </a:pPr>
-            <a:endParaRPr lang="nb-NO" sz="1400" dirty="0"/>
+            <a:endParaRPr lang="nb-NO" sz="1600" dirty="0"/>
           </a:p>
           <a:p>
             <a:pPr lvl="1">
@@ -11869,7 +13882,7 @@
               <a:buFont typeface="Wingdings" pitchFamily="2" charset="2"/>
               <a:buChar char="ü"/>
             </a:pPr>
-            <a:endParaRPr lang="nb-NO" sz="1400" dirty="0" smtClean="0"/>
+            <a:endParaRPr lang="nb-NO" sz="1600" dirty="0" smtClean="0"/>
           </a:p>
           <a:p>
             <a:pPr lvl="1">
@@ -11882,7 +13895,7 @@
               <a:buFont typeface="Wingdings" pitchFamily="2" charset="2"/>
               <a:buChar char="ü"/>
             </a:pPr>
-            <a:endParaRPr lang="nb-NO" sz="1400" dirty="0"/>
+            <a:endParaRPr lang="nb-NO" sz="1600" dirty="0"/>
           </a:p>
           <a:p>
             <a:pPr lvl="1">
@@ -11895,7 +13908,7 @@
               <a:buFont typeface="Wingdings" pitchFamily="2" charset="2"/>
               <a:buChar char="ü"/>
             </a:pPr>
-            <a:endParaRPr lang="nb-NO" sz="1400" dirty="0" smtClean="0"/>
+            <a:endParaRPr lang="nb-NO" sz="1600" dirty="0" smtClean="0"/>
           </a:p>
           <a:p>
             <a:pPr lvl="1">
@@ -11908,7 +13921,7 @@
               <a:buFont typeface="Wingdings" pitchFamily="2" charset="2"/>
               <a:buChar char="ü"/>
             </a:pPr>
-            <a:endParaRPr lang="nb-NO" sz="1400" dirty="0"/>
+            <a:endParaRPr lang="nb-NO" sz="1600" dirty="0"/>
           </a:p>
           <a:p>
             <a:pPr lvl="1">
@@ -11921,7 +13934,7 @@
               <a:buFont typeface="Wingdings" pitchFamily="2" charset="2"/>
               <a:buChar char="ü"/>
             </a:pPr>
-            <a:endParaRPr lang="nb-NO" sz="1400" dirty="0" smtClean="0"/>
+            <a:endParaRPr lang="nb-NO" sz="1600" dirty="0" smtClean="0"/>
           </a:p>
           <a:p>
             <a:pPr lvl="1">
@@ -11934,7 +13947,7 @@
               <a:buFont typeface="Wingdings" pitchFamily="2" charset="2"/>
               <a:buChar char="ü"/>
             </a:pPr>
-            <a:endParaRPr lang="nb-NO" sz="1400" dirty="0"/>
+            <a:endParaRPr lang="nb-NO" sz="1600" dirty="0"/>
           </a:p>
           <a:p>
             <a:pPr lvl="1">
@@ -11947,7 +13960,7 @@
               <a:buFont typeface="Wingdings" pitchFamily="2" charset="2"/>
               <a:buChar char="ü"/>
             </a:pPr>
-            <a:endParaRPr lang="nb-NO" sz="1400" dirty="0" smtClean="0"/>
+            <a:endParaRPr lang="nb-NO" sz="1600" dirty="0" smtClean="0"/>
           </a:p>
           <a:p>
             <a:pPr lvl="1">
@@ -11960,7 +13973,7 @@
               <a:buFont typeface="Wingdings" pitchFamily="2" charset="2"/>
               <a:buChar char="ü"/>
             </a:pPr>
-            <a:endParaRPr lang="nb-NO" sz="1400" dirty="0" smtClean="0"/>
+            <a:endParaRPr lang="nb-NO" sz="1600" dirty="0" smtClean="0"/>
           </a:p>
           <a:p>
             <a:pPr>
@@ -11974,7 +13987,7 @@
               <a:buChar char="ü"/>
             </a:pPr>
             <a:r>
-              <a:rPr lang="nb-NO" sz="1400" dirty="0" smtClean="0"/>
+              <a:rPr lang="nb-NO" sz="1600" dirty="0" smtClean="0"/>
               <a:t> Tilgjengelig via NuGet: Install-package Dapper </a:t>
             </a:r>
           </a:p>
@@ -11990,16 +14003,16 @@
               <a:buChar char="ü"/>
             </a:pPr>
             <a:r>
-              <a:rPr lang="nb-NO" sz="1400" dirty="0" smtClean="0"/>
+              <a:rPr lang="nb-NO" sz="1600" dirty="0" smtClean="0"/>
               <a:t>Mer info: </a:t>
             </a:r>
             <a:r>
-              <a:rPr lang="nb-NO" sz="1400" dirty="0">
+              <a:rPr lang="nb-NO" sz="1600" dirty="0">
                 <a:hlinkClick r:id="rId2"/>
               </a:rPr>
               <a:t>https://code.google.com/p/dapper-dot-net/</a:t>
             </a:r>
-            <a:endParaRPr lang="nb-NO" sz="1400" dirty="0" smtClean="0"/>
+            <a:endParaRPr lang="nb-NO" sz="1600" dirty="0" smtClean="0"/>
           </a:p>
         </p:txBody>
       </p:sp>
@@ -12013,8 +14026,8 @@
         </p:nvSpPr>
         <p:spPr bwMode="auto">
           <a:xfrm>
-            <a:off x="207263" y="2949917"/>
-            <a:ext cx="8790433" cy="1569660"/>
+            <a:off x="207263" y="2826806"/>
+            <a:ext cx="8790433" cy="1815882"/>
           </a:xfrm>
           <a:prstGeom prst="rect">
             <a:avLst/>
@@ -12058,7 +14071,7 @@
               <a:tabLst/>
             </a:pPr>
             <a:r>
-              <a:rPr kumimoji="0" lang="en-US" sz="1200" b="0" i="0" u="none" strike="noStrike" cap="none" normalizeH="0" baseline="0" dirty="0" smtClean="0">
+              <a:rPr kumimoji="0" lang="en-US" sz="1400" b="0" i="0" u="none" strike="noStrike" cap="none" normalizeH="0" baseline="0" dirty="0" smtClean="0">
                 <a:ln>
                   <a:noFill/>
                 </a:ln>
@@ -12072,7 +14085,7 @@
               <a:t>using</a:t>
             </a:r>
             <a:r>
-              <a:rPr kumimoji="0" lang="en-US" sz="1200" b="0" i="0" u="none" strike="noStrike" cap="none" normalizeH="0" baseline="0" dirty="0" smtClean="0">
+              <a:rPr kumimoji="0" lang="en-US" sz="1400" b="0" i="0" u="none" strike="noStrike" cap="none" normalizeH="0" baseline="0" dirty="0" smtClean="0">
                 <a:ln>
                   <a:noFill/>
                 </a:ln>
@@ -12086,7 +14099,7 @@
               <a:t> (</a:t>
             </a:r>
             <a:r>
-              <a:rPr kumimoji="0" lang="en-US" sz="1200" b="0" i="0" u="none" strike="noStrike" cap="none" normalizeH="0" baseline="0" dirty="0" err="1" smtClean="0">
+              <a:rPr kumimoji="0" lang="en-US" sz="1400" b="0" i="0" u="none" strike="noStrike" cap="none" normalizeH="0" baseline="0" dirty="0" err="1" smtClean="0">
                 <a:ln>
                   <a:noFill/>
                 </a:ln>
@@ -12100,7 +14113,7 @@
               <a:t>var</a:t>
             </a:r>
             <a:r>
-              <a:rPr kumimoji="0" lang="en-US" sz="1200" b="0" i="0" u="none" strike="noStrike" cap="none" normalizeH="0" baseline="0" dirty="0" smtClean="0">
+              <a:rPr kumimoji="0" lang="en-US" sz="1400" b="0" i="0" u="none" strike="noStrike" cap="none" normalizeH="0" baseline="0" dirty="0" smtClean="0">
                 <a:ln>
                   <a:noFill/>
                 </a:ln>
@@ -12114,7 +14127,7 @@
               <a:t> connection = </a:t>
             </a:r>
             <a:r>
-              <a:rPr kumimoji="0" lang="en-US" sz="1200" b="0" i="0" u="none" strike="noStrike" cap="none" normalizeH="0" baseline="0" dirty="0" smtClean="0">
+              <a:rPr kumimoji="0" lang="en-US" sz="1400" b="0" i="0" u="none" strike="noStrike" cap="none" normalizeH="0" baseline="0" dirty="0" smtClean="0">
                 <a:ln>
                   <a:noFill/>
                 </a:ln>
@@ -12128,7 +14141,7 @@
               <a:t>new</a:t>
             </a:r>
             <a:r>
-              <a:rPr kumimoji="0" lang="en-US" sz="1200" b="0" i="0" u="none" strike="noStrike" cap="none" normalizeH="0" baseline="0" dirty="0" smtClean="0">
+              <a:rPr kumimoji="0" lang="en-US" sz="1400" b="0" i="0" u="none" strike="noStrike" cap="none" normalizeH="0" baseline="0" dirty="0" smtClean="0">
                 <a:ln>
                   <a:noFill/>
                 </a:ln>
@@ -12142,7 +14155,7 @@
               <a:t> </a:t>
             </a:r>
             <a:r>
-              <a:rPr kumimoji="0" lang="en-US" sz="1200" b="0" i="0" u="none" strike="noStrike" cap="none" normalizeH="0" baseline="0" dirty="0" err="1" smtClean="0">
+              <a:rPr kumimoji="0" lang="en-US" sz="1400" b="0" i="0" u="none" strike="noStrike" cap="none" normalizeH="0" baseline="0" dirty="0" err="1" smtClean="0">
                 <a:ln>
                   <a:noFill/>
                 </a:ln>
@@ -12156,7 +14169,7 @@
               <a:t>SqlConnection</a:t>
             </a:r>
             <a:r>
-              <a:rPr kumimoji="0" lang="en-US" sz="1200" b="0" i="0" u="none" strike="noStrike" cap="none" normalizeH="0" baseline="0" dirty="0" smtClean="0">
+              <a:rPr kumimoji="0" lang="en-US" sz="1400" b="0" i="0" u="none" strike="noStrike" cap="none" normalizeH="0" baseline="0" dirty="0" smtClean="0">
                 <a:ln>
                   <a:noFill/>
                 </a:ln>
@@ -12170,7 +14183,7 @@
               <a:t>(</a:t>
             </a:r>
             <a:r>
-              <a:rPr kumimoji="0" lang="en-US" sz="1200" b="0" i="0" u="none" strike="noStrike" cap="none" normalizeH="0" baseline="0" dirty="0" err="1" smtClean="0">
+              <a:rPr kumimoji="0" lang="en-US" sz="1400" b="0" i="0" u="none" strike="noStrike" cap="none" normalizeH="0" baseline="0" dirty="0" err="1" smtClean="0">
                 <a:ln>
                   <a:noFill/>
                 </a:ln>
@@ -12184,7 +14197,7 @@
               <a:t>connectionString</a:t>
             </a:r>
             <a:r>
-              <a:rPr kumimoji="0" lang="en-US" sz="1200" b="0" i="0" u="none" strike="noStrike" cap="none" normalizeH="0" baseline="0" dirty="0" smtClean="0">
+              <a:rPr kumimoji="0" lang="en-US" sz="1400" b="0" i="0" u="none" strike="noStrike" cap="none" normalizeH="0" baseline="0" dirty="0" smtClean="0">
                 <a:ln>
                   <a:noFill/>
                 </a:ln>
@@ -12216,7 +14229,7 @@
               <a:tabLst/>
             </a:pPr>
             <a:r>
-              <a:rPr kumimoji="0" lang="en-US" sz="1200" b="0" i="0" u="none" strike="noStrike" cap="none" normalizeH="0" baseline="0" dirty="0" smtClean="0">
+              <a:rPr kumimoji="0" lang="en-US" sz="1400" b="0" i="0" u="none" strike="noStrike" cap="none" normalizeH="0" baseline="0" dirty="0" smtClean="0">
                 <a:ln>
                   <a:noFill/>
                 </a:ln>
@@ -12240,7 +14253,7 @@
               </a:spcAft>
             </a:pPr>
             <a:r>
-              <a:rPr lang="nb-NO" sz="1200" dirty="0" smtClean="0">
+              <a:rPr lang="nb-NO" sz="1400" dirty="0" smtClean="0">
                 <a:solidFill>
                   <a:srgbClr val="000000"/>
                 </a:solidFill>
@@ -12250,18 +14263,18 @@
               <a:t>	</a:t>
             </a:r>
             <a:r>
-              <a:rPr lang="en-US" sz="1200" dirty="0" err="1" smtClean="0"/>
+              <a:rPr lang="en-US" sz="1400" dirty="0" err="1" smtClean="0"/>
               <a:t>co</a:t>
             </a:r>
             <a:r>
-              <a:rPr lang="en-US" sz="1200" dirty="0" err="1" smtClean="0">
+              <a:rPr lang="en-US" sz="1400" dirty="0" err="1" smtClean="0">
                 <a:latin typeface="Consolas" pitchFamily="49" charset="0"/>
                 <a:cs typeface="Consolas" pitchFamily="49" charset="0"/>
               </a:rPr>
               <a:t>nnection.Open</a:t>
             </a:r>
             <a:r>
-              <a:rPr lang="en-US" sz="1200" dirty="0" smtClean="0">
+              <a:rPr lang="en-US" sz="1400" dirty="0" smtClean="0">
                 <a:latin typeface="Consolas" pitchFamily="49" charset="0"/>
                 <a:cs typeface="Consolas" pitchFamily="49" charset="0"/>
               </a:rPr>
@@ -12278,13 +14291,13 @@
               </a:spcAft>
             </a:pPr>
             <a:r>
-              <a:rPr lang="en-US" sz="1200" dirty="0">
+              <a:rPr lang="en-US" sz="1400" dirty="0">
                 <a:latin typeface="Consolas" pitchFamily="49" charset="0"/>
                 <a:cs typeface="Consolas" pitchFamily="49" charset="0"/>
               </a:rPr>
               <a:t>	</a:t>
             </a:r>
-            <a:endParaRPr lang="en-US" sz="1200" dirty="0" smtClean="0">
+            <a:endParaRPr lang="en-US" sz="1400" dirty="0" smtClean="0">
               <a:latin typeface="Consolas" pitchFamily="49" charset="0"/>
               <a:cs typeface="Consolas" pitchFamily="49" charset="0"/>
             </a:endParaRPr>
@@ -12299,42 +14312,42 @@
               </a:spcAft>
             </a:pPr>
             <a:r>
-              <a:rPr lang="en-US" sz="1200" dirty="0">
+              <a:rPr lang="en-US" sz="1400" dirty="0">
                 <a:latin typeface="Consolas" pitchFamily="49" charset="0"/>
                 <a:cs typeface="Consolas" pitchFamily="49" charset="0"/>
               </a:rPr>
               <a:t>	</a:t>
             </a:r>
             <a:r>
-              <a:rPr lang="en-US" sz="1200" dirty="0" err="1" smtClean="0">
+              <a:rPr lang="en-US" sz="1400" dirty="0" err="1" smtClean="0">
                 <a:latin typeface="Consolas" pitchFamily="49" charset="0"/>
                 <a:cs typeface="Consolas" pitchFamily="49" charset="0"/>
               </a:rPr>
               <a:t>var</a:t>
             </a:r>
             <a:r>
-              <a:rPr lang="en-US" sz="1200" dirty="0" smtClean="0">
+              <a:rPr lang="en-US" sz="1400" dirty="0" smtClean="0">
                 <a:latin typeface="Consolas" pitchFamily="49" charset="0"/>
                 <a:cs typeface="Consolas" pitchFamily="49" charset="0"/>
               </a:rPr>
               <a:t> persons = </a:t>
             </a:r>
             <a:r>
-              <a:rPr lang="en-US" sz="1200" dirty="0" err="1" smtClean="0">
+              <a:rPr lang="en-US" sz="1400" dirty="0" err="1" smtClean="0">
                 <a:latin typeface="Consolas" pitchFamily="49" charset="0"/>
                 <a:cs typeface="Consolas" pitchFamily="49" charset="0"/>
               </a:rPr>
               <a:t>connection.Query</a:t>
             </a:r>
             <a:r>
-              <a:rPr lang="en-US" sz="1200" dirty="0" smtClean="0">
+              <a:rPr lang="en-US" sz="1400" dirty="0" smtClean="0">
                 <a:latin typeface="Consolas" pitchFamily="49" charset="0"/>
                 <a:cs typeface="Consolas" pitchFamily="49" charset="0"/>
               </a:rPr>
               <a:t>&lt;</a:t>
             </a:r>
             <a:r>
-              <a:rPr lang="en-US" sz="1200" dirty="0" smtClean="0">
+              <a:rPr lang="en-US" sz="1400" dirty="0" smtClean="0">
                 <a:solidFill>
                   <a:srgbClr val="2B91AF"/>
                 </a:solidFill>
@@ -12344,14 +14357,14 @@
               <a:t>Person</a:t>
             </a:r>
             <a:r>
-              <a:rPr lang="en-US" sz="1200" dirty="0" smtClean="0">
+              <a:rPr lang="en-US" sz="1400" dirty="0" smtClean="0">
                 <a:latin typeface="Consolas" pitchFamily="49" charset="0"/>
                 <a:cs typeface="Consolas" pitchFamily="49" charset="0"/>
               </a:rPr>
               <a:t>&gt;(</a:t>
             </a:r>
             <a:r>
-              <a:rPr lang="en-US" sz="1200" dirty="0" smtClean="0">
+              <a:rPr lang="en-US" sz="1400" dirty="0" smtClean="0">
                 <a:solidFill>
                   <a:srgbClr val="A31515"/>
                 </a:solidFill>
@@ -12361,7 +14374,7 @@
               <a:t>"</a:t>
             </a:r>
             <a:r>
-              <a:rPr lang="en-US" sz="1200" dirty="0">
+              <a:rPr lang="en-US" sz="1400" dirty="0">
                 <a:solidFill>
                   <a:srgbClr val="A31515"/>
                 </a:solidFill>
@@ -12371,7 +14384,7 @@
               <a:t>SELECT </a:t>
             </a:r>
             <a:r>
-              <a:rPr lang="en-US" sz="1200" dirty="0" smtClean="0">
+              <a:rPr lang="en-US" sz="1400" dirty="0" smtClean="0">
                 <a:solidFill>
                   <a:srgbClr val="A31515"/>
                 </a:solidFill>
@@ -12381,7 +14394,7 @@
               <a:t>id,</a:t>
             </a:r>
             <a:r>
-              <a:rPr lang="en-US" sz="1200" dirty="0">
+              <a:rPr lang="en-US" sz="1400" dirty="0">
                 <a:solidFill>
                   <a:srgbClr val="A31515"/>
                 </a:solidFill>
@@ -12391,7 +14404,7 @@
               <a:t> </a:t>
             </a:r>
             <a:r>
-              <a:rPr lang="en-US" sz="1200" dirty="0" smtClean="0">
+              <a:rPr lang="en-US" sz="1400" dirty="0" smtClean="0">
                 <a:solidFill>
                   <a:srgbClr val="A31515"/>
                 </a:solidFill>
@@ -12401,7 +14414,7 @@
               <a:t>name </a:t>
             </a:r>
             <a:r>
-              <a:rPr lang="en-US" sz="1200" dirty="0">
+              <a:rPr lang="en-US" sz="1400" dirty="0">
                 <a:solidFill>
                   <a:srgbClr val="A31515"/>
                 </a:solidFill>
@@ -12411,7 +14424,7 @@
               <a:t>FROM </a:t>
             </a:r>
             <a:r>
-              <a:rPr lang="en-US" sz="1200" dirty="0" smtClean="0">
+              <a:rPr lang="en-US" sz="1400" dirty="0" smtClean="0">
                 <a:solidFill>
                   <a:srgbClr val="A31515"/>
                 </a:solidFill>
@@ -12421,13 +14434,13 @@
               <a:t>Person“</a:t>
             </a:r>
             <a:r>
-              <a:rPr lang="en-US" sz="1200" dirty="0" smtClean="0">
+              <a:rPr lang="en-US" sz="1400" dirty="0" smtClean="0">
                 <a:latin typeface="Consolas" pitchFamily="49" charset="0"/>
                 <a:cs typeface="Consolas" pitchFamily="49" charset="0"/>
               </a:rPr>
               <a:t>); </a:t>
             </a:r>
-            <a:endParaRPr lang="nb-NO" sz="1200" dirty="0" smtClean="0">
+            <a:endParaRPr lang="nb-NO" sz="1400" dirty="0" smtClean="0">
               <a:solidFill>
                 <a:srgbClr val="000000"/>
               </a:solidFill>
@@ -12453,7 +14466,7 @@
               <a:tabLst/>
             </a:pPr>
             <a:r>
-              <a:rPr lang="nb-NO" sz="1200" dirty="0" smtClean="0">
+              <a:rPr lang="nb-NO" sz="1400" dirty="0" smtClean="0">
                 <a:solidFill>
                   <a:srgbClr val="000000"/>
                 </a:solidFill>
@@ -12481,7 +14494,7 @@
               <a:tabLst/>
             </a:pPr>
             <a:r>
-              <a:rPr lang="nb-NO" sz="1200" dirty="0" smtClean="0">
+              <a:rPr lang="nb-NO" sz="1400" dirty="0" smtClean="0">
                 <a:solidFill>
                   <a:srgbClr val="000000"/>
                 </a:solidFill>
@@ -12490,7 +14503,7 @@
               </a:rPr>
               <a:t>	:</a:t>
             </a:r>
-            <a:endParaRPr lang="en-US" sz="1200" dirty="0" smtClean="0">
+            <a:endParaRPr lang="en-US" sz="1400" dirty="0" smtClean="0">
               <a:solidFill>
                 <a:srgbClr val="000000"/>
               </a:solidFill>
@@ -12516,7 +14529,7 @@
               <a:tabLst/>
             </a:pPr>
             <a:r>
-              <a:rPr kumimoji="0" lang="en-US" sz="1200" b="0" i="0" u="none" strike="noStrike" cap="none" normalizeH="0" baseline="0" dirty="0" smtClean="0">
+              <a:rPr kumimoji="0" lang="en-US" sz="1400" b="0" i="0" u="none" strike="noStrike" cap="none" normalizeH="0" baseline="0" dirty="0" smtClean="0">
                 <a:ln>
                   <a:noFill/>
                 </a:ln>
@@ -12529,7 +14542,7 @@
               </a:rPr>
               <a:t>}</a:t>
             </a:r>
-            <a:endParaRPr kumimoji="0" lang="en-US" sz="1200" b="0" i="0" u="none" strike="noStrike" cap="none" normalizeH="0" baseline="0" dirty="0" smtClean="0">
+            <a:endParaRPr kumimoji="0" lang="en-US" sz="1400" b="0" i="0" u="none" strike="noStrike" cap="none" normalizeH="0" baseline="0" dirty="0" smtClean="0">
               <a:ln>
                 <a:noFill/>
               </a:ln>
@@ -12556,6 +14569,13 @@
   <p:transition>
     <p:fade thruBlk="1"/>
   </p:transition>
+  <p:timing>
+    <p:tnLst>
+      <p:par>
+        <p:cTn id="1" dur="indefinite" restart="never" nodeType="tmRoot"/>
+      </p:par>
+    </p:tnLst>
+  </p:timing>
 </p:sld>
 </file>
 
@@ -12668,7 +14688,7 @@
         <p:spPr>
           <a:xfrm>
             <a:off x="321623" y="935335"/>
-            <a:ext cx="8102827" cy="4893647"/>
+            <a:ext cx="8102827" cy="6001643"/>
           </a:xfrm>
           <a:prstGeom prst="rect">
             <a:avLst/>
@@ -12688,8 +14708,37 @@
                   <a:schemeClr val="bg1"/>
                 </a:solidFill>
               </a:rPr>
-              <a:t>I denne oppgaven skal vi ta utgangspunkt i WebAPI’et som vi lagde forrige kurskveld. Api’et vi da lagde har en statisk variabel som simulerer databasen.</a:t>
-            </a:r>
+              <a:t>I denne oppgaven skal vi ta utgangspunkt i WebAPI’et som vi lagde forrige kurskveld. Api’et vi da lagde </a:t>
+            </a:r>
+            <a:r>
+              <a:rPr lang="nb-NO" dirty="0" smtClean="0">
+                <a:solidFill>
+                  <a:schemeClr val="bg1"/>
+                </a:solidFill>
+              </a:rPr>
+              <a:t>hadde </a:t>
+            </a:r>
+            <a:r>
+              <a:rPr lang="nb-NO" dirty="0" smtClean="0">
+                <a:solidFill>
+                  <a:schemeClr val="bg1"/>
+                </a:solidFill>
+              </a:rPr>
+              <a:t>en statisk variabel som simulerer databasen</a:t>
+            </a:r>
+            <a:r>
+              <a:rPr lang="nb-NO" dirty="0" smtClean="0">
+                <a:solidFill>
+                  <a:schemeClr val="bg1"/>
+                </a:solidFill>
+              </a:rPr>
+              <a:t>.</a:t>
+            </a:r>
+            <a:endParaRPr lang="nb-NO" dirty="0" smtClean="0">
+              <a:solidFill>
+                <a:schemeClr val="bg1"/>
+              </a:solidFill>
+            </a:endParaRPr>
           </a:p>
           <a:p>
             <a:pPr algn="just"/>
@@ -12707,7 +14756,122 @@
                   <a:schemeClr val="bg1"/>
                 </a:solidFill>
               </a:rPr>
-              <a:t>Oppgaven blir derfor å bytte ut den statiske variablen med en virkelig database.</a:t>
+              <a:t>I </a:t>
+            </a:r>
+            <a:r>
+              <a:rPr lang="nb-NO" dirty="0">
+                <a:solidFill>
+                  <a:schemeClr val="bg1"/>
+                </a:solidFill>
+              </a:rPr>
+              <a:t>mappen </a:t>
+            </a:r>
+            <a:r>
+              <a:rPr lang="nb-NO" dirty="0" err="1" smtClean="0">
+                <a:solidFill>
+                  <a:schemeClr val="bg1"/>
+                </a:solidFill>
+              </a:rPr>
+              <a:t>persistingData</a:t>
+            </a:r>
+            <a:r>
+              <a:rPr lang="nb-NO" dirty="0" smtClean="0">
+                <a:solidFill>
+                  <a:schemeClr val="bg1"/>
+                </a:solidFill>
+              </a:rPr>
+              <a:t>/Oppgaver/</a:t>
+            </a:r>
+            <a:r>
+              <a:rPr lang="nb-NO" dirty="0" err="1" smtClean="0">
+                <a:solidFill>
+                  <a:schemeClr val="bg1"/>
+                </a:solidFill>
+              </a:rPr>
+              <a:t>Bekk.dotnetintro.Blog</a:t>
+            </a:r>
+            <a:r>
+              <a:rPr lang="nb-NO" dirty="0" smtClean="0">
+                <a:solidFill>
+                  <a:schemeClr val="bg1"/>
+                </a:solidFill>
+              </a:rPr>
+              <a:t> på </a:t>
+            </a:r>
+            <a:r>
+              <a:rPr lang="nb-NO" dirty="0" err="1" smtClean="0">
+                <a:solidFill>
+                  <a:schemeClr val="bg1"/>
+                </a:solidFill>
+              </a:rPr>
+              <a:t>repoet</a:t>
+            </a:r>
+            <a:r>
+              <a:rPr lang="nb-NO" dirty="0" smtClean="0">
+                <a:solidFill>
+                  <a:schemeClr val="bg1"/>
+                </a:solidFill>
+              </a:rPr>
+              <a:t> til kurset finner dere en </a:t>
+            </a:r>
+            <a:r>
+              <a:rPr lang="nb-NO" dirty="0" err="1" smtClean="0">
+                <a:solidFill>
+                  <a:schemeClr val="bg1"/>
+                </a:solidFill>
+              </a:rPr>
+              <a:t>solution</a:t>
+            </a:r>
+            <a:r>
+              <a:rPr lang="nb-NO" dirty="0" smtClean="0">
+                <a:solidFill>
+                  <a:schemeClr val="bg1"/>
+                </a:solidFill>
+              </a:rPr>
+              <a:t> som inneholder </a:t>
+            </a:r>
+            <a:r>
+              <a:rPr lang="nb-NO" dirty="0" err="1" smtClean="0">
+                <a:solidFill>
+                  <a:schemeClr val="bg1"/>
+                </a:solidFill>
+              </a:rPr>
+              <a:t>webapi’et</a:t>
+            </a:r>
+            <a:r>
+              <a:rPr lang="nb-NO" dirty="0" smtClean="0">
+                <a:solidFill>
+                  <a:schemeClr val="bg1"/>
+                </a:solidFill>
+              </a:rPr>
+              <a:t> som vi lagde forrige gang.</a:t>
+            </a:r>
+          </a:p>
+          <a:p>
+            <a:pPr algn="just"/>
+            <a:r>
+              <a:rPr lang="nb-NO" dirty="0" smtClean="0">
+                <a:solidFill>
+                  <a:schemeClr val="bg1"/>
+                </a:solidFill>
+              </a:rPr>
+              <a:t>Dersom dere ikke vil benytte eget </a:t>
+            </a:r>
+            <a:r>
+              <a:rPr lang="nb-NO" dirty="0" err="1" smtClean="0">
+                <a:solidFill>
+                  <a:schemeClr val="bg1"/>
+                </a:solidFill>
+              </a:rPr>
+              <a:t>WebAPI</a:t>
+            </a:r>
+            <a:r>
+              <a:rPr lang="nb-NO" dirty="0" smtClean="0">
+                <a:solidFill>
+                  <a:schemeClr val="bg1"/>
+                </a:solidFill>
+              </a:rPr>
+              <a:t> kan dere benytte denne som utgangspunkt.</a:t>
             </a:r>
           </a:p>
           <a:p>
@@ -12726,7 +14890,50 @@
                   <a:schemeClr val="bg1"/>
                 </a:solidFill>
               </a:rPr>
-              <a:t>Benytt Dapper for å løse denne oppgaven.</a:t>
+              <a:t>Dere kan benytte </a:t>
+            </a:r>
+            <a:r>
+              <a:rPr lang="nb-NO" dirty="0" err="1" smtClean="0">
+                <a:solidFill>
+                  <a:schemeClr val="bg1"/>
+                </a:solidFill>
+              </a:rPr>
+              <a:t>Dapper</a:t>
+            </a:r>
+            <a:r>
+              <a:rPr lang="nb-NO" dirty="0" smtClean="0">
+                <a:solidFill>
+                  <a:schemeClr val="bg1"/>
+                </a:solidFill>
+              </a:rPr>
+              <a:t> for å utføre spørringer.</a:t>
+            </a:r>
+          </a:p>
+          <a:p>
+            <a:pPr algn="just"/>
+            <a:r>
+              <a:rPr lang="nb-NO" dirty="0" smtClean="0">
+                <a:solidFill>
+                  <a:schemeClr val="bg1"/>
+                </a:solidFill>
+              </a:rPr>
+              <a:t>Løsningen er også konfigurert med </a:t>
+            </a:r>
+            <a:r>
+              <a:rPr lang="nb-NO" dirty="0" err="1" smtClean="0">
+                <a:solidFill>
+                  <a:schemeClr val="bg1"/>
+                </a:solidFill>
+              </a:rPr>
+              <a:t>FluentMigrator</a:t>
+            </a:r>
+            <a:r>
+              <a:rPr lang="nb-NO" dirty="0" smtClean="0">
+                <a:solidFill>
+                  <a:schemeClr val="bg1"/>
+                </a:solidFill>
+              </a:rPr>
+              <a:t> for de som vil prøve å generere databasen ved hjelp av den. Sjekk i så fall ut klassen _01CreateTables.cs i Migrations prosjektet. </a:t>
             </a:r>
           </a:p>
           <a:p>
@@ -12745,35 +14952,24 @@
                   <a:schemeClr val="bg1"/>
                 </a:solidFill>
               </a:rPr>
-              <a:t>Dapper kan installeres ved NuGet</a:t>
-            </a:r>
-          </a:p>
-          <a:p>
-            <a:pPr algn="just"/>
-            <a:endParaRPr lang="nb-NO" dirty="0">
-              <a:solidFill>
-                <a:schemeClr val="bg1"/>
-              </a:solidFill>
-            </a:endParaRPr>
-          </a:p>
-          <a:p>
-            <a:pPr algn="just"/>
+              <a:t>Kort sagt: Oppgaven går ut på å implementere funksjonene i </a:t>
+            </a:r>
+            <a:r>
+              <a:rPr lang="nb-NO" dirty="0" err="1" smtClean="0">
+                <a:solidFill>
+                  <a:schemeClr val="bg1"/>
+                </a:solidFill>
+              </a:rPr>
+              <a:t>BlogPostRepository.cs</a:t>
+            </a:r>
             <a:r>
               <a:rPr lang="nb-NO" dirty="0" smtClean="0">
                 <a:solidFill>
                   <a:schemeClr val="bg1"/>
                 </a:solidFill>
               </a:rPr>
-              <a:t>Install-package Dapper</a:t>
-            </a:r>
-            <a:endParaRPr lang="nb-NO" dirty="0">
-              <a:solidFill>
-                <a:schemeClr val="bg1"/>
-              </a:solidFill>
-            </a:endParaRPr>
-          </a:p>
-          <a:p>
-            <a:pPr algn="just"/>
+              <a:t> slik at det lagres data til databasen og ikke bare i minne.</a:t>
+            </a:r>
             <a:endParaRPr lang="nb-NO" dirty="0" smtClean="0">
               <a:solidFill>
                 <a:schemeClr val="bg1"/>
@@ -12782,15 +14978,7 @@
           </a:p>
           <a:p>
             <a:pPr algn="just"/>
-            <a:r>
-              <a:rPr lang="nb-NO" dirty="0" smtClean="0">
-                <a:solidFill>
-                  <a:schemeClr val="bg1"/>
-                </a:solidFill>
-              </a:rPr>
-              <a:t>Dersom dere ikke vil bruke deres eget API så kan dere sjekke ut en løsning på web api’et fra github:</a:t>
-            </a:r>
-            <a:endParaRPr lang="nb-NO" dirty="0" smtClean="0">
+            <a:endParaRPr lang="nb-NO" dirty="0">
               <a:solidFill>
                 <a:schemeClr val="bg1"/>
               </a:solidFill>
@@ -16270,7 +18458,7 @@
         <p:spPr>
           <a:xfrm>
             <a:off x="321623" y="1397000"/>
-            <a:ext cx="8102827" cy="2369880"/>
+            <a:ext cx="8102827" cy="3016210"/>
           </a:xfrm>
           <a:prstGeom prst="rect">
             <a:avLst/>
@@ -16294,12 +18482,8 @@
               <a:buChar char="ü"/>
             </a:pPr>
             <a:r>
-              <a:rPr lang="nb-NO" sz="1400" dirty="0" smtClean="0"/>
-              <a:t> </a:t>
-            </a:r>
-            <a:r>
-              <a:rPr lang="nb-NO" sz="1400" dirty="0" smtClean="0"/>
-              <a:t>ADO.NET</a:t>
+              <a:rPr lang="nb-NO" sz="2000" dirty="0" smtClean="0"/>
+              <a:t> ADO.NET</a:t>
             </a:r>
           </a:p>
           <a:p>
@@ -16314,11 +18498,11 @@
               <a:buChar char="ü"/>
             </a:pPr>
             <a:r>
-              <a:rPr lang="nb-NO" sz="1400" dirty="0"/>
+              <a:rPr lang="nb-NO" sz="2000" dirty="0"/>
               <a:t> </a:t>
             </a:r>
             <a:r>
-              <a:rPr lang="nb-NO" sz="1400" dirty="0" smtClean="0"/>
+              <a:rPr lang="nb-NO" sz="2000" dirty="0" smtClean="0"/>
               <a:t>Oppgave</a:t>
             </a:r>
           </a:p>
@@ -16334,11 +18518,11 @@
               <a:buChar char="ü"/>
             </a:pPr>
             <a:r>
-              <a:rPr lang="nb-NO" sz="1400" dirty="0"/>
+              <a:rPr lang="nb-NO" sz="2000" dirty="0"/>
               <a:t> </a:t>
             </a:r>
             <a:r>
-              <a:rPr lang="nb-NO" sz="1400" dirty="0" smtClean="0"/>
+              <a:rPr lang="nb-NO" sz="2000" dirty="0" smtClean="0"/>
               <a:t>Transaksjoner</a:t>
             </a:r>
           </a:p>
@@ -16354,11 +18538,11 @@
               <a:buChar char="ü"/>
             </a:pPr>
             <a:r>
-              <a:rPr lang="nb-NO" sz="1400" dirty="0"/>
+              <a:rPr lang="nb-NO" sz="2000" dirty="0"/>
               <a:t> </a:t>
             </a:r>
             <a:r>
-              <a:rPr lang="nb-NO" sz="1400" dirty="0" smtClean="0"/>
+              <a:rPr lang="nb-NO" sz="2000" dirty="0" smtClean="0"/>
               <a:t>Oppgave</a:t>
             </a:r>
           </a:p>
@@ -16374,11 +18558,11 @@
               <a:buChar char="ü"/>
             </a:pPr>
             <a:r>
-              <a:rPr lang="nb-NO" sz="1400" dirty="0" smtClean="0"/>
+              <a:rPr lang="nb-NO" sz="2000" dirty="0" smtClean="0"/>
               <a:t> Micro </a:t>
             </a:r>
             <a:r>
-              <a:rPr lang="nb-NO" sz="1400" dirty="0"/>
+              <a:rPr lang="nb-NO" sz="2000" dirty="0"/>
               <a:t>ORM</a:t>
             </a:r>
           </a:p>
@@ -16394,14 +18578,13 @@
               <a:buChar char="ü"/>
             </a:pPr>
             <a:r>
-              <a:rPr lang="nb-NO" sz="1400" dirty="0"/>
+              <a:rPr lang="nb-NO" sz="2000" dirty="0"/>
               <a:t> </a:t>
             </a:r>
             <a:r>
-              <a:rPr lang="nb-NO" sz="1400" dirty="0" smtClean="0"/>
+              <a:rPr lang="nb-NO" sz="2000" dirty="0" smtClean="0"/>
               <a:t>Dapper</a:t>
             </a:r>
-            <a:endParaRPr lang="nb-NO" sz="1400" dirty="0" smtClean="0"/>
           </a:p>
           <a:p>
             <a:pPr>
@@ -16415,14 +18598,9 @@
               <a:buChar char="ü"/>
             </a:pPr>
             <a:r>
-              <a:rPr lang="nb-NO" sz="1400" dirty="0" smtClean="0"/>
-              <a:t>Object Relational </a:t>
-            </a:r>
-            <a:r>
-              <a:rPr lang="nb-NO" sz="1400" dirty="0" smtClean="0"/>
-              <a:t>Mapping</a:t>
-            </a:r>
-            <a:endParaRPr lang="nb-NO" sz="1400" dirty="0" smtClean="0"/>
+              <a:rPr lang="nb-NO" sz="2000" dirty="0" smtClean="0"/>
+              <a:t>Object Relational Mapping</a:t>
+            </a:r>
           </a:p>
         </p:txBody>
       </p:sp>
@@ -25978,7 +28156,7 @@
         <p:spPr>
           <a:xfrm>
             <a:off x="321623" y="1397000"/>
-            <a:ext cx="8102827" cy="1338828"/>
+            <a:ext cx="8102827" cy="2323713"/>
           </a:xfrm>
           <a:prstGeom prst="rect">
             <a:avLst/>
@@ -26002,7 +28180,7 @@
               <a:buChar char="ü"/>
             </a:pPr>
             <a:r>
-              <a:rPr lang="nb-NO" sz="1400" dirty="0" smtClean="0"/>
+              <a:rPr lang="nb-NO" sz="2000" dirty="0" smtClean="0"/>
               <a:t> Fasilitere dataaksess i .NET rammeverket</a:t>
             </a:r>
           </a:p>
@@ -26018,8 +28196,23 @@
               <a:buChar char="ü"/>
             </a:pPr>
             <a:r>
-              <a:rPr lang="nb-NO" sz="1400" dirty="0" smtClean="0"/>
-              <a:t> Aksessere forskjellig typer data med de samme metodene (SQL, Oracle, MS Access)</a:t>
+              <a:rPr lang="nb-NO" sz="2000" dirty="0" smtClean="0"/>
+              <a:t> Aksessere forskjellig typer data med de samme metodene </a:t>
+            </a:r>
+            <a:r>
+              <a:rPr lang="nb-NO" sz="2000" dirty="0" smtClean="0"/>
+              <a:t/>
+            </a:r>
+            <a:br>
+              <a:rPr lang="nb-NO" sz="2000" dirty="0" smtClean="0"/>
+            </a:br>
+            <a:r>
+              <a:rPr lang="nb-NO" sz="2000" dirty="0" smtClean="0"/>
+              <a:t>    (</a:t>
+            </a:r>
+            <a:r>
+              <a:rPr lang="nb-NO" sz="2000" dirty="0" smtClean="0"/>
+              <a:t>SQL, Oracle, MS Access)</a:t>
             </a:r>
           </a:p>
           <a:p>
@@ -26034,8 +28227,27 @@
               <a:buChar char="ü"/>
             </a:pPr>
             <a:r>
-              <a:rPr lang="nb-NO" sz="1400" dirty="0" smtClean="0"/>
-              <a:t> Viktig å kjenne til selv om mange i dag benytter seg av en Object Relation Mapper (ORM) </a:t>
+              <a:rPr lang="nb-NO" sz="2000" dirty="0" smtClean="0"/>
+              <a:t> Viktig å kjenne til selv om mange i dag benytter seg av en </a:t>
+            </a:r>
+            <a:r>
+              <a:rPr lang="nb-NO" sz="2000" dirty="0"/>
+              <a:t/>
+            </a:r>
+            <a:br>
+              <a:rPr lang="nb-NO" sz="2000" dirty="0"/>
+            </a:br>
+            <a:r>
+              <a:rPr lang="nb-NO" sz="2000" dirty="0" smtClean="0"/>
+              <a:t>    </a:t>
+            </a:r>
+            <a:r>
+              <a:rPr lang="nb-NO" sz="2000" dirty="0" smtClean="0"/>
+              <a:t>Object </a:t>
+            </a:r>
+            <a:r>
+              <a:rPr lang="nb-NO" sz="2000" dirty="0" smtClean="0"/>
+              <a:t>Relation Mapper (ORM) </a:t>
             </a:r>
           </a:p>
           <a:p>
@@ -26047,7 +28259,7 @@
                 <a:spcPts val="400"/>
               </a:spcAft>
             </a:pPr>
-            <a:endParaRPr lang="nb-NO" sz="1400" dirty="0" smtClean="0"/>
+            <a:endParaRPr lang="nb-NO" sz="2000" dirty="0" smtClean="0"/>
           </a:p>
         </p:txBody>
       </p:sp>
@@ -31893,23 +34105,7 @@
                   <a:schemeClr val="bg1"/>
                 </a:solidFill>
               </a:rPr>
-              <a:t>Opprett en konsollapplikasjon og legg til en </a:t>
-            </a:r>
-            <a:r>
-              <a:rPr lang="nb-NO" dirty="0" smtClean="0">
-                <a:solidFill>
-                  <a:schemeClr val="bg1"/>
-                </a:solidFill>
-              </a:rPr>
-              <a:t>ny datakilde ved å høyreklikke på prosjektet og velge Add. </a:t>
-            </a:r>
-            <a:r>
-              <a:rPr lang="nb-NO" dirty="0" smtClean="0">
-                <a:solidFill>
-                  <a:schemeClr val="bg1"/>
-                </a:solidFill>
-              </a:rPr>
-              <a:t>Klikk på Data og velg </a:t>
+              <a:t>Opprett en konsollapplikasjon og legg til en ny datakilde ved å høyreklikke på prosjektet og velge Add. Klikk på Data og velg </a:t>
             </a:r>
             <a:r>
               <a:rPr lang="nb-NO" i="1" dirty="0" smtClean="0">
@@ -32041,32 +34237,19 @@
                   <a:schemeClr val="bg1"/>
                 </a:solidFill>
               </a:rPr>
-              <a:t>	UPDATE Person SET Email=@email WHERE Id=@</a:t>
-            </a:r>
+              <a:t>	UPDATE Person SET Email=@email WHERE Id=@Id</a:t>
+            </a:r>
+          </a:p>
+          <a:p>
+            <a:pPr algn="just"/>
             <a:r>
               <a:rPr lang="nb-NO" dirty="0" smtClean="0">
                 <a:solidFill>
                   <a:schemeClr val="bg1"/>
                 </a:solidFill>
               </a:rPr>
-              <a:t>Id</a:t>
-            </a:r>
-          </a:p>
-          <a:p>
-            <a:pPr algn="just"/>
-            <a:r>
-              <a:rPr lang="nb-NO" dirty="0" smtClean="0">
-                <a:solidFill>
-                  <a:schemeClr val="bg1"/>
-                </a:solidFill>
-              </a:rPr>
               <a:t>	DELETE FROM Person WHERE Id=@Id</a:t>
             </a:r>
-            <a:endParaRPr lang="nb-NO" dirty="0" smtClean="0">
-              <a:solidFill>
-                <a:schemeClr val="bg1"/>
-              </a:solidFill>
-            </a:endParaRPr>
           </a:p>
           <a:p>
             <a:pPr algn="just"/>
@@ -32242,8 +34425,8 @@
         </p:nvSpPr>
         <p:spPr bwMode="auto">
           <a:xfrm>
-            <a:off x="321623" y="1840267"/>
-            <a:ext cx="8102827" cy="1015663"/>
+            <a:off x="321623" y="2186948"/>
+            <a:ext cx="8613830" cy="1477328"/>
           </a:xfrm>
           <a:prstGeom prst="rect">
             <a:avLst/>
@@ -32287,7 +34470,7 @@
               <a:tabLst/>
             </a:pPr>
             <a:r>
-              <a:rPr kumimoji="0" lang="en-US" sz="1200" b="0" i="0" u="none" strike="noStrike" cap="none" normalizeH="0" baseline="0" dirty="0" smtClean="0">
+              <a:rPr kumimoji="0" lang="en-US" b="0" i="0" u="none" strike="noStrike" cap="none" normalizeH="0" baseline="0" dirty="0" smtClean="0">
                 <a:ln>
                   <a:noFill/>
                 </a:ln>
@@ -32301,7 +34484,7 @@
               <a:t>using</a:t>
             </a:r>
             <a:r>
-              <a:rPr kumimoji="0" lang="en-US" sz="1200" b="0" i="0" u="none" strike="noStrike" cap="none" normalizeH="0" baseline="0" dirty="0" smtClean="0">
+              <a:rPr kumimoji="0" lang="en-US" b="0" i="0" u="none" strike="noStrike" cap="none" normalizeH="0" baseline="0" dirty="0" smtClean="0">
                 <a:ln>
                   <a:noFill/>
                 </a:ln>
@@ -32315,7 +34498,7 @@
               <a:t> (</a:t>
             </a:r>
             <a:r>
-              <a:rPr kumimoji="0" lang="en-US" sz="1200" b="0" i="0" u="none" strike="noStrike" cap="none" normalizeH="0" baseline="0" dirty="0" err="1" smtClean="0">
+              <a:rPr kumimoji="0" lang="en-US" b="0" i="0" u="none" strike="noStrike" cap="none" normalizeH="0" baseline="0" dirty="0" err="1" smtClean="0">
                 <a:ln>
                   <a:noFill/>
                 </a:ln>
@@ -32329,7 +34512,7 @@
               <a:t>var</a:t>
             </a:r>
             <a:r>
-              <a:rPr kumimoji="0" lang="en-US" sz="1200" b="0" i="0" u="none" strike="noStrike" cap="none" normalizeH="0" baseline="0" dirty="0" smtClean="0">
+              <a:rPr kumimoji="0" lang="en-US" b="0" i="0" u="none" strike="noStrike" cap="none" normalizeH="0" baseline="0" dirty="0" smtClean="0">
                 <a:ln>
                   <a:noFill/>
                 </a:ln>
@@ -32343,7 +34526,7 @@
               <a:t> </a:t>
             </a:r>
             <a:r>
-              <a:rPr lang="en-US" sz="1200" dirty="0" err="1" smtClean="0">
+              <a:rPr lang="en-US" dirty="0" err="1" smtClean="0">
                 <a:solidFill>
                   <a:srgbClr val="000000"/>
                 </a:solidFill>
@@ -32353,7 +34536,7 @@
               <a:t>transactionScope</a:t>
             </a:r>
             <a:r>
-              <a:rPr kumimoji="0" lang="en-US" sz="1200" b="0" i="0" u="none" strike="noStrike" cap="none" normalizeH="0" baseline="0" dirty="0" smtClean="0">
+              <a:rPr kumimoji="0" lang="en-US" b="0" i="0" u="none" strike="noStrike" cap="none" normalizeH="0" baseline="0" dirty="0" smtClean="0">
                 <a:ln>
                   <a:noFill/>
                 </a:ln>
@@ -32364,10 +34547,10 @@
                 <a:latin typeface="Consolas" pitchFamily="49" charset="0"/>
                 <a:cs typeface="Consolas" pitchFamily="49" charset="0"/>
               </a:rPr>
-              <a:t> = </a:t>
-            </a:r>
-            <a:r>
-              <a:rPr kumimoji="0" lang="en-US" sz="1200" b="0" i="0" u="none" strike="noStrike" cap="none" normalizeH="0" baseline="0" dirty="0" smtClean="0">
+              <a:t> = new </a:t>
+            </a:r>
+            <a:r>
+              <a:rPr kumimoji="0" lang="en-US" b="0" i="0" u="none" strike="noStrike" cap="none" normalizeH="0" baseline="0" dirty="0" err="1" smtClean="0">
                 <a:ln>
                   <a:noFill/>
                 </a:ln>
@@ -32378,10 +34561,10 @@
                 <a:latin typeface="Consolas" pitchFamily="49" charset="0"/>
                 <a:cs typeface="Consolas" pitchFamily="49" charset="0"/>
               </a:rPr>
-              <a:t>new </a:t>
-            </a:r>
-            <a:r>
-              <a:rPr kumimoji="0" lang="en-US" sz="1200" b="0" i="0" u="none" strike="noStrike" cap="none" normalizeH="0" baseline="0" dirty="0" err="1" smtClean="0">
+              <a:t>TransactionScope</a:t>
+            </a:r>
+            <a:r>
+              <a:rPr kumimoji="0" lang="en-US" b="0" i="0" u="none" strike="noStrike" cap="none" normalizeH="0" baseline="0" dirty="0" smtClean="0">
                 <a:ln>
                   <a:noFill/>
                 </a:ln>
@@ -32392,35 +34575,7 @@
                 <a:latin typeface="Consolas" pitchFamily="49" charset="0"/>
                 <a:cs typeface="Consolas" pitchFamily="49" charset="0"/>
               </a:rPr>
-              <a:t>TransactionScope</a:t>
-            </a:r>
-            <a:r>
-              <a:rPr kumimoji="0" lang="en-US" sz="1200" b="0" i="0" u="none" strike="noStrike" cap="none" normalizeH="0" baseline="0" dirty="0" smtClean="0">
-                <a:ln>
-                  <a:noFill/>
-                </a:ln>
-                <a:solidFill>
-                  <a:srgbClr val="000000"/>
-                </a:solidFill>
-                <a:effectLst/>
-                <a:latin typeface="Consolas" pitchFamily="49" charset="0"/>
-                <a:cs typeface="Consolas" pitchFamily="49" charset="0"/>
-              </a:rPr>
-              <a:t>()) </a:t>
-            </a:r>
-            <a:r>
-              <a:rPr kumimoji="0" lang="en-US" sz="1200" b="0" i="0" u="none" strike="noStrike" cap="none" normalizeH="0" baseline="0" dirty="0" smtClean="0">
-                <a:ln>
-                  <a:noFill/>
-                </a:ln>
-                <a:solidFill>
-                  <a:srgbClr val="000000"/>
-                </a:solidFill>
-                <a:effectLst/>
-                <a:latin typeface="Consolas" pitchFamily="49" charset="0"/>
-                <a:cs typeface="Consolas" pitchFamily="49" charset="0"/>
-              </a:rPr>
-              <a:t>            </a:t>
+              <a:t>())             </a:t>
             </a:r>
           </a:p>
           <a:p>
@@ -32441,7 +34596,7 @@
               <a:tabLst/>
             </a:pPr>
             <a:r>
-              <a:rPr kumimoji="0" lang="en-US" sz="1200" b="0" i="0" u="none" strike="noStrike" cap="none" normalizeH="0" baseline="0" dirty="0" smtClean="0">
+              <a:rPr kumimoji="0" lang="en-US" b="0" i="0" u="none" strike="noStrike" cap="none" normalizeH="0" baseline="0" dirty="0" smtClean="0">
                 <a:ln>
                   <a:noFill/>
                 </a:ln>
@@ -32455,7 +34610,7 @@
               <a:t>{</a:t>
             </a:r>
             <a:r>
-              <a:rPr lang="nb-NO" sz="1200" dirty="0" smtClean="0">
+              <a:rPr lang="nb-NO" dirty="0" smtClean="0">
                 <a:solidFill>
                   <a:srgbClr val="000000"/>
                 </a:solidFill>
@@ -32464,13 +34619,6 @@
               </a:rPr>
               <a:t>	</a:t>
             </a:r>
-            <a:endParaRPr lang="nb-NO" sz="1200" dirty="0" smtClean="0">
-              <a:solidFill>
-                <a:srgbClr val="000000"/>
-              </a:solidFill>
-              <a:latin typeface="Consolas" pitchFamily="49" charset="0"/>
-              <a:cs typeface="Consolas" pitchFamily="49" charset="0"/>
-            </a:endParaRPr>
           </a:p>
           <a:p>
             <a:pPr defTabSz="914400" fontAlgn="base">
@@ -32482,7 +34630,7 @@
               </a:spcAft>
             </a:pPr>
             <a:r>
-              <a:rPr lang="nb-NO" sz="1200" dirty="0" smtClean="0">
+              <a:rPr lang="nb-NO" dirty="0" smtClean="0">
                 <a:solidFill>
                   <a:srgbClr val="00B050"/>
                 </a:solidFill>
@@ -32492,7 +34640,7 @@
               <a:t>	//</a:t>
             </a:r>
             <a:r>
-              <a:rPr lang="nb-NO" sz="1200" dirty="0">
+              <a:rPr lang="nb-NO" dirty="0">
                 <a:solidFill>
                   <a:srgbClr val="00B050"/>
                 </a:solidFill>
@@ -32502,7 +34650,7 @@
               <a:t>utfør operasjoner som gjør endringer mot databasen</a:t>
             </a:r>
             <a:r>
-              <a:rPr lang="nb-NO" sz="1200" dirty="0">
+              <a:rPr lang="nb-NO" dirty="0">
                 <a:solidFill>
                   <a:srgbClr val="000000"/>
                 </a:solidFill>
@@ -32511,7 +34659,7 @@
               </a:rPr>
               <a:t>	</a:t>
             </a:r>
-            <a:endParaRPr lang="nb-NO" sz="1200" dirty="0" smtClean="0">
+            <a:endParaRPr lang="nb-NO" dirty="0" smtClean="0">
               <a:solidFill>
                 <a:srgbClr val="000000"/>
               </a:solidFill>
@@ -32537,7 +34685,7 @@
               <a:tabLst/>
             </a:pPr>
             <a:r>
-              <a:rPr lang="nb-NO" sz="1200" dirty="0" smtClean="0">
+              <a:rPr lang="nb-NO" dirty="0" smtClean="0">
                 <a:solidFill>
                   <a:srgbClr val="000000"/>
                 </a:solidFill>
@@ -32546,7 +34694,7 @@
               </a:rPr>
               <a:t>	transactionScope.Complete();</a:t>
             </a:r>
-            <a:endParaRPr lang="nb-NO" sz="1200" dirty="0">
+            <a:endParaRPr lang="nb-NO" dirty="0">
               <a:solidFill>
                 <a:srgbClr val="000000"/>
               </a:solidFill>
@@ -32572,7 +34720,7 @@
               <a:tabLst/>
             </a:pPr>
             <a:r>
-              <a:rPr kumimoji="0" lang="en-US" sz="1200" b="0" i="0" u="none" strike="noStrike" cap="none" normalizeH="0" baseline="0" dirty="0" smtClean="0">
+              <a:rPr kumimoji="0" lang="en-US" b="0" i="0" u="none" strike="noStrike" cap="none" normalizeH="0" baseline="0" dirty="0" smtClean="0">
                 <a:ln>
                   <a:noFill/>
                 </a:ln>
@@ -32585,7 +34733,7 @@
               </a:rPr>
               <a:t>}</a:t>
             </a:r>
-            <a:endParaRPr kumimoji="0" lang="en-US" sz="1200" b="0" i="0" u="none" strike="noStrike" cap="none" normalizeH="0" baseline="0" dirty="0" smtClean="0">
+            <a:endParaRPr kumimoji="0" lang="en-US" b="0" i="0" u="none" strike="noStrike" cap="none" normalizeH="0" baseline="0" dirty="0" smtClean="0">
               <a:ln>
                 <a:noFill/>
               </a:ln>
@@ -32608,7 +34756,7 @@
         <p:spPr>
           <a:xfrm>
             <a:off x="321623" y="1127934"/>
-            <a:ext cx="8102827" cy="307777"/>
+            <a:ext cx="8102827" cy="400110"/>
           </a:xfrm>
           <a:prstGeom prst="rect">
             <a:avLst/>
@@ -32630,10 +34778,9 @@
               </a:spcAft>
             </a:pPr>
             <a:r>
-              <a:rPr lang="nb-NO" sz="1400" dirty="0" smtClean="0"/>
+              <a:rPr lang="nb-NO" sz="2000" dirty="0" smtClean="0"/>
               <a:t>Viktigheten av transaksjoner når man gjør endringer på data</a:t>
             </a:r>
-            <a:endParaRPr lang="nb-NO" sz="1400" dirty="0" smtClean="0"/>
           </a:p>
         </p:txBody>
       </p:sp>
@@ -32650,6 +34797,13 @@
   <p:transition>
     <p:fade thruBlk="1"/>
   </p:transition>
+  <p:timing>
+    <p:tnLst>
+      <p:par>
+        <p:cTn id="1" dur="indefinite" restart="never" nodeType="tmRoot"/>
+      </p:par>
+    </p:tnLst>
+  </p:timing>
 </p:sld>
 </file>
 

--- a/persistingData/persistingData.pptx
+++ b/persistingData/persistingData.pptx
@@ -138,7 +138,7 @@
   </p:defaultTextStyle>
   <p:extLst>
     <p:ext uri="{EFAFB233-063F-42B5-8137-9DF3F51BA10A}">
-      <p15:sldGuideLst xmlns:p15="http://schemas.microsoft.com/office/powerpoint/2012/main">
+      <p15:sldGuideLst xmlns:p15="http://schemas.microsoft.com/office/powerpoint/2012/main" xmlns="">
         <p15:guide id="1" orient="horz" pos="4196">
           <p15:clr>
             <a:srgbClr val="A4A3A4"/>
@@ -172,7 +172,7 @@
       </p15:sldGuideLst>
     </p:ext>
     <p:ext uri="{2D200454-40CA-4A62-9FC3-DE9A4176ACB9}">
-      <p15:notesGuideLst xmlns:p15="http://schemas.microsoft.com/office/powerpoint/2012/main">
+      <p15:notesGuideLst xmlns:p15="http://schemas.microsoft.com/office/powerpoint/2012/main" xmlns="">
         <p15:guide id="1" orient="horz" pos="2880">
           <p15:clr>
             <a:srgbClr val="A4A3A4"/>
@@ -629,7 +629,7 @@
             </a:pPr>
             <a:r>
               <a:rPr lang="nb-NO" baseline="0" dirty="0" smtClean="0"/>
-              <a:t>Identity Map – dictionary med oversikt over hvilke objekter som allerede er hentet ut i minne i nåværende kontekst</a:t>
+              <a:t>Caching – Trenger ikke hente opp samme objekt flere ganger (på primærnøkkel)</a:t>
             </a:r>
           </a:p>
           <a:p>
@@ -647,7 +647,11 @@
             </a:pPr>
             <a:r>
               <a:rPr lang="nb-NO" baseline="0" dirty="0" smtClean="0"/>
-              <a:t>Optimistic offline lock – anta at ikke data blir endret, men gi feilmelding hvis man ser at data er endret</a:t>
+              <a:t>Optimistic Concurrency – </a:t>
+            </a:r>
+            <a:r>
+              <a:rPr lang="nb-NO" baseline="0" dirty="0" smtClean="0"/>
+              <a:t>anta at ikke data blir endret, men gi feilmelding hvis man ser at data er endret</a:t>
             </a:r>
           </a:p>
           <a:p>
@@ -656,7 +660,11 @@
             </a:pPr>
             <a:r>
               <a:rPr lang="nb-NO" baseline="0" dirty="0" smtClean="0"/>
-              <a:t>Data mapper – mapping mellom objekter i c# POCO og tabeller</a:t>
+              <a:t>Data mapper – </a:t>
+            </a:r>
+            <a:r>
+              <a:rPr lang="nb-NO" baseline="0" dirty="0" smtClean="0"/>
+              <a:t>mapper tabell data til objekter</a:t>
             </a:r>
             <a:endParaRPr lang="en-US" dirty="0"/>
           </a:p>
@@ -1736,11 +1744,7 @@
           <a:p>
             <a:r>
               <a:rPr lang="nb-NO" baseline="0" dirty="0" smtClean="0"/>
-              <a:t>Dataadapteren er en bridge mellom databasen og frakoblede objekter i ado objektmodellen, Fill metoden gir mulighet for å plassere data fra en query inn i et dataset så de lett kan aksesseres</a:t>
-            </a:r>
-            <a:r>
-              <a:rPr lang="nb-NO" baseline="0" dirty="0" smtClean="0"/>
-              <a:t>.</a:t>
+              <a:t>Dataadapteren er en bridge mellom databasen og frakoblede objekter i ado objektmodellen, Fill metoden gir mulighet for å plassere data fra en query inn i et dataset så de lett kan aksesseres.</a:t>
             </a:r>
             <a:endParaRPr lang="en-US" baseline="0" dirty="0" smtClean="0"/>
           </a:p>
@@ -2494,11 +2498,7 @@
             </a:r>
             <a:r>
               <a:rPr lang="nb-NO" baseline="0" dirty="0" smtClean="0"/>
-              <a:t> datasource, samt definerer en enkel tabell med kolonner og primærnøkkel</a:t>
-            </a:r>
-            <a:r>
-              <a:rPr lang="nb-NO" baseline="0" dirty="0" smtClean="0"/>
-              <a:t>.</a:t>
+              <a:t> datasource, samt definerer en enkel tabell med kolonner og primærnøkkel.</a:t>
             </a:r>
           </a:p>
           <a:p>
@@ -13291,8 +13291,9 @@
             </a:pPr>
             <a:r>
               <a:rPr lang="nb-NO" sz="1400" dirty="0" smtClean="0"/>
-              <a:t>Identity Map</a:t>
-            </a:r>
+              <a:t>Caching</a:t>
+            </a:r>
+            <a:endParaRPr lang="nb-NO" sz="1400" dirty="0" smtClean="0"/>
           </a:p>
           <a:p>
             <a:pPr marL="342900" indent="-342900">
@@ -13323,8 +13324,9 @@
             </a:pPr>
             <a:r>
               <a:rPr lang="nb-NO" sz="1400" dirty="0" smtClean="0"/>
-              <a:t>Optimistic offline lock</a:t>
-            </a:r>
+              <a:t>Samtidighet</a:t>
+            </a:r>
+            <a:endParaRPr lang="nb-NO" sz="1400" dirty="0" smtClean="0"/>
           </a:p>
           <a:p>
             <a:pPr marL="342900" indent="-342900">
@@ -13339,7 +13341,11 @@
             </a:pPr>
             <a:r>
               <a:rPr lang="nb-NO" sz="1400" dirty="0" smtClean="0"/>
-              <a:t>Data mapper</a:t>
+              <a:t>Data </a:t>
+            </a:r>
+            <a:r>
+              <a:rPr lang="nb-NO" sz="1400" dirty="0" smtClean="0"/>
+              <a:t>mapper</a:t>
             </a:r>
           </a:p>
         </p:txBody>
@@ -14708,37 +14714,8 @@
                   <a:schemeClr val="bg1"/>
                 </a:solidFill>
               </a:rPr>
-              <a:t>I denne oppgaven skal vi ta utgangspunkt i WebAPI’et som vi lagde forrige kurskveld. Api’et vi da lagde </a:t>
-            </a:r>
-            <a:r>
-              <a:rPr lang="nb-NO" dirty="0" smtClean="0">
-                <a:solidFill>
-                  <a:schemeClr val="bg1"/>
-                </a:solidFill>
-              </a:rPr>
-              <a:t>hadde </a:t>
-            </a:r>
-            <a:r>
-              <a:rPr lang="nb-NO" dirty="0" smtClean="0">
-                <a:solidFill>
-                  <a:schemeClr val="bg1"/>
-                </a:solidFill>
-              </a:rPr>
-              <a:t>en statisk variabel som simulerer databasen</a:t>
-            </a:r>
-            <a:r>
-              <a:rPr lang="nb-NO" dirty="0" smtClean="0">
-                <a:solidFill>
-                  <a:schemeClr val="bg1"/>
-                </a:solidFill>
-              </a:rPr>
-              <a:t>.</a:t>
-            </a:r>
-            <a:endParaRPr lang="nb-NO" dirty="0" smtClean="0">
-              <a:solidFill>
-                <a:schemeClr val="bg1"/>
-              </a:solidFill>
-            </a:endParaRPr>
+              <a:t>I denne oppgaven skal vi ta utgangspunkt i WebAPI’et som vi lagde forrige kurskveld. Api’et vi da lagde hadde en statisk variabel som simulerer databasen.</a:t>
+            </a:r>
           </a:p>
           <a:p>
             <a:pPr algn="just"/>
@@ -14970,11 +14947,6 @@
               </a:rPr>
               <a:t> slik at det lagres data til databasen og ikke bare i minne.</a:t>
             </a:r>
-            <a:endParaRPr lang="nb-NO" dirty="0" smtClean="0">
-              <a:solidFill>
-                <a:schemeClr val="bg1"/>
-              </a:solidFill>
-            </a:endParaRPr>
           </a:p>
           <a:p>
             <a:pPr algn="just"/>
@@ -15050,7 +15022,7 @@
 </file>
 
 <file path=ppt/slides/slide15.xml><?xml version="1.0" encoding="utf-8"?>
-<p:sld xmlns:a="http://schemas.openxmlformats.org/drawingml/2006/main" xmlns:r="http://schemas.openxmlformats.org/officeDocument/2006/relationships" xmlns:p="http://schemas.openxmlformats.org/presentationml/2006/main">
+<p:sld xmlns:a="http://schemas.openxmlformats.org/drawingml/2006/main" xmlns:r="http://schemas.openxmlformats.org/officeDocument/2006/relationships" xmlns:p="http://schemas.openxmlformats.org/presentationml/2006/main" show="0">
   <p:cSld>
     <p:spTree>
       <p:nvGrpSpPr>
@@ -15154,6 +15126,13 @@
   <p:transition>
     <p:fade thruBlk="1"/>
   </p:transition>
+  <p:timing>
+    <p:tnLst>
+      <p:par>
+        <p:cTn id="1" dur="indefinite" restart="never" nodeType="tmRoot"/>
+      </p:par>
+    </p:tnLst>
+  </p:timing>
 </p:sld>
 </file>
 
@@ -28199,20 +28178,12 @@
               <a:rPr lang="nb-NO" sz="2000" dirty="0" smtClean="0"/>
               <a:t> Aksessere forskjellig typer data med de samme metodene </a:t>
             </a:r>
-            <a:r>
-              <a:rPr lang="nb-NO" sz="2000" dirty="0" smtClean="0"/>
-              <a:t/>
-            </a:r>
             <a:br>
               <a:rPr lang="nb-NO" sz="2000" dirty="0" smtClean="0"/>
             </a:br>
             <a:r>
               <a:rPr lang="nb-NO" sz="2000" dirty="0" smtClean="0"/>
-              <a:t>    (</a:t>
-            </a:r>
-            <a:r>
-              <a:rPr lang="nb-NO" sz="2000" dirty="0" smtClean="0"/>
-              <a:t>SQL, Oracle, MS Access)</a:t>
+              <a:t>    (SQL, Oracle, MS Access)</a:t>
             </a:r>
           </a:p>
           <a:p>
@@ -28239,15 +28210,7 @@
             </a:br>
             <a:r>
               <a:rPr lang="nb-NO" sz="2000" dirty="0" smtClean="0"/>
-              <a:t>    </a:t>
-            </a:r>
-            <a:r>
-              <a:rPr lang="nb-NO" sz="2000" dirty="0" smtClean="0"/>
-              <a:t>Object </a:t>
-            </a:r>
-            <a:r>
-              <a:rPr lang="nb-NO" sz="2000" dirty="0" smtClean="0"/>
-              <a:t>Relation Mapper (ORM) </a:t>
+              <a:t>    Object Relation Mapper (ORM) </a:t>
             </a:r>
           </a:p>
           <a:p>
